--- a/PPT/SIV.pptx
+++ b/PPT/SIV.pptx
@@ -5,7 +5,7 @@
     <p:sldMasterId id="2147483688" r:id="rId1"/>
   </p:sldMasterIdLst>
   <p:notesMasterIdLst>
-    <p:notesMasterId r:id="rId15"/>
+    <p:notesMasterId r:id="rId16"/>
   </p:notesMasterIdLst>
   <p:sldIdLst>
     <p:sldId id="268" r:id="rId2"/>
@@ -19,34 +19,35 @@
     <p:sldId id="262" r:id="rId10"/>
     <p:sldId id="263" r:id="rId11"/>
     <p:sldId id="264" r:id="rId12"/>
-    <p:sldId id="265" r:id="rId13"/>
+    <p:sldId id="270" r:id="rId13"/>
     <p:sldId id="266" r:id="rId14"/>
+    <p:sldId id="271" r:id="rId15"/>
   </p:sldIdLst>
   <p:sldSz cx="9144000" cy="5143500" type="screen16x9"/>
   <p:notesSz cx="6858000" cy="9144000"/>
   <p:embeddedFontLst>
     <p:embeddedFont>
       <p:font typeface="Calibri" panose="020F0502020204030204" pitchFamily="34" charset="0"/>
-      <p:regular r:id="rId16"/>
-      <p:bold r:id="rId17"/>
-      <p:italic r:id="rId18"/>
-      <p:boldItalic r:id="rId19"/>
+      <p:regular r:id="rId17"/>
+      <p:bold r:id="rId18"/>
+      <p:italic r:id="rId19"/>
+      <p:boldItalic r:id="rId20"/>
     </p:embeddedFont>
     <p:embeddedFont>
       <p:font typeface="Rockwell" panose="02060603020205020403" pitchFamily="18" charset="77"/>
-      <p:regular r:id="rId20"/>
-      <p:bold r:id="rId21"/>
-      <p:italic r:id="rId22"/>
-      <p:boldItalic r:id="rId23"/>
+      <p:regular r:id="rId21"/>
+      <p:bold r:id="rId22"/>
+      <p:italic r:id="rId23"/>
+      <p:boldItalic r:id="rId24"/>
     </p:embeddedFont>
     <p:embeddedFont>
       <p:font typeface="Rockwell Condensed" panose="02060603050405020104" pitchFamily="18" charset="77"/>
-      <p:regular r:id="rId24"/>
-      <p:bold r:id="rId25"/>
+      <p:regular r:id="rId25"/>
+      <p:bold r:id="rId26"/>
     </p:embeddedFont>
     <p:embeddedFont>
       <p:font typeface="Rockwell Extra Bold" panose="02060603020205020403" pitchFamily="18" charset="77"/>
-      <p:bold r:id="rId26"/>
+      <p:bold r:id="rId27"/>
     </p:embeddedFont>
   </p:embeddedFontLst>
   <p:defaultTextStyle>
@@ -713,7 +714,7 @@
   <p:cSld>
     <p:spTree>
       <p:nvGrpSpPr>
-        <p:cNvPr id="1" name="Shape 112"/>
+        <p:cNvPr id="1" name="Shape 107"/>
         <p:cNvGrpSpPr/>
         <p:nvPr/>
       </p:nvGrpSpPr>
@@ -727,7 +728,7 @@
       </p:grpSpPr>
       <p:sp>
         <p:nvSpPr>
-          <p:cNvPr id="113" name="Google Shape;113;g1196833d42f_0_7:notes"/>
+          <p:cNvPr id="108" name="Google Shape;108;g1196833d42f_0_14:notes"/>
           <p:cNvSpPr>
             <a:spLocks noGrp="1" noRot="1" noChangeAspect="1"/>
           </p:cNvSpPr>
@@ -768,7 +769,7 @@
       </p:sp>
       <p:sp>
         <p:nvSpPr>
-          <p:cNvPr id="114" name="Google Shape;114;g1196833d42f_0_7:notes"/>
+          <p:cNvPr id="109" name="Google Shape;109;g1196833d42f_0_14:notes"/>
           <p:cNvSpPr txBox="1">
             <a:spLocks noGrp="1"/>
           </p:cNvSpPr>
@@ -805,6 +806,11 @@
         </p:txBody>
       </p:sp>
     </p:spTree>
+    <p:extLst>
+      <p:ext uri="{BB962C8B-B14F-4D97-AF65-F5344CB8AC3E}">
+        <p14:creationId xmlns:p14="http://schemas.microsoft.com/office/powerpoint/2010/main" val="4047990157"/>
+      </p:ext>
+    </p:extLst>
   </p:cSld>
   <p:clrMapOvr>
     <a:masterClrMapping/>
@@ -909,6 +915,115 @@
         </p:txBody>
       </p:sp>
     </p:spTree>
+  </p:cSld>
+  <p:clrMapOvr>
+    <a:masterClrMapping/>
+  </p:clrMapOvr>
+</p:notes>
+</file>
+
+<file path=ppt/notesSlides/notesSlide12.xml><?xml version="1.0" encoding="utf-8"?>
+<p:notes xmlns:a="http://schemas.openxmlformats.org/drawingml/2006/main" xmlns:r="http://schemas.openxmlformats.org/officeDocument/2006/relationships" xmlns:p="http://schemas.openxmlformats.org/presentationml/2006/main" showMasterSp="0" showMasterPhAnim="0">
+  <p:cSld>
+    <p:spTree>
+      <p:nvGrpSpPr>
+        <p:cNvPr id="1" name="Shape 117"/>
+        <p:cNvGrpSpPr/>
+        <p:nvPr/>
+      </p:nvGrpSpPr>
+      <p:grpSpPr>
+        <a:xfrm>
+          <a:off x="0" y="0"/>
+          <a:ext cx="0" cy="0"/>
+          <a:chOff x="0" y="0"/>
+          <a:chExt cx="0" cy="0"/>
+        </a:xfrm>
+      </p:grpSpPr>
+      <p:sp>
+        <p:nvSpPr>
+          <p:cNvPr id="118" name="Google Shape;118;g1196833d42f_0_20:notes"/>
+          <p:cNvSpPr>
+            <a:spLocks noGrp="1" noRot="1" noChangeAspect="1"/>
+          </p:cNvSpPr>
+          <p:nvPr>
+            <p:ph type="sldImg" idx="2"/>
+          </p:nvPr>
+        </p:nvSpPr>
+        <p:spPr>
+          <a:xfrm>
+            <a:off x="381000" y="685800"/>
+            <a:ext cx="6096000" cy="3429000"/>
+          </a:xfrm>
+          <a:custGeom>
+            <a:avLst/>
+            <a:gdLst/>
+            <a:ahLst/>
+            <a:cxnLst/>
+            <a:rect l="l" t="t" r="r" b="b"/>
+            <a:pathLst>
+              <a:path w="120000" h="120000" extrusionOk="0">
+                <a:moveTo>
+                  <a:pt x="0" y="0"/>
+                </a:moveTo>
+                <a:lnTo>
+                  <a:pt x="120000" y="0"/>
+                </a:lnTo>
+                <a:lnTo>
+                  <a:pt x="120000" y="120000"/>
+                </a:lnTo>
+                <a:lnTo>
+                  <a:pt x="0" y="120000"/>
+                </a:lnTo>
+                <a:close/>
+              </a:path>
+            </a:pathLst>
+          </a:custGeom>
+        </p:spPr>
+      </p:sp>
+      <p:sp>
+        <p:nvSpPr>
+          <p:cNvPr id="119" name="Google Shape;119;g1196833d42f_0_20:notes"/>
+          <p:cNvSpPr txBox="1">
+            <a:spLocks noGrp="1"/>
+          </p:cNvSpPr>
+          <p:nvPr>
+            <p:ph type="body" idx="1"/>
+          </p:nvPr>
+        </p:nvSpPr>
+        <p:spPr>
+          <a:xfrm>
+            <a:off x="685800" y="4343400"/>
+            <a:ext cx="5486400" cy="4114800"/>
+          </a:xfrm>
+          <a:prstGeom prst="rect">
+            <a:avLst/>
+          </a:prstGeom>
+        </p:spPr>
+        <p:txBody>
+          <a:bodyPr spcFirstLastPara="1" wrap="square" lIns="91425" tIns="91425" rIns="91425" bIns="91425" anchor="t" anchorCtr="0">
+            <a:noAutofit/>
+          </a:bodyPr>
+          <a:lstStyle/>
+          <a:p>
+            <a:pPr marL="0" lvl="0" indent="0" algn="l" rtl="0">
+              <a:spcBef>
+                <a:spcPts val="0"/>
+              </a:spcBef>
+              <a:spcAft>
+                <a:spcPts val="0"/>
+              </a:spcAft>
+              <a:buNone/>
+            </a:pPr>
+            <a:endParaRPr/>
+          </a:p>
+        </p:txBody>
+      </p:sp>
+    </p:spTree>
+    <p:extLst>
+      <p:ext uri="{BB962C8B-B14F-4D97-AF65-F5344CB8AC3E}">
+        <p14:creationId xmlns:p14="http://schemas.microsoft.com/office/powerpoint/2010/main" val="2161738388"/>
+      </p:ext>
+    </p:extLst>
   </p:cSld>
   <p:clrMapOvr>
     <a:masterClrMapping/>
@@ -2254,7 +2369,7 @@
           <a:p>
             <a:fld id="{1160EA64-D806-43AC-9DF2-F8C432F32B4C}" type="datetimeFigureOut">
               <a:rPr lang="en-US" smtClean="0"/>
-              <a:t>3/10/22</a:t>
+              <a:t>3/11/22</a:t>
             </a:fld>
             <a:endParaRPr lang="en-US" dirty="0"/>
           </a:p>
@@ -2443,7 +2558,7 @@
           <a:p>
             <a:fld id="{E9F9C37B-1D36-470B-8223-D6C91242EC14}" type="datetimeFigureOut">
               <a:rPr lang="en-US" smtClean="0"/>
-              <a:t>3/10/22</a:t>
+              <a:t>3/11/22</a:t>
             </a:fld>
             <a:endParaRPr lang="en-US" dirty="0"/>
           </a:p>
@@ -2633,7 +2748,7 @@
           <a:p>
             <a:fld id="{67C6F52A-A82B-47A2-A83A-8C4C91F2D59F}" type="datetimeFigureOut">
               <a:rPr lang="en-US" smtClean="0"/>
-              <a:t>3/10/22</a:t>
+              <a:t>3/11/22</a:t>
             </a:fld>
             <a:endParaRPr lang="en-US" dirty="0"/>
           </a:p>
@@ -3766,7 +3881,7 @@
           <a:p>
             <a:fld id="{F070A7B3-6521-4DCA-87E5-044747A908C1}" type="datetimeFigureOut">
               <a:rPr lang="en-US" smtClean="0"/>
-              <a:t>3/10/22</a:t>
+              <a:t>3/11/22</a:t>
             </a:fld>
             <a:endParaRPr lang="en-US" dirty="0"/>
           </a:p>
@@ -4097,7 +4212,7 @@
           <a:p>
             <a:fld id="{1160EA64-D806-43AC-9DF2-F8C432F32B4C}" type="datetimeFigureOut">
               <a:rPr lang="en-US" smtClean="0"/>
-              <a:t>3/10/22</a:t>
+              <a:t>3/11/22</a:t>
             </a:fld>
             <a:endParaRPr lang="en-US" dirty="0"/>
           </a:p>
@@ -4567,7 +4682,7 @@
           <a:p>
             <a:fld id="{AB134690-1557-4C89-A502-4959FE7FAD70}" type="datetimeFigureOut">
               <a:rPr lang="en-US" smtClean="0"/>
-              <a:t>3/10/22</a:t>
+              <a:t>3/11/22</a:t>
             </a:fld>
             <a:endParaRPr lang="en-US" dirty="0"/>
           </a:p>
@@ -4988,7 +5103,7 @@
           <a:p>
             <a:fld id="{1160EA64-D806-43AC-9DF2-F8C432F32B4C}" type="datetimeFigureOut">
               <a:rPr lang="en-US" smtClean="0"/>
-              <a:t>3/10/22</a:t>
+              <a:t>3/11/22</a:t>
             </a:fld>
             <a:endParaRPr lang="en-US" dirty="0"/>
           </a:p>
@@ -5116,7 +5231,7 @@
           <a:p>
             <a:fld id="{E1037C31-9E7A-4F99-8774-A0E530DE1A42}" type="datetimeFigureOut">
               <a:rPr lang="en-US" smtClean="0"/>
-              <a:t>3/10/22</a:t>
+              <a:t>3/11/22</a:t>
             </a:fld>
             <a:endParaRPr lang="en-US" dirty="0"/>
           </a:p>
@@ -5244,7 +5359,7 @@
           <a:p>
             <a:fld id="{C278504F-A551-4DE0-9316-4DCD1D8CC752}" type="datetimeFigureOut">
               <a:rPr lang="en-US" smtClean="0"/>
-              <a:t>3/10/22</a:t>
+              <a:t>3/11/22</a:t>
             </a:fld>
             <a:endParaRPr lang="en-US" dirty="0"/>
           </a:p>
@@ -5612,7 +5727,7 @@
           <a:p>
             <a:fld id="{D1BE4249-C0D0-4B06-8692-E8BB871AF643}" type="datetimeFigureOut">
               <a:rPr lang="en-US" smtClean="0"/>
-              <a:t>3/10/22</a:t>
+              <a:t>3/11/22</a:t>
             </a:fld>
             <a:endParaRPr lang="en-US" dirty="0"/>
           </a:p>
@@ -6129,7 +6244,7 @@
           <a:p>
             <a:fld id="{042B0DB6-F5C7-45FB-8CF3-31B45F9C2DAC}" type="datetimeFigureOut">
               <a:rPr lang="en-US" smtClean="0"/>
-              <a:t>3/10/22</a:t>
+              <a:t>3/11/22</a:t>
             </a:fld>
             <a:endParaRPr lang="en-US" dirty="0"/>
           </a:p>
@@ -6494,7 +6609,7 @@
           <a:p>
             <a:fld id="{1160EA64-D806-43AC-9DF2-F8C432F32B4C}" type="datetimeFigureOut">
               <a:rPr lang="en-US" smtClean="0"/>
-              <a:t>3/10/22</a:t>
+              <a:t>3/11/22</a:t>
             </a:fld>
             <a:endParaRPr lang="en-US" dirty="0"/>
           </a:p>
@@ -7791,10 +7906,10 @@
               <a:buNone/>
             </a:pPr>
             <a:r>
-              <a:rPr lang="en"/>
+              <a:rPr lang="en" dirty="0"/>
               <a:t>Features:</a:t>
             </a:r>
-            <a:endParaRPr/>
+            <a:endParaRPr dirty="0"/>
           </a:p>
         </p:txBody>
       </p:sp>
@@ -7829,10 +7944,10 @@
               <a:buNone/>
             </a:pPr>
             <a:r>
-              <a:rPr lang="en"/>
+              <a:rPr lang="en" dirty="0"/>
               <a:t>-Lexical features</a:t>
             </a:r>
-            <a:endParaRPr/>
+            <a:endParaRPr dirty="0"/>
           </a:p>
           <a:p>
             <a:pPr marL="0" lvl="0" indent="0" algn="l" rtl="0">
@@ -7845,10 +7960,10 @@
               <a:buNone/>
             </a:pPr>
             <a:r>
-              <a:rPr lang="en"/>
+              <a:rPr lang="en" dirty="0"/>
               <a:t>-Blacklist features</a:t>
             </a:r>
-            <a:endParaRPr/>
+            <a:endParaRPr dirty="0"/>
           </a:p>
           <a:p>
             <a:pPr marL="0" lvl="0" indent="0" algn="l" rtl="0">
@@ -7861,10 +7976,10 @@
               <a:buNone/>
             </a:pPr>
             <a:r>
-              <a:rPr lang="en"/>
+              <a:rPr lang="en" dirty="0"/>
               <a:t>-Host-based features</a:t>
             </a:r>
-            <a:endParaRPr/>
+            <a:endParaRPr dirty="0"/>
           </a:p>
           <a:p>
             <a:pPr marL="0" lvl="0" indent="0" algn="l" rtl="0">
@@ -7877,10 +7992,10 @@
               <a:buNone/>
             </a:pPr>
             <a:r>
-              <a:rPr lang="en"/>
+              <a:rPr lang="en" dirty="0"/>
               <a:t>-Content features</a:t>
             </a:r>
-            <a:endParaRPr/>
+            <a:endParaRPr dirty="0"/>
           </a:p>
           <a:p>
             <a:pPr marL="0" lvl="0" indent="0" algn="l" rtl="0">
@@ -7893,10 +8008,10 @@
               <a:buNone/>
             </a:pPr>
             <a:r>
-              <a:rPr lang="en"/>
+              <a:rPr lang="en" dirty="0"/>
               <a:t>-context &amp; popularity features</a:t>
             </a:r>
-            <a:endParaRPr/>
+            <a:endParaRPr dirty="0"/>
           </a:p>
         </p:txBody>
       </p:sp>
@@ -7925,34 +8040,177 @@
           <a:chExt cx="0" cy="0"/>
         </a:xfrm>
       </p:grpSpPr>
-      <p:pic>
-        <p:nvPicPr>
-          <p:cNvPr id="111" name="Google Shape;111;p21"/>
-          <p:cNvPicPr preferRelativeResize="0"/>
+      <p:sp>
+        <p:nvSpPr>
+          <p:cNvPr id="4" name="Rectangle 3">
+            <a:extLst>
+              <a:ext uri="{FF2B5EF4-FFF2-40B4-BE49-F238E27FC236}">
+                <a16:creationId xmlns:a16="http://schemas.microsoft.com/office/drawing/2014/main" id="{D272D015-BC3B-394C-8761-5C19FC6360F6}"/>
+              </a:ext>
+            </a:extLst>
+          </p:cNvPr>
+          <p:cNvSpPr/>
           <p:nvPr/>
-        </p:nvPicPr>
-        <p:blipFill>
-          <a:blip r:embed="rId3">
-            <a:alphaModFix/>
-          </a:blip>
-          <a:stretch>
-            <a:fillRect/>
-          </a:stretch>
-        </p:blipFill>
+        </p:nvSpPr>
         <p:spPr>
           <a:xfrm>
-            <a:off x="0" y="0"/>
-            <a:ext cx="9143990" cy="5143500"/>
+            <a:off x="196612" y="348066"/>
+            <a:ext cx="8772821" cy="707886"/>
           </a:xfrm>
           <a:prstGeom prst="rect">
             <a:avLst/>
           </a:prstGeom>
           <a:noFill/>
-          <a:ln>
-            <a:noFill/>
-          </a:ln>
         </p:spPr>
-      </p:pic>
+        <p:txBody>
+          <a:bodyPr wrap="square" lIns="91440" tIns="45720" rIns="91440" bIns="45720">
+            <a:spAutoFit/>
+          </a:bodyPr>
+          <a:lstStyle/>
+          <a:p>
+            <a:r>
+              <a:rPr lang="en-GB" sz="4000" b="1" cap="none" spc="0" dirty="0">
+                <a:ln w="12700">
+                  <a:solidFill>
+                    <a:schemeClr val="tx2">
+                      <a:lumMod val="75000"/>
+                    </a:schemeClr>
+                  </a:solidFill>
+                  <a:prstDash val="solid"/>
+                </a:ln>
+                <a:pattFill prst="dkUpDiag">
+                  <a:fgClr>
+                    <a:schemeClr val="tx2"/>
+                  </a:fgClr>
+                  <a:bgClr>
+                    <a:schemeClr val="tx2">
+                      <a:lumMod val="20000"/>
+                      <a:lumOff val="80000"/>
+                    </a:schemeClr>
+                  </a:bgClr>
+                </a:pattFill>
+                <a:effectLst>
+                  <a:outerShdw dist="38100" dir="2640000" algn="bl" rotWithShape="0">
+                    <a:schemeClr val="tx2">
+                      <a:lumMod val="75000"/>
+                    </a:schemeClr>
+                  </a:outerShdw>
+                </a:effectLst>
+              </a:rPr>
+              <a:t>URLNet</a:t>
+            </a:r>
+          </a:p>
+        </p:txBody>
+      </p:sp>
+      <p:sp>
+        <p:nvSpPr>
+          <p:cNvPr id="6" name="Google Shape;106;p20">
+            <a:extLst>
+              <a:ext uri="{FF2B5EF4-FFF2-40B4-BE49-F238E27FC236}">
+                <a16:creationId xmlns:a16="http://schemas.microsoft.com/office/drawing/2014/main" id="{79AF2070-9D8E-B04E-855C-FAFF00FEFF27}"/>
+              </a:ext>
+            </a:extLst>
+          </p:cNvPr>
+          <p:cNvSpPr txBox="1">
+            <a:spLocks noGrp="1"/>
+          </p:cNvSpPr>
+          <p:nvPr>
+            <p:ph type="body" idx="1"/>
+          </p:nvPr>
+        </p:nvSpPr>
+        <p:spPr>
+          <a:xfrm>
+            <a:off x="387900" y="1406697"/>
+            <a:ext cx="8368200" cy="970743"/>
+          </a:xfrm>
+          <a:prstGeom prst="rect">
+            <a:avLst/>
+          </a:prstGeom>
+        </p:spPr>
+        <p:txBody>
+          <a:bodyPr spcFirstLastPara="1" wrap="square" lIns="91425" tIns="91425" rIns="91425" bIns="91425" anchor="t" anchorCtr="0">
+            <a:noAutofit/>
+          </a:bodyPr>
+          <a:lstStyle/>
+          <a:p>
+            <a:pPr marL="0" lvl="0" indent="0" algn="l" rtl="0">
+              <a:spcBef>
+                <a:spcPts val="0"/>
+              </a:spcBef>
+              <a:spcAft>
+                <a:spcPts val="0"/>
+              </a:spcAft>
+              <a:buNone/>
+            </a:pPr>
+            <a:r>
+              <a:rPr lang="en-US" dirty="0"/>
+              <a:t>Two major components of </a:t>
+            </a:r>
+            <a:r>
+              <a:rPr lang="en-US" dirty="0" err="1"/>
+              <a:t>URLNet</a:t>
+            </a:r>
+            <a:r>
+              <a:rPr lang="en-US" dirty="0"/>
+              <a:t> include:</a:t>
+            </a:r>
+          </a:p>
+          <a:p>
+            <a:pPr marL="0" lvl="0" indent="0" algn="l" rtl="0">
+              <a:spcBef>
+                <a:spcPts val="0"/>
+              </a:spcBef>
+              <a:spcAft>
+                <a:spcPts val="0"/>
+              </a:spcAft>
+              <a:buNone/>
+            </a:pPr>
+            <a:endParaRPr lang="en-US" dirty="0"/>
+          </a:p>
+          <a:p>
+            <a:pPr marL="285750" indent="-285750"/>
+            <a:r>
+              <a:rPr lang="en-US" dirty="0"/>
+              <a:t>Character-level </a:t>
+            </a:r>
+            <a:r>
+              <a:rPr lang="en-US" dirty="0">
+                <a:solidFill>
+                  <a:srgbClr val="FF0000"/>
+                </a:solidFill>
+              </a:rPr>
+              <a:t>CNN</a:t>
+            </a:r>
+            <a:r>
+              <a:rPr lang="en-US" dirty="0"/>
+              <a:t> for Malicious URL Detection.</a:t>
+            </a:r>
+          </a:p>
+          <a:p>
+            <a:pPr marL="285750" indent="-285750"/>
+            <a:r>
+              <a:rPr lang="en-US" dirty="0"/>
+              <a:t>Word-level </a:t>
+            </a:r>
+            <a:r>
+              <a:rPr lang="en-US" dirty="0">
+                <a:solidFill>
+                  <a:srgbClr val="FF0000"/>
+                </a:solidFill>
+              </a:rPr>
+              <a:t>CNN</a:t>
+            </a:r>
+            <a:r>
+              <a:rPr lang="en-US" dirty="0"/>
+              <a:t> for Malicious URL Detection</a:t>
+            </a:r>
+          </a:p>
+          <a:p>
+            <a:pPr marL="285750" indent="-285750"/>
+            <a:endParaRPr dirty="0"/>
+          </a:p>
+        </p:txBody>
+      </p:sp>
     </p:spTree>
   </p:cSld>
   <p:clrMapOvr>
@@ -7966,7 +8224,7 @@
   <p:cSld>
     <p:spTree>
       <p:nvGrpSpPr>
-        <p:cNvPr id="1" name="Shape 115"/>
+        <p:cNvPr id="1" name="Shape 110"/>
         <p:cNvGrpSpPr/>
         <p:nvPr/>
       </p:nvGrpSpPr>
@@ -7978,15 +8236,219 @@
           <a:chExt cx="0" cy="0"/>
         </a:xfrm>
       </p:grpSpPr>
+      <p:sp>
+        <p:nvSpPr>
+          <p:cNvPr id="4" name="Rectangle 3">
+            <a:extLst>
+              <a:ext uri="{FF2B5EF4-FFF2-40B4-BE49-F238E27FC236}">
+                <a16:creationId xmlns:a16="http://schemas.microsoft.com/office/drawing/2014/main" id="{D272D015-BC3B-394C-8761-5C19FC6360F6}"/>
+              </a:ext>
+            </a:extLst>
+          </p:cNvPr>
+          <p:cNvSpPr/>
+          <p:nvPr/>
+        </p:nvSpPr>
+        <p:spPr>
+          <a:xfrm>
+            <a:off x="196612" y="348066"/>
+            <a:ext cx="8772821" cy="707886"/>
+          </a:xfrm>
+          <a:prstGeom prst="rect">
+            <a:avLst/>
+          </a:prstGeom>
+          <a:noFill/>
+        </p:spPr>
+        <p:txBody>
+          <a:bodyPr wrap="square" lIns="91440" tIns="45720" rIns="91440" bIns="45720">
+            <a:spAutoFit/>
+          </a:bodyPr>
+          <a:lstStyle/>
+          <a:p>
+            <a:r>
+              <a:rPr lang="en-GB" sz="4000" b="1" cap="none" spc="0" dirty="0">
+                <a:ln w="12700">
+                  <a:solidFill>
+                    <a:schemeClr val="tx2">
+                      <a:lumMod val="75000"/>
+                    </a:schemeClr>
+                  </a:solidFill>
+                  <a:prstDash val="solid"/>
+                </a:ln>
+                <a:pattFill prst="dkUpDiag">
+                  <a:fgClr>
+                    <a:schemeClr val="tx2"/>
+                  </a:fgClr>
+                  <a:bgClr>
+                    <a:schemeClr val="tx2">
+                      <a:lumMod val="20000"/>
+                      <a:lumOff val="80000"/>
+                    </a:schemeClr>
+                  </a:bgClr>
+                </a:pattFill>
+                <a:effectLst>
+                  <a:outerShdw dist="38100" dir="2640000" algn="bl" rotWithShape="0">
+                    <a:schemeClr val="tx2">
+                      <a:lumMod val="75000"/>
+                    </a:schemeClr>
+                  </a:outerShdw>
+                </a:effectLst>
+              </a:rPr>
+              <a:t>URLNet</a:t>
+            </a:r>
+          </a:p>
+        </p:txBody>
+      </p:sp>
+      <p:sp>
+        <p:nvSpPr>
+          <p:cNvPr id="6" name="Google Shape;106;p20">
+            <a:extLst>
+              <a:ext uri="{FF2B5EF4-FFF2-40B4-BE49-F238E27FC236}">
+                <a16:creationId xmlns:a16="http://schemas.microsoft.com/office/drawing/2014/main" id="{79AF2070-9D8E-B04E-855C-FAFF00FEFF27}"/>
+              </a:ext>
+            </a:extLst>
+          </p:cNvPr>
+          <p:cNvSpPr txBox="1">
+            <a:spLocks noGrp="1"/>
+          </p:cNvSpPr>
+          <p:nvPr>
+            <p:ph type="body" idx="1"/>
+          </p:nvPr>
+        </p:nvSpPr>
+        <p:spPr>
+          <a:xfrm>
+            <a:off x="387900" y="1406697"/>
+            <a:ext cx="8368200" cy="1702263"/>
+          </a:xfrm>
+          <a:prstGeom prst="rect">
+            <a:avLst/>
+          </a:prstGeom>
+        </p:spPr>
+        <p:txBody>
+          <a:bodyPr spcFirstLastPara="1" wrap="square" lIns="91425" tIns="91425" rIns="91425" bIns="91425" anchor="t" anchorCtr="0">
+            <a:noAutofit/>
+          </a:bodyPr>
+          <a:lstStyle/>
+          <a:p>
+            <a:pPr marL="0" lvl="0" indent="0" algn="l" rtl="0">
+              <a:spcBef>
+                <a:spcPts val="0"/>
+              </a:spcBef>
+              <a:spcAft>
+                <a:spcPts val="0"/>
+              </a:spcAft>
+              <a:buNone/>
+            </a:pPr>
+            <a:r>
+              <a:rPr lang="en-US" dirty="0"/>
+              <a:t>Two major components of </a:t>
+            </a:r>
+            <a:r>
+              <a:rPr lang="en-US" dirty="0" err="1"/>
+              <a:t>URLNet</a:t>
+            </a:r>
+            <a:r>
+              <a:rPr lang="en-US" dirty="0"/>
+              <a:t> include:</a:t>
+            </a:r>
+          </a:p>
+          <a:p>
+            <a:pPr marL="0" lvl="0" indent="0" algn="l" rtl="0">
+              <a:spcBef>
+                <a:spcPts val="0"/>
+              </a:spcBef>
+              <a:spcAft>
+                <a:spcPts val="0"/>
+              </a:spcAft>
+              <a:buNone/>
+            </a:pPr>
+            <a:endParaRPr lang="en-US" dirty="0"/>
+          </a:p>
+          <a:p>
+            <a:pPr marL="285750" indent="-285750"/>
+            <a:r>
+              <a:rPr lang="en-US" dirty="0"/>
+              <a:t>Character-level </a:t>
+            </a:r>
+            <a:r>
+              <a:rPr lang="en-US" dirty="0">
+                <a:solidFill>
+                  <a:srgbClr val="FF0000"/>
+                </a:solidFill>
+              </a:rPr>
+              <a:t>CNN</a:t>
+            </a:r>
+            <a:r>
+              <a:rPr lang="en-US" dirty="0"/>
+              <a:t> for Malicious URL Detection.</a:t>
+            </a:r>
+          </a:p>
+          <a:p>
+            <a:pPr marL="285750" indent="-285750"/>
+            <a:r>
+              <a:rPr lang="en-US" dirty="0"/>
+              <a:t>Word-level </a:t>
+            </a:r>
+            <a:r>
+              <a:rPr lang="en-US" dirty="0">
+                <a:solidFill>
+                  <a:srgbClr val="FF0000"/>
+                </a:solidFill>
+              </a:rPr>
+              <a:t>CNN</a:t>
+            </a:r>
+            <a:r>
+              <a:rPr lang="en-US" dirty="0"/>
+              <a:t> for Malicious URL Detection</a:t>
+            </a:r>
+          </a:p>
+          <a:p>
+            <a:pPr marL="285750" indent="-285750"/>
+            <a:endParaRPr lang="en-US" dirty="0"/>
+          </a:p>
+          <a:p>
+            <a:pPr marL="285750" indent="-285750"/>
+            <a:endParaRPr lang="en-US" dirty="0"/>
+          </a:p>
+          <a:p>
+            <a:pPr marL="0" indent="0" algn="ctr">
+              <a:buNone/>
+            </a:pPr>
+            <a:r>
+              <a:rPr lang="en-US" dirty="0">
+                <a:solidFill>
+                  <a:srgbClr val="FF0000"/>
+                </a:solidFill>
+              </a:rPr>
+              <a:t>What is CNN ?</a:t>
+            </a:r>
+          </a:p>
+          <a:p>
+            <a:pPr marL="285750" indent="-285750"/>
+            <a:endParaRPr dirty="0"/>
+          </a:p>
+        </p:txBody>
+      </p:sp>
       <p:pic>
         <p:nvPicPr>
-          <p:cNvPr id="116" name="Google Shape;116;p22"/>
-          <p:cNvPicPr preferRelativeResize="0"/>
+          <p:cNvPr id="3" name="Picture 2" descr="Icon&#10;&#10;Description automatically generated">
+            <a:extLst>
+              <a:ext uri="{FF2B5EF4-FFF2-40B4-BE49-F238E27FC236}">
+                <a16:creationId xmlns:a16="http://schemas.microsoft.com/office/drawing/2014/main" id="{C295E034-6050-9248-AFB5-665C04FF6132}"/>
+              </a:ext>
+            </a:extLst>
+          </p:cNvPr>
+          <p:cNvPicPr>
+            <a:picLocks noChangeAspect="1"/>
+          </p:cNvPicPr>
           <p:nvPr/>
         </p:nvPicPr>
         <p:blipFill>
           <a:blip r:embed="rId3">
-            <a:alphaModFix/>
+            <a:extLst>
+              <a:ext uri="{837473B0-CC2E-450A-ABE3-18F120FF3D39}">
+                <a1611:picAttrSrcUrl xmlns:a1611="http://schemas.microsoft.com/office/drawing/2016/11/main" r:id="rId4"/>
+              </a:ext>
+            </a:extLst>
           </a:blip>
           <a:stretch>
             <a:fillRect/>
@@ -7994,19 +8456,68 @@
         </p:blipFill>
         <p:spPr>
           <a:xfrm>
-            <a:off x="0" y="0"/>
-            <a:ext cx="9144000" cy="5143505"/>
+            <a:off x="5234940" y="2480310"/>
+            <a:ext cx="857250" cy="857250"/>
+          </a:xfrm>
+          <a:prstGeom prst="rect">
+            <a:avLst/>
+          </a:prstGeom>
+        </p:spPr>
+      </p:pic>
+      <p:sp>
+        <p:nvSpPr>
+          <p:cNvPr id="5" name="TextBox 4">
+            <a:extLst>
+              <a:ext uri="{FF2B5EF4-FFF2-40B4-BE49-F238E27FC236}">
+                <a16:creationId xmlns:a16="http://schemas.microsoft.com/office/drawing/2014/main" id="{AEF1AE9D-39BA-6746-B1E8-F28EFFDBBCEA}"/>
+              </a:ext>
+            </a:extLst>
+          </p:cNvPr>
+          <p:cNvSpPr txBox="1"/>
+          <p:nvPr/>
+        </p:nvSpPr>
+        <p:spPr>
+          <a:xfrm>
+            <a:off x="2000250" y="5143500"/>
+            <a:ext cx="5143500" cy="230832"/>
           </a:xfrm>
           <a:prstGeom prst="rect">
             <a:avLst/>
           </a:prstGeom>
           <a:noFill/>
-          <a:ln>
-            <a:noFill/>
-          </a:ln>
         </p:spPr>
-      </p:pic>
+        <p:txBody>
+          <a:bodyPr wrap="square" rtlCol="0">
+            <a:spAutoFit/>
+          </a:bodyPr>
+          <a:lstStyle/>
+          <a:p>
+            <a:r>
+              <a:rPr lang="en-US" sz="900">
+                <a:hlinkClick r:id="rId4" tooltip="http://myedmondsnews.com/2018/04/live-in-edmonds-what-do-you-call-yourself/question-mark-1019820_1280/"/>
+              </a:rPr>
+              <a:t>This Photo</a:t>
+            </a:r>
+            <a:r>
+              <a:rPr lang="en-US" sz="900"/>
+              <a:t> by Unknown Author is licensed under </a:t>
+            </a:r>
+            <a:r>
+              <a:rPr lang="en-US" sz="900">
+                <a:hlinkClick r:id="rId5" tooltip="https://creativecommons.org/licenses/by/3.0/"/>
+              </a:rPr>
+              <a:t>CC BY</a:t>
+            </a:r>
+            <a:endParaRPr lang="en-US" sz="900"/>
+          </a:p>
+        </p:txBody>
+      </p:sp>
     </p:spTree>
+    <p:extLst>
+      <p:ext uri="{BB962C8B-B14F-4D97-AF65-F5344CB8AC3E}">
+        <p14:creationId xmlns:p14="http://schemas.microsoft.com/office/powerpoint/2010/main" val="1798095508"/>
+      </p:ext>
+    </p:extLst>
   </p:cSld>
   <p:clrMapOvr>
     <a:masterClrMapping/>
@@ -8033,52 +8544,77 @@
       </p:grpSpPr>
       <p:sp>
         <p:nvSpPr>
-          <p:cNvPr id="2" name="Rectangle 1">
+          <p:cNvPr id="4" name="Google Shape;105;p20">
             <a:extLst>
               <a:ext uri="{FF2B5EF4-FFF2-40B4-BE49-F238E27FC236}">
-                <a16:creationId xmlns:a16="http://schemas.microsoft.com/office/drawing/2014/main" id="{DF18F813-BE87-CF43-96FC-D7E010210DD3}"/>
+                <a16:creationId xmlns:a16="http://schemas.microsoft.com/office/drawing/2014/main" id="{4667A93C-49EA-8B45-9B29-30FAF54FB1C7}"/>
               </a:ext>
             </a:extLst>
           </p:cNvPr>
-          <p:cNvSpPr/>
-          <p:nvPr/>
+          <p:cNvSpPr txBox="1">
+            <a:spLocks noGrp="1"/>
+          </p:cNvSpPr>
+          <p:nvPr>
+            <p:ph type="title"/>
+          </p:nvPr>
         </p:nvSpPr>
         <p:spPr>
           <a:xfrm>
-            <a:off x="489098" y="520994"/>
-            <a:ext cx="1314784" cy="707886"/>
+            <a:off x="387900" y="458025"/>
+            <a:ext cx="8368200" cy="686100"/>
           </a:xfrm>
           <a:prstGeom prst="rect">
             <a:avLst/>
           </a:prstGeom>
-          <a:noFill/>
         </p:spPr>
         <p:txBody>
-          <a:bodyPr wrap="none" lIns="91440" tIns="45720" rIns="91440" bIns="45720">
-            <a:spAutoFit/>
+          <a:bodyPr spcFirstLastPara="1" wrap="square" lIns="91425" tIns="91425" rIns="91425" bIns="91425" anchor="b" anchorCtr="0">
+            <a:noAutofit/>
           </a:bodyPr>
           <a:lstStyle/>
           <a:p>
-            <a:pPr algn="ctr"/>
-            <a:r>
-              <a:rPr lang="en-GB" sz="4000" b="1" cap="none" spc="50" dirty="0">
-                <a:ln w="0"/>
-                <a:solidFill>
-                  <a:schemeClr val="tx1"/>
-                </a:solidFill>
-                <a:effectLst>
-                  <a:innerShdw blurRad="63500" dist="50800" dir="13500000">
-                    <a:srgbClr val="000000">
-                      <a:alpha val="50000"/>
-                    </a:srgbClr>
-                  </a:innerShdw>
-                </a:effectLst>
-              </a:rPr>
+            <a:pPr marL="0" lvl="0" indent="0" algn="l" rtl="0">
+              <a:spcBef>
+                <a:spcPts val="0"/>
+              </a:spcBef>
+              <a:spcAft>
+                <a:spcPts val="0"/>
+              </a:spcAft>
+              <a:buNone/>
+            </a:pPr>
+            <a:r>
+              <a:rPr lang="en" dirty="0"/>
               <a:t>CNN</a:t>
             </a:r>
-          </a:p>
-        </p:txBody>
-      </p:sp>
+            <a:endParaRPr dirty="0"/>
+          </a:p>
+        </p:txBody>
+      </p:sp>
+    </p:spTree>
+  </p:cSld>
+  <p:clrMapOvr>
+    <a:masterClrMapping/>
+  </p:clrMapOvr>
+</p:sld>
+</file>
+
+<file path=ppt/slides/slide14.xml><?xml version="1.0" encoding="utf-8"?>
+<p:sld xmlns:a="http://schemas.openxmlformats.org/drawingml/2006/main" xmlns:r="http://schemas.openxmlformats.org/officeDocument/2006/relationships" xmlns:p="http://schemas.openxmlformats.org/presentationml/2006/main">
+  <p:cSld>
+    <p:spTree>
+      <p:nvGrpSpPr>
+        <p:cNvPr id="1" name="Shape 120"/>
+        <p:cNvGrpSpPr/>
+        <p:nvPr/>
+      </p:nvGrpSpPr>
+      <p:grpSpPr>
+        <a:xfrm>
+          <a:off x="0" y="0"/>
+          <a:ext cx="0" cy="0"/>
+          <a:chOff x="0" y="0"/>
+          <a:chExt cx="0" cy="0"/>
+        </a:xfrm>
+      </p:grpSpPr>
       <p:sp>
         <p:nvSpPr>
           <p:cNvPr id="5" name="TextBox 4">
@@ -8093,8 +8629,8 @@
         </p:nvSpPr>
         <p:spPr>
           <a:xfrm>
-            <a:off x="489098" y="1473430"/>
-            <a:ext cx="7187930" cy="4678204"/>
+            <a:off x="387900" y="1207600"/>
+            <a:ext cx="7187930" cy="3477875"/>
           </a:xfrm>
           <a:prstGeom prst="rect">
             <a:avLst/>
@@ -8261,49 +8797,62 @@
               </a:solidFill>
             </a:endParaRPr>
           </a:p>
-          <a:p>
-            <a:pPr marL="800100" lvl="1" indent="-342900">
-              <a:buFont typeface="Arial" panose="020B0604020202020204" pitchFamily="34" charset="0"/>
-              <a:buChar char="•"/>
+        </p:txBody>
+      </p:sp>
+      <p:sp>
+        <p:nvSpPr>
+          <p:cNvPr id="4" name="Google Shape;105;p20">
+            <a:extLst>
+              <a:ext uri="{FF2B5EF4-FFF2-40B4-BE49-F238E27FC236}">
+                <a16:creationId xmlns:a16="http://schemas.microsoft.com/office/drawing/2014/main" id="{4667A93C-49EA-8B45-9B29-30FAF54FB1C7}"/>
+              </a:ext>
+            </a:extLst>
+          </p:cNvPr>
+          <p:cNvSpPr txBox="1">
+            <a:spLocks noGrp="1"/>
+          </p:cNvSpPr>
+          <p:nvPr>
+            <p:ph type="title"/>
+          </p:nvPr>
+        </p:nvSpPr>
+        <p:spPr>
+          <a:xfrm>
+            <a:off x="387900" y="458025"/>
+            <a:ext cx="8368200" cy="686100"/>
+          </a:xfrm>
+          <a:prstGeom prst="rect">
+            <a:avLst/>
+          </a:prstGeom>
+        </p:spPr>
+        <p:txBody>
+          <a:bodyPr spcFirstLastPara="1" wrap="square" lIns="91425" tIns="91425" rIns="91425" bIns="91425" anchor="b" anchorCtr="0">
+            <a:noAutofit/>
+          </a:bodyPr>
+          <a:lstStyle/>
+          <a:p>
+            <a:pPr marL="0" lvl="0" indent="0" algn="l" rtl="0">
+              <a:spcBef>
+                <a:spcPts val="0"/>
+              </a:spcBef>
+              <a:spcAft>
+                <a:spcPts val="0"/>
+              </a:spcAft>
+              <a:buNone/>
             </a:pPr>
-            <a:endParaRPr lang="en-US" sz="2000" dirty="0">
-              <a:solidFill>
-                <a:schemeClr val="tx1"/>
-              </a:solidFill>
-            </a:endParaRPr>
-          </a:p>
-          <a:p>
-            <a:pPr marL="800100" lvl="1" indent="-342900">
-              <a:buFont typeface="Arial" panose="020B0604020202020204" pitchFamily="34" charset="0"/>
-              <a:buChar char="•"/>
-            </a:pPr>
-            <a:endParaRPr lang="en-US" sz="2000" dirty="0">
-              <a:solidFill>
-                <a:schemeClr val="tx1"/>
-              </a:solidFill>
-            </a:endParaRPr>
-          </a:p>
-          <a:p>
-            <a:pPr marL="342900" indent="-342900">
-              <a:buFont typeface="Arial" panose="020B0604020202020204" pitchFamily="34" charset="0"/>
-              <a:buChar char="•"/>
-            </a:pPr>
-            <a:endParaRPr lang="en-US" sz="2000" dirty="0">
-              <a:solidFill>
-                <a:schemeClr val="tx1"/>
-              </a:solidFill>
-            </a:endParaRPr>
-          </a:p>
-          <a:p>
-            <a:pPr marL="285750" indent="-285750">
-              <a:buFont typeface="Arial" panose="020B0604020202020204" pitchFamily="34" charset="0"/>
-              <a:buChar char="•"/>
-            </a:pPr>
-            <a:endParaRPr lang="en-US" dirty="0"/>
+            <a:r>
+              <a:rPr lang="en" dirty="0"/>
+              <a:t>CNN</a:t>
+            </a:r>
+            <a:endParaRPr dirty="0"/>
           </a:p>
         </p:txBody>
       </p:sp>
     </p:spTree>
+    <p:extLst>
+      <p:ext uri="{BB962C8B-B14F-4D97-AF65-F5344CB8AC3E}">
+        <p14:creationId xmlns:p14="http://schemas.microsoft.com/office/powerpoint/2010/main" val="725162119"/>
+      </p:ext>
+    </p:extLst>
   </p:cSld>
   <p:clrMapOvr>
     <a:masterClrMapping/>

--- a/PPT/SIV.pptx
+++ b/PPT/SIV.pptx
@@ -5,7 +5,7 @@
     <p:sldMasterId id="2147483688" r:id="rId1"/>
   </p:sldMasterIdLst>
   <p:notesMasterIdLst>
-    <p:notesMasterId r:id="rId16"/>
+    <p:notesMasterId r:id="rId19"/>
   </p:notesMasterIdLst>
   <p:sldIdLst>
     <p:sldId id="268" r:id="rId2"/>
@@ -22,32 +22,35 @@
     <p:sldId id="270" r:id="rId13"/>
     <p:sldId id="266" r:id="rId14"/>
     <p:sldId id="271" r:id="rId15"/>
+    <p:sldId id="273" r:id="rId16"/>
+    <p:sldId id="274" r:id="rId17"/>
+    <p:sldId id="272" r:id="rId18"/>
   </p:sldIdLst>
   <p:sldSz cx="9144000" cy="5143500" type="screen16x9"/>
   <p:notesSz cx="6858000" cy="9144000"/>
   <p:embeddedFontLst>
     <p:embeddedFont>
       <p:font typeface="Calibri" panose="020F0502020204030204" pitchFamily="34" charset="0"/>
-      <p:regular r:id="rId17"/>
-      <p:bold r:id="rId18"/>
-      <p:italic r:id="rId19"/>
-      <p:boldItalic r:id="rId20"/>
+      <p:regular r:id="rId20"/>
+      <p:bold r:id="rId21"/>
+      <p:italic r:id="rId22"/>
+      <p:boldItalic r:id="rId23"/>
     </p:embeddedFont>
     <p:embeddedFont>
       <p:font typeface="Rockwell" panose="02060603020205020403" pitchFamily="18" charset="77"/>
-      <p:regular r:id="rId21"/>
-      <p:bold r:id="rId22"/>
-      <p:italic r:id="rId23"/>
-      <p:boldItalic r:id="rId24"/>
+      <p:regular r:id="rId24"/>
+      <p:bold r:id="rId25"/>
+      <p:italic r:id="rId26"/>
+      <p:boldItalic r:id="rId27"/>
     </p:embeddedFont>
     <p:embeddedFont>
       <p:font typeface="Rockwell Condensed" panose="02060603050405020104" pitchFamily="18" charset="77"/>
-      <p:regular r:id="rId25"/>
-      <p:bold r:id="rId26"/>
+      <p:regular r:id="rId28"/>
+      <p:bold r:id="rId29"/>
     </p:embeddedFont>
     <p:embeddedFont>
       <p:font typeface="Rockwell Extra Bold" panose="02060603020205020403" pitchFamily="18" charset="77"/>
-      <p:bold r:id="rId27"/>
+      <p:bold r:id="rId30"/>
     </p:embeddedFont>
   </p:embeddedFontLst>
   <p:defaultTextStyle>
@@ -1022,6 +1025,333 @@
     <p:extLst>
       <p:ext uri="{BB962C8B-B14F-4D97-AF65-F5344CB8AC3E}">
         <p14:creationId xmlns:p14="http://schemas.microsoft.com/office/powerpoint/2010/main" val="2161738388"/>
+      </p:ext>
+    </p:extLst>
+  </p:cSld>
+  <p:clrMapOvr>
+    <a:masterClrMapping/>
+  </p:clrMapOvr>
+</p:notes>
+</file>
+
+<file path=ppt/notesSlides/notesSlide13.xml><?xml version="1.0" encoding="utf-8"?>
+<p:notes xmlns:a="http://schemas.openxmlformats.org/drawingml/2006/main" xmlns:r="http://schemas.openxmlformats.org/officeDocument/2006/relationships" xmlns:p="http://schemas.openxmlformats.org/presentationml/2006/main" showMasterSp="0" showMasterPhAnim="0">
+  <p:cSld>
+    <p:spTree>
+      <p:nvGrpSpPr>
+        <p:cNvPr id="1" name="Shape 117"/>
+        <p:cNvGrpSpPr/>
+        <p:nvPr/>
+      </p:nvGrpSpPr>
+      <p:grpSpPr>
+        <a:xfrm>
+          <a:off x="0" y="0"/>
+          <a:ext cx="0" cy="0"/>
+          <a:chOff x="0" y="0"/>
+          <a:chExt cx="0" cy="0"/>
+        </a:xfrm>
+      </p:grpSpPr>
+      <p:sp>
+        <p:nvSpPr>
+          <p:cNvPr id="118" name="Google Shape;118;g1196833d42f_0_20:notes"/>
+          <p:cNvSpPr>
+            <a:spLocks noGrp="1" noRot="1" noChangeAspect="1"/>
+          </p:cNvSpPr>
+          <p:nvPr>
+            <p:ph type="sldImg" idx="2"/>
+          </p:nvPr>
+        </p:nvSpPr>
+        <p:spPr>
+          <a:xfrm>
+            <a:off x="381000" y="685800"/>
+            <a:ext cx="6096000" cy="3429000"/>
+          </a:xfrm>
+          <a:custGeom>
+            <a:avLst/>
+            <a:gdLst/>
+            <a:ahLst/>
+            <a:cxnLst/>
+            <a:rect l="l" t="t" r="r" b="b"/>
+            <a:pathLst>
+              <a:path w="120000" h="120000" extrusionOk="0">
+                <a:moveTo>
+                  <a:pt x="0" y="0"/>
+                </a:moveTo>
+                <a:lnTo>
+                  <a:pt x="120000" y="0"/>
+                </a:lnTo>
+                <a:lnTo>
+                  <a:pt x="120000" y="120000"/>
+                </a:lnTo>
+                <a:lnTo>
+                  <a:pt x="0" y="120000"/>
+                </a:lnTo>
+                <a:close/>
+              </a:path>
+            </a:pathLst>
+          </a:custGeom>
+        </p:spPr>
+      </p:sp>
+      <p:sp>
+        <p:nvSpPr>
+          <p:cNvPr id="119" name="Google Shape;119;g1196833d42f_0_20:notes"/>
+          <p:cNvSpPr txBox="1">
+            <a:spLocks noGrp="1"/>
+          </p:cNvSpPr>
+          <p:nvPr>
+            <p:ph type="body" idx="1"/>
+          </p:nvPr>
+        </p:nvSpPr>
+        <p:spPr>
+          <a:xfrm>
+            <a:off x="685800" y="4343400"/>
+            <a:ext cx="5486400" cy="4114800"/>
+          </a:xfrm>
+          <a:prstGeom prst="rect">
+            <a:avLst/>
+          </a:prstGeom>
+        </p:spPr>
+        <p:txBody>
+          <a:bodyPr spcFirstLastPara="1" wrap="square" lIns="91425" tIns="91425" rIns="91425" bIns="91425" anchor="t" anchorCtr="0">
+            <a:noAutofit/>
+          </a:bodyPr>
+          <a:lstStyle/>
+          <a:p>
+            <a:pPr marL="0" lvl="0" indent="0" algn="l" rtl="0">
+              <a:spcBef>
+                <a:spcPts val="0"/>
+              </a:spcBef>
+              <a:spcAft>
+                <a:spcPts val="0"/>
+              </a:spcAft>
+              <a:buNone/>
+            </a:pPr>
+            <a:endParaRPr/>
+          </a:p>
+        </p:txBody>
+      </p:sp>
+    </p:spTree>
+    <p:extLst>
+      <p:ext uri="{BB962C8B-B14F-4D97-AF65-F5344CB8AC3E}">
+        <p14:creationId xmlns:p14="http://schemas.microsoft.com/office/powerpoint/2010/main" val="344075980"/>
+      </p:ext>
+    </p:extLst>
+  </p:cSld>
+  <p:clrMapOvr>
+    <a:masterClrMapping/>
+  </p:clrMapOvr>
+</p:notes>
+</file>
+
+<file path=ppt/notesSlides/notesSlide14.xml><?xml version="1.0" encoding="utf-8"?>
+<p:notes xmlns:a="http://schemas.openxmlformats.org/drawingml/2006/main" xmlns:r="http://schemas.openxmlformats.org/officeDocument/2006/relationships" xmlns:p="http://schemas.openxmlformats.org/presentationml/2006/main" showMasterSp="0" showMasterPhAnim="0">
+  <p:cSld>
+    <p:spTree>
+      <p:nvGrpSpPr>
+        <p:cNvPr id="1" name="Shape 117"/>
+        <p:cNvGrpSpPr/>
+        <p:nvPr/>
+      </p:nvGrpSpPr>
+      <p:grpSpPr>
+        <a:xfrm>
+          <a:off x="0" y="0"/>
+          <a:ext cx="0" cy="0"/>
+          <a:chOff x="0" y="0"/>
+          <a:chExt cx="0" cy="0"/>
+        </a:xfrm>
+      </p:grpSpPr>
+      <p:sp>
+        <p:nvSpPr>
+          <p:cNvPr id="118" name="Google Shape;118;g1196833d42f_0_20:notes"/>
+          <p:cNvSpPr>
+            <a:spLocks noGrp="1" noRot="1" noChangeAspect="1"/>
+          </p:cNvSpPr>
+          <p:nvPr>
+            <p:ph type="sldImg" idx="2"/>
+          </p:nvPr>
+        </p:nvSpPr>
+        <p:spPr>
+          <a:xfrm>
+            <a:off x="381000" y="685800"/>
+            <a:ext cx="6096000" cy="3429000"/>
+          </a:xfrm>
+          <a:custGeom>
+            <a:avLst/>
+            <a:gdLst/>
+            <a:ahLst/>
+            <a:cxnLst/>
+            <a:rect l="l" t="t" r="r" b="b"/>
+            <a:pathLst>
+              <a:path w="120000" h="120000" extrusionOk="0">
+                <a:moveTo>
+                  <a:pt x="0" y="0"/>
+                </a:moveTo>
+                <a:lnTo>
+                  <a:pt x="120000" y="0"/>
+                </a:lnTo>
+                <a:lnTo>
+                  <a:pt x="120000" y="120000"/>
+                </a:lnTo>
+                <a:lnTo>
+                  <a:pt x="0" y="120000"/>
+                </a:lnTo>
+                <a:close/>
+              </a:path>
+            </a:pathLst>
+          </a:custGeom>
+        </p:spPr>
+      </p:sp>
+      <p:sp>
+        <p:nvSpPr>
+          <p:cNvPr id="119" name="Google Shape;119;g1196833d42f_0_20:notes"/>
+          <p:cNvSpPr txBox="1">
+            <a:spLocks noGrp="1"/>
+          </p:cNvSpPr>
+          <p:nvPr>
+            <p:ph type="body" idx="1"/>
+          </p:nvPr>
+        </p:nvSpPr>
+        <p:spPr>
+          <a:xfrm>
+            <a:off x="685800" y="4343400"/>
+            <a:ext cx="5486400" cy="4114800"/>
+          </a:xfrm>
+          <a:prstGeom prst="rect">
+            <a:avLst/>
+          </a:prstGeom>
+        </p:spPr>
+        <p:txBody>
+          <a:bodyPr spcFirstLastPara="1" wrap="square" lIns="91425" tIns="91425" rIns="91425" bIns="91425" anchor="t" anchorCtr="0">
+            <a:noAutofit/>
+          </a:bodyPr>
+          <a:lstStyle/>
+          <a:p>
+            <a:pPr marL="0" lvl="0" indent="0" algn="l" rtl="0">
+              <a:spcBef>
+                <a:spcPts val="0"/>
+              </a:spcBef>
+              <a:spcAft>
+                <a:spcPts val="0"/>
+              </a:spcAft>
+              <a:buNone/>
+            </a:pPr>
+            <a:endParaRPr/>
+          </a:p>
+        </p:txBody>
+      </p:sp>
+    </p:spTree>
+    <p:extLst>
+      <p:ext uri="{BB962C8B-B14F-4D97-AF65-F5344CB8AC3E}">
+        <p14:creationId xmlns:p14="http://schemas.microsoft.com/office/powerpoint/2010/main" val="927486829"/>
+      </p:ext>
+    </p:extLst>
+  </p:cSld>
+  <p:clrMapOvr>
+    <a:masterClrMapping/>
+  </p:clrMapOvr>
+</p:notes>
+</file>
+
+<file path=ppt/notesSlides/notesSlide15.xml><?xml version="1.0" encoding="utf-8"?>
+<p:notes xmlns:a="http://schemas.openxmlformats.org/drawingml/2006/main" xmlns:r="http://schemas.openxmlformats.org/officeDocument/2006/relationships" xmlns:p="http://schemas.openxmlformats.org/presentationml/2006/main" showMasterSp="0" showMasterPhAnim="0">
+  <p:cSld>
+    <p:spTree>
+      <p:nvGrpSpPr>
+        <p:cNvPr id="1" name="Shape 117"/>
+        <p:cNvGrpSpPr/>
+        <p:nvPr/>
+      </p:nvGrpSpPr>
+      <p:grpSpPr>
+        <a:xfrm>
+          <a:off x="0" y="0"/>
+          <a:ext cx="0" cy="0"/>
+          <a:chOff x="0" y="0"/>
+          <a:chExt cx="0" cy="0"/>
+        </a:xfrm>
+      </p:grpSpPr>
+      <p:sp>
+        <p:nvSpPr>
+          <p:cNvPr id="118" name="Google Shape;118;g1196833d42f_0_20:notes"/>
+          <p:cNvSpPr>
+            <a:spLocks noGrp="1" noRot="1" noChangeAspect="1"/>
+          </p:cNvSpPr>
+          <p:nvPr>
+            <p:ph type="sldImg" idx="2"/>
+          </p:nvPr>
+        </p:nvSpPr>
+        <p:spPr>
+          <a:xfrm>
+            <a:off x="381000" y="685800"/>
+            <a:ext cx="6096000" cy="3429000"/>
+          </a:xfrm>
+          <a:custGeom>
+            <a:avLst/>
+            <a:gdLst/>
+            <a:ahLst/>
+            <a:cxnLst/>
+            <a:rect l="l" t="t" r="r" b="b"/>
+            <a:pathLst>
+              <a:path w="120000" h="120000" extrusionOk="0">
+                <a:moveTo>
+                  <a:pt x="0" y="0"/>
+                </a:moveTo>
+                <a:lnTo>
+                  <a:pt x="120000" y="0"/>
+                </a:lnTo>
+                <a:lnTo>
+                  <a:pt x="120000" y="120000"/>
+                </a:lnTo>
+                <a:lnTo>
+                  <a:pt x="0" y="120000"/>
+                </a:lnTo>
+                <a:close/>
+              </a:path>
+            </a:pathLst>
+          </a:custGeom>
+        </p:spPr>
+      </p:sp>
+      <p:sp>
+        <p:nvSpPr>
+          <p:cNvPr id="119" name="Google Shape;119;g1196833d42f_0_20:notes"/>
+          <p:cNvSpPr txBox="1">
+            <a:spLocks noGrp="1"/>
+          </p:cNvSpPr>
+          <p:nvPr>
+            <p:ph type="body" idx="1"/>
+          </p:nvPr>
+        </p:nvSpPr>
+        <p:spPr>
+          <a:xfrm>
+            <a:off x="685800" y="4343400"/>
+            <a:ext cx="5486400" cy="4114800"/>
+          </a:xfrm>
+          <a:prstGeom prst="rect">
+            <a:avLst/>
+          </a:prstGeom>
+        </p:spPr>
+        <p:txBody>
+          <a:bodyPr spcFirstLastPara="1" wrap="square" lIns="91425" tIns="91425" rIns="91425" bIns="91425" anchor="t" anchorCtr="0">
+            <a:noAutofit/>
+          </a:bodyPr>
+          <a:lstStyle/>
+          <a:p>
+            <a:pPr marL="0" lvl="0" indent="0" algn="l" rtl="0">
+              <a:spcBef>
+                <a:spcPts val="0"/>
+              </a:spcBef>
+              <a:spcAft>
+                <a:spcPts val="0"/>
+              </a:spcAft>
+              <a:buNone/>
+            </a:pPr>
+            <a:endParaRPr/>
+          </a:p>
+        </p:txBody>
+      </p:sp>
+    </p:spTree>
+    <p:extLst>
+      <p:ext uri="{BB962C8B-B14F-4D97-AF65-F5344CB8AC3E}">
+        <p14:creationId xmlns:p14="http://schemas.microsoft.com/office/powerpoint/2010/main" val="3538742075"/>
       </p:ext>
     </p:extLst>
   </p:cSld>
@@ -8144,15 +8474,7 @@
             </a:pPr>
             <a:r>
               <a:rPr lang="en-US" dirty="0"/>
-              <a:t>Two major components of </a:t>
-            </a:r>
-            <a:r>
-              <a:rPr lang="en-US" dirty="0" err="1"/>
-              <a:t>URLNet</a:t>
-            </a:r>
-            <a:r>
-              <a:rPr lang="en-US" dirty="0"/>
-              <a:t> include:</a:t>
+              <a:t>Two major components of URLNet include:</a:t>
             </a:r>
           </a:p>
           <a:p>
@@ -8340,15 +8662,7 @@
             </a:pPr>
             <a:r>
               <a:rPr lang="en-US" dirty="0"/>
-              <a:t>Two major components of </a:t>
-            </a:r>
-            <a:r>
-              <a:rPr lang="en-US" dirty="0" err="1"/>
-              <a:t>URLNet</a:t>
-            </a:r>
-            <a:r>
-              <a:rPr lang="en-US" dirty="0"/>
-              <a:t> include:</a:t>
+              <a:t>Two major components of URLNet include:</a:t>
             </a:r>
           </a:p>
           <a:p>
@@ -8590,6 +8904,90 @@
           </a:p>
         </p:txBody>
       </p:sp>
+      <p:pic>
+        <p:nvPicPr>
+          <p:cNvPr id="3" name="Picture 2" descr="Diagram, schematic&#10;&#10;Description automatically generated">
+            <a:extLst>
+              <a:ext uri="{FF2B5EF4-FFF2-40B4-BE49-F238E27FC236}">
+                <a16:creationId xmlns:a16="http://schemas.microsoft.com/office/drawing/2014/main" id="{42DE55A9-049E-9F4E-A368-278F44624220}"/>
+              </a:ext>
+            </a:extLst>
+          </p:cNvPr>
+          <p:cNvPicPr>
+            <a:picLocks noChangeAspect="1"/>
+          </p:cNvPicPr>
+          <p:nvPr/>
+        </p:nvPicPr>
+        <p:blipFill>
+          <a:blip r:embed="rId3">
+            <a:extLst>
+              <a:ext uri="{837473B0-CC2E-450A-ABE3-18F120FF3D39}">
+                <a1611:picAttrSrcUrl xmlns:a1611="http://schemas.microsoft.com/office/drawing/2016/11/main" r:id="rId4"/>
+              </a:ext>
+            </a:extLst>
+          </a:blip>
+          <a:stretch>
+            <a:fillRect/>
+          </a:stretch>
+        </p:blipFill>
+        <p:spPr>
+          <a:xfrm>
+            <a:off x="1600200" y="1028700"/>
+            <a:ext cx="5943600" cy="3086100"/>
+          </a:xfrm>
+          <a:prstGeom prst="rect">
+            <a:avLst/>
+          </a:prstGeom>
+        </p:spPr>
+      </p:pic>
+      <p:sp>
+        <p:nvSpPr>
+          <p:cNvPr id="5" name="TextBox 4">
+            <a:extLst>
+              <a:ext uri="{FF2B5EF4-FFF2-40B4-BE49-F238E27FC236}">
+                <a16:creationId xmlns:a16="http://schemas.microsoft.com/office/drawing/2014/main" id="{F007662F-A13E-654D-BEAC-6B01744AED75}"/>
+              </a:ext>
+            </a:extLst>
+          </p:cNvPr>
+          <p:cNvSpPr txBox="1"/>
+          <p:nvPr/>
+        </p:nvSpPr>
+        <p:spPr>
+          <a:xfrm>
+            <a:off x="2846070" y="4912668"/>
+            <a:ext cx="3451860" cy="230832"/>
+          </a:xfrm>
+          <a:prstGeom prst="rect">
+            <a:avLst/>
+          </a:prstGeom>
+          <a:noFill/>
+        </p:spPr>
+        <p:txBody>
+          <a:bodyPr wrap="square" rtlCol="0">
+            <a:spAutoFit/>
+          </a:bodyPr>
+          <a:lstStyle/>
+          <a:p>
+            <a:r>
+              <a:rPr lang="en-US" sz="900" dirty="0">
+                <a:hlinkClick r:id="rId4" tooltip="https://www.frontiersin.org/articles/10.3389/fnins.2018.00777/full"/>
+              </a:rPr>
+              <a:t>This Photo</a:t>
+            </a:r>
+            <a:r>
+              <a:rPr lang="en-US" sz="900" dirty="0"/>
+              <a:t> by Unknown Author is licensed under </a:t>
+            </a:r>
+            <a:r>
+              <a:rPr lang="en-US" sz="900" dirty="0">
+                <a:hlinkClick r:id="rId5" tooltip="https://creativecommons.org/licenses/by/3.0/"/>
+              </a:rPr>
+              <a:t>CC BY</a:t>
+            </a:r>
+            <a:endParaRPr lang="en-US" sz="900" dirty="0"/>
+          </a:p>
+        </p:txBody>
+      </p:sp>
     </p:spTree>
   </p:cSld>
   <p:clrMapOvr>
@@ -8851,6 +9249,489 @@
     <p:extLst>
       <p:ext uri="{BB962C8B-B14F-4D97-AF65-F5344CB8AC3E}">
         <p14:creationId xmlns:p14="http://schemas.microsoft.com/office/powerpoint/2010/main" val="725162119"/>
+      </p:ext>
+    </p:extLst>
+  </p:cSld>
+  <p:clrMapOvr>
+    <a:masterClrMapping/>
+  </p:clrMapOvr>
+</p:sld>
+</file>
+
+<file path=ppt/slides/slide15.xml><?xml version="1.0" encoding="utf-8"?>
+<p:sld xmlns:a="http://schemas.openxmlformats.org/drawingml/2006/main" xmlns:r="http://schemas.openxmlformats.org/officeDocument/2006/relationships" xmlns:p="http://schemas.openxmlformats.org/presentationml/2006/main">
+  <p:cSld>
+    <p:spTree>
+      <p:nvGrpSpPr>
+        <p:cNvPr id="1" name="Shape 120"/>
+        <p:cNvGrpSpPr/>
+        <p:nvPr/>
+      </p:nvGrpSpPr>
+      <p:grpSpPr>
+        <a:xfrm>
+          <a:off x="0" y="0"/>
+          <a:ext cx="0" cy="0"/>
+          <a:chOff x="0" y="0"/>
+          <a:chExt cx="0" cy="0"/>
+        </a:xfrm>
+      </p:grpSpPr>
+      <p:sp>
+        <p:nvSpPr>
+          <p:cNvPr id="5" name="TextBox 4">
+            <a:extLst>
+              <a:ext uri="{FF2B5EF4-FFF2-40B4-BE49-F238E27FC236}">
+                <a16:creationId xmlns:a16="http://schemas.microsoft.com/office/drawing/2014/main" id="{65630885-2E5C-724A-AFDF-BD4D0BDEB71A}"/>
+              </a:ext>
+            </a:extLst>
+          </p:cNvPr>
+          <p:cNvSpPr txBox="1"/>
+          <p:nvPr/>
+        </p:nvSpPr>
+        <p:spPr>
+          <a:xfrm>
+            <a:off x="387900" y="1207600"/>
+            <a:ext cx="7794185" cy="2246769"/>
+          </a:xfrm>
+          <a:prstGeom prst="rect">
+            <a:avLst/>
+          </a:prstGeom>
+          <a:noFill/>
+        </p:spPr>
+        <p:txBody>
+          <a:bodyPr wrap="none" rtlCol="0">
+            <a:spAutoFit/>
+          </a:bodyPr>
+          <a:lstStyle/>
+          <a:p>
+            <a:pPr marL="285750" indent="-285750">
+              <a:buFont typeface="Arial" panose="020B0604020202020204" pitchFamily="34" charset="0"/>
+              <a:buChar char="•"/>
+            </a:pPr>
+            <a:r>
+              <a:rPr lang="en-US" sz="2000" dirty="0">
+                <a:solidFill>
+                  <a:schemeClr val="tx1"/>
+                </a:solidFill>
+              </a:rPr>
+              <a:t>Major components of CNN:</a:t>
+            </a:r>
+          </a:p>
+          <a:p>
+            <a:pPr marL="742950" lvl="1" indent="-285750">
+              <a:buFont typeface="Arial" panose="020B0604020202020204" pitchFamily="34" charset="0"/>
+              <a:buChar char="•"/>
+            </a:pPr>
+            <a:endParaRPr lang="en-US" sz="2000" dirty="0">
+              <a:solidFill>
+                <a:schemeClr val="tx1"/>
+              </a:solidFill>
+            </a:endParaRPr>
+          </a:p>
+          <a:p>
+            <a:pPr marL="742950" lvl="1" indent="-285750">
+              <a:buFont typeface="Arial" panose="020B0604020202020204" pitchFamily="34" charset="0"/>
+              <a:buChar char="•"/>
+            </a:pPr>
+            <a:r>
+              <a:rPr lang="en-US" sz="2000" dirty="0"/>
+              <a:t>Convolution (conv) Layer</a:t>
+            </a:r>
+          </a:p>
+          <a:p>
+            <a:pPr marL="742950" lvl="1" indent="-285750">
+              <a:buFont typeface="Arial" panose="020B0604020202020204" pitchFamily="34" charset="0"/>
+              <a:buChar char="•"/>
+            </a:pPr>
+            <a:r>
+              <a:rPr lang="en-US" sz="2000" dirty="0">
+                <a:solidFill>
+                  <a:schemeClr val="tx1"/>
+                </a:solidFill>
+              </a:rPr>
+              <a:t>Subsampling (Max pooling, Min pooling, Average Pooling)</a:t>
+            </a:r>
+          </a:p>
+          <a:p>
+            <a:pPr marL="742950" lvl="1" indent="-285750">
+              <a:buFont typeface="Arial" panose="020B0604020202020204" pitchFamily="34" charset="0"/>
+              <a:buChar char="•"/>
+            </a:pPr>
+            <a:r>
+              <a:rPr lang="en-US" sz="2000" dirty="0">
+                <a:solidFill>
+                  <a:schemeClr val="tx1"/>
+                </a:solidFill>
+              </a:rPr>
+              <a:t>Fully connected Layer</a:t>
+            </a:r>
+          </a:p>
+          <a:p>
+            <a:pPr marL="742950" lvl="1" indent="-285750">
+              <a:buFont typeface="Arial" panose="020B0604020202020204" pitchFamily="34" charset="0"/>
+              <a:buChar char="•"/>
+            </a:pPr>
+            <a:r>
+              <a:rPr lang="en-US" sz="2000" dirty="0">
+                <a:solidFill>
+                  <a:schemeClr val="tx1"/>
+                </a:solidFill>
+              </a:rPr>
+              <a:t>Output Layer</a:t>
+            </a:r>
+          </a:p>
+          <a:p>
+            <a:pPr marL="742950" lvl="1" indent="-285750">
+              <a:buFont typeface="Arial" panose="020B0604020202020204" pitchFamily="34" charset="0"/>
+              <a:buChar char="•"/>
+            </a:pPr>
+            <a:endParaRPr lang="en-US" sz="2000" dirty="0">
+              <a:solidFill>
+                <a:schemeClr val="tx1"/>
+              </a:solidFill>
+            </a:endParaRPr>
+          </a:p>
+        </p:txBody>
+      </p:sp>
+      <p:sp>
+        <p:nvSpPr>
+          <p:cNvPr id="4" name="Google Shape;105;p20">
+            <a:extLst>
+              <a:ext uri="{FF2B5EF4-FFF2-40B4-BE49-F238E27FC236}">
+                <a16:creationId xmlns:a16="http://schemas.microsoft.com/office/drawing/2014/main" id="{4667A93C-49EA-8B45-9B29-30FAF54FB1C7}"/>
+              </a:ext>
+            </a:extLst>
+          </p:cNvPr>
+          <p:cNvSpPr txBox="1">
+            <a:spLocks noGrp="1"/>
+          </p:cNvSpPr>
+          <p:nvPr>
+            <p:ph type="title"/>
+          </p:nvPr>
+        </p:nvSpPr>
+        <p:spPr>
+          <a:xfrm>
+            <a:off x="387900" y="458025"/>
+            <a:ext cx="8368200" cy="686100"/>
+          </a:xfrm>
+          <a:prstGeom prst="rect">
+            <a:avLst/>
+          </a:prstGeom>
+        </p:spPr>
+        <p:txBody>
+          <a:bodyPr spcFirstLastPara="1" wrap="square" lIns="91425" tIns="91425" rIns="91425" bIns="91425" anchor="b" anchorCtr="0">
+            <a:noAutofit/>
+          </a:bodyPr>
+          <a:lstStyle/>
+          <a:p>
+            <a:pPr marL="0" lvl="0" indent="0" algn="l" rtl="0">
+              <a:spcBef>
+                <a:spcPts val="0"/>
+              </a:spcBef>
+              <a:spcAft>
+                <a:spcPts val="0"/>
+              </a:spcAft>
+              <a:buNone/>
+            </a:pPr>
+            <a:r>
+              <a:rPr lang="en" dirty="0"/>
+              <a:t>CNN</a:t>
+            </a:r>
+            <a:endParaRPr dirty="0"/>
+          </a:p>
+        </p:txBody>
+      </p:sp>
+    </p:spTree>
+    <p:extLst>
+      <p:ext uri="{BB962C8B-B14F-4D97-AF65-F5344CB8AC3E}">
+        <p14:creationId xmlns:p14="http://schemas.microsoft.com/office/powerpoint/2010/main" val="4134134248"/>
+      </p:ext>
+    </p:extLst>
+  </p:cSld>
+  <p:clrMapOvr>
+    <a:masterClrMapping/>
+  </p:clrMapOvr>
+</p:sld>
+</file>
+
+<file path=ppt/slides/slide16.xml><?xml version="1.0" encoding="utf-8"?>
+<p:sld xmlns:a="http://schemas.openxmlformats.org/drawingml/2006/main" xmlns:r="http://schemas.openxmlformats.org/officeDocument/2006/relationships" xmlns:p="http://schemas.openxmlformats.org/presentationml/2006/main">
+  <p:cSld>
+    <p:spTree>
+      <p:nvGrpSpPr>
+        <p:cNvPr id="1" name="Shape 120"/>
+        <p:cNvGrpSpPr/>
+        <p:nvPr/>
+      </p:nvGrpSpPr>
+      <p:grpSpPr>
+        <a:xfrm>
+          <a:off x="0" y="0"/>
+          <a:ext cx="0" cy="0"/>
+          <a:chOff x="0" y="0"/>
+          <a:chExt cx="0" cy="0"/>
+        </a:xfrm>
+      </p:grpSpPr>
+      <p:sp>
+        <p:nvSpPr>
+          <p:cNvPr id="5" name="TextBox 4">
+            <a:extLst>
+              <a:ext uri="{FF2B5EF4-FFF2-40B4-BE49-F238E27FC236}">
+                <a16:creationId xmlns:a16="http://schemas.microsoft.com/office/drawing/2014/main" id="{65630885-2E5C-724A-AFDF-BD4D0BDEB71A}"/>
+              </a:ext>
+            </a:extLst>
+          </p:cNvPr>
+          <p:cNvSpPr txBox="1"/>
+          <p:nvPr/>
+        </p:nvSpPr>
+        <p:spPr>
+          <a:xfrm>
+            <a:off x="387900" y="1207600"/>
+            <a:ext cx="1170513" cy="400110"/>
+          </a:xfrm>
+          <a:prstGeom prst="rect">
+            <a:avLst/>
+          </a:prstGeom>
+          <a:noFill/>
+        </p:spPr>
+        <p:txBody>
+          <a:bodyPr wrap="none" rtlCol="0">
+            <a:spAutoFit/>
+          </a:bodyPr>
+          <a:lstStyle/>
+          <a:p>
+            <a:pPr marL="742950" lvl="1" indent="-285750">
+              <a:buFont typeface="Arial" panose="020B0604020202020204" pitchFamily="34" charset="0"/>
+              <a:buChar char="•"/>
+            </a:pPr>
+            <a:r>
+              <a:rPr lang="en-US" sz="2000">
+                <a:solidFill>
+                  <a:schemeClr val="tx1"/>
+                </a:solidFill>
+              </a:rPr>
+              <a:t>df</a:t>
+            </a:r>
+            <a:endParaRPr lang="en-US" sz="2000" dirty="0">
+              <a:solidFill>
+                <a:schemeClr val="tx1"/>
+              </a:solidFill>
+            </a:endParaRPr>
+          </a:p>
+        </p:txBody>
+      </p:sp>
+      <p:sp>
+        <p:nvSpPr>
+          <p:cNvPr id="4" name="Google Shape;105;p20">
+            <a:extLst>
+              <a:ext uri="{FF2B5EF4-FFF2-40B4-BE49-F238E27FC236}">
+                <a16:creationId xmlns:a16="http://schemas.microsoft.com/office/drawing/2014/main" id="{4667A93C-49EA-8B45-9B29-30FAF54FB1C7}"/>
+              </a:ext>
+            </a:extLst>
+          </p:cNvPr>
+          <p:cNvSpPr txBox="1">
+            <a:spLocks noGrp="1"/>
+          </p:cNvSpPr>
+          <p:nvPr>
+            <p:ph type="title"/>
+          </p:nvPr>
+        </p:nvSpPr>
+        <p:spPr>
+          <a:xfrm>
+            <a:off x="387900" y="458025"/>
+            <a:ext cx="8368200" cy="686100"/>
+          </a:xfrm>
+          <a:prstGeom prst="rect">
+            <a:avLst/>
+          </a:prstGeom>
+        </p:spPr>
+        <p:txBody>
+          <a:bodyPr spcFirstLastPara="1" wrap="square" lIns="91425" tIns="91425" rIns="91425" bIns="91425" anchor="b" anchorCtr="0">
+            <a:noAutofit/>
+          </a:bodyPr>
+          <a:lstStyle/>
+          <a:p>
+            <a:pPr marL="0" lvl="0" indent="0" algn="l" rtl="0">
+              <a:spcBef>
+                <a:spcPts val="0"/>
+              </a:spcBef>
+              <a:spcAft>
+                <a:spcPts val="0"/>
+              </a:spcAft>
+              <a:buNone/>
+            </a:pPr>
+            <a:r>
+              <a:rPr lang="en" dirty="0"/>
+              <a:t>convolution (conv) layer</a:t>
+            </a:r>
+            <a:endParaRPr dirty="0"/>
+          </a:p>
+        </p:txBody>
+      </p:sp>
+    </p:spTree>
+    <p:extLst>
+      <p:ext uri="{BB962C8B-B14F-4D97-AF65-F5344CB8AC3E}">
+        <p14:creationId xmlns:p14="http://schemas.microsoft.com/office/powerpoint/2010/main" val="552307405"/>
+      </p:ext>
+    </p:extLst>
+  </p:cSld>
+  <p:clrMapOvr>
+    <a:masterClrMapping/>
+  </p:clrMapOvr>
+</p:sld>
+</file>
+
+<file path=ppt/slides/slide17.xml><?xml version="1.0" encoding="utf-8"?>
+<p:sld xmlns:a="http://schemas.openxmlformats.org/drawingml/2006/main" xmlns:r="http://schemas.openxmlformats.org/officeDocument/2006/relationships" xmlns:p="http://schemas.openxmlformats.org/presentationml/2006/main">
+  <p:cSld>
+    <p:spTree>
+      <p:nvGrpSpPr>
+        <p:cNvPr id="1" name="Shape 120"/>
+        <p:cNvGrpSpPr/>
+        <p:nvPr/>
+      </p:nvGrpSpPr>
+      <p:grpSpPr>
+        <a:xfrm>
+          <a:off x="0" y="0"/>
+          <a:ext cx="0" cy="0"/>
+          <a:chOff x="0" y="0"/>
+          <a:chExt cx="0" cy="0"/>
+        </a:xfrm>
+      </p:grpSpPr>
+      <p:sp>
+        <p:nvSpPr>
+          <p:cNvPr id="4" name="Google Shape;105;p20">
+            <a:extLst>
+              <a:ext uri="{FF2B5EF4-FFF2-40B4-BE49-F238E27FC236}">
+                <a16:creationId xmlns:a16="http://schemas.microsoft.com/office/drawing/2014/main" id="{4667A93C-49EA-8B45-9B29-30FAF54FB1C7}"/>
+              </a:ext>
+            </a:extLst>
+          </p:cNvPr>
+          <p:cNvSpPr txBox="1">
+            <a:spLocks noGrp="1"/>
+          </p:cNvSpPr>
+          <p:nvPr>
+            <p:ph type="title"/>
+          </p:nvPr>
+        </p:nvSpPr>
+        <p:spPr>
+          <a:xfrm>
+            <a:off x="387900" y="458025"/>
+            <a:ext cx="8368200" cy="686100"/>
+          </a:xfrm>
+          <a:prstGeom prst="rect">
+            <a:avLst/>
+          </a:prstGeom>
+        </p:spPr>
+        <p:txBody>
+          <a:bodyPr spcFirstLastPara="1" wrap="square" lIns="91425" tIns="91425" rIns="91425" bIns="91425" anchor="b" anchorCtr="0">
+            <a:noAutofit/>
+          </a:bodyPr>
+          <a:lstStyle/>
+          <a:p>
+            <a:pPr marL="0" lvl="0" indent="0" algn="l" rtl="0">
+              <a:spcBef>
+                <a:spcPts val="0"/>
+              </a:spcBef>
+              <a:spcAft>
+                <a:spcPts val="0"/>
+              </a:spcAft>
+              <a:buNone/>
+            </a:pPr>
+            <a:r>
+              <a:rPr lang="en" dirty="0"/>
+              <a:t>CNN</a:t>
+            </a:r>
+            <a:endParaRPr dirty="0"/>
+          </a:p>
+        </p:txBody>
+      </p:sp>
+      <p:pic>
+        <p:nvPicPr>
+          <p:cNvPr id="6" name="Picture 5">
+            <a:extLst>
+              <a:ext uri="{FF2B5EF4-FFF2-40B4-BE49-F238E27FC236}">
+                <a16:creationId xmlns:a16="http://schemas.microsoft.com/office/drawing/2014/main" id="{56F7E168-6BEF-D743-8BE5-F3707B54BA49}"/>
+              </a:ext>
+            </a:extLst>
+          </p:cNvPr>
+          <p:cNvPicPr>
+            <a:picLocks noChangeAspect="1"/>
+          </p:cNvPicPr>
+          <p:nvPr/>
+        </p:nvPicPr>
+        <p:blipFill>
+          <a:blip r:embed="rId3">
+            <a:extLst>
+              <a:ext uri="{837473B0-CC2E-450A-ABE3-18F120FF3D39}">
+                <a1611:picAttrSrcUrl xmlns:a1611="http://schemas.microsoft.com/office/drawing/2016/11/main" r:id="rId4"/>
+              </a:ext>
+            </a:extLst>
+          </a:blip>
+          <a:stretch>
+            <a:fillRect/>
+          </a:stretch>
+        </p:blipFill>
+        <p:spPr>
+          <a:xfrm>
+            <a:off x="2381250" y="1581150"/>
+            <a:ext cx="4381500" cy="1981200"/>
+          </a:xfrm>
+          <a:prstGeom prst="rect">
+            <a:avLst/>
+          </a:prstGeom>
+        </p:spPr>
+      </p:pic>
+      <p:sp>
+        <p:nvSpPr>
+          <p:cNvPr id="7" name="TextBox 6">
+            <a:extLst>
+              <a:ext uri="{FF2B5EF4-FFF2-40B4-BE49-F238E27FC236}">
+                <a16:creationId xmlns:a16="http://schemas.microsoft.com/office/drawing/2014/main" id="{0DF0C35C-1F26-8049-BFCB-E59D917A11C4}"/>
+              </a:ext>
+            </a:extLst>
+          </p:cNvPr>
+          <p:cNvSpPr txBox="1"/>
+          <p:nvPr/>
+        </p:nvSpPr>
+        <p:spPr>
+          <a:xfrm>
+            <a:off x="2381250" y="3562350"/>
+            <a:ext cx="4381500" cy="230832"/>
+          </a:xfrm>
+          <a:prstGeom prst="rect">
+            <a:avLst/>
+          </a:prstGeom>
+          <a:noFill/>
+        </p:spPr>
+        <p:txBody>
+          <a:bodyPr wrap="square" rtlCol="0">
+            <a:spAutoFit/>
+          </a:bodyPr>
+          <a:lstStyle/>
+          <a:p>
+            <a:r>
+              <a:rPr lang="en-US" sz="900">
+                <a:hlinkClick r:id="rId4" tooltip="http://www.davidsbatista.net/blog/2018/03/31/SentenceClassificationConvNets/"/>
+              </a:rPr>
+              <a:t>This Photo</a:t>
+            </a:r>
+            <a:r>
+              <a:rPr lang="en-US" sz="900"/>
+              <a:t> by Unknown Author is licensed under </a:t>
+            </a:r>
+            <a:r>
+              <a:rPr lang="en-US" sz="900">
+                <a:hlinkClick r:id="rId5" tooltip="https://creativecommons.org/licenses/by-nc-sa/3.0/"/>
+              </a:rPr>
+              <a:t>CC BY-SA-NC</a:t>
+            </a:r>
+            <a:endParaRPr lang="en-US" sz="900"/>
+          </a:p>
+        </p:txBody>
+      </p:sp>
+    </p:spTree>
+    <p:extLst>
+      <p:ext uri="{BB962C8B-B14F-4D97-AF65-F5344CB8AC3E}">
+        <p14:creationId xmlns:p14="http://schemas.microsoft.com/office/powerpoint/2010/main" val="4184428355"/>
       </p:ext>
     </p:extLst>
   </p:cSld>

--- a/PPT/SIV.pptx
+++ b/PPT/SIV.pptx
@@ -5,7 +5,7 @@
     <p:sldMasterId id="2147483688" r:id="rId1"/>
   </p:sldMasterIdLst>
   <p:notesMasterIdLst>
-    <p:notesMasterId r:id="rId19"/>
+    <p:notesMasterId r:id="rId28"/>
   </p:notesMasterIdLst>
   <p:sldIdLst>
     <p:sldId id="268" r:id="rId2"/>
@@ -24,33 +24,42 @@
     <p:sldId id="271" r:id="rId15"/>
     <p:sldId id="273" r:id="rId16"/>
     <p:sldId id="274" r:id="rId17"/>
-    <p:sldId id="272" r:id="rId18"/>
+    <p:sldId id="275" r:id="rId18"/>
+    <p:sldId id="276" r:id="rId19"/>
+    <p:sldId id="277" r:id="rId20"/>
+    <p:sldId id="278" r:id="rId21"/>
+    <p:sldId id="279" r:id="rId22"/>
+    <p:sldId id="280" r:id="rId23"/>
+    <p:sldId id="281" r:id="rId24"/>
+    <p:sldId id="272" r:id="rId25"/>
+    <p:sldId id="282" r:id="rId26"/>
+    <p:sldId id="283" r:id="rId27"/>
   </p:sldIdLst>
   <p:sldSz cx="9144000" cy="5143500" type="screen16x9"/>
   <p:notesSz cx="6858000" cy="9144000"/>
   <p:embeddedFontLst>
     <p:embeddedFont>
       <p:font typeface="Calibri" panose="020F0502020204030204" pitchFamily="34" charset="0"/>
-      <p:regular r:id="rId20"/>
-      <p:bold r:id="rId21"/>
-      <p:italic r:id="rId22"/>
-      <p:boldItalic r:id="rId23"/>
+      <p:regular r:id="rId29"/>
+      <p:bold r:id="rId30"/>
+      <p:italic r:id="rId31"/>
+      <p:boldItalic r:id="rId32"/>
     </p:embeddedFont>
     <p:embeddedFont>
       <p:font typeface="Rockwell" panose="02060603020205020403" pitchFamily="18" charset="77"/>
-      <p:regular r:id="rId24"/>
-      <p:bold r:id="rId25"/>
-      <p:italic r:id="rId26"/>
-      <p:boldItalic r:id="rId27"/>
+      <p:regular r:id="rId33"/>
+      <p:bold r:id="rId34"/>
+      <p:italic r:id="rId35"/>
+      <p:boldItalic r:id="rId36"/>
     </p:embeddedFont>
     <p:embeddedFont>
       <p:font typeface="Rockwell Condensed" panose="02060603050405020104" pitchFamily="18" charset="77"/>
-      <p:regular r:id="rId28"/>
-      <p:bold r:id="rId29"/>
+      <p:regular r:id="rId37"/>
+      <p:bold r:id="rId38"/>
     </p:embeddedFont>
     <p:embeddedFont>
       <p:font typeface="Rockwell Extra Bold" panose="02060603020205020403" pitchFamily="18" charset="77"/>
-      <p:bold r:id="rId30"/>
+      <p:bold r:id="rId39"/>
     </p:embeddedFont>
   </p:embeddedFontLst>
   <p:defaultTextStyle>
@@ -1351,7 +1360,443 @@
     </p:spTree>
     <p:extLst>
       <p:ext uri="{BB962C8B-B14F-4D97-AF65-F5344CB8AC3E}">
-        <p14:creationId xmlns:p14="http://schemas.microsoft.com/office/powerpoint/2010/main" val="3538742075"/>
+        <p14:creationId xmlns:p14="http://schemas.microsoft.com/office/powerpoint/2010/main" val="1529487392"/>
+      </p:ext>
+    </p:extLst>
+  </p:cSld>
+  <p:clrMapOvr>
+    <a:masterClrMapping/>
+  </p:clrMapOvr>
+</p:notes>
+</file>
+
+<file path=ppt/notesSlides/notesSlide16.xml><?xml version="1.0" encoding="utf-8"?>
+<p:notes xmlns:a="http://schemas.openxmlformats.org/drawingml/2006/main" xmlns:r="http://schemas.openxmlformats.org/officeDocument/2006/relationships" xmlns:p="http://schemas.openxmlformats.org/presentationml/2006/main" showMasterSp="0" showMasterPhAnim="0">
+  <p:cSld>
+    <p:spTree>
+      <p:nvGrpSpPr>
+        <p:cNvPr id="1" name="Shape 117"/>
+        <p:cNvGrpSpPr/>
+        <p:nvPr/>
+      </p:nvGrpSpPr>
+      <p:grpSpPr>
+        <a:xfrm>
+          <a:off x="0" y="0"/>
+          <a:ext cx="0" cy="0"/>
+          <a:chOff x="0" y="0"/>
+          <a:chExt cx="0" cy="0"/>
+        </a:xfrm>
+      </p:grpSpPr>
+      <p:sp>
+        <p:nvSpPr>
+          <p:cNvPr id="118" name="Google Shape;118;g1196833d42f_0_20:notes"/>
+          <p:cNvSpPr>
+            <a:spLocks noGrp="1" noRot="1" noChangeAspect="1"/>
+          </p:cNvSpPr>
+          <p:nvPr>
+            <p:ph type="sldImg" idx="2"/>
+          </p:nvPr>
+        </p:nvSpPr>
+        <p:spPr>
+          <a:xfrm>
+            <a:off x="381000" y="685800"/>
+            <a:ext cx="6096000" cy="3429000"/>
+          </a:xfrm>
+          <a:custGeom>
+            <a:avLst/>
+            <a:gdLst/>
+            <a:ahLst/>
+            <a:cxnLst/>
+            <a:rect l="l" t="t" r="r" b="b"/>
+            <a:pathLst>
+              <a:path w="120000" h="120000" extrusionOk="0">
+                <a:moveTo>
+                  <a:pt x="0" y="0"/>
+                </a:moveTo>
+                <a:lnTo>
+                  <a:pt x="120000" y="0"/>
+                </a:lnTo>
+                <a:lnTo>
+                  <a:pt x="120000" y="120000"/>
+                </a:lnTo>
+                <a:lnTo>
+                  <a:pt x="0" y="120000"/>
+                </a:lnTo>
+                <a:close/>
+              </a:path>
+            </a:pathLst>
+          </a:custGeom>
+        </p:spPr>
+      </p:sp>
+      <p:sp>
+        <p:nvSpPr>
+          <p:cNvPr id="119" name="Google Shape;119;g1196833d42f_0_20:notes"/>
+          <p:cNvSpPr txBox="1">
+            <a:spLocks noGrp="1"/>
+          </p:cNvSpPr>
+          <p:nvPr>
+            <p:ph type="body" idx="1"/>
+          </p:nvPr>
+        </p:nvSpPr>
+        <p:spPr>
+          <a:xfrm>
+            <a:off x="685800" y="4343400"/>
+            <a:ext cx="5486400" cy="4114800"/>
+          </a:xfrm>
+          <a:prstGeom prst="rect">
+            <a:avLst/>
+          </a:prstGeom>
+        </p:spPr>
+        <p:txBody>
+          <a:bodyPr spcFirstLastPara="1" wrap="square" lIns="91425" tIns="91425" rIns="91425" bIns="91425" anchor="t" anchorCtr="0">
+            <a:noAutofit/>
+          </a:bodyPr>
+          <a:lstStyle/>
+          <a:p>
+            <a:pPr marL="0" lvl="0" indent="0" algn="l" rtl="0">
+              <a:spcBef>
+                <a:spcPts val="0"/>
+              </a:spcBef>
+              <a:spcAft>
+                <a:spcPts val="0"/>
+              </a:spcAft>
+              <a:buNone/>
+            </a:pPr>
+            <a:endParaRPr/>
+          </a:p>
+        </p:txBody>
+      </p:sp>
+    </p:spTree>
+    <p:extLst>
+      <p:ext uri="{BB962C8B-B14F-4D97-AF65-F5344CB8AC3E}">
+        <p14:creationId xmlns:p14="http://schemas.microsoft.com/office/powerpoint/2010/main" val="650857448"/>
+      </p:ext>
+    </p:extLst>
+  </p:cSld>
+  <p:clrMapOvr>
+    <a:masterClrMapping/>
+  </p:clrMapOvr>
+</p:notes>
+</file>
+
+<file path=ppt/notesSlides/notesSlide17.xml><?xml version="1.0" encoding="utf-8"?>
+<p:notes xmlns:a="http://schemas.openxmlformats.org/drawingml/2006/main" xmlns:r="http://schemas.openxmlformats.org/officeDocument/2006/relationships" xmlns:p="http://schemas.openxmlformats.org/presentationml/2006/main" showMasterSp="0" showMasterPhAnim="0">
+  <p:cSld>
+    <p:spTree>
+      <p:nvGrpSpPr>
+        <p:cNvPr id="1" name="Shape 117"/>
+        <p:cNvGrpSpPr/>
+        <p:nvPr/>
+      </p:nvGrpSpPr>
+      <p:grpSpPr>
+        <a:xfrm>
+          <a:off x="0" y="0"/>
+          <a:ext cx="0" cy="0"/>
+          <a:chOff x="0" y="0"/>
+          <a:chExt cx="0" cy="0"/>
+        </a:xfrm>
+      </p:grpSpPr>
+      <p:sp>
+        <p:nvSpPr>
+          <p:cNvPr id="118" name="Google Shape;118;g1196833d42f_0_20:notes"/>
+          <p:cNvSpPr>
+            <a:spLocks noGrp="1" noRot="1" noChangeAspect="1"/>
+          </p:cNvSpPr>
+          <p:nvPr>
+            <p:ph type="sldImg" idx="2"/>
+          </p:nvPr>
+        </p:nvSpPr>
+        <p:spPr>
+          <a:xfrm>
+            <a:off x="381000" y="685800"/>
+            <a:ext cx="6096000" cy="3429000"/>
+          </a:xfrm>
+          <a:custGeom>
+            <a:avLst/>
+            <a:gdLst/>
+            <a:ahLst/>
+            <a:cxnLst/>
+            <a:rect l="l" t="t" r="r" b="b"/>
+            <a:pathLst>
+              <a:path w="120000" h="120000" extrusionOk="0">
+                <a:moveTo>
+                  <a:pt x="0" y="0"/>
+                </a:moveTo>
+                <a:lnTo>
+                  <a:pt x="120000" y="0"/>
+                </a:lnTo>
+                <a:lnTo>
+                  <a:pt x="120000" y="120000"/>
+                </a:lnTo>
+                <a:lnTo>
+                  <a:pt x="0" y="120000"/>
+                </a:lnTo>
+                <a:close/>
+              </a:path>
+            </a:pathLst>
+          </a:custGeom>
+        </p:spPr>
+      </p:sp>
+      <p:sp>
+        <p:nvSpPr>
+          <p:cNvPr id="119" name="Google Shape;119;g1196833d42f_0_20:notes"/>
+          <p:cNvSpPr txBox="1">
+            <a:spLocks noGrp="1"/>
+          </p:cNvSpPr>
+          <p:nvPr>
+            <p:ph type="body" idx="1"/>
+          </p:nvPr>
+        </p:nvSpPr>
+        <p:spPr>
+          <a:xfrm>
+            <a:off x="685800" y="4343400"/>
+            <a:ext cx="5486400" cy="4114800"/>
+          </a:xfrm>
+          <a:prstGeom prst="rect">
+            <a:avLst/>
+          </a:prstGeom>
+        </p:spPr>
+        <p:txBody>
+          <a:bodyPr spcFirstLastPara="1" wrap="square" lIns="91425" tIns="91425" rIns="91425" bIns="91425" anchor="t" anchorCtr="0">
+            <a:noAutofit/>
+          </a:bodyPr>
+          <a:lstStyle/>
+          <a:p>
+            <a:pPr marL="0" lvl="0" indent="0" algn="l" rtl="0">
+              <a:spcBef>
+                <a:spcPts val="0"/>
+              </a:spcBef>
+              <a:spcAft>
+                <a:spcPts val="0"/>
+              </a:spcAft>
+              <a:buNone/>
+            </a:pPr>
+            <a:endParaRPr/>
+          </a:p>
+        </p:txBody>
+      </p:sp>
+    </p:spTree>
+    <p:extLst>
+      <p:ext uri="{BB962C8B-B14F-4D97-AF65-F5344CB8AC3E}">
+        <p14:creationId xmlns:p14="http://schemas.microsoft.com/office/powerpoint/2010/main" val="4132973705"/>
+      </p:ext>
+    </p:extLst>
+  </p:cSld>
+  <p:clrMapOvr>
+    <a:masterClrMapping/>
+  </p:clrMapOvr>
+</p:notes>
+</file>
+
+<file path=ppt/notesSlides/notesSlide18.xml><?xml version="1.0" encoding="utf-8"?>
+<p:notes xmlns:a="http://schemas.openxmlformats.org/drawingml/2006/main" xmlns:r="http://schemas.openxmlformats.org/officeDocument/2006/relationships" xmlns:p="http://schemas.openxmlformats.org/presentationml/2006/main" showMasterSp="0" showMasterPhAnim="0">
+  <p:cSld>
+    <p:spTree>
+      <p:nvGrpSpPr>
+        <p:cNvPr id="1" name="Shape 117"/>
+        <p:cNvGrpSpPr/>
+        <p:nvPr/>
+      </p:nvGrpSpPr>
+      <p:grpSpPr>
+        <a:xfrm>
+          <a:off x="0" y="0"/>
+          <a:ext cx="0" cy="0"/>
+          <a:chOff x="0" y="0"/>
+          <a:chExt cx="0" cy="0"/>
+        </a:xfrm>
+      </p:grpSpPr>
+      <p:sp>
+        <p:nvSpPr>
+          <p:cNvPr id="118" name="Google Shape;118;g1196833d42f_0_20:notes"/>
+          <p:cNvSpPr>
+            <a:spLocks noGrp="1" noRot="1" noChangeAspect="1"/>
+          </p:cNvSpPr>
+          <p:nvPr>
+            <p:ph type="sldImg" idx="2"/>
+          </p:nvPr>
+        </p:nvSpPr>
+        <p:spPr>
+          <a:xfrm>
+            <a:off x="381000" y="685800"/>
+            <a:ext cx="6096000" cy="3429000"/>
+          </a:xfrm>
+          <a:custGeom>
+            <a:avLst/>
+            <a:gdLst/>
+            <a:ahLst/>
+            <a:cxnLst/>
+            <a:rect l="l" t="t" r="r" b="b"/>
+            <a:pathLst>
+              <a:path w="120000" h="120000" extrusionOk="0">
+                <a:moveTo>
+                  <a:pt x="0" y="0"/>
+                </a:moveTo>
+                <a:lnTo>
+                  <a:pt x="120000" y="0"/>
+                </a:lnTo>
+                <a:lnTo>
+                  <a:pt x="120000" y="120000"/>
+                </a:lnTo>
+                <a:lnTo>
+                  <a:pt x="0" y="120000"/>
+                </a:lnTo>
+                <a:close/>
+              </a:path>
+            </a:pathLst>
+          </a:custGeom>
+        </p:spPr>
+      </p:sp>
+      <p:sp>
+        <p:nvSpPr>
+          <p:cNvPr id="119" name="Google Shape;119;g1196833d42f_0_20:notes"/>
+          <p:cNvSpPr txBox="1">
+            <a:spLocks noGrp="1"/>
+          </p:cNvSpPr>
+          <p:nvPr>
+            <p:ph type="body" idx="1"/>
+          </p:nvPr>
+        </p:nvSpPr>
+        <p:spPr>
+          <a:xfrm>
+            <a:off x="685800" y="4343400"/>
+            <a:ext cx="5486400" cy="4114800"/>
+          </a:xfrm>
+          <a:prstGeom prst="rect">
+            <a:avLst/>
+          </a:prstGeom>
+        </p:spPr>
+        <p:txBody>
+          <a:bodyPr spcFirstLastPara="1" wrap="square" lIns="91425" tIns="91425" rIns="91425" bIns="91425" anchor="t" anchorCtr="0">
+            <a:noAutofit/>
+          </a:bodyPr>
+          <a:lstStyle/>
+          <a:p>
+            <a:pPr marL="0" lvl="0" indent="0" algn="l" rtl="0">
+              <a:spcBef>
+                <a:spcPts val="0"/>
+              </a:spcBef>
+              <a:spcAft>
+                <a:spcPts val="0"/>
+              </a:spcAft>
+              <a:buNone/>
+            </a:pPr>
+            <a:endParaRPr/>
+          </a:p>
+        </p:txBody>
+      </p:sp>
+    </p:spTree>
+    <p:extLst>
+      <p:ext uri="{BB962C8B-B14F-4D97-AF65-F5344CB8AC3E}">
+        <p14:creationId xmlns:p14="http://schemas.microsoft.com/office/powerpoint/2010/main" val="2391922923"/>
+      </p:ext>
+    </p:extLst>
+  </p:cSld>
+  <p:clrMapOvr>
+    <a:masterClrMapping/>
+  </p:clrMapOvr>
+</p:notes>
+</file>
+
+<file path=ppt/notesSlides/notesSlide19.xml><?xml version="1.0" encoding="utf-8"?>
+<p:notes xmlns:a="http://schemas.openxmlformats.org/drawingml/2006/main" xmlns:r="http://schemas.openxmlformats.org/officeDocument/2006/relationships" xmlns:p="http://schemas.openxmlformats.org/presentationml/2006/main" showMasterSp="0" showMasterPhAnim="0">
+  <p:cSld>
+    <p:spTree>
+      <p:nvGrpSpPr>
+        <p:cNvPr id="1" name="Shape 117"/>
+        <p:cNvGrpSpPr/>
+        <p:nvPr/>
+      </p:nvGrpSpPr>
+      <p:grpSpPr>
+        <a:xfrm>
+          <a:off x="0" y="0"/>
+          <a:ext cx="0" cy="0"/>
+          <a:chOff x="0" y="0"/>
+          <a:chExt cx="0" cy="0"/>
+        </a:xfrm>
+      </p:grpSpPr>
+      <p:sp>
+        <p:nvSpPr>
+          <p:cNvPr id="118" name="Google Shape;118;g1196833d42f_0_20:notes"/>
+          <p:cNvSpPr>
+            <a:spLocks noGrp="1" noRot="1" noChangeAspect="1"/>
+          </p:cNvSpPr>
+          <p:nvPr>
+            <p:ph type="sldImg" idx="2"/>
+          </p:nvPr>
+        </p:nvSpPr>
+        <p:spPr>
+          <a:xfrm>
+            <a:off x="381000" y="685800"/>
+            <a:ext cx="6096000" cy="3429000"/>
+          </a:xfrm>
+          <a:custGeom>
+            <a:avLst/>
+            <a:gdLst/>
+            <a:ahLst/>
+            <a:cxnLst/>
+            <a:rect l="l" t="t" r="r" b="b"/>
+            <a:pathLst>
+              <a:path w="120000" h="120000" extrusionOk="0">
+                <a:moveTo>
+                  <a:pt x="0" y="0"/>
+                </a:moveTo>
+                <a:lnTo>
+                  <a:pt x="120000" y="0"/>
+                </a:lnTo>
+                <a:lnTo>
+                  <a:pt x="120000" y="120000"/>
+                </a:lnTo>
+                <a:lnTo>
+                  <a:pt x="0" y="120000"/>
+                </a:lnTo>
+                <a:close/>
+              </a:path>
+            </a:pathLst>
+          </a:custGeom>
+        </p:spPr>
+      </p:sp>
+      <p:sp>
+        <p:nvSpPr>
+          <p:cNvPr id="119" name="Google Shape;119;g1196833d42f_0_20:notes"/>
+          <p:cNvSpPr txBox="1">
+            <a:spLocks noGrp="1"/>
+          </p:cNvSpPr>
+          <p:nvPr>
+            <p:ph type="body" idx="1"/>
+          </p:nvPr>
+        </p:nvSpPr>
+        <p:spPr>
+          <a:xfrm>
+            <a:off x="685800" y="4343400"/>
+            <a:ext cx="5486400" cy="4114800"/>
+          </a:xfrm>
+          <a:prstGeom prst="rect">
+            <a:avLst/>
+          </a:prstGeom>
+        </p:spPr>
+        <p:txBody>
+          <a:bodyPr spcFirstLastPara="1" wrap="square" lIns="91425" tIns="91425" rIns="91425" bIns="91425" anchor="t" anchorCtr="0">
+            <a:noAutofit/>
+          </a:bodyPr>
+          <a:lstStyle/>
+          <a:p>
+            <a:pPr marL="0" lvl="0" indent="0" algn="l" rtl="0">
+              <a:spcBef>
+                <a:spcPts val="0"/>
+              </a:spcBef>
+              <a:spcAft>
+                <a:spcPts val="0"/>
+              </a:spcAft>
+              <a:buNone/>
+            </a:pPr>
+            <a:endParaRPr/>
+          </a:p>
+        </p:txBody>
+      </p:sp>
+    </p:spTree>
+    <p:extLst>
+      <p:ext uri="{BB962C8B-B14F-4D97-AF65-F5344CB8AC3E}">
+        <p14:creationId xmlns:p14="http://schemas.microsoft.com/office/powerpoint/2010/main" val="2494619197"/>
       </p:ext>
     </p:extLst>
   </p:cSld>
@@ -1461,6 +1906,551 @@
     <p:extLst>
       <p:ext uri="{BB962C8B-B14F-4D97-AF65-F5344CB8AC3E}">
         <p14:creationId xmlns:p14="http://schemas.microsoft.com/office/powerpoint/2010/main" val="3157479168"/>
+      </p:ext>
+    </p:extLst>
+  </p:cSld>
+  <p:clrMapOvr>
+    <a:masterClrMapping/>
+  </p:clrMapOvr>
+</p:notes>
+</file>
+
+<file path=ppt/notesSlides/notesSlide20.xml><?xml version="1.0" encoding="utf-8"?>
+<p:notes xmlns:a="http://schemas.openxmlformats.org/drawingml/2006/main" xmlns:r="http://schemas.openxmlformats.org/officeDocument/2006/relationships" xmlns:p="http://schemas.openxmlformats.org/presentationml/2006/main" showMasterSp="0" showMasterPhAnim="0">
+  <p:cSld>
+    <p:spTree>
+      <p:nvGrpSpPr>
+        <p:cNvPr id="1" name="Shape 117"/>
+        <p:cNvGrpSpPr/>
+        <p:nvPr/>
+      </p:nvGrpSpPr>
+      <p:grpSpPr>
+        <a:xfrm>
+          <a:off x="0" y="0"/>
+          <a:ext cx="0" cy="0"/>
+          <a:chOff x="0" y="0"/>
+          <a:chExt cx="0" cy="0"/>
+        </a:xfrm>
+      </p:grpSpPr>
+      <p:sp>
+        <p:nvSpPr>
+          <p:cNvPr id="118" name="Google Shape;118;g1196833d42f_0_20:notes"/>
+          <p:cNvSpPr>
+            <a:spLocks noGrp="1" noRot="1" noChangeAspect="1"/>
+          </p:cNvSpPr>
+          <p:nvPr>
+            <p:ph type="sldImg" idx="2"/>
+          </p:nvPr>
+        </p:nvSpPr>
+        <p:spPr>
+          <a:xfrm>
+            <a:off x="381000" y="685800"/>
+            <a:ext cx="6096000" cy="3429000"/>
+          </a:xfrm>
+          <a:custGeom>
+            <a:avLst/>
+            <a:gdLst/>
+            <a:ahLst/>
+            <a:cxnLst/>
+            <a:rect l="l" t="t" r="r" b="b"/>
+            <a:pathLst>
+              <a:path w="120000" h="120000" extrusionOk="0">
+                <a:moveTo>
+                  <a:pt x="0" y="0"/>
+                </a:moveTo>
+                <a:lnTo>
+                  <a:pt x="120000" y="0"/>
+                </a:lnTo>
+                <a:lnTo>
+                  <a:pt x="120000" y="120000"/>
+                </a:lnTo>
+                <a:lnTo>
+                  <a:pt x="0" y="120000"/>
+                </a:lnTo>
+                <a:close/>
+              </a:path>
+            </a:pathLst>
+          </a:custGeom>
+        </p:spPr>
+      </p:sp>
+      <p:sp>
+        <p:nvSpPr>
+          <p:cNvPr id="119" name="Google Shape;119;g1196833d42f_0_20:notes"/>
+          <p:cNvSpPr txBox="1">
+            <a:spLocks noGrp="1"/>
+          </p:cNvSpPr>
+          <p:nvPr>
+            <p:ph type="body" idx="1"/>
+          </p:nvPr>
+        </p:nvSpPr>
+        <p:spPr>
+          <a:xfrm>
+            <a:off x="685800" y="4343400"/>
+            <a:ext cx="5486400" cy="4114800"/>
+          </a:xfrm>
+          <a:prstGeom prst="rect">
+            <a:avLst/>
+          </a:prstGeom>
+        </p:spPr>
+        <p:txBody>
+          <a:bodyPr spcFirstLastPara="1" wrap="square" lIns="91425" tIns="91425" rIns="91425" bIns="91425" anchor="t" anchorCtr="0">
+            <a:noAutofit/>
+          </a:bodyPr>
+          <a:lstStyle/>
+          <a:p>
+            <a:pPr marL="0" lvl="0" indent="0" algn="l" rtl="0">
+              <a:spcBef>
+                <a:spcPts val="0"/>
+              </a:spcBef>
+              <a:spcAft>
+                <a:spcPts val="0"/>
+              </a:spcAft>
+              <a:buNone/>
+            </a:pPr>
+            <a:endParaRPr/>
+          </a:p>
+        </p:txBody>
+      </p:sp>
+    </p:spTree>
+    <p:extLst>
+      <p:ext uri="{BB962C8B-B14F-4D97-AF65-F5344CB8AC3E}">
+        <p14:creationId xmlns:p14="http://schemas.microsoft.com/office/powerpoint/2010/main" val="1729643818"/>
+      </p:ext>
+    </p:extLst>
+  </p:cSld>
+  <p:clrMapOvr>
+    <a:masterClrMapping/>
+  </p:clrMapOvr>
+</p:notes>
+</file>
+
+<file path=ppt/notesSlides/notesSlide21.xml><?xml version="1.0" encoding="utf-8"?>
+<p:notes xmlns:a="http://schemas.openxmlformats.org/drawingml/2006/main" xmlns:r="http://schemas.openxmlformats.org/officeDocument/2006/relationships" xmlns:p="http://schemas.openxmlformats.org/presentationml/2006/main" showMasterSp="0" showMasterPhAnim="0">
+  <p:cSld>
+    <p:spTree>
+      <p:nvGrpSpPr>
+        <p:cNvPr id="1" name="Shape 117"/>
+        <p:cNvGrpSpPr/>
+        <p:nvPr/>
+      </p:nvGrpSpPr>
+      <p:grpSpPr>
+        <a:xfrm>
+          <a:off x="0" y="0"/>
+          <a:ext cx="0" cy="0"/>
+          <a:chOff x="0" y="0"/>
+          <a:chExt cx="0" cy="0"/>
+        </a:xfrm>
+      </p:grpSpPr>
+      <p:sp>
+        <p:nvSpPr>
+          <p:cNvPr id="118" name="Google Shape;118;g1196833d42f_0_20:notes"/>
+          <p:cNvSpPr>
+            <a:spLocks noGrp="1" noRot="1" noChangeAspect="1"/>
+          </p:cNvSpPr>
+          <p:nvPr>
+            <p:ph type="sldImg" idx="2"/>
+          </p:nvPr>
+        </p:nvSpPr>
+        <p:spPr>
+          <a:xfrm>
+            <a:off x="381000" y="685800"/>
+            <a:ext cx="6096000" cy="3429000"/>
+          </a:xfrm>
+          <a:custGeom>
+            <a:avLst/>
+            <a:gdLst/>
+            <a:ahLst/>
+            <a:cxnLst/>
+            <a:rect l="l" t="t" r="r" b="b"/>
+            <a:pathLst>
+              <a:path w="120000" h="120000" extrusionOk="0">
+                <a:moveTo>
+                  <a:pt x="0" y="0"/>
+                </a:moveTo>
+                <a:lnTo>
+                  <a:pt x="120000" y="0"/>
+                </a:lnTo>
+                <a:lnTo>
+                  <a:pt x="120000" y="120000"/>
+                </a:lnTo>
+                <a:lnTo>
+                  <a:pt x="0" y="120000"/>
+                </a:lnTo>
+                <a:close/>
+              </a:path>
+            </a:pathLst>
+          </a:custGeom>
+        </p:spPr>
+      </p:sp>
+      <p:sp>
+        <p:nvSpPr>
+          <p:cNvPr id="119" name="Google Shape;119;g1196833d42f_0_20:notes"/>
+          <p:cNvSpPr txBox="1">
+            <a:spLocks noGrp="1"/>
+          </p:cNvSpPr>
+          <p:nvPr>
+            <p:ph type="body" idx="1"/>
+          </p:nvPr>
+        </p:nvSpPr>
+        <p:spPr>
+          <a:xfrm>
+            <a:off x="685800" y="4343400"/>
+            <a:ext cx="5486400" cy="4114800"/>
+          </a:xfrm>
+          <a:prstGeom prst="rect">
+            <a:avLst/>
+          </a:prstGeom>
+        </p:spPr>
+        <p:txBody>
+          <a:bodyPr spcFirstLastPara="1" wrap="square" lIns="91425" tIns="91425" rIns="91425" bIns="91425" anchor="t" anchorCtr="0">
+            <a:noAutofit/>
+          </a:bodyPr>
+          <a:lstStyle/>
+          <a:p>
+            <a:pPr marL="0" lvl="0" indent="0" algn="l" rtl="0">
+              <a:spcBef>
+                <a:spcPts val="0"/>
+              </a:spcBef>
+              <a:spcAft>
+                <a:spcPts val="0"/>
+              </a:spcAft>
+              <a:buNone/>
+            </a:pPr>
+            <a:endParaRPr/>
+          </a:p>
+        </p:txBody>
+      </p:sp>
+    </p:spTree>
+    <p:extLst>
+      <p:ext uri="{BB962C8B-B14F-4D97-AF65-F5344CB8AC3E}">
+        <p14:creationId xmlns:p14="http://schemas.microsoft.com/office/powerpoint/2010/main" val="3888504140"/>
+      </p:ext>
+    </p:extLst>
+  </p:cSld>
+  <p:clrMapOvr>
+    <a:masterClrMapping/>
+  </p:clrMapOvr>
+</p:notes>
+</file>
+
+<file path=ppt/notesSlides/notesSlide22.xml><?xml version="1.0" encoding="utf-8"?>
+<p:notes xmlns:a="http://schemas.openxmlformats.org/drawingml/2006/main" xmlns:r="http://schemas.openxmlformats.org/officeDocument/2006/relationships" xmlns:p="http://schemas.openxmlformats.org/presentationml/2006/main" showMasterSp="0" showMasterPhAnim="0">
+  <p:cSld>
+    <p:spTree>
+      <p:nvGrpSpPr>
+        <p:cNvPr id="1" name="Shape 117"/>
+        <p:cNvGrpSpPr/>
+        <p:nvPr/>
+      </p:nvGrpSpPr>
+      <p:grpSpPr>
+        <a:xfrm>
+          <a:off x="0" y="0"/>
+          <a:ext cx="0" cy="0"/>
+          <a:chOff x="0" y="0"/>
+          <a:chExt cx="0" cy="0"/>
+        </a:xfrm>
+      </p:grpSpPr>
+      <p:sp>
+        <p:nvSpPr>
+          <p:cNvPr id="118" name="Google Shape;118;g1196833d42f_0_20:notes"/>
+          <p:cNvSpPr>
+            <a:spLocks noGrp="1" noRot="1" noChangeAspect="1"/>
+          </p:cNvSpPr>
+          <p:nvPr>
+            <p:ph type="sldImg" idx="2"/>
+          </p:nvPr>
+        </p:nvSpPr>
+        <p:spPr>
+          <a:xfrm>
+            <a:off x="381000" y="685800"/>
+            <a:ext cx="6096000" cy="3429000"/>
+          </a:xfrm>
+          <a:custGeom>
+            <a:avLst/>
+            <a:gdLst/>
+            <a:ahLst/>
+            <a:cxnLst/>
+            <a:rect l="l" t="t" r="r" b="b"/>
+            <a:pathLst>
+              <a:path w="120000" h="120000" extrusionOk="0">
+                <a:moveTo>
+                  <a:pt x="0" y="0"/>
+                </a:moveTo>
+                <a:lnTo>
+                  <a:pt x="120000" y="0"/>
+                </a:lnTo>
+                <a:lnTo>
+                  <a:pt x="120000" y="120000"/>
+                </a:lnTo>
+                <a:lnTo>
+                  <a:pt x="0" y="120000"/>
+                </a:lnTo>
+                <a:close/>
+              </a:path>
+            </a:pathLst>
+          </a:custGeom>
+        </p:spPr>
+      </p:sp>
+      <p:sp>
+        <p:nvSpPr>
+          <p:cNvPr id="119" name="Google Shape;119;g1196833d42f_0_20:notes"/>
+          <p:cNvSpPr txBox="1">
+            <a:spLocks noGrp="1"/>
+          </p:cNvSpPr>
+          <p:nvPr>
+            <p:ph type="body" idx="1"/>
+          </p:nvPr>
+        </p:nvSpPr>
+        <p:spPr>
+          <a:xfrm>
+            <a:off x="685800" y="4343400"/>
+            <a:ext cx="5486400" cy="4114800"/>
+          </a:xfrm>
+          <a:prstGeom prst="rect">
+            <a:avLst/>
+          </a:prstGeom>
+        </p:spPr>
+        <p:txBody>
+          <a:bodyPr spcFirstLastPara="1" wrap="square" lIns="91425" tIns="91425" rIns="91425" bIns="91425" anchor="t" anchorCtr="0">
+            <a:noAutofit/>
+          </a:bodyPr>
+          <a:lstStyle/>
+          <a:p>
+            <a:pPr marL="0" lvl="0" indent="0" algn="l" rtl="0">
+              <a:spcBef>
+                <a:spcPts val="0"/>
+              </a:spcBef>
+              <a:spcAft>
+                <a:spcPts val="0"/>
+              </a:spcAft>
+              <a:buNone/>
+            </a:pPr>
+            <a:endParaRPr/>
+          </a:p>
+        </p:txBody>
+      </p:sp>
+    </p:spTree>
+    <p:extLst>
+      <p:ext uri="{BB962C8B-B14F-4D97-AF65-F5344CB8AC3E}">
+        <p14:creationId xmlns:p14="http://schemas.microsoft.com/office/powerpoint/2010/main" val="3538742075"/>
+      </p:ext>
+    </p:extLst>
+  </p:cSld>
+  <p:clrMapOvr>
+    <a:masterClrMapping/>
+  </p:clrMapOvr>
+</p:notes>
+</file>
+
+<file path=ppt/notesSlides/notesSlide23.xml><?xml version="1.0" encoding="utf-8"?>
+<p:notes xmlns:a="http://schemas.openxmlformats.org/drawingml/2006/main" xmlns:r="http://schemas.openxmlformats.org/officeDocument/2006/relationships" xmlns:p="http://schemas.openxmlformats.org/presentationml/2006/main" showMasterSp="0" showMasterPhAnim="0">
+  <p:cSld>
+    <p:spTree>
+      <p:nvGrpSpPr>
+        <p:cNvPr id="1" name="Shape 117"/>
+        <p:cNvGrpSpPr/>
+        <p:nvPr/>
+      </p:nvGrpSpPr>
+      <p:grpSpPr>
+        <a:xfrm>
+          <a:off x="0" y="0"/>
+          <a:ext cx="0" cy="0"/>
+          <a:chOff x="0" y="0"/>
+          <a:chExt cx="0" cy="0"/>
+        </a:xfrm>
+      </p:grpSpPr>
+      <p:sp>
+        <p:nvSpPr>
+          <p:cNvPr id="118" name="Google Shape;118;g1196833d42f_0_20:notes"/>
+          <p:cNvSpPr>
+            <a:spLocks noGrp="1" noRot="1" noChangeAspect="1"/>
+          </p:cNvSpPr>
+          <p:nvPr>
+            <p:ph type="sldImg" idx="2"/>
+          </p:nvPr>
+        </p:nvSpPr>
+        <p:spPr>
+          <a:xfrm>
+            <a:off x="381000" y="685800"/>
+            <a:ext cx="6096000" cy="3429000"/>
+          </a:xfrm>
+          <a:custGeom>
+            <a:avLst/>
+            <a:gdLst/>
+            <a:ahLst/>
+            <a:cxnLst/>
+            <a:rect l="l" t="t" r="r" b="b"/>
+            <a:pathLst>
+              <a:path w="120000" h="120000" extrusionOk="0">
+                <a:moveTo>
+                  <a:pt x="0" y="0"/>
+                </a:moveTo>
+                <a:lnTo>
+                  <a:pt x="120000" y="0"/>
+                </a:lnTo>
+                <a:lnTo>
+                  <a:pt x="120000" y="120000"/>
+                </a:lnTo>
+                <a:lnTo>
+                  <a:pt x="0" y="120000"/>
+                </a:lnTo>
+                <a:close/>
+              </a:path>
+            </a:pathLst>
+          </a:custGeom>
+        </p:spPr>
+      </p:sp>
+      <p:sp>
+        <p:nvSpPr>
+          <p:cNvPr id="119" name="Google Shape;119;g1196833d42f_0_20:notes"/>
+          <p:cNvSpPr txBox="1">
+            <a:spLocks noGrp="1"/>
+          </p:cNvSpPr>
+          <p:nvPr>
+            <p:ph type="body" idx="1"/>
+          </p:nvPr>
+        </p:nvSpPr>
+        <p:spPr>
+          <a:xfrm>
+            <a:off x="685800" y="4343400"/>
+            <a:ext cx="5486400" cy="4114800"/>
+          </a:xfrm>
+          <a:prstGeom prst="rect">
+            <a:avLst/>
+          </a:prstGeom>
+        </p:spPr>
+        <p:txBody>
+          <a:bodyPr spcFirstLastPara="1" wrap="square" lIns="91425" tIns="91425" rIns="91425" bIns="91425" anchor="t" anchorCtr="0">
+            <a:noAutofit/>
+          </a:bodyPr>
+          <a:lstStyle/>
+          <a:p>
+            <a:pPr marL="0" lvl="0" indent="0" algn="l" rtl="0">
+              <a:spcBef>
+                <a:spcPts val="0"/>
+              </a:spcBef>
+              <a:spcAft>
+                <a:spcPts val="0"/>
+              </a:spcAft>
+              <a:buNone/>
+            </a:pPr>
+            <a:endParaRPr/>
+          </a:p>
+        </p:txBody>
+      </p:sp>
+    </p:spTree>
+    <p:extLst>
+      <p:ext uri="{BB962C8B-B14F-4D97-AF65-F5344CB8AC3E}">
+        <p14:creationId xmlns:p14="http://schemas.microsoft.com/office/powerpoint/2010/main" val="1497760136"/>
+      </p:ext>
+    </p:extLst>
+  </p:cSld>
+  <p:clrMapOvr>
+    <a:masterClrMapping/>
+  </p:clrMapOvr>
+</p:notes>
+</file>
+
+<file path=ppt/notesSlides/notesSlide24.xml><?xml version="1.0" encoding="utf-8"?>
+<p:notes xmlns:a="http://schemas.openxmlformats.org/drawingml/2006/main" xmlns:r="http://schemas.openxmlformats.org/officeDocument/2006/relationships" xmlns:p="http://schemas.openxmlformats.org/presentationml/2006/main" showMasterSp="0" showMasterPhAnim="0">
+  <p:cSld>
+    <p:spTree>
+      <p:nvGrpSpPr>
+        <p:cNvPr id="1" name="Shape 117"/>
+        <p:cNvGrpSpPr/>
+        <p:nvPr/>
+      </p:nvGrpSpPr>
+      <p:grpSpPr>
+        <a:xfrm>
+          <a:off x="0" y="0"/>
+          <a:ext cx="0" cy="0"/>
+          <a:chOff x="0" y="0"/>
+          <a:chExt cx="0" cy="0"/>
+        </a:xfrm>
+      </p:grpSpPr>
+      <p:sp>
+        <p:nvSpPr>
+          <p:cNvPr id="118" name="Google Shape;118;g1196833d42f_0_20:notes"/>
+          <p:cNvSpPr>
+            <a:spLocks noGrp="1" noRot="1" noChangeAspect="1"/>
+          </p:cNvSpPr>
+          <p:nvPr>
+            <p:ph type="sldImg" idx="2"/>
+          </p:nvPr>
+        </p:nvSpPr>
+        <p:spPr>
+          <a:xfrm>
+            <a:off x="381000" y="685800"/>
+            <a:ext cx="6096000" cy="3429000"/>
+          </a:xfrm>
+          <a:custGeom>
+            <a:avLst/>
+            <a:gdLst/>
+            <a:ahLst/>
+            <a:cxnLst/>
+            <a:rect l="l" t="t" r="r" b="b"/>
+            <a:pathLst>
+              <a:path w="120000" h="120000" extrusionOk="0">
+                <a:moveTo>
+                  <a:pt x="0" y="0"/>
+                </a:moveTo>
+                <a:lnTo>
+                  <a:pt x="120000" y="0"/>
+                </a:lnTo>
+                <a:lnTo>
+                  <a:pt x="120000" y="120000"/>
+                </a:lnTo>
+                <a:lnTo>
+                  <a:pt x="0" y="120000"/>
+                </a:lnTo>
+                <a:close/>
+              </a:path>
+            </a:pathLst>
+          </a:custGeom>
+        </p:spPr>
+      </p:sp>
+      <p:sp>
+        <p:nvSpPr>
+          <p:cNvPr id="119" name="Google Shape;119;g1196833d42f_0_20:notes"/>
+          <p:cNvSpPr txBox="1">
+            <a:spLocks noGrp="1"/>
+          </p:cNvSpPr>
+          <p:nvPr>
+            <p:ph type="body" idx="1"/>
+          </p:nvPr>
+        </p:nvSpPr>
+        <p:spPr>
+          <a:xfrm>
+            <a:off x="685800" y="4343400"/>
+            <a:ext cx="5486400" cy="4114800"/>
+          </a:xfrm>
+          <a:prstGeom prst="rect">
+            <a:avLst/>
+          </a:prstGeom>
+        </p:spPr>
+        <p:txBody>
+          <a:bodyPr spcFirstLastPara="1" wrap="square" lIns="91425" tIns="91425" rIns="91425" bIns="91425" anchor="t" anchorCtr="0">
+            <a:noAutofit/>
+          </a:bodyPr>
+          <a:lstStyle/>
+          <a:p>
+            <a:pPr marL="0" lvl="0" indent="0" algn="l" rtl="0">
+              <a:spcBef>
+                <a:spcPts val="0"/>
+              </a:spcBef>
+              <a:spcAft>
+                <a:spcPts val="0"/>
+              </a:spcAft>
+              <a:buNone/>
+            </a:pPr>
+            <a:endParaRPr/>
+          </a:p>
+        </p:txBody>
+      </p:sp>
+    </p:spTree>
+    <p:extLst>
+      <p:ext uri="{BB962C8B-B14F-4D97-AF65-F5344CB8AC3E}">
+        <p14:creationId xmlns:p14="http://schemas.microsoft.com/office/powerpoint/2010/main" val="1417848215"/>
       </p:ext>
     </p:extLst>
   </p:cSld>
@@ -8451,7 +9441,7 @@
         <p:spPr>
           <a:xfrm>
             <a:off x="387900" y="1406697"/>
-            <a:ext cx="8368200" cy="970743"/>
+            <a:ext cx="8368200" cy="1481358"/>
           </a:xfrm>
           <a:prstGeom prst="rect">
             <a:avLst/>
@@ -8474,7 +9464,7 @@
             </a:pPr>
             <a:r>
               <a:rPr lang="en-US" dirty="0"/>
-              <a:t>Two major components of URLNet include:</a:t>
+              <a:t>Three major components of URLNet include:</a:t>
             </a:r>
           </a:p>
           <a:p>
@@ -8490,7 +9480,10 @@
             <a:endParaRPr lang="en-US" dirty="0"/>
           </a:p>
           <a:p>
-            <a:pPr marL="285750" indent="-285750"/>
+            <a:pPr marL="285750" indent="-285750">
+              <a:buFont typeface="Wingdings" pitchFamily="2" charset="2"/>
+              <a:buChar char="§"/>
+            </a:pPr>
             <a:r>
               <a:rPr lang="en-US" dirty="0"/>
               <a:t>Character-level </a:t>
@@ -8509,7 +9502,10 @@
             </a:r>
           </a:p>
           <a:p>
-            <a:pPr marL="285750" indent="-285750"/>
+            <a:pPr marL="285750" indent="-285750">
+              <a:buFont typeface="Wingdings" pitchFamily="2" charset="2"/>
+              <a:buChar char="§"/>
+            </a:pPr>
             <a:r>
               <a:rPr lang="en-US" dirty="0"/>
               <a:t>Word-level </a:t>
@@ -8526,6 +9522,20 @@
               <a:rPr lang="en-US" dirty="0"/>
               <a:t> for Malicious URL Detection</a:t>
             </a:r>
+          </a:p>
+          <a:p>
+            <a:pPr marL="285750" indent="-285750">
+              <a:buFont typeface="Wingdings" pitchFamily="2" charset="2"/>
+              <a:buChar char="§"/>
+            </a:pPr>
+            <a:r>
+              <a:rPr lang="en-US" dirty="0"/>
+              <a:t>Word Embeddings</a:t>
+            </a:r>
+          </a:p>
+          <a:p>
+            <a:pPr marL="285750" indent="-285750"/>
+            <a:endParaRPr lang="en-US" dirty="0"/>
           </a:p>
           <a:p>
             <a:pPr marL="285750" indent="-285750"/>
@@ -8662,23 +9672,27 @@
             </a:pPr>
             <a:r>
               <a:rPr lang="en-US" dirty="0"/>
-              <a:t>Two major components of URLNet include:</a:t>
-            </a:r>
-          </a:p>
-          <a:p>
-            <a:pPr marL="0" lvl="0" indent="0" algn="l" rtl="0">
+              <a:t>Three major components of URLNet include:</a:t>
+            </a:r>
+          </a:p>
+          <a:p>
+            <a:pPr marL="285750" lvl="0" indent="-285750" algn="l" rtl="0">
               <a:spcBef>
                 <a:spcPts val="0"/>
               </a:spcBef>
               <a:spcAft>
                 <a:spcPts val="0"/>
               </a:spcAft>
-              <a:buNone/>
+              <a:buFont typeface="Wingdings" pitchFamily="2" charset="2"/>
+              <a:buChar char="§"/>
             </a:pPr>
             <a:endParaRPr lang="en-US" dirty="0"/>
           </a:p>
           <a:p>
-            <a:pPr marL="285750" indent="-285750"/>
+            <a:pPr marL="285750" indent="-285750">
+              <a:buFont typeface="Wingdings" pitchFamily="2" charset="2"/>
+              <a:buChar char="§"/>
+            </a:pPr>
             <a:r>
               <a:rPr lang="en-US" dirty="0"/>
               <a:t>Character-level </a:t>
@@ -8697,7 +9711,10 @@
             </a:r>
           </a:p>
           <a:p>
-            <a:pPr marL="285750" indent="-285750"/>
+            <a:pPr marL="285750" indent="-285750">
+              <a:buFont typeface="Wingdings" pitchFamily="2" charset="2"/>
+              <a:buChar char="§"/>
+            </a:pPr>
             <a:r>
               <a:rPr lang="en-US" dirty="0"/>
               <a:t>Word-level </a:t>
@@ -8716,6 +9733,16 @@
             </a:r>
           </a:p>
           <a:p>
+            <a:pPr marL="285750" indent="-285750">
+              <a:buFont typeface="Wingdings" pitchFamily="2" charset="2"/>
+              <a:buChar char="§"/>
+            </a:pPr>
+            <a:r>
+              <a:rPr lang="en-US" dirty="0"/>
+              <a:t>Word Embeddings</a:t>
+            </a:r>
+          </a:p>
+          <a:p>
             <a:pPr marL="285750" indent="-285750"/>
             <a:endParaRPr lang="en-US" dirty="0"/>
           </a:p>
@@ -8733,7 +9760,7 @@
                   <a:srgbClr val="FF0000"/>
                 </a:solidFill>
               </a:rPr>
-              <a:t>What is CNN ?</a:t>
+              <a:t>What is CNN </a:t>
             </a:r>
           </a:p>
           <a:p>
@@ -8770,7 +9797,7 @@
         </p:blipFill>
         <p:spPr>
           <a:xfrm>
-            <a:off x="5234940" y="2480310"/>
+            <a:off x="5180619" y="2661867"/>
             <a:ext cx="857250" cy="857250"/>
           </a:xfrm>
           <a:prstGeom prst="rect">
@@ -8792,8 +9819,8 @@
         </p:nvSpPr>
         <p:spPr>
           <a:xfrm>
-            <a:off x="2000250" y="5143500"/>
-            <a:ext cx="5143500" cy="230832"/>
+            <a:off x="2981815" y="5143500"/>
+            <a:ext cx="3180369" cy="230832"/>
           </a:xfrm>
           <a:prstGeom prst="rect">
             <a:avLst/>
@@ -8806,23 +9833,24 @@
           </a:bodyPr>
           <a:lstStyle/>
           <a:p>
-            <a:r>
-              <a:rPr lang="en-US" sz="900">
+            <a:pPr algn="ctr"/>
+            <a:r>
+              <a:rPr lang="en-US" sz="900" dirty="0">
                 <a:hlinkClick r:id="rId4" tooltip="http://myedmondsnews.com/2018/04/live-in-edmonds-what-do-you-call-yourself/question-mark-1019820_1280/"/>
               </a:rPr>
               <a:t>This Photo</a:t>
             </a:r>
             <a:r>
-              <a:rPr lang="en-US" sz="900"/>
+              <a:rPr lang="en-US" sz="900" dirty="0"/>
               <a:t> by Unknown Author is licensed under </a:t>
             </a:r>
             <a:r>
-              <a:rPr lang="en-US" sz="900">
+              <a:rPr lang="en-US" sz="900" dirty="0">
                 <a:hlinkClick r:id="rId5" tooltip="https://creativecommons.org/licenses/by/3.0/"/>
               </a:rPr>
               <a:t>CC BY</a:t>
             </a:r>
-            <a:endParaRPr lang="en-US" sz="900"/>
+            <a:endParaRPr lang="en-US" sz="900" dirty="0"/>
           </a:p>
         </p:txBody>
       </p:sp>
@@ -9028,7 +10056,7 @@
         <p:spPr>
           <a:xfrm>
             <a:off x="387900" y="1207600"/>
-            <a:ext cx="7187930" cy="3477875"/>
+            <a:ext cx="7905074" cy="2631490"/>
           </a:xfrm>
           <a:prstGeom prst="rect">
             <a:avLst/>
@@ -9036,17 +10064,20 @@
           <a:noFill/>
         </p:spPr>
         <p:txBody>
-          <a:bodyPr wrap="none" rtlCol="0">
+          <a:bodyPr wrap="square" rtlCol="0">
             <a:spAutoFit/>
           </a:bodyPr>
           <a:lstStyle/>
           <a:p>
             <a:pPr marL="285750" indent="-285750">
-              <a:buFont typeface="Arial" panose="020B0604020202020204" pitchFamily="34" charset="0"/>
-              <a:buChar char="•"/>
+              <a:buClr>
+                <a:schemeClr val="accent2"/>
+              </a:buClr>
+              <a:buFont typeface="Wingdings" pitchFamily="2" charset="2"/>
+              <a:buChar char="§"/>
             </a:pPr>
             <a:r>
-              <a:rPr lang="en-US" sz="2000" dirty="0">
+              <a:rPr lang="en-US" sz="1500" dirty="0">
                 <a:solidFill>
                   <a:schemeClr val="tx1"/>
                 </a:solidFill>
@@ -9056,25 +10087,31 @@
           </a:p>
           <a:p>
             <a:pPr marL="285750" indent="-285750">
-              <a:buFont typeface="Arial" panose="020B0604020202020204" pitchFamily="34" charset="0"/>
-              <a:buChar char="•"/>
+              <a:buClr>
+                <a:schemeClr val="accent2"/>
+              </a:buClr>
+              <a:buFont typeface="Wingdings" pitchFamily="2" charset="2"/>
+              <a:buChar char="§"/>
             </a:pPr>
             <a:r>
-              <a:rPr lang="en-US" sz="2000" dirty="0">
+              <a:rPr lang="en-US" sz="1500" dirty="0">
                 <a:solidFill>
                   <a:schemeClr val="tx1"/>
                 </a:solidFill>
               </a:rPr>
-              <a:t>CNN is most commonly applied to analyze visual images.</a:t>
+              <a:t>CNN is commonly applied to analyze visual images.</a:t>
             </a:r>
           </a:p>
           <a:p>
             <a:pPr marL="342900" indent="-342900">
-              <a:buFont typeface="Arial" panose="020B0604020202020204" pitchFamily="34" charset="0"/>
-              <a:buChar char="•"/>
+              <a:buClr>
+                <a:schemeClr val="accent2"/>
+              </a:buClr>
+              <a:buFont typeface="Wingdings" pitchFamily="2" charset="2"/>
+              <a:buChar char="§"/>
             </a:pPr>
             <a:r>
-              <a:rPr lang="en-US" sz="2000" dirty="0">
+              <a:rPr lang="en-US" sz="1500" dirty="0">
                 <a:solidFill>
                   <a:schemeClr val="tx1"/>
                 </a:solidFill>
@@ -9084,11 +10121,14 @@
           </a:p>
           <a:p>
             <a:pPr marL="800100" lvl="1" indent="-342900">
-              <a:buFont typeface="Arial" panose="020B0604020202020204" pitchFamily="34" charset="0"/>
-              <a:buChar char="•"/>
+              <a:buClr>
+                <a:schemeClr val="accent2"/>
+              </a:buClr>
+              <a:buFont typeface="Wingdings" pitchFamily="2" charset="2"/>
+              <a:buChar char="§"/>
             </a:pPr>
             <a:r>
-              <a:rPr lang="en-US" sz="2000" dirty="0">
+              <a:rPr lang="en-US" sz="1500" dirty="0">
                 <a:solidFill>
                   <a:schemeClr val="tx1"/>
                 </a:solidFill>
@@ -9098,21 +10138,27 @@
           </a:p>
           <a:p>
             <a:pPr marL="800100" lvl="1" indent="-342900">
-              <a:buFont typeface="Arial" panose="020B0604020202020204" pitchFamily="34" charset="0"/>
-              <a:buChar char="•"/>
+              <a:buClr>
+                <a:schemeClr val="accent2"/>
+              </a:buClr>
+              <a:buFont typeface="Wingdings" pitchFamily="2" charset="2"/>
+              <a:buChar char="§"/>
             </a:pPr>
             <a:r>
-              <a:rPr lang="en-US" sz="2000" dirty="0"/>
+              <a:rPr lang="en-US" sz="1500" dirty="0"/>
               <a:t>Recommender Systems</a:t>
             </a:r>
           </a:p>
           <a:p>
             <a:pPr marL="800100" lvl="1" indent="-342900">
-              <a:buFont typeface="Arial" panose="020B0604020202020204" pitchFamily="34" charset="0"/>
-              <a:buChar char="•"/>
+              <a:buClr>
+                <a:schemeClr val="accent2"/>
+              </a:buClr>
+              <a:buFont typeface="Wingdings" pitchFamily="2" charset="2"/>
+              <a:buChar char="§"/>
             </a:pPr>
             <a:r>
-              <a:rPr lang="en-US" sz="2000" dirty="0">
+              <a:rPr lang="en-US" sz="1500" dirty="0">
                 <a:solidFill>
                   <a:schemeClr val="tx1"/>
                 </a:solidFill>
@@ -9120,11 +10166,11 @@
               <a:t>Image </a:t>
             </a:r>
             <a:r>
-              <a:rPr lang="en-US" sz="2000" dirty="0"/>
+              <a:rPr lang="en-US" sz="1500" dirty="0"/>
               <a:t>C</a:t>
             </a:r>
             <a:r>
-              <a:rPr lang="en-US" sz="2000" dirty="0">
+              <a:rPr lang="en-US" sz="1500" dirty="0">
                 <a:solidFill>
                   <a:schemeClr val="tx1"/>
                 </a:solidFill>
@@ -9134,21 +10180,27 @@
           </a:p>
           <a:p>
             <a:pPr marL="800100" lvl="1" indent="-342900">
-              <a:buFont typeface="Arial" panose="020B0604020202020204" pitchFamily="34" charset="0"/>
-              <a:buChar char="•"/>
+              <a:buClr>
+                <a:schemeClr val="accent2"/>
+              </a:buClr>
+              <a:buFont typeface="Wingdings" pitchFamily="2" charset="2"/>
+              <a:buChar char="§"/>
             </a:pPr>
             <a:r>
-              <a:rPr lang="en-US" sz="2000" dirty="0"/>
+              <a:rPr lang="en-US" sz="1500" dirty="0"/>
               <a:t>Image Segmentation</a:t>
             </a:r>
           </a:p>
           <a:p>
             <a:pPr marL="800100" lvl="1" indent="-342900">
-              <a:buFont typeface="Arial" panose="020B0604020202020204" pitchFamily="34" charset="0"/>
-              <a:buChar char="•"/>
+              <a:buClr>
+                <a:schemeClr val="accent2"/>
+              </a:buClr>
+              <a:buFont typeface="Wingdings" pitchFamily="2" charset="2"/>
+              <a:buChar char="§"/>
             </a:pPr>
             <a:r>
-              <a:rPr lang="en-US" sz="2000" dirty="0">
+              <a:rPr lang="en-US" sz="1500" dirty="0">
                 <a:solidFill>
                   <a:schemeClr val="tx1"/>
                 </a:solidFill>
@@ -9158,21 +10210,27 @@
           </a:p>
           <a:p>
             <a:pPr marL="800100" lvl="1" indent="-342900">
-              <a:buFont typeface="Arial" panose="020B0604020202020204" pitchFamily="34" charset="0"/>
-              <a:buChar char="•"/>
+              <a:buClr>
+                <a:schemeClr val="accent2"/>
+              </a:buClr>
+              <a:buFont typeface="Wingdings" pitchFamily="2" charset="2"/>
+              <a:buChar char="§"/>
             </a:pPr>
             <a:r>
-              <a:rPr lang="en-US" sz="2000" dirty="0"/>
+              <a:rPr lang="en-US" sz="1500" dirty="0"/>
               <a:t>Natural Language Processing</a:t>
             </a:r>
           </a:p>
           <a:p>
             <a:pPr marL="800100" lvl="1" indent="-342900">
-              <a:buFont typeface="Arial" panose="020B0604020202020204" pitchFamily="34" charset="0"/>
-              <a:buChar char="•"/>
+              <a:buClr>
+                <a:schemeClr val="accent2"/>
+              </a:buClr>
+              <a:buFont typeface="Wingdings" pitchFamily="2" charset="2"/>
+              <a:buChar char="§"/>
             </a:pPr>
             <a:r>
-              <a:rPr lang="en-US" sz="2000" dirty="0">
+              <a:rPr lang="en-US" sz="1500" dirty="0">
                 <a:solidFill>
                   <a:schemeClr val="tx1"/>
                 </a:solidFill>
@@ -9182,14 +10240,17 @@
           </a:p>
           <a:p>
             <a:pPr marL="800100" lvl="1" indent="-342900">
-              <a:buFont typeface="Arial" panose="020B0604020202020204" pitchFamily="34" charset="0"/>
-              <a:buChar char="•"/>
+              <a:buClr>
+                <a:schemeClr val="accent2"/>
+              </a:buClr>
+              <a:buFont typeface="Wingdings" pitchFamily="2" charset="2"/>
+              <a:buChar char="§"/>
             </a:pPr>
             <a:r>
-              <a:rPr lang="en-US" sz="2000" dirty="0"/>
+              <a:rPr lang="en-US" sz="1500" dirty="0"/>
               <a:t>Financial Time series</a:t>
             </a:r>
-            <a:endParaRPr lang="en-US" sz="2000" dirty="0">
+            <a:endParaRPr lang="en-US" sz="1500" dirty="0">
               <a:solidFill>
                 <a:schemeClr val="tx1"/>
               </a:solidFill>
@@ -9290,7 +10351,7 @@
         <p:spPr>
           <a:xfrm>
             <a:off x="387900" y="1207600"/>
-            <a:ext cx="7794185" cy="2246769"/>
+            <a:ext cx="6078972" cy="1785104"/>
           </a:xfrm>
           <a:prstGeom prst="rect">
             <a:avLst/>
@@ -9304,11 +10365,14 @@
           <a:lstStyle/>
           <a:p>
             <a:pPr marL="285750" indent="-285750">
-              <a:buFont typeface="Arial" panose="020B0604020202020204" pitchFamily="34" charset="0"/>
-              <a:buChar char="•"/>
+              <a:buClr>
+                <a:schemeClr val="accent2"/>
+              </a:buClr>
+              <a:buFont typeface="Wingdings" pitchFamily="2" charset="2"/>
+              <a:buChar char="§"/>
             </a:pPr>
             <a:r>
-              <a:rPr lang="en-US" sz="2000" dirty="0">
+              <a:rPr lang="en-US" sz="1500" dirty="0">
                 <a:solidFill>
                   <a:schemeClr val="tx1"/>
                 </a:solidFill>
@@ -9318,10 +10382,13 @@
           </a:p>
           <a:p>
             <a:pPr marL="742950" lvl="1" indent="-285750">
-              <a:buFont typeface="Arial" panose="020B0604020202020204" pitchFamily="34" charset="0"/>
-              <a:buChar char="•"/>
+              <a:buClr>
+                <a:schemeClr val="accent2"/>
+              </a:buClr>
+              <a:buFont typeface="Wingdings" pitchFamily="2" charset="2"/>
+              <a:buChar char="§"/>
             </a:pPr>
-            <a:endParaRPr lang="en-US" sz="2000" dirty="0">
+            <a:endParaRPr lang="en-US" sz="1500" dirty="0">
               <a:solidFill>
                 <a:schemeClr val="tx1"/>
               </a:solidFill>
@@ -9329,21 +10396,27 @@
           </a:p>
           <a:p>
             <a:pPr marL="742950" lvl="1" indent="-285750">
-              <a:buFont typeface="Arial" panose="020B0604020202020204" pitchFamily="34" charset="0"/>
-              <a:buChar char="•"/>
+              <a:buClr>
+                <a:schemeClr val="accent2"/>
+              </a:buClr>
+              <a:buFont typeface="Wingdings" pitchFamily="2" charset="2"/>
+              <a:buChar char="§"/>
             </a:pPr>
             <a:r>
-              <a:rPr lang="en-US" sz="2000" dirty="0"/>
+              <a:rPr lang="en-US" sz="1500" dirty="0"/>
               <a:t>Convolution (conv) Layer</a:t>
             </a:r>
           </a:p>
           <a:p>
             <a:pPr marL="742950" lvl="1" indent="-285750">
-              <a:buFont typeface="Arial" panose="020B0604020202020204" pitchFamily="34" charset="0"/>
-              <a:buChar char="•"/>
+              <a:buClr>
+                <a:schemeClr val="accent2"/>
+              </a:buClr>
+              <a:buFont typeface="Wingdings" pitchFamily="2" charset="2"/>
+              <a:buChar char="§"/>
             </a:pPr>
             <a:r>
-              <a:rPr lang="en-US" sz="2000" dirty="0">
+              <a:rPr lang="en-US" sz="1500" dirty="0">
                 <a:solidFill>
                   <a:schemeClr val="tx1"/>
                 </a:solidFill>
@@ -9353,11 +10426,14 @@
           </a:p>
           <a:p>
             <a:pPr marL="742950" lvl="1" indent="-285750">
-              <a:buFont typeface="Arial" panose="020B0604020202020204" pitchFamily="34" charset="0"/>
-              <a:buChar char="•"/>
+              <a:buClr>
+                <a:schemeClr val="accent2"/>
+              </a:buClr>
+              <a:buFont typeface="Wingdings" pitchFamily="2" charset="2"/>
+              <a:buChar char="§"/>
             </a:pPr>
             <a:r>
-              <a:rPr lang="en-US" sz="2000" dirty="0">
+              <a:rPr lang="en-US" sz="1500" dirty="0">
                 <a:solidFill>
                   <a:schemeClr val="tx1"/>
                 </a:solidFill>
@@ -9367,11 +10443,14 @@
           </a:p>
           <a:p>
             <a:pPr marL="742950" lvl="1" indent="-285750">
-              <a:buFont typeface="Arial" panose="020B0604020202020204" pitchFamily="34" charset="0"/>
-              <a:buChar char="•"/>
+              <a:buClr>
+                <a:schemeClr val="accent2"/>
+              </a:buClr>
+              <a:buFont typeface="Wingdings" pitchFamily="2" charset="2"/>
+              <a:buChar char="§"/>
             </a:pPr>
             <a:r>
-              <a:rPr lang="en-US" sz="2000" dirty="0">
+              <a:rPr lang="en-US" sz="1500" dirty="0">
                 <a:solidFill>
                   <a:schemeClr val="tx1"/>
                 </a:solidFill>
@@ -9484,8 +10563,8 @@
         </p:nvSpPr>
         <p:spPr>
           <a:xfrm>
-            <a:off x="387900" y="1207600"/>
-            <a:ext cx="1170513" cy="400110"/>
+            <a:off x="98188" y="1427013"/>
+            <a:ext cx="8203839" cy="323165"/>
           </a:xfrm>
           <a:prstGeom prst="rect">
             <a:avLst/>
@@ -9493,28 +10572,20 @@
           <a:noFill/>
         </p:spPr>
         <p:txBody>
-          <a:bodyPr wrap="none" rtlCol="0">
+          <a:bodyPr wrap="square" rtlCol="0">
             <a:spAutoFit/>
           </a:bodyPr>
           <a:lstStyle/>
           <a:p>
-            <a:pPr marL="742950" lvl="1" indent="-285750">
-              <a:buFont typeface="Arial" panose="020B0604020202020204" pitchFamily="34" charset="0"/>
-              <a:buChar char="•"/>
-            </a:pPr>
-            <a:r>
-              <a:rPr lang="en-US" sz="2000">
+            <a:pPr lvl="1"/>
+            <a:r>
+              <a:rPr lang="en-US" sz="1500" dirty="0">
                 <a:solidFill>
                   <a:schemeClr val="tx1"/>
                 </a:solidFill>
               </a:rPr>
-              <a:t>df</a:t>
-            </a:r>
-            <a:endParaRPr lang="en-US" sz="2000" dirty="0">
-              <a:solidFill>
-                <a:schemeClr val="tx1"/>
-              </a:solidFill>
-            </a:endParaRPr>
+              <a:t>Example : From input layer to the first hidden layer.</a:t>
+            </a:r>
           </a:p>
         </p:txBody>
       </p:sp>
@@ -9563,6 +10634,106 @@
               <a:t>convolution (conv) layer</a:t>
             </a:r>
             <a:endParaRPr dirty="0"/>
+          </a:p>
+        </p:txBody>
+      </p:sp>
+      <p:pic>
+        <p:nvPicPr>
+          <p:cNvPr id="3" name="Picture 2" descr="Calendar&#10;&#10;Description automatically generated">
+            <a:extLst>
+              <a:ext uri="{FF2B5EF4-FFF2-40B4-BE49-F238E27FC236}">
+                <a16:creationId xmlns:a16="http://schemas.microsoft.com/office/drawing/2014/main" id="{807FB3CF-1A32-8346-86D0-20091EE12E7B}"/>
+              </a:ext>
+            </a:extLst>
+          </p:cNvPr>
+          <p:cNvPicPr>
+            <a:picLocks noChangeAspect="1"/>
+          </p:cNvPicPr>
+          <p:nvPr/>
+        </p:nvPicPr>
+        <p:blipFill>
+          <a:blip r:embed="rId3"/>
+          <a:stretch>
+            <a:fillRect/>
+          </a:stretch>
+        </p:blipFill>
+        <p:spPr>
+          <a:xfrm>
+            <a:off x="938543" y="2775451"/>
+            <a:ext cx="1225236" cy="1429442"/>
+          </a:xfrm>
+          <a:prstGeom prst="rect">
+            <a:avLst/>
+          </a:prstGeom>
+        </p:spPr>
+      </p:pic>
+      <p:pic>
+        <p:nvPicPr>
+          <p:cNvPr id="7" name="Picture 6" descr="A picture containing text, crossword puzzle&#10;&#10;Description automatically generated">
+            <a:extLst>
+              <a:ext uri="{FF2B5EF4-FFF2-40B4-BE49-F238E27FC236}">
+                <a16:creationId xmlns:a16="http://schemas.microsoft.com/office/drawing/2014/main" id="{B57394F4-7ADC-2740-BE5A-EAD7C652A16E}"/>
+              </a:ext>
+            </a:extLst>
+          </p:cNvPr>
+          <p:cNvPicPr>
+            <a:picLocks noChangeAspect="1"/>
+          </p:cNvPicPr>
+          <p:nvPr/>
+        </p:nvPicPr>
+        <p:blipFill>
+          <a:blip r:embed="rId4"/>
+          <a:stretch>
+            <a:fillRect/>
+          </a:stretch>
+        </p:blipFill>
+        <p:spPr>
+          <a:xfrm>
+            <a:off x="2667754" y="2775451"/>
+            <a:ext cx="1225236" cy="1429442"/>
+          </a:xfrm>
+          <a:prstGeom prst="rect">
+            <a:avLst/>
+          </a:prstGeom>
+        </p:spPr>
+      </p:pic>
+      <p:sp>
+        <p:nvSpPr>
+          <p:cNvPr id="8" name="TextBox 7">
+            <a:extLst>
+              <a:ext uri="{FF2B5EF4-FFF2-40B4-BE49-F238E27FC236}">
+                <a16:creationId xmlns:a16="http://schemas.microsoft.com/office/drawing/2014/main" id="{48F3DB79-D181-864D-932A-FB66FE0863F4}"/>
+              </a:ext>
+            </a:extLst>
+          </p:cNvPr>
+          <p:cNvSpPr txBox="1"/>
+          <p:nvPr/>
+        </p:nvSpPr>
+        <p:spPr>
+          <a:xfrm>
+            <a:off x="579422" y="2206466"/>
+            <a:ext cx="1367074" cy="323165"/>
+          </a:xfrm>
+          <a:prstGeom prst="rect">
+            <a:avLst/>
+          </a:prstGeom>
+          <a:noFill/>
+        </p:spPr>
+        <p:txBody>
+          <a:bodyPr wrap="square" rtlCol="0">
+            <a:spAutoFit/>
+          </a:bodyPr>
+          <a:lstStyle/>
+          <a:p>
+            <a:pPr lvl="1" algn="ctr"/>
+            <a:r>
+              <a:rPr lang="en-US" sz="1500" dirty="0">
+                <a:solidFill>
+                  <a:schemeClr val="tx1"/>
+                </a:solidFill>
+              </a:rPr>
+              <a:t>Input</a:t>
+            </a:r>
           </a:p>
         </p:txBody>
       </p:sp>
@@ -9598,6 +10769,46 @@
       </p:grpSpPr>
       <p:sp>
         <p:nvSpPr>
+          <p:cNvPr id="5" name="TextBox 4">
+            <a:extLst>
+              <a:ext uri="{FF2B5EF4-FFF2-40B4-BE49-F238E27FC236}">
+                <a16:creationId xmlns:a16="http://schemas.microsoft.com/office/drawing/2014/main" id="{65630885-2E5C-724A-AFDF-BD4D0BDEB71A}"/>
+              </a:ext>
+            </a:extLst>
+          </p:cNvPr>
+          <p:cNvSpPr txBox="1"/>
+          <p:nvPr/>
+        </p:nvSpPr>
+        <p:spPr>
+          <a:xfrm>
+            <a:off x="98188" y="1427013"/>
+            <a:ext cx="8203839" cy="323165"/>
+          </a:xfrm>
+          <a:prstGeom prst="rect">
+            <a:avLst/>
+          </a:prstGeom>
+          <a:noFill/>
+        </p:spPr>
+        <p:txBody>
+          <a:bodyPr wrap="square" rtlCol="0">
+            <a:spAutoFit/>
+          </a:bodyPr>
+          <a:lstStyle/>
+          <a:p>
+            <a:pPr lvl="1"/>
+            <a:r>
+              <a:rPr lang="en-US" sz="1500" dirty="0">
+                <a:solidFill>
+                  <a:schemeClr val="tx1"/>
+                </a:solidFill>
+              </a:rPr>
+              <a:t>Example : From input layer to the first hidden layer.</a:t>
+            </a:r>
+          </a:p>
+        </p:txBody>
+      </p:sp>
+      <p:sp>
+        <p:nvSpPr>
           <p:cNvPr id="4" name="Google Shape;105;p20">
             <a:extLst>
               <a:ext uri="{FF2B5EF4-FFF2-40B4-BE49-F238E27FC236}">
@@ -9638,7 +10849,7 @@
             </a:pPr>
             <a:r>
               <a:rPr lang="en" dirty="0"/>
-              <a:t>CNN</a:t>
+              <a:t>convolution (conv) layer</a:t>
             </a:r>
             <a:endParaRPr dirty="0"/>
           </a:p>
@@ -9646,10 +10857,10 @@
       </p:sp>
       <p:pic>
         <p:nvPicPr>
-          <p:cNvPr id="6" name="Picture 5">
+          <p:cNvPr id="3" name="Picture 2" descr="Calendar&#10;&#10;Description automatically generated">
             <a:extLst>
               <a:ext uri="{FF2B5EF4-FFF2-40B4-BE49-F238E27FC236}">
-                <a16:creationId xmlns:a16="http://schemas.microsoft.com/office/drawing/2014/main" id="{56F7E168-6BEF-D743-8BE5-F3707B54BA49}"/>
+                <a16:creationId xmlns:a16="http://schemas.microsoft.com/office/drawing/2014/main" id="{807FB3CF-1A32-8346-86D0-20091EE12E7B}"/>
               </a:ext>
             </a:extLst>
           </p:cNvPr>
@@ -9659,33 +10870,57 @@
           <p:nvPr/>
         </p:nvPicPr>
         <p:blipFill>
-          <a:blip r:embed="rId3">
-            <a:extLst>
-              <a:ext uri="{837473B0-CC2E-450A-ABE3-18F120FF3D39}">
-                <a1611:picAttrSrcUrl xmlns:a1611="http://schemas.microsoft.com/office/drawing/2016/11/main" r:id="rId4"/>
-              </a:ext>
-            </a:extLst>
-          </a:blip>
+          <a:blip r:embed="rId3"/>
           <a:stretch>
             <a:fillRect/>
           </a:stretch>
         </p:blipFill>
         <p:spPr>
           <a:xfrm>
-            <a:off x="2381250" y="1581150"/>
-            <a:ext cx="4381500" cy="1981200"/>
+            <a:off x="938543" y="2775451"/>
+            <a:ext cx="1225236" cy="1429442"/>
           </a:xfrm>
           <a:prstGeom prst="rect">
             <a:avLst/>
           </a:prstGeom>
         </p:spPr>
       </p:pic>
-      <p:sp>
-        <p:nvSpPr>
-          <p:cNvPr id="7" name="TextBox 6">
+      <p:pic>
+        <p:nvPicPr>
+          <p:cNvPr id="7" name="Picture 6" descr="A picture containing text, crossword puzzle&#10;&#10;Description automatically generated">
             <a:extLst>
               <a:ext uri="{FF2B5EF4-FFF2-40B4-BE49-F238E27FC236}">
-                <a16:creationId xmlns:a16="http://schemas.microsoft.com/office/drawing/2014/main" id="{0DF0C35C-1F26-8049-BFCB-E59D917A11C4}"/>
+                <a16:creationId xmlns:a16="http://schemas.microsoft.com/office/drawing/2014/main" id="{B57394F4-7ADC-2740-BE5A-EAD7C652A16E}"/>
+              </a:ext>
+            </a:extLst>
+          </p:cNvPr>
+          <p:cNvPicPr>
+            <a:picLocks noChangeAspect="1"/>
+          </p:cNvPicPr>
+          <p:nvPr/>
+        </p:nvPicPr>
+        <p:blipFill>
+          <a:blip r:embed="rId4"/>
+          <a:stretch>
+            <a:fillRect/>
+          </a:stretch>
+        </p:blipFill>
+        <p:spPr>
+          <a:xfrm>
+            <a:off x="2667754" y="2775451"/>
+            <a:ext cx="1225236" cy="1429442"/>
+          </a:xfrm>
+          <a:prstGeom prst="rect">
+            <a:avLst/>
+          </a:prstGeom>
+        </p:spPr>
+      </p:pic>
+      <p:sp>
+        <p:nvSpPr>
+          <p:cNvPr id="8" name="TextBox 7">
+            <a:extLst>
+              <a:ext uri="{FF2B5EF4-FFF2-40B4-BE49-F238E27FC236}">
+                <a16:creationId xmlns:a16="http://schemas.microsoft.com/office/drawing/2014/main" id="{48F3DB79-D181-864D-932A-FB66FE0863F4}"/>
               </a:ext>
             </a:extLst>
           </p:cNvPr>
@@ -9694,8 +10929,8 @@
         </p:nvSpPr>
         <p:spPr>
           <a:xfrm>
-            <a:off x="2381250" y="3562350"/>
-            <a:ext cx="4381500" cy="230832"/>
+            <a:off x="579422" y="2206466"/>
+            <a:ext cx="1367074" cy="323165"/>
           </a:xfrm>
           <a:prstGeom prst="rect">
             <a:avLst/>
@@ -9708,30 +10943,760 @@
           </a:bodyPr>
           <a:lstStyle/>
           <a:p>
-            <a:r>
-              <a:rPr lang="en-US" sz="900">
-                <a:hlinkClick r:id="rId4" tooltip="http://www.davidsbatista.net/blog/2018/03/31/SentenceClassificationConvNets/"/>
+            <a:pPr lvl="1" algn="ctr"/>
+            <a:r>
+              <a:rPr lang="en-US" sz="1500" dirty="0">
+                <a:solidFill>
+                  <a:schemeClr val="tx1"/>
+                </a:solidFill>
               </a:rPr>
-              <a:t>This Photo</a:t>
-            </a:r>
-            <a:r>
-              <a:rPr lang="en-US" sz="900"/>
-              <a:t> by Unknown Author is licensed under </a:t>
-            </a:r>
-            <a:r>
-              <a:rPr lang="en-US" sz="900">
-                <a:hlinkClick r:id="rId5" tooltip="https://creativecommons.org/licenses/by-nc-sa/3.0/"/>
-              </a:rPr>
-              <a:t>CC BY-SA-NC</a:t>
-            </a:r>
-            <a:endParaRPr lang="en-US" sz="900"/>
+              <a:t>Input</a:t>
+            </a:r>
           </a:p>
         </p:txBody>
       </p:sp>
+      <p:pic>
+        <p:nvPicPr>
+          <p:cNvPr id="6" name="Picture 5" descr="Calendar&#10;&#10;Description automatically generated">
+            <a:extLst>
+              <a:ext uri="{FF2B5EF4-FFF2-40B4-BE49-F238E27FC236}">
+                <a16:creationId xmlns:a16="http://schemas.microsoft.com/office/drawing/2014/main" id="{B9181C8B-33BE-074D-8754-3B3761928D0E}"/>
+              </a:ext>
+            </a:extLst>
+          </p:cNvPr>
+          <p:cNvPicPr>
+            <a:picLocks noChangeAspect="1"/>
+          </p:cNvPicPr>
+          <p:nvPr/>
+        </p:nvPicPr>
+        <p:blipFill>
+          <a:blip r:embed="rId5"/>
+          <a:stretch>
+            <a:fillRect/>
+          </a:stretch>
+        </p:blipFill>
+        <p:spPr>
+          <a:xfrm>
+            <a:off x="4396965" y="2775451"/>
+            <a:ext cx="1225236" cy="1429442"/>
+          </a:xfrm>
+          <a:prstGeom prst="rect">
+            <a:avLst/>
+          </a:prstGeom>
+        </p:spPr>
+      </p:pic>
+      <p:pic>
+        <p:nvPicPr>
+          <p:cNvPr id="10" name="Picture 9" descr="A picture containing text, crossword puzzle&#10;&#10;Description automatically generated">
+            <a:extLst>
+              <a:ext uri="{FF2B5EF4-FFF2-40B4-BE49-F238E27FC236}">
+                <a16:creationId xmlns:a16="http://schemas.microsoft.com/office/drawing/2014/main" id="{79BCDDFC-34EB-3040-B873-B6F874AB73E9}"/>
+              </a:ext>
+            </a:extLst>
+          </p:cNvPr>
+          <p:cNvPicPr>
+            <a:picLocks noChangeAspect="1"/>
+          </p:cNvPicPr>
+          <p:nvPr/>
+        </p:nvPicPr>
+        <p:blipFill>
+          <a:blip r:embed="rId6"/>
+          <a:stretch>
+            <a:fillRect/>
+          </a:stretch>
+        </p:blipFill>
+        <p:spPr>
+          <a:xfrm>
+            <a:off x="6126176" y="2768730"/>
+            <a:ext cx="1225236" cy="1429442"/>
+          </a:xfrm>
+          <a:prstGeom prst="rect">
+            <a:avLst/>
+          </a:prstGeom>
+        </p:spPr>
+      </p:pic>
     </p:spTree>
     <p:extLst>
       <p:ext uri="{BB962C8B-B14F-4D97-AF65-F5344CB8AC3E}">
-        <p14:creationId xmlns:p14="http://schemas.microsoft.com/office/powerpoint/2010/main" val="4184428355"/>
+        <p14:creationId xmlns:p14="http://schemas.microsoft.com/office/powerpoint/2010/main" val="698758935"/>
+      </p:ext>
+    </p:extLst>
+  </p:cSld>
+  <p:clrMapOvr>
+    <a:masterClrMapping/>
+  </p:clrMapOvr>
+</p:sld>
+</file>
+
+<file path=ppt/slides/slide18.xml><?xml version="1.0" encoding="utf-8"?>
+<p:sld xmlns:a="http://schemas.openxmlformats.org/drawingml/2006/main" xmlns:r="http://schemas.openxmlformats.org/officeDocument/2006/relationships" xmlns:p="http://schemas.openxmlformats.org/presentationml/2006/main">
+  <p:cSld>
+    <p:spTree>
+      <p:nvGrpSpPr>
+        <p:cNvPr id="1" name="Shape 120"/>
+        <p:cNvGrpSpPr/>
+        <p:nvPr/>
+      </p:nvGrpSpPr>
+      <p:grpSpPr>
+        <a:xfrm>
+          <a:off x="0" y="0"/>
+          <a:ext cx="0" cy="0"/>
+          <a:chOff x="0" y="0"/>
+          <a:chExt cx="0" cy="0"/>
+        </a:xfrm>
+      </p:grpSpPr>
+      <p:sp>
+        <p:nvSpPr>
+          <p:cNvPr id="5" name="TextBox 4">
+            <a:extLst>
+              <a:ext uri="{FF2B5EF4-FFF2-40B4-BE49-F238E27FC236}">
+                <a16:creationId xmlns:a16="http://schemas.microsoft.com/office/drawing/2014/main" id="{65630885-2E5C-724A-AFDF-BD4D0BDEB71A}"/>
+              </a:ext>
+            </a:extLst>
+          </p:cNvPr>
+          <p:cNvSpPr txBox="1"/>
+          <p:nvPr/>
+        </p:nvSpPr>
+        <p:spPr>
+          <a:xfrm>
+            <a:off x="98188" y="1427013"/>
+            <a:ext cx="8203839" cy="323165"/>
+          </a:xfrm>
+          <a:prstGeom prst="rect">
+            <a:avLst/>
+          </a:prstGeom>
+          <a:noFill/>
+        </p:spPr>
+        <p:txBody>
+          <a:bodyPr wrap="square" rtlCol="0">
+            <a:spAutoFit/>
+          </a:bodyPr>
+          <a:lstStyle/>
+          <a:p>
+            <a:pPr lvl="1"/>
+            <a:r>
+              <a:rPr lang="en-US" sz="1500" dirty="0">
+                <a:solidFill>
+                  <a:schemeClr val="tx1"/>
+                </a:solidFill>
+              </a:rPr>
+              <a:t>Example : From input layer to the first hidden layer.</a:t>
+            </a:r>
+          </a:p>
+        </p:txBody>
+      </p:sp>
+      <p:sp>
+        <p:nvSpPr>
+          <p:cNvPr id="4" name="Google Shape;105;p20">
+            <a:extLst>
+              <a:ext uri="{FF2B5EF4-FFF2-40B4-BE49-F238E27FC236}">
+                <a16:creationId xmlns:a16="http://schemas.microsoft.com/office/drawing/2014/main" id="{4667A93C-49EA-8B45-9B29-30FAF54FB1C7}"/>
+              </a:ext>
+            </a:extLst>
+          </p:cNvPr>
+          <p:cNvSpPr txBox="1">
+            <a:spLocks noGrp="1"/>
+          </p:cNvSpPr>
+          <p:nvPr>
+            <p:ph type="title"/>
+          </p:nvPr>
+        </p:nvSpPr>
+        <p:spPr>
+          <a:xfrm>
+            <a:off x="387900" y="458025"/>
+            <a:ext cx="8368200" cy="686100"/>
+          </a:xfrm>
+          <a:prstGeom prst="rect">
+            <a:avLst/>
+          </a:prstGeom>
+        </p:spPr>
+        <p:txBody>
+          <a:bodyPr spcFirstLastPara="1" wrap="square" lIns="91425" tIns="91425" rIns="91425" bIns="91425" anchor="b" anchorCtr="0">
+            <a:noAutofit/>
+          </a:bodyPr>
+          <a:lstStyle/>
+          <a:p>
+            <a:pPr marL="0" lvl="0" indent="0" algn="l" rtl="0">
+              <a:spcBef>
+                <a:spcPts val="0"/>
+              </a:spcBef>
+              <a:spcAft>
+                <a:spcPts val="0"/>
+              </a:spcAft>
+              <a:buNone/>
+            </a:pPr>
+            <a:r>
+              <a:rPr lang="en" dirty="0"/>
+              <a:t>convolution (conv) layer</a:t>
+            </a:r>
+            <a:endParaRPr dirty="0"/>
+          </a:p>
+        </p:txBody>
+      </p:sp>
+      <p:pic>
+        <p:nvPicPr>
+          <p:cNvPr id="3" name="Picture 2" descr="Calendar&#10;&#10;Description automatically generated">
+            <a:extLst>
+              <a:ext uri="{FF2B5EF4-FFF2-40B4-BE49-F238E27FC236}">
+                <a16:creationId xmlns:a16="http://schemas.microsoft.com/office/drawing/2014/main" id="{807FB3CF-1A32-8346-86D0-20091EE12E7B}"/>
+              </a:ext>
+            </a:extLst>
+          </p:cNvPr>
+          <p:cNvPicPr>
+            <a:picLocks noChangeAspect="1"/>
+          </p:cNvPicPr>
+          <p:nvPr/>
+        </p:nvPicPr>
+        <p:blipFill>
+          <a:blip r:embed="rId3"/>
+          <a:stretch>
+            <a:fillRect/>
+          </a:stretch>
+        </p:blipFill>
+        <p:spPr>
+          <a:xfrm>
+            <a:off x="938543" y="2775451"/>
+            <a:ext cx="1225236" cy="1429442"/>
+          </a:xfrm>
+          <a:prstGeom prst="rect">
+            <a:avLst/>
+          </a:prstGeom>
+        </p:spPr>
+      </p:pic>
+      <p:sp>
+        <p:nvSpPr>
+          <p:cNvPr id="8" name="TextBox 7">
+            <a:extLst>
+              <a:ext uri="{FF2B5EF4-FFF2-40B4-BE49-F238E27FC236}">
+                <a16:creationId xmlns:a16="http://schemas.microsoft.com/office/drawing/2014/main" id="{48F3DB79-D181-864D-932A-FB66FE0863F4}"/>
+              </a:ext>
+            </a:extLst>
+          </p:cNvPr>
+          <p:cNvSpPr txBox="1"/>
+          <p:nvPr/>
+        </p:nvSpPr>
+        <p:spPr>
+          <a:xfrm>
+            <a:off x="579422" y="2206466"/>
+            <a:ext cx="1367074" cy="323165"/>
+          </a:xfrm>
+          <a:prstGeom prst="rect">
+            <a:avLst/>
+          </a:prstGeom>
+          <a:noFill/>
+        </p:spPr>
+        <p:txBody>
+          <a:bodyPr wrap="square" rtlCol="0">
+            <a:spAutoFit/>
+          </a:bodyPr>
+          <a:lstStyle/>
+          <a:p>
+            <a:pPr lvl="1" algn="ctr"/>
+            <a:r>
+              <a:rPr lang="en-US" sz="1500" dirty="0">
+                <a:solidFill>
+                  <a:schemeClr val="tx1"/>
+                </a:solidFill>
+              </a:rPr>
+              <a:t>Input</a:t>
+            </a:r>
+          </a:p>
+        </p:txBody>
+      </p:sp>
+      <p:pic>
+        <p:nvPicPr>
+          <p:cNvPr id="6" name="Picture 5" descr="Calendar&#10;&#10;Description automatically generated">
+            <a:extLst>
+              <a:ext uri="{FF2B5EF4-FFF2-40B4-BE49-F238E27FC236}">
+                <a16:creationId xmlns:a16="http://schemas.microsoft.com/office/drawing/2014/main" id="{B9181C8B-33BE-074D-8754-3B3761928D0E}"/>
+              </a:ext>
+            </a:extLst>
+          </p:cNvPr>
+          <p:cNvPicPr>
+            <a:picLocks noChangeAspect="1"/>
+          </p:cNvPicPr>
+          <p:nvPr/>
+        </p:nvPicPr>
+        <p:blipFill>
+          <a:blip r:embed="rId4"/>
+          <a:stretch>
+            <a:fillRect/>
+          </a:stretch>
+        </p:blipFill>
+        <p:spPr>
+          <a:xfrm>
+            <a:off x="2541005" y="2775451"/>
+            <a:ext cx="1225236" cy="1429442"/>
+          </a:xfrm>
+          <a:prstGeom prst="rect">
+            <a:avLst/>
+          </a:prstGeom>
+        </p:spPr>
+      </p:pic>
+      <p:pic>
+        <p:nvPicPr>
+          <p:cNvPr id="9" name="Picture 8" descr="A picture containing text, crossword puzzle&#10;&#10;Description automatically generated">
+            <a:extLst>
+              <a:ext uri="{FF2B5EF4-FFF2-40B4-BE49-F238E27FC236}">
+                <a16:creationId xmlns:a16="http://schemas.microsoft.com/office/drawing/2014/main" id="{7469C7BA-5D3D-514F-859B-AFD3F2E66046}"/>
+              </a:ext>
+            </a:extLst>
+          </p:cNvPr>
+          <p:cNvPicPr>
+            <a:picLocks noChangeAspect="1"/>
+          </p:cNvPicPr>
+          <p:nvPr/>
+        </p:nvPicPr>
+        <p:blipFill>
+          <a:blip r:embed="rId5"/>
+          <a:stretch>
+            <a:fillRect/>
+          </a:stretch>
+        </p:blipFill>
+        <p:spPr>
+          <a:xfrm>
+            <a:off x="4143467" y="2775451"/>
+            <a:ext cx="1225236" cy="1429442"/>
+          </a:xfrm>
+          <a:prstGeom prst="rect">
+            <a:avLst/>
+          </a:prstGeom>
+        </p:spPr>
+      </p:pic>
+      <p:pic>
+        <p:nvPicPr>
+          <p:cNvPr id="12" name="Picture 11" descr="A picture containing text, crossword puzzle&#10;&#10;Description automatically generated">
+            <a:extLst>
+              <a:ext uri="{FF2B5EF4-FFF2-40B4-BE49-F238E27FC236}">
+                <a16:creationId xmlns:a16="http://schemas.microsoft.com/office/drawing/2014/main" id="{8F42A4F3-B016-F648-BBF8-0721D533049F}"/>
+              </a:ext>
+            </a:extLst>
+          </p:cNvPr>
+          <p:cNvPicPr>
+            <a:picLocks noChangeAspect="1"/>
+          </p:cNvPicPr>
+          <p:nvPr/>
+        </p:nvPicPr>
+        <p:blipFill>
+          <a:blip r:embed="rId6"/>
+          <a:stretch>
+            <a:fillRect/>
+          </a:stretch>
+        </p:blipFill>
+        <p:spPr>
+          <a:xfrm>
+            <a:off x="5745929" y="2775451"/>
+            <a:ext cx="1225236" cy="1429442"/>
+          </a:xfrm>
+          <a:prstGeom prst="rect">
+            <a:avLst/>
+          </a:prstGeom>
+        </p:spPr>
+      </p:pic>
+      <p:sp>
+        <p:nvSpPr>
+          <p:cNvPr id="13" name="TextBox 12">
+            <a:extLst>
+              <a:ext uri="{FF2B5EF4-FFF2-40B4-BE49-F238E27FC236}">
+                <a16:creationId xmlns:a16="http://schemas.microsoft.com/office/drawing/2014/main" id="{34C74F29-C30E-8343-B516-9B0188B84A17}"/>
+              </a:ext>
+            </a:extLst>
+          </p:cNvPr>
+          <p:cNvSpPr txBox="1"/>
+          <p:nvPr/>
+        </p:nvSpPr>
+        <p:spPr>
+          <a:xfrm>
+            <a:off x="405142" y="4523892"/>
+            <a:ext cx="6722197" cy="323165"/>
+          </a:xfrm>
+          <a:prstGeom prst="rect">
+            <a:avLst/>
+          </a:prstGeom>
+          <a:noFill/>
+        </p:spPr>
+        <p:txBody>
+          <a:bodyPr wrap="square" rtlCol="0">
+            <a:spAutoFit/>
+          </a:bodyPr>
+          <a:lstStyle/>
+          <a:p>
+            <a:pPr lvl="1"/>
+            <a:r>
+              <a:rPr lang="en-US" sz="1500" dirty="0">
+                <a:solidFill>
+                  <a:schemeClr val="accent2"/>
+                </a:solidFill>
+              </a:rPr>
+              <a:t>Simple ANN was not able to incorporate all these dynamic changes !!!</a:t>
+            </a:r>
+          </a:p>
+        </p:txBody>
+      </p:sp>
+    </p:spTree>
+    <p:extLst>
+      <p:ext uri="{BB962C8B-B14F-4D97-AF65-F5344CB8AC3E}">
+        <p14:creationId xmlns:p14="http://schemas.microsoft.com/office/powerpoint/2010/main" val="2780180149"/>
+      </p:ext>
+    </p:extLst>
+  </p:cSld>
+  <p:clrMapOvr>
+    <a:masterClrMapping/>
+  </p:clrMapOvr>
+</p:sld>
+</file>
+
+<file path=ppt/slides/slide19.xml><?xml version="1.0" encoding="utf-8"?>
+<p:sld xmlns:a="http://schemas.openxmlformats.org/drawingml/2006/main" xmlns:r="http://schemas.openxmlformats.org/officeDocument/2006/relationships" xmlns:p="http://schemas.openxmlformats.org/presentationml/2006/main">
+  <p:cSld>
+    <p:spTree>
+      <p:nvGrpSpPr>
+        <p:cNvPr id="1" name="Shape 120"/>
+        <p:cNvGrpSpPr/>
+        <p:nvPr/>
+      </p:nvGrpSpPr>
+      <p:grpSpPr>
+        <a:xfrm>
+          <a:off x="0" y="0"/>
+          <a:ext cx="0" cy="0"/>
+          <a:chOff x="0" y="0"/>
+          <a:chExt cx="0" cy="0"/>
+        </a:xfrm>
+      </p:grpSpPr>
+      <p:sp>
+        <p:nvSpPr>
+          <p:cNvPr id="5" name="TextBox 4">
+            <a:extLst>
+              <a:ext uri="{FF2B5EF4-FFF2-40B4-BE49-F238E27FC236}">
+                <a16:creationId xmlns:a16="http://schemas.microsoft.com/office/drawing/2014/main" id="{65630885-2E5C-724A-AFDF-BD4D0BDEB71A}"/>
+              </a:ext>
+            </a:extLst>
+          </p:cNvPr>
+          <p:cNvSpPr txBox="1"/>
+          <p:nvPr/>
+        </p:nvSpPr>
+        <p:spPr>
+          <a:xfrm>
+            <a:off x="98188" y="1427013"/>
+            <a:ext cx="8203839" cy="323165"/>
+          </a:xfrm>
+          <a:prstGeom prst="rect">
+            <a:avLst/>
+          </a:prstGeom>
+          <a:noFill/>
+        </p:spPr>
+        <p:txBody>
+          <a:bodyPr wrap="square" rtlCol="0">
+            <a:spAutoFit/>
+          </a:bodyPr>
+          <a:lstStyle/>
+          <a:p>
+            <a:pPr lvl="1"/>
+            <a:r>
+              <a:rPr lang="en-US" sz="1500" dirty="0">
+                <a:solidFill>
+                  <a:schemeClr val="tx1"/>
+                </a:solidFill>
+              </a:rPr>
+              <a:t>Example : From input layer to the first hidden layer.</a:t>
+            </a:r>
+          </a:p>
+        </p:txBody>
+      </p:sp>
+      <p:sp>
+        <p:nvSpPr>
+          <p:cNvPr id="4" name="Google Shape;105;p20">
+            <a:extLst>
+              <a:ext uri="{FF2B5EF4-FFF2-40B4-BE49-F238E27FC236}">
+                <a16:creationId xmlns:a16="http://schemas.microsoft.com/office/drawing/2014/main" id="{4667A93C-49EA-8B45-9B29-30FAF54FB1C7}"/>
+              </a:ext>
+            </a:extLst>
+          </p:cNvPr>
+          <p:cNvSpPr txBox="1">
+            <a:spLocks noGrp="1"/>
+          </p:cNvSpPr>
+          <p:nvPr>
+            <p:ph type="title"/>
+          </p:nvPr>
+        </p:nvSpPr>
+        <p:spPr>
+          <a:xfrm>
+            <a:off x="387900" y="458025"/>
+            <a:ext cx="8368200" cy="686100"/>
+          </a:xfrm>
+          <a:prstGeom prst="rect">
+            <a:avLst/>
+          </a:prstGeom>
+        </p:spPr>
+        <p:txBody>
+          <a:bodyPr spcFirstLastPara="1" wrap="square" lIns="91425" tIns="91425" rIns="91425" bIns="91425" anchor="b" anchorCtr="0">
+            <a:noAutofit/>
+          </a:bodyPr>
+          <a:lstStyle/>
+          <a:p>
+            <a:pPr marL="0" lvl="0" indent="0" algn="l" rtl="0">
+              <a:spcBef>
+                <a:spcPts val="0"/>
+              </a:spcBef>
+              <a:spcAft>
+                <a:spcPts val="0"/>
+              </a:spcAft>
+              <a:buNone/>
+            </a:pPr>
+            <a:r>
+              <a:rPr lang="en" dirty="0"/>
+              <a:t>convolution (conv) layer</a:t>
+            </a:r>
+            <a:endParaRPr dirty="0"/>
+          </a:p>
+        </p:txBody>
+      </p:sp>
+      <p:pic>
+        <p:nvPicPr>
+          <p:cNvPr id="3" name="Picture 2" descr="Calendar&#10;&#10;Description automatically generated">
+            <a:extLst>
+              <a:ext uri="{FF2B5EF4-FFF2-40B4-BE49-F238E27FC236}">
+                <a16:creationId xmlns:a16="http://schemas.microsoft.com/office/drawing/2014/main" id="{807FB3CF-1A32-8346-86D0-20091EE12E7B}"/>
+              </a:ext>
+            </a:extLst>
+          </p:cNvPr>
+          <p:cNvPicPr>
+            <a:picLocks noChangeAspect="1"/>
+          </p:cNvPicPr>
+          <p:nvPr/>
+        </p:nvPicPr>
+        <p:blipFill>
+          <a:blip r:embed="rId3"/>
+          <a:stretch>
+            <a:fillRect/>
+          </a:stretch>
+        </p:blipFill>
+        <p:spPr>
+          <a:xfrm>
+            <a:off x="938543" y="2775451"/>
+            <a:ext cx="1225236" cy="1429442"/>
+          </a:xfrm>
+          <a:prstGeom prst="rect">
+            <a:avLst/>
+          </a:prstGeom>
+        </p:spPr>
+      </p:pic>
+      <p:sp>
+        <p:nvSpPr>
+          <p:cNvPr id="8" name="TextBox 7">
+            <a:extLst>
+              <a:ext uri="{FF2B5EF4-FFF2-40B4-BE49-F238E27FC236}">
+                <a16:creationId xmlns:a16="http://schemas.microsoft.com/office/drawing/2014/main" id="{48F3DB79-D181-864D-932A-FB66FE0863F4}"/>
+              </a:ext>
+            </a:extLst>
+          </p:cNvPr>
+          <p:cNvSpPr txBox="1"/>
+          <p:nvPr/>
+        </p:nvSpPr>
+        <p:spPr>
+          <a:xfrm>
+            <a:off x="579422" y="2206466"/>
+            <a:ext cx="1367074" cy="323165"/>
+          </a:xfrm>
+          <a:prstGeom prst="rect">
+            <a:avLst/>
+          </a:prstGeom>
+          <a:noFill/>
+        </p:spPr>
+        <p:txBody>
+          <a:bodyPr wrap="square" rtlCol="0">
+            <a:spAutoFit/>
+          </a:bodyPr>
+          <a:lstStyle/>
+          <a:p>
+            <a:pPr lvl="1" algn="ctr"/>
+            <a:r>
+              <a:rPr lang="en-US" sz="1500" dirty="0">
+                <a:solidFill>
+                  <a:srgbClr val="FF0000"/>
+                </a:solidFill>
+              </a:rPr>
+              <a:t>Input</a:t>
+            </a:r>
+          </a:p>
+        </p:txBody>
+      </p:sp>
+      <p:sp>
+        <p:nvSpPr>
+          <p:cNvPr id="11" name="TextBox 10">
+            <a:extLst>
+              <a:ext uri="{FF2B5EF4-FFF2-40B4-BE49-F238E27FC236}">
+                <a16:creationId xmlns:a16="http://schemas.microsoft.com/office/drawing/2014/main" id="{B00125DD-0BAC-D040-88A6-806A29221EFB}"/>
+              </a:ext>
+            </a:extLst>
+          </p:cNvPr>
+          <p:cNvSpPr txBox="1"/>
+          <p:nvPr/>
+        </p:nvSpPr>
+        <p:spPr>
+          <a:xfrm>
+            <a:off x="2317687" y="2206466"/>
+            <a:ext cx="1647729" cy="323165"/>
+          </a:xfrm>
+          <a:prstGeom prst="rect">
+            <a:avLst/>
+          </a:prstGeom>
+          <a:noFill/>
+        </p:spPr>
+        <p:txBody>
+          <a:bodyPr wrap="square" rtlCol="0">
+            <a:spAutoFit/>
+          </a:bodyPr>
+          <a:lstStyle/>
+          <a:p>
+            <a:pPr lvl="1" algn="ctr"/>
+            <a:r>
+              <a:rPr lang="en-US" sz="1500" dirty="0">
+                <a:solidFill>
+                  <a:srgbClr val="FF0000"/>
+                </a:solidFill>
+              </a:rPr>
+              <a:t>Features</a:t>
+            </a:r>
+          </a:p>
+        </p:txBody>
+      </p:sp>
+      <p:sp>
+        <p:nvSpPr>
+          <p:cNvPr id="13" name="TextBox 12">
+            <a:extLst>
+              <a:ext uri="{FF2B5EF4-FFF2-40B4-BE49-F238E27FC236}">
+                <a16:creationId xmlns:a16="http://schemas.microsoft.com/office/drawing/2014/main" id="{E0C62E79-130A-9B44-9019-01A767A3E067}"/>
+              </a:ext>
+            </a:extLst>
+          </p:cNvPr>
+          <p:cNvSpPr txBox="1"/>
+          <p:nvPr/>
+        </p:nvSpPr>
+        <p:spPr>
+          <a:xfrm>
+            <a:off x="2418675" y="2585897"/>
+            <a:ext cx="2488303" cy="2169825"/>
+          </a:xfrm>
+          <a:prstGeom prst="rect">
+            <a:avLst/>
+          </a:prstGeom>
+          <a:noFill/>
+        </p:spPr>
+        <p:txBody>
+          <a:bodyPr wrap="square" rtlCol="0">
+            <a:spAutoFit/>
+          </a:bodyPr>
+          <a:lstStyle/>
+          <a:p>
+            <a:pPr lvl="1"/>
+            <a:r>
+              <a:rPr lang="en-US" sz="1500" dirty="0">
+                <a:solidFill>
+                  <a:schemeClr val="tx1"/>
+                </a:solidFill>
+              </a:rPr>
+              <a:t>Upper Curve ?  </a:t>
+            </a:r>
+            <a:r>
+              <a:rPr lang="en-US" sz="1500" dirty="0">
+                <a:solidFill>
+                  <a:srgbClr val="00B050"/>
+                </a:solidFill>
+              </a:rPr>
+              <a:t>Y</a:t>
+            </a:r>
+          </a:p>
+          <a:p>
+            <a:pPr lvl="1"/>
+            <a:endParaRPr lang="en-US" sz="1500" dirty="0">
+              <a:solidFill>
+                <a:schemeClr val="tx1"/>
+              </a:solidFill>
+            </a:endParaRPr>
+          </a:p>
+          <a:p>
+            <a:pPr lvl="1"/>
+            <a:r>
+              <a:rPr lang="en-US" sz="1500" dirty="0"/>
+              <a:t>Lower Curve ?  </a:t>
+            </a:r>
+            <a:r>
+              <a:rPr lang="en-US" sz="1500" dirty="0">
+                <a:solidFill>
+                  <a:srgbClr val="00B050"/>
+                </a:solidFill>
+              </a:rPr>
+              <a:t>Y</a:t>
+            </a:r>
+          </a:p>
+          <a:p>
+            <a:pPr lvl="1"/>
+            <a:endParaRPr lang="en-US" sz="1500" dirty="0"/>
+          </a:p>
+          <a:p>
+            <a:pPr lvl="1"/>
+            <a:r>
+              <a:rPr lang="en-US" sz="1500" dirty="0">
+                <a:solidFill>
+                  <a:schemeClr val="tx1"/>
+                </a:solidFill>
+              </a:rPr>
+              <a:t>Straight Line ?  </a:t>
+            </a:r>
+            <a:r>
+              <a:rPr lang="en-US" sz="1500" dirty="0">
+                <a:solidFill>
+                  <a:srgbClr val="00B050"/>
+                </a:solidFill>
+              </a:rPr>
+              <a:t>Y</a:t>
+            </a:r>
+          </a:p>
+          <a:p>
+            <a:pPr lvl="1"/>
+            <a:endParaRPr lang="en-US" sz="1500" dirty="0">
+              <a:solidFill>
+                <a:schemeClr val="tx1"/>
+              </a:solidFill>
+            </a:endParaRPr>
+          </a:p>
+          <a:p>
+            <a:pPr lvl="1"/>
+            <a:r>
+              <a:rPr lang="en-US" sz="1500" dirty="0"/>
+              <a:t>Left Curve ?  </a:t>
+            </a:r>
+            <a:r>
+              <a:rPr lang="en-US" sz="1500" dirty="0">
+                <a:solidFill>
+                  <a:srgbClr val="00B050"/>
+                </a:solidFill>
+              </a:rPr>
+              <a:t>Y</a:t>
+            </a:r>
+          </a:p>
+          <a:p>
+            <a:pPr lvl="1"/>
+            <a:endParaRPr lang="en-US" sz="1500" dirty="0"/>
+          </a:p>
+          <a:p>
+            <a:pPr lvl="1"/>
+            <a:r>
+              <a:rPr lang="en-US" sz="1500" dirty="0">
+                <a:solidFill>
+                  <a:schemeClr val="tx1"/>
+                </a:solidFill>
+              </a:rPr>
+              <a:t>Etc.…</a:t>
+            </a:r>
+          </a:p>
+        </p:txBody>
+      </p:sp>
+    </p:spTree>
+    <p:extLst>
+      <p:ext uri="{BB962C8B-B14F-4D97-AF65-F5344CB8AC3E}">
+        <p14:creationId xmlns:p14="http://schemas.microsoft.com/office/powerpoint/2010/main" val="982724063"/>
       </p:ext>
     </p:extLst>
   </p:cSld>
@@ -10216,7 +12181,7 @@
               </a:spcAft>
             </a:pPr>
             <a:r>
-              <a:rPr lang="en-US" sz="5400"/>
+              <a:rPr lang="en-US" sz="5400" dirty="0"/>
               <a:t>Overview</a:t>
             </a:r>
           </a:p>
@@ -10311,15 +12276,7 @@
             </a:pPr>
             <a:r>
               <a:rPr lang="en-US" dirty="0"/>
-              <a:t>Current Malicious </a:t>
-            </a:r>
-            <a:r>
-              <a:rPr lang="en-US" dirty="0" err="1"/>
-              <a:t>url</a:t>
-            </a:r>
-            <a:r>
-              <a:rPr lang="en-US" dirty="0"/>
-              <a:t> Det. techniques</a:t>
+              <a:t>Current Malicious URL Det. techniques</a:t>
             </a:r>
           </a:p>
           <a:p>
@@ -10370,13 +12327,8 @@
             </a:pPr>
             <a:r>
               <a:rPr lang="en-US" dirty="0"/>
-              <a:t>Features of </a:t>
-            </a:r>
-            <a:r>
-              <a:rPr lang="en-US" dirty="0" err="1"/>
-              <a:t>url</a:t>
-            </a:r>
-            <a:endParaRPr lang="en-US" dirty="0"/>
+              <a:t>Features of URL</a:t>
+            </a:r>
           </a:p>
           <a:p>
             <a:pPr marL="457200" lvl="0" indent="-182880" defTabSz="914400">
@@ -10575,6 +12527,3664 @@
         </p:txBody>
       </p:sp>
     </p:spTree>
+  </p:cSld>
+  <p:clrMapOvr>
+    <a:masterClrMapping/>
+  </p:clrMapOvr>
+</p:sld>
+</file>
+
+<file path=ppt/slides/slide20.xml><?xml version="1.0" encoding="utf-8"?>
+<p:sld xmlns:a="http://schemas.openxmlformats.org/drawingml/2006/main" xmlns:r="http://schemas.openxmlformats.org/officeDocument/2006/relationships" xmlns:p="http://schemas.openxmlformats.org/presentationml/2006/main">
+  <p:cSld>
+    <p:spTree>
+      <p:nvGrpSpPr>
+        <p:cNvPr id="1" name="Shape 120"/>
+        <p:cNvGrpSpPr/>
+        <p:nvPr/>
+      </p:nvGrpSpPr>
+      <p:grpSpPr>
+        <a:xfrm>
+          <a:off x="0" y="0"/>
+          <a:ext cx="0" cy="0"/>
+          <a:chOff x="0" y="0"/>
+          <a:chExt cx="0" cy="0"/>
+        </a:xfrm>
+      </p:grpSpPr>
+      <p:sp>
+        <p:nvSpPr>
+          <p:cNvPr id="5" name="TextBox 4">
+            <a:extLst>
+              <a:ext uri="{FF2B5EF4-FFF2-40B4-BE49-F238E27FC236}">
+                <a16:creationId xmlns:a16="http://schemas.microsoft.com/office/drawing/2014/main" id="{65630885-2E5C-724A-AFDF-BD4D0BDEB71A}"/>
+              </a:ext>
+            </a:extLst>
+          </p:cNvPr>
+          <p:cNvSpPr txBox="1"/>
+          <p:nvPr/>
+        </p:nvSpPr>
+        <p:spPr>
+          <a:xfrm>
+            <a:off x="98188" y="1427013"/>
+            <a:ext cx="8203839" cy="323165"/>
+          </a:xfrm>
+          <a:prstGeom prst="rect">
+            <a:avLst/>
+          </a:prstGeom>
+          <a:noFill/>
+        </p:spPr>
+        <p:txBody>
+          <a:bodyPr wrap="square" rtlCol="0">
+            <a:spAutoFit/>
+          </a:bodyPr>
+          <a:lstStyle/>
+          <a:p>
+            <a:pPr lvl="1"/>
+            <a:r>
+              <a:rPr lang="en-US" sz="1500" dirty="0">
+                <a:solidFill>
+                  <a:schemeClr val="tx1"/>
+                </a:solidFill>
+              </a:rPr>
+              <a:t>Example : From input layer to the first hidden layer.</a:t>
+            </a:r>
+          </a:p>
+        </p:txBody>
+      </p:sp>
+      <p:sp>
+        <p:nvSpPr>
+          <p:cNvPr id="4" name="Google Shape;105;p20">
+            <a:extLst>
+              <a:ext uri="{FF2B5EF4-FFF2-40B4-BE49-F238E27FC236}">
+                <a16:creationId xmlns:a16="http://schemas.microsoft.com/office/drawing/2014/main" id="{4667A93C-49EA-8B45-9B29-30FAF54FB1C7}"/>
+              </a:ext>
+            </a:extLst>
+          </p:cNvPr>
+          <p:cNvSpPr txBox="1">
+            <a:spLocks noGrp="1"/>
+          </p:cNvSpPr>
+          <p:nvPr>
+            <p:ph type="title"/>
+          </p:nvPr>
+        </p:nvSpPr>
+        <p:spPr>
+          <a:xfrm>
+            <a:off x="387900" y="458025"/>
+            <a:ext cx="8368200" cy="686100"/>
+          </a:xfrm>
+          <a:prstGeom prst="rect">
+            <a:avLst/>
+          </a:prstGeom>
+        </p:spPr>
+        <p:txBody>
+          <a:bodyPr spcFirstLastPara="1" wrap="square" lIns="91425" tIns="91425" rIns="91425" bIns="91425" anchor="b" anchorCtr="0">
+            <a:noAutofit/>
+          </a:bodyPr>
+          <a:lstStyle/>
+          <a:p>
+            <a:pPr marL="0" lvl="0" indent="0" algn="l" rtl="0">
+              <a:spcBef>
+                <a:spcPts val="0"/>
+              </a:spcBef>
+              <a:spcAft>
+                <a:spcPts val="0"/>
+              </a:spcAft>
+              <a:buNone/>
+            </a:pPr>
+            <a:r>
+              <a:rPr lang="en" dirty="0"/>
+              <a:t>convolution (conv) layer</a:t>
+            </a:r>
+            <a:endParaRPr dirty="0"/>
+          </a:p>
+        </p:txBody>
+      </p:sp>
+      <p:pic>
+        <p:nvPicPr>
+          <p:cNvPr id="3" name="Picture 2" descr="Calendar&#10;&#10;Description automatically generated">
+            <a:extLst>
+              <a:ext uri="{FF2B5EF4-FFF2-40B4-BE49-F238E27FC236}">
+                <a16:creationId xmlns:a16="http://schemas.microsoft.com/office/drawing/2014/main" id="{807FB3CF-1A32-8346-86D0-20091EE12E7B}"/>
+              </a:ext>
+            </a:extLst>
+          </p:cNvPr>
+          <p:cNvPicPr>
+            <a:picLocks noChangeAspect="1"/>
+          </p:cNvPicPr>
+          <p:nvPr/>
+        </p:nvPicPr>
+        <p:blipFill>
+          <a:blip r:embed="rId3"/>
+          <a:stretch>
+            <a:fillRect/>
+          </a:stretch>
+        </p:blipFill>
+        <p:spPr>
+          <a:xfrm>
+            <a:off x="938543" y="2775451"/>
+            <a:ext cx="1225236" cy="1429442"/>
+          </a:xfrm>
+          <a:prstGeom prst="rect">
+            <a:avLst/>
+          </a:prstGeom>
+        </p:spPr>
+      </p:pic>
+      <p:sp>
+        <p:nvSpPr>
+          <p:cNvPr id="8" name="TextBox 7">
+            <a:extLst>
+              <a:ext uri="{FF2B5EF4-FFF2-40B4-BE49-F238E27FC236}">
+                <a16:creationId xmlns:a16="http://schemas.microsoft.com/office/drawing/2014/main" id="{48F3DB79-D181-864D-932A-FB66FE0863F4}"/>
+              </a:ext>
+            </a:extLst>
+          </p:cNvPr>
+          <p:cNvSpPr txBox="1"/>
+          <p:nvPr/>
+        </p:nvSpPr>
+        <p:spPr>
+          <a:xfrm>
+            <a:off x="579422" y="2206466"/>
+            <a:ext cx="1367074" cy="323165"/>
+          </a:xfrm>
+          <a:prstGeom prst="rect">
+            <a:avLst/>
+          </a:prstGeom>
+          <a:noFill/>
+        </p:spPr>
+        <p:txBody>
+          <a:bodyPr wrap="square" rtlCol="0">
+            <a:spAutoFit/>
+          </a:bodyPr>
+          <a:lstStyle/>
+          <a:p>
+            <a:pPr lvl="1" algn="ctr"/>
+            <a:r>
+              <a:rPr lang="en-US" sz="1500" dirty="0">
+                <a:solidFill>
+                  <a:srgbClr val="FF0000"/>
+                </a:solidFill>
+              </a:rPr>
+              <a:t>Input</a:t>
+            </a:r>
+          </a:p>
+        </p:txBody>
+      </p:sp>
+      <p:sp>
+        <p:nvSpPr>
+          <p:cNvPr id="11" name="TextBox 10">
+            <a:extLst>
+              <a:ext uri="{FF2B5EF4-FFF2-40B4-BE49-F238E27FC236}">
+                <a16:creationId xmlns:a16="http://schemas.microsoft.com/office/drawing/2014/main" id="{B00125DD-0BAC-D040-88A6-806A29221EFB}"/>
+              </a:ext>
+            </a:extLst>
+          </p:cNvPr>
+          <p:cNvSpPr txBox="1"/>
+          <p:nvPr/>
+        </p:nvSpPr>
+        <p:spPr>
+          <a:xfrm>
+            <a:off x="2317687" y="2206466"/>
+            <a:ext cx="1647729" cy="323165"/>
+          </a:xfrm>
+          <a:prstGeom prst="rect">
+            <a:avLst/>
+          </a:prstGeom>
+          <a:noFill/>
+        </p:spPr>
+        <p:txBody>
+          <a:bodyPr wrap="square" rtlCol="0">
+            <a:spAutoFit/>
+          </a:bodyPr>
+          <a:lstStyle/>
+          <a:p>
+            <a:pPr lvl="1" algn="ctr"/>
+            <a:r>
+              <a:rPr lang="en-US" sz="1500" dirty="0">
+                <a:solidFill>
+                  <a:srgbClr val="FF0000"/>
+                </a:solidFill>
+              </a:rPr>
+              <a:t>Features</a:t>
+            </a:r>
+          </a:p>
+        </p:txBody>
+      </p:sp>
+      <p:sp>
+        <p:nvSpPr>
+          <p:cNvPr id="13" name="TextBox 12">
+            <a:extLst>
+              <a:ext uri="{FF2B5EF4-FFF2-40B4-BE49-F238E27FC236}">
+                <a16:creationId xmlns:a16="http://schemas.microsoft.com/office/drawing/2014/main" id="{E0C62E79-130A-9B44-9019-01A767A3E067}"/>
+              </a:ext>
+            </a:extLst>
+          </p:cNvPr>
+          <p:cNvSpPr txBox="1"/>
+          <p:nvPr/>
+        </p:nvSpPr>
+        <p:spPr>
+          <a:xfrm>
+            <a:off x="2418675" y="2585897"/>
+            <a:ext cx="2488303" cy="2169825"/>
+          </a:xfrm>
+          <a:prstGeom prst="rect">
+            <a:avLst/>
+          </a:prstGeom>
+          <a:noFill/>
+        </p:spPr>
+        <p:txBody>
+          <a:bodyPr wrap="square" rtlCol="0">
+            <a:spAutoFit/>
+          </a:bodyPr>
+          <a:lstStyle/>
+          <a:p>
+            <a:pPr lvl="1"/>
+            <a:r>
+              <a:rPr lang="en-US" sz="1500" dirty="0">
+                <a:solidFill>
+                  <a:schemeClr val="tx1"/>
+                </a:solidFill>
+              </a:rPr>
+              <a:t>Upper Curve ?  </a:t>
+            </a:r>
+            <a:r>
+              <a:rPr lang="en-US" sz="1500" dirty="0">
+                <a:solidFill>
+                  <a:srgbClr val="00B050"/>
+                </a:solidFill>
+              </a:rPr>
+              <a:t>Y</a:t>
+            </a:r>
+          </a:p>
+          <a:p>
+            <a:pPr lvl="1"/>
+            <a:endParaRPr lang="en-US" sz="1500" dirty="0">
+              <a:solidFill>
+                <a:schemeClr val="tx1"/>
+              </a:solidFill>
+            </a:endParaRPr>
+          </a:p>
+          <a:p>
+            <a:pPr lvl="1"/>
+            <a:r>
+              <a:rPr lang="en-US" sz="1500" dirty="0"/>
+              <a:t>Lower Curve ?  </a:t>
+            </a:r>
+            <a:r>
+              <a:rPr lang="en-US" sz="1500" dirty="0">
+                <a:solidFill>
+                  <a:srgbClr val="00B050"/>
+                </a:solidFill>
+              </a:rPr>
+              <a:t>Y</a:t>
+            </a:r>
+          </a:p>
+          <a:p>
+            <a:pPr lvl="1"/>
+            <a:endParaRPr lang="en-US" sz="1500" dirty="0"/>
+          </a:p>
+          <a:p>
+            <a:pPr lvl="1"/>
+            <a:r>
+              <a:rPr lang="en-US" sz="1500" dirty="0">
+                <a:solidFill>
+                  <a:schemeClr val="tx1"/>
+                </a:solidFill>
+              </a:rPr>
+              <a:t>Straight Line ?  </a:t>
+            </a:r>
+            <a:r>
+              <a:rPr lang="en-US" sz="1500" dirty="0">
+                <a:solidFill>
+                  <a:srgbClr val="00B050"/>
+                </a:solidFill>
+              </a:rPr>
+              <a:t>Y</a:t>
+            </a:r>
+          </a:p>
+          <a:p>
+            <a:pPr lvl="1"/>
+            <a:endParaRPr lang="en-US" sz="1500" dirty="0">
+              <a:solidFill>
+                <a:schemeClr val="tx1"/>
+              </a:solidFill>
+            </a:endParaRPr>
+          </a:p>
+          <a:p>
+            <a:pPr lvl="1"/>
+            <a:r>
+              <a:rPr lang="en-US" sz="1500" dirty="0"/>
+              <a:t>Left Curve ?  </a:t>
+            </a:r>
+            <a:r>
+              <a:rPr lang="en-US" sz="1500" dirty="0">
+                <a:solidFill>
+                  <a:srgbClr val="00B050"/>
+                </a:solidFill>
+              </a:rPr>
+              <a:t>Y</a:t>
+            </a:r>
+          </a:p>
+          <a:p>
+            <a:pPr lvl="1"/>
+            <a:endParaRPr lang="en-US" sz="1500" dirty="0"/>
+          </a:p>
+          <a:p>
+            <a:pPr lvl="1"/>
+            <a:r>
+              <a:rPr lang="en-US" sz="1500" dirty="0">
+                <a:solidFill>
+                  <a:schemeClr val="tx1"/>
+                </a:solidFill>
+              </a:rPr>
+              <a:t>Etc.…</a:t>
+            </a:r>
+          </a:p>
+        </p:txBody>
+      </p:sp>
+      <p:cxnSp>
+        <p:nvCxnSpPr>
+          <p:cNvPr id="7" name="Straight Arrow Connector 6">
+            <a:extLst>
+              <a:ext uri="{FF2B5EF4-FFF2-40B4-BE49-F238E27FC236}">
+                <a16:creationId xmlns:a16="http://schemas.microsoft.com/office/drawing/2014/main" id="{CF228222-DD54-E747-9A05-AA8C5C23AB43}"/>
+              </a:ext>
+            </a:extLst>
+          </p:cNvPr>
+          <p:cNvCxnSpPr/>
+          <p:nvPr/>
+        </p:nvCxnSpPr>
+        <p:spPr>
+          <a:xfrm>
+            <a:off x="4572000" y="2697933"/>
+            <a:ext cx="1774479" cy="642796"/>
+          </a:xfrm>
+          <a:prstGeom prst="straightConnector1">
+            <a:avLst/>
+          </a:prstGeom>
+          <a:ln>
+            <a:tailEnd type="triangle"/>
+          </a:ln>
+        </p:spPr>
+        <p:style>
+          <a:lnRef idx="1">
+            <a:schemeClr val="accent1"/>
+          </a:lnRef>
+          <a:fillRef idx="0">
+            <a:schemeClr val="accent1"/>
+          </a:fillRef>
+          <a:effectRef idx="0">
+            <a:schemeClr val="accent1"/>
+          </a:effectRef>
+          <a:fontRef idx="minor">
+            <a:schemeClr val="tx1"/>
+          </a:fontRef>
+        </p:style>
+      </p:cxnSp>
+      <p:cxnSp>
+        <p:nvCxnSpPr>
+          <p:cNvPr id="14" name="Straight Arrow Connector 13">
+            <a:extLst>
+              <a:ext uri="{FF2B5EF4-FFF2-40B4-BE49-F238E27FC236}">
+                <a16:creationId xmlns:a16="http://schemas.microsoft.com/office/drawing/2014/main" id="{E6287541-2779-1541-BE65-CB6171DB46CB}"/>
+              </a:ext>
+            </a:extLst>
+          </p:cNvPr>
+          <p:cNvCxnSpPr>
+            <a:cxnSpLocks/>
+          </p:cNvCxnSpPr>
+          <p:nvPr/>
+        </p:nvCxnSpPr>
+        <p:spPr>
+          <a:xfrm>
+            <a:off x="4572000" y="3232087"/>
+            <a:ext cx="1774479" cy="280658"/>
+          </a:xfrm>
+          <a:prstGeom prst="straightConnector1">
+            <a:avLst/>
+          </a:prstGeom>
+          <a:ln>
+            <a:tailEnd type="triangle"/>
+          </a:ln>
+        </p:spPr>
+        <p:style>
+          <a:lnRef idx="1">
+            <a:schemeClr val="accent1"/>
+          </a:lnRef>
+          <a:fillRef idx="0">
+            <a:schemeClr val="accent1"/>
+          </a:fillRef>
+          <a:effectRef idx="0">
+            <a:schemeClr val="accent1"/>
+          </a:effectRef>
+          <a:fontRef idx="minor">
+            <a:schemeClr val="tx1"/>
+          </a:fontRef>
+        </p:style>
+      </p:cxnSp>
+      <p:cxnSp>
+        <p:nvCxnSpPr>
+          <p:cNvPr id="17" name="Straight Arrow Connector 16">
+            <a:extLst>
+              <a:ext uri="{FF2B5EF4-FFF2-40B4-BE49-F238E27FC236}">
+                <a16:creationId xmlns:a16="http://schemas.microsoft.com/office/drawing/2014/main" id="{7EEE06AE-9A55-3C40-96A0-CB70DAEC6BBC}"/>
+              </a:ext>
+            </a:extLst>
+          </p:cNvPr>
+          <p:cNvCxnSpPr>
+            <a:cxnSpLocks/>
+          </p:cNvCxnSpPr>
+          <p:nvPr/>
+        </p:nvCxnSpPr>
+        <p:spPr>
+          <a:xfrm>
+            <a:off x="4572000" y="3665145"/>
+            <a:ext cx="1774479" cy="0"/>
+          </a:xfrm>
+          <a:prstGeom prst="straightConnector1">
+            <a:avLst/>
+          </a:prstGeom>
+          <a:ln>
+            <a:tailEnd type="triangle"/>
+          </a:ln>
+        </p:spPr>
+        <p:style>
+          <a:lnRef idx="1">
+            <a:schemeClr val="accent1"/>
+          </a:lnRef>
+          <a:fillRef idx="0">
+            <a:schemeClr val="accent1"/>
+          </a:fillRef>
+          <a:effectRef idx="0">
+            <a:schemeClr val="accent1"/>
+          </a:effectRef>
+          <a:fontRef idx="minor">
+            <a:schemeClr val="tx1"/>
+          </a:fontRef>
+        </p:style>
+      </p:cxnSp>
+      <p:cxnSp>
+        <p:nvCxnSpPr>
+          <p:cNvPr id="20" name="Straight Arrow Connector 19">
+            <a:extLst>
+              <a:ext uri="{FF2B5EF4-FFF2-40B4-BE49-F238E27FC236}">
+                <a16:creationId xmlns:a16="http://schemas.microsoft.com/office/drawing/2014/main" id="{78B9D08D-382A-4045-95FD-B10779FE9BF5}"/>
+              </a:ext>
+            </a:extLst>
+          </p:cNvPr>
+          <p:cNvCxnSpPr>
+            <a:cxnSpLocks/>
+          </p:cNvCxnSpPr>
+          <p:nvPr/>
+        </p:nvCxnSpPr>
+        <p:spPr>
+          <a:xfrm flipV="1">
+            <a:off x="4409038" y="3811509"/>
+            <a:ext cx="1937441" cy="307818"/>
+          </a:xfrm>
+          <a:prstGeom prst="straightConnector1">
+            <a:avLst/>
+          </a:prstGeom>
+          <a:ln>
+            <a:tailEnd type="triangle"/>
+          </a:ln>
+        </p:spPr>
+        <p:style>
+          <a:lnRef idx="1">
+            <a:schemeClr val="accent1"/>
+          </a:lnRef>
+          <a:fillRef idx="0">
+            <a:schemeClr val="accent1"/>
+          </a:fillRef>
+          <a:effectRef idx="0">
+            <a:schemeClr val="accent1"/>
+          </a:effectRef>
+          <a:fontRef idx="minor">
+            <a:schemeClr val="tx1"/>
+          </a:fontRef>
+        </p:style>
+      </p:cxnSp>
+      <p:cxnSp>
+        <p:nvCxnSpPr>
+          <p:cNvPr id="23" name="Straight Arrow Connector 22">
+            <a:extLst>
+              <a:ext uri="{FF2B5EF4-FFF2-40B4-BE49-F238E27FC236}">
+                <a16:creationId xmlns:a16="http://schemas.microsoft.com/office/drawing/2014/main" id="{A9BE9728-E8E8-B449-9450-49E4A4AADD1D}"/>
+              </a:ext>
+            </a:extLst>
+          </p:cNvPr>
+          <p:cNvCxnSpPr>
+            <a:cxnSpLocks/>
+          </p:cNvCxnSpPr>
+          <p:nvPr/>
+        </p:nvCxnSpPr>
+        <p:spPr>
+          <a:xfrm flipV="1">
+            <a:off x="3720974" y="4010685"/>
+            <a:ext cx="2625505" cy="570368"/>
+          </a:xfrm>
+          <a:prstGeom prst="straightConnector1">
+            <a:avLst/>
+          </a:prstGeom>
+          <a:ln>
+            <a:tailEnd type="triangle"/>
+          </a:ln>
+        </p:spPr>
+        <p:style>
+          <a:lnRef idx="1">
+            <a:schemeClr val="accent1"/>
+          </a:lnRef>
+          <a:fillRef idx="0">
+            <a:schemeClr val="accent1"/>
+          </a:fillRef>
+          <a:effectRef idx="0">
+            <a:schemeClr val="accent1"/>
+          </a:effectRef>
+          <a:fontRef idx="minor">
+            <a:schemeClr val="tx1"/>
+          </a:fontRef>
+        </p:style>
+      </p:cxnSp>
+      <p:pic>
+        <p:nvPicPr>
+          <p:cNvPr id="26" name="Picture 25" descr="Calendar&#10;&#10;Description automatically generated">
+            <a:extLst>
+              <a:ext uri="{FF2B5EF4-FFF2-40B4-BE49-F238E27FC236}">
+                <a16:creationId xmlns:a16="http://schemas.microsoft.com/office/drawing/2014/main" id="{6D057514-8E05-4345-A1AD-38D343F5A029}"/>
+              </a:ext>
+            </a:extLst>
+          </p:cNvPr>
+          <p:cNvPicPr>
+            <a:picLocks noChangeAspect="1"/>
+          </p:cNvPicPr>
+          <p:nvPr/>
+        </p:nvPicPr>
+        <p:blipFill>
+          <a:blip r:embed="rId3"/>
+          <a:stretch>
+            <a:fillRect/>
+          </a:stretch>
+        </p:blipFill>
+        <p:spPr>
+          <a:xfrm>
+            <a:off x="6447685" y="2950424"/>
+            <a:ext cx="1225236" cy="1429442"/>
+          </a:xfrm>
+          <a:prstGeom prst="rect">
+            <a:avLst/>
+          </a:prstGeom>
+        </p:spPr>
+      </p:pic>
+      <p:sp>
+        <p:nvSpPr>
+          <p:cNvPr id="27" name="TextBox 26">
+            <a:extLst>
+              <a:ext uri="{FF2B5EF4-FFF2-40B4-BE49-F238E27FC236}">
+                <a16:creationId xmlns:a16="http://schemas.microsoft.com/office/drawing/2014/main" id="{4F426EB4-07B2-9B46-8EDB-DC8BACE5D255}"/>
+              </a:ext>
+            </a:extLst>
+          </p:cNvPr>
+          <p:cNvSpPr txBox="1"/>
+          <p:nvPr/>
+        </p:nvSpPr>
+        <p:spPr>
+          <a:xfrm>
+            <a:off x="6447685" y="2326433"/>
+            <a:ext cx="1703672" cy="369332"/>
+          </a:xfrm>
+          <a:prstGeom prst="rect">
+            <a:avLst/>
+          </a:prstGeom>
+          <a:noFill/>
+        </p:spPr>
+        <p:txBody>
+          <a:bodyPr wrap="none" rtlCol="0">
+            <a:spAutoFit/>
+          </a:bodyPr>
+          <a:lstStyle/>
+          <a:p>
+            <a:r>
+              <a:rPr lang="en-US" dirty="0"/>
+              <a:t>Is this Nine ? </a:t>
+            </a:r>
+            <a:r>
+              <a:rPr lang="en-US" dirty="0">
+                <a:solidFill>
+                  <a:srgbClr val="00B050"/>
+                </a:solidFill>
+              </a:rPr>
+              <a:t>Y</a:t>
+            </a:r>
+          </a:p>
+        </p:txBody>
+      </p:sp>
+    </p:spTree>
+    <p:extLst>
+      <p:ext uri="{BB962C8B-B14F-4D97-AF65-F5344CB8AC3E}">
+        <p14:creationId xmlns:p14="http://schemas.microsoft.com/office/powerpoint/2010/main" val="3931004269"/>
+      </p:ext>
+    </p:extLst>
+  </p:cSld>
+  <p:clrMapOvr>
+    <a:masterClrMapping/>
+  </p:clrMapOvr>
+</p:sld>
+</file>
+
+<file path=ppt/slides/slide21.xml><?xml version="1.0" encoding="utf-8"?>
+<p:sld xmlns:a="http://schemas.openxmlformats.org/drawingml/2006/main" xmlns:r="http://schemas.openxmlformats.org/officeDocument/2006/relationships" xmlns:p="http://schemas.openxmlformats.org/presentationml/2006/main">
+  <p:cSld>
+    <p:spTree>
+      <p:nvGrpSpPr>
+        <p:cNvPr id="1" name="Shape 120"/>
+        <p:cNvGrpSpPr/>
+        <p:nvPr/>
+      </p:nvGrpSpPr>
+      <p:grpSpPr>
+        <a:xfrm>
+          <a:off x="0" y="0"/>
+          <a:ext cx="0" cy="0"/>
+          <a:chOff x="0" y="0"/>
+          <a:chExt cx="0" cy="0"/>
+        </a:xfrm>
+      </p:grpSpPr>
+      <p:sp>
+        <p:nvSpPr>
+          <p:cNvPr id="5" name="TextBox 4">
+            <a:extLst>
+              <a:ext uri="{FF2B5EF4-FFF2-40B4-BE49-F238E27FC236}">
+                <a16:creationId xmlns:a16="http://schemas.microsoft.com/office/drawing/2014/main" id="{65630885-2E5C-724A-AFDF-BD4D0BDEB71A}"/>
+              </a:ext>
+            </a:extLst>
+          </p:cNvPr>
+          <p:cNvSpPr txBox="1"/>
+          <p:nvPr/>
+        </p:nvSpPr>
+        <p:spPr>
+          <a:xfrm>
+            <a:off x="98188" y="1427013"/>
+            <a:ext cx="8203839" cy="323165"/>
+          </a:xfrm>
+          <a:prstGeom prst="rect">
+            <a:avLst/>
+          </a:prstGeom>
+          <a:noFill/>
+        </p:spPr>
+        <p:txBody>
+          <a:bodyPr wrap="square" rtlCol="0">
+            <a:spAutoFit/>
+          </a:bodyPr>
+          <a:lstStyle/>
+          <a:p>
+            <a:pPr lvl="1"/>
+            <a:r>
+              <a:rPr lang="en-US" sz="1500" dirty="0">
+                <a:solidFill>
+                  <a:schemeClr val="tx1"/>
+                </a:solidFill>
+              </a:rPr>
+              <a:t>Example : From input layer to the first hidden layer.</a:t>
+            </a:r>
+          </a:p>
+        </p:txBody>
+      </p:sp>
+      <p:sp>
+        <p:nvSpPr>
+          <p:cNvPr id="4" name="Google Shape;105;p20">
+            <a:extLst>
+              <a:ext uri="{FF2B5EF4-FFF2-40B4-BE49-F238E27FC236}">
+                <a16:creationId xmlns:a16="http://schemas.microsoft.com/office/drawing/2014/main" id="{4667A93C-49EA-8B45-9B29-30FAF54FB1C7}"/>
+              </a:ext>
+            </a:extLst>
+          </p:cNvPr>
+          <p:cNvSpPr txBox="1">
+            <a:spLocks noGrp="1"/>
+          </p:cNvSpPr>
+          <p:nvPr>
+            <p:ph type="title"/>
+          </p:nvPr>
+        </p:nvSpPr>
+        <p:spPr>
+          <a:xfrm>
+            <a:off x="387900" y="458025"/>
+            <a:ext cx="8368200" cy="686100"/>
+          </a:xfrm>
+          <a:prstGeom prst="rect">
+            <a:avLst/>
+          </a:prstGeom>
+        </p:spPr>
+        <p:txBody>
+          <a:bodyPr spcFirstLastPara="1" wrap="square" lIns="91425" tIns="91425" rIns="91425" bIns="91425" anchor="b" anchorCtr="0">
+            <a:noAutofit/>
+          </a:bodyPr>
+          <a:lstStyle/>
+          <a:p>
+            <a:pPr marL="0" lvl="0" indent="0" algn="l" rtl="0">
+              <a:spcBef>
+                <a:spcPts val="0"/>
+              </a:spcBef>
+              <a:spcAft>
+                <a:spcPts val="0"/>
+              </a:spcAft>
+              <a:buNone/>
+            </a:pPr>
+            <a:r>
+              <a:rPr lang="en" dirty="0"/>
+              <a:t>convolution (conv) layer</a:t>
+            </a:r>
+            <a:endParaRPr dirty="0"/>
+          </a:p>
+        </p:txBody>
+      </p:sp>
+      <p:pic>
+        <p:nvPicPr>
+          <p:cNvPr id="10" name="Picture 9">
+            <a:extLst>
+              <a:ext uri="{FF2B5EF4-FFF2-40B4-BE49-F238E27FC236}">
+                <a16:creationId xmlns:a16="http://schemas.microsoft.com/office/drawing/2014/main" id="{8730513F-C7CC-D745-A659-6085C7159C94}"/>
+              </a:ext>
+            </a:extLst>
+          </p:cNvPr>
+          <p:cNvPicPr>
+            <a:picLocks noChangeAspect="1"/>
+          </p:cNvPicPr>
+          <p:nvPr/>
+        </p:nvPicPr>
+        <p:blipFill>
+          <a:blip r:embed="rId3"/>
+          <a:stretch>
+            <a:fillRect/>
+          </a:stretch>
+        </p:blipFill>
+        <p:spPr>
+          <a:xfrm>
+            <a:off x="502090" y="2938263"/>
+            <a:ext cx="964571" cy="1266490"/>
+          </a:xfrm>
+          <a:prstGeom prst="rect">
+            <a:avLst/>
+          </a:prstGeom>
+        </p:spPr>
+      </p:pic>
+      <p:pic>
+        <p:nvPicPr>
+          <p:cNvPr id="15" name="Picture 14">
+            <a:extLst>
+              <a:ext uri="{FF2B5EF4-FFF2-40B4-BE49-F238E27FC236}">
+                <a16:creationId xmlns:a16="http://schemas.microsoft.com/office/drawing/2014/main" id="{DF4AFB32-AD81-CE4D-AEE0-C1D4EE30A56C}"/>
+              </a:ext>
+            </a:extLst>
+          </p:cNvPr>
+          <p:cNvPicPr>
+            <a:picLocks noChangeAspect="1"/>
+          </p:cNvPicPr>
+          <p:nvPr/>
+        </p:nvPicPr>
+        <p:blipFill>
+          <a:blip r:embed="rId4"/>
+          <a:stretch>
+            <a:fillRect/>
+          </a:stretch>
+        </p:blipFill>
+        <p:spPr>
+          <a:xfrm>
+            <a:off x="2685222" y="2055901"/>
+            <a:ext cx="679873" cy="328971"/>
+          </a:xfrm>
+          <a:prstGeom prst="rect">
+            <a:avLst/>
+          </a:prstGeom>
+        </p:spPr>
+      </p:pic>
+      <p:pic>
+        <p:nvPicPr>
+          <p:cNvPr id="18" name="Picture 17">
+            <a:extLst>
+              <a:ext uri="{FF2B5EF4-FFF2-40B4-BE49-F238E27FC236}">
+                <a16:creationId xmlns:a16="http://schemas.microsoft.com/office/drawing/2014/main" id="{C9D85D3E-9210-6E47-9F15-0DC222128163}"/>
+              </a:ext>
+            </a:extLst>
+          </p:cNvPr>
+          <p:cNvPicPr>
+            <a:picLocks noChangeAspect="1"/>
+          </p:cNvPicPr>
+          <p:nvPr/>
+        </p:nvPicPr>
+        <p:blipFill>
+          <a:blip r:embed="rId5"/>
+          <a:stretch>
+            <a:fillRect/>
+          </a:stretch>
+        </p:blipFill>
+        <p:spPr>
+          <a:xfrm>
+            <a:off x="2808585" y="2462656"/>
+            <a:ext cx="433145" cy="427662"/>
+          </a:xfrm>
+          <a:prstGeom prst="rect">
+            <a:avLst/>
+          </a:prstGeom>
+        </p:spPr>
+      </p:pic>
+      <p:pic>
+        <p:nvPicPr>
+          <p:cNvPr id="21" name="Picture 20">
+            <a:extLst>
+              <a:ext uri="{FF2B5EF4-FFF2-40B4-BE49-F238E27FC236}">
+                <a16:creationId xmlns:a16="http://schemas.microsoft.com/office/drawing/2014/main" id="{5531471C-0DB6-6840-A7A2-5F4BDE5AD985}"/>
+              </a:ext>
+            </a:extLst>
+          </p:cNvPr>
+          <p:cNvPicPr>
+            <a:picLocks noChangeAspect="1"/>
+          </p:cNvPicPr>
+          <p:nvPr/>
+        </p:nvPicPr>
+        <p:blipFill>
+          <a:blip r:embed="rId6"/>
+          <a:stretch>
+            <a:fillRect/>
+          </a:stretch>
+        </p:blipFill>
+        <p:spPr>
+          <a:xfrm>
+            <a:off x="2641358" y="2937406"/>
+            <a:ext cx="767598" cy="416696"/>
+          </a:xfrm>
+          <a:prstGeom prst="rect">
+            <a:avLst/>
+          </a:prstGeom>
+        </p:spPr>
+      </p:pic>
+      <p:pic>
+        <p:nvPicPr>
+          <p:cNvPr id="24" name="Picture 23" descr="A black rectangle with a white background&#10;&#10;Description automatically generated with low confidence">
+            <a:extLst>
+              <a:ext uri="{FF2B5EF4-FFF2-40B4-BE49-F238E27FC236}">
+                <a16:creationId xmlns:a16="http://schemas.microsoft.com/office/drawing/2014/main" id="{8EAF5199-1F1F-4D48-8734-388884ECFA97}"/>
+              </a:ext>
+            </a:extLst>
+          </p:cNvPr>
+          <p:cNvPicPr>
+            <a:picLocks noChangeAspect="1"/>
+          </p:cNvPicPr>
+          <p:nvPr/>
+        </p:nvPicPr>
+        <p:blipFill>
+          <a:blip r:embed="rId7"/>
+          <a:stretch>
+            <a:fillRect/>
+          </a:stretch>
+        </p:blipFill>
+        <p:spPr>
+          <a:xfrm>
+            <a:off x="2928845" y="3556676"/>
+            <a:ext cx="356385" cy="520870"/>
+          </a:xfrm>
+          <a:prstGeom prst="rect">
+            <a:avLst/>
+          </a:prstGeom>
+        </p:spPr>
+      </p:pic>
+      <p:pic>
+        <p:nvPicPr>
+          <p:cNvPr id="28" name="Picture 27" descr="A black letter on a white background&#10;&#10;Description automatically generated with low confidence">
+            <a:extLst>
+              <a:ext uri="{FF2B5EF4-FFF2-40B4-BE49-F238E27FC236}">
+                <a16:creationId xmlns:a16="http://schemas.microsoft.com/office/drawing/2014/main" id="{8C1E5566-0E98-C745-BDCF-4B9E2CCEEDC7}"/>
+              </a:ext>
+            </a:extLst>
+          </p:cNvPr>
+          <p:cNvPicPr>
+            <a:picLocks noChangeAspect="1"/>
+          </p:cNvPicPr>
+          <p:nvPr/>
+        </p:nvPicPr>
+        <p:blipFill>
+          <a:blip r:embed="rId8"/>
+          <a:stretch>
+            <a:fillRect/>
+          </a:stretch>
+        </p:blipFill>
+        <p:spPr>
+          <a:xfrm>
+            <a:off x="2916488" y="4086254"/>
+            <a:ext cx="356385" cy="455076"/>
+          </a:xfrm>
+          <a:prstGeom prst="rect">
+            <a:avLst/>
+          </a:prstGeom>
+        </p:spPr>
+      </p:pic>
+      <p:pic>
+        <p:nvPicPr>
+          <p:cNvPr id="30" name="Picture 29" descr="A picture containing worm&#10;&#10;Description automatically generated">
+            <a:extLst>
+              <a:ext uri="{FF2B5EF4-FFF2-40B4-BE49-F238E27FC236}">
+                <a16:creationId xmlns:a16="http://schemas.microsoft.com/office/drawing/2014/main" id="{591DA350-D940-F941-8917-4A6497C09F30}"/>
+              </a:ext>
+            </a:extLst>
+          </p:cNvPr>
+          <p:cNvPicPr>
+            <a:picLocks noChangeAspect="1"/>
+          </p:cNvPicPr>
+          <p:nvPr/>
+        </p:nvPicPr>
+        <p:blipFill>
+          <a:blip r:embed="rId9"/>
+          <a:stretch>
+            <a:fillRect/>
+          </a:stretch>
+        </p:blipFill>
+        <p:spPr>
+          <a:xfrm>
+            <a:off x="2641358" y="4685475"/>
+            <a:ext cx="646976" cy="361868"/>
+          </a:xfrm>
+          <a:prstGeom prst="rect">
+            <a:avLst/>
+          </a:prstGeom>
+        </p:spPr>
+      </p:pic>
+      <p:cxnSp>
+        <p:nvCxnSpPr>
+          <p:cNvPr id="31" name="Straight Arrow Connector 30">
+            <a:extLst>
+              <a:ext uri="{FF2B5EF4-FFF2-40B4-BE49-F238E27FC236}">
+                <a16:creationId xmlns:a16="http://schemas.microsoft.com/office/drawing/2014/main" id="{48F69E88-91A2-5346-B7E7-34AEAA19D193}"/>
+              </a:ext>
+            </a:extLst>
+          </p:cNvPr>
+          <p:cNvCxnSpPr>
+            <a:cxnSpLocks/>
+            <a:stCxn id="10" idx="3"/>
+            <a:endCxn id="15" idx="1"/>
+          </p:cNvCxnSpPr>
+          <p:nvPr/>
+        </p:nvCxnSpPr>
+        <p:spPr>
+          <a:xfrm flipV="1">
+            <a:off x="1466661" y="2220387"/>
+            <a:ext cx="1218561" cy="1351121"/>
+          </a:xfrm>
+          <a:prstGeom prst="straightConnector1">
+            <a:avLst/>
+          </a:prstGeom>
+          <a:ln>
+            <a:tailEnd type="triangle"/>
+          </a:ln>
+        </p:spPr>
+        <p:style>
+          <a:lnRef idx="1">
+            <a:schemeClr val="accent1"/>
+          </a:lnRef>
+          <a:fillRef idx="0">
+            <a:schemeClr val="accent1"/>
+          </a:fillRef>
+          <a:effectRef idx="0">
+            <a:schemeClr val="accent1"/>
+          </a:effectRef>
+          <a:fontRef idx="minor">
+            <a:schemeClr val="tx1"/>
+          </a:fontRef>
+        </p:style>
+      </p:cxnSp>
+      <p:cxnSp>
+        <p:nvCxnSpPr>
+          <p:cNvPr id="34" name="Straight Arrow Connector 33">
+            <a:extLst>
+              <a:ext uri="{FF2B5EF4-FFF2-40B4-BE49-F238E27FC236}">
+                <a16:creationId xmlns:a16="http://schemas.microsoft.com/office/drawing/2014/main" id="{D9A58E08-FB4C-E94A-9960-83DC645E71B7}"/>
+              </a:ext>
+            </a:extLst>
+          </p:cNvPr>
+          <p:cNvCxnSpPr>
+            <a:cxnSpLocks/>
+            <a:stCxn id="10" idx="3"/>
+            <a:endCxn id="18" idx="1"/>
+          </p:cNvCxnSpPr>
+          <p:nvPr/>
+        </p:nvCxnSpPr>
+        <p:spPr>
+          <a:xfrm flipV="1">
+            <a:off x="1466661" y="2676487"/>
+            <a:ext cx="1341924" cy="895021"/>
+          </a:xfrm>
+          <a:prstGeom prst="straightConnector1">
+            <a:avLst/>
+          </a:prstGeom>
+          <a:ln>
+            <a:tailEnd type="triangle"/>
+          </a:ln>
+        </p:spPr>
+        <p:style>
+          <a:lnRef idx="1">
+            <a:schemeClr val="accent1"/>
+          </a:lnRef>
+          <a:fillRef idx="0">
+            <a:schemeClr val="accent1"/>
+          </a:fillRef>
+          <a:effectRef idx="0">
+            <a:schemeClr val="accent1"/>
+          </a:effectRef>
+          <a:fontRef idx="minor">
+            <a:schemeClr val="tx1"/>
+          </a:fontRef>
+        </p:style>
+      </p:cxnSp>
+      <p:cxnSp>
+        <p:nvCxnSpPr>
+          <p:cNvPr id="37" name="Straight Arrow Connector 36">
+            <a:extLst>
+              <a:ext uri="{FF2B5EF4-FFF2-40B4-BE49-F238E27FC236}">
+                <a16:creationId xmlns:a16="http://schemas.microsoft.com/office/drawing/2014/main" id="{96F6E47A-216B-804F-A10D-E95AF51D071E}"/>
+              </a:ext>
+            </a:extLst>
+          </p:cNvPr>
+          <p:cNvCxnSpPr>
+            <a:cxnSpLocks/>
+            <a:stCxn id="10" idx="3"/>
+            <a:endCxn id="21" idx="1"/>
+          </p:cNvCxnSpPr>
+          <p:nvPr/>
+        </p:nvCxnSpPr>
+        <p:spPr>
+          <a:xfrm flipV="1">
+            <a:off x="1466661" y="3145754"/>
+            <a:ext cx="1174697" cy="425754"/>
+          </a:xfrm>
+          <a:prstGeom prst="straightConnector1">
+            <a:avLst/>
+          </a:prstGeom>
+          <a:ln>
+            <a:tailEnd type="triangle"/>
+          </a:ln>
+        </p:spPr>
+        <p:style>
+          <a:lnRef idx="1">
+            <a:schemeClr val="accent1"/>
+          </a:lnRef>
+          <a:fillRef idx="0">
+            <a:schemeClr val="accent1"/>
+          </a:fillRef>
+          <a:effectRef idx="0">
+            <a:schemeClr val="accent1"/>
+          </a:effectRef>
+          <a:fontRef idx="minor">
+            <a:schemeClr val="tx1"/>
+          </a:fontRef>
+        </p:style>
+      </p:cxnSp>
+      <p:cxnSp>
+        <p:nvCxnSpPr>
+          <p:cNvPr id="40" name="Straight Arrow Connector 39">
+            <a:extLst>
+              <a:ext uri="{FF2B5EF4-FFF2-40B4-BE49-F238E27FC236}">
+                <a16:creationId xmlns:a16="http://schemas.microsoft.com/office/drawing/2014/main" id="{4652A9C6-41AE-FA42-AD4C-4FF10586E4B4}"/>
+              </a:ext>
+            </a:extLst>
+          </p:cNvPr>
+          <p:cNvCxnSpPr>
+            <a:cxnSpLocks/>
+            <a:stCxn id="10" idx="3"/>
+            <a:endCxn id="24" idx="1"/>
+          </p:cNvCxnSpPr>
+          <p:nvPr/>
+        </p:nvCxnSpPr>
+        <p:spPr>
+          <a:xfrm>
+            <a:off x="1466661" y="3571508"/>
+            <a:ext cx="1462184" cy="245603"/>
+          </a:xfrm>
+          <a:prstGeom prst="straightConnector1">
+            <a:avLst/>
+          </a:prstGeom>
+          <a:ln>
+            <a:tailEnd type="triangle"/>
+          </a:ln>
+        </p:spPr>
+        <p:style>
+          <a:lnRef idx="1">
+            <a:schemeClr val="accent1"/>
+          </a:lnRef>
+          <a:fillRef idx="0">
+            <a:schemeClr val="accent1"/>
+          </a:fillRef>
+          <a:effectRef idx="0">
+            <a:schemeClr val="accent1"/>
+          </a:effectRef>
+          <a:fontRef idx="minor">
+            <a:schemeClr val="tx1"/>
+          </a:fontRef>
+        </p:style>
+      </p:cxnSp>
+      <p:cxnSp>
+        <p:nvCxnSpPr>
+          <p:cNvPr id="43" name="Straight Arrow Connector 42">
+            <a:extLst>
+              <a:ext uri="{FF2B5EF4-FFF2-40B4-BE49-F238E27FC236}">
+                <a16:creationId xmlns:a16="http://schemas.microsoft.com/office/drawing/2014/main" id="{1A21B457-6D7D-7240-9802-0A0624D22DE6}"/>
+              </a:ext>
+            </a:extLst>
+          </p:cNvPr>
+          <p:cNvCxnSpPr>
+            <a:cxnSpLocks/>
+            <a:stCxn id="10" idx="3"/>
+            <a:endCxn id="28" idx="1"/>
+          </p:cNvCxnSpPr>
+          <p:nvPr/>
+        </p:nvCxnSpPr>
+        <p:spPr>
+          <a:xfrm>
+            <a:off x="1466661" y="3571508"/>
+            <a:ext cx="1449827" cy="742284"/>
+          </a:xfrm>
+          <a:prstGeom prst="straightConnector1">
+            <a:avLst/>
+          </a:prstGeom>
+          <a:ln>
+            <a:tailEnd type="triangle"/>
+          </a:ln>
+        </p:spPr>
+        <p:style>
+          <a:lnRef idx="1">
+            <a:schemeClr val="accent1"/>
+          </a:lnRef>
+          <a:fillRef idx="0">
+            <a:schemeClr val="accent1"/>
+          </a:fillRef>
+          <a:effectRef idx="0">
+            <a:schemeClr val="accent1"/>
+          </a:effectRef>
+          <a:fontRef idx="minor">
+            <a:schemeClr val="tx1"/>
+          </a:fontRef>
+        </p:style>
+      </p:cxnSp>
+      <p:cxnSp>
+        <p:nvCxnSpPr>
+          <p:cNvPr id="46" name="Straight Arrow Connector 45">
+            <a:extLst>
+              <a:ext uri="{FF2B5EF4-FFF2-40B4-BE49-F238E27FC236}">
+                <a16:creationId xmlns:a16="http://schemas.microsoft.com/office/drawing/2014/main" id="{BDDB1374-F747-4648-ABAE-A8E2E265E44B}"/>
+              </a:ext>
+            </a:extLst>
+          </p:cNvPr>
+          <p:cNvCxnSpPr>
+            <a:cxnSpLocks/>
+            <a:stCxn id="10" idx="3"/>
+            <a:endCxn id="30" idx="1"/>
+          </p:cNvCxnSpPr>
+          <p:nvPr/>
+        </p:nvCxnSpPr>
+        <p:spPr>
+          <a:xfrm>
+            <a:off x="1466661" y="3571508"/>
+            <a:ext cx="1174697" cy="1294901"/>
+          </a:xfrm>
+          <a:prstGeom prst="straightConnector1">
+            <a:avLst/>
+          </a:prstGeom>
+          <a:ln>
+            <a:tailEnd type="triangle"/>
+          </a:ln>
+        </p:spPr>
+        <p:style>
+          <a:lnRef idx="1">
+            <a:schemeClr val="accent1"/>
+          </a:lnRef>
+          <a:fillRef idx="0">
+            <a:schemeClr val="accent1"/>
+          </a:fillRef>
+          <a:effectRef idx="0">
+            <a:schemeClr val="accent1"/>
+          </a:effectRef>
+          <a:fontRef idx="minor">
+            <a:schemeClr val="tx1"/>
+          </a:fontRef>
+        </p:style>
+      </p:cxnSp>
+    </p:spTree>
+    <p:extLst>
+      <p:ext uri="{BB962C8B-B14F-4D97-AF65-F5344CB8AC3E}">
+        <p14:creationId xmlns:p14="http://schemas.microsoft.com/office/powerpoint/2010/main" val="11732584"/>
+      </p:ext>
+    </p:extLst>
+  </p:cSld>
+  <p:clrMapOvr>
+    <a:masterClrMapping/>
+  </p:clrMapOvr>
+</p:sld>
+</file>
+
+<file path=ppt/slides/slide22.xml><?xml version="1.0" encoding="utf-8"?>
+<p:sld xmlns:a="http://schemas.openxmlformats.org/drawingml/2006/main" xmlns:r="http://schemas.openxmlformats.org/officeDocument/2006/relationships" xmlns:p="http://schemas.openxmlformats.org/presentationml/2006/main">
+  <p:cSld>
+    <p:spTree>
+      <p:nvGrpSpPr>
+        <p:cNvPr id="1" name="Shape 120"/>
+        <p:cNvGrpSpPr/>
+        <p:nvPr/>
+      </p:nvGrpSpPr>
+      <p:grpSpPr>
+        <a:xfrm>
+          <a:off x="0" y="0"/>
+          <a:ext cx="0" cy="0"/>
+          <a:chOff x="0" y="0"/>
+          <a:chExt cx="0" cy="0"/>
+        </a:xfrm>
+      </p:grpSpPr>
+      <p:sp>
+        <p:nvSpPr>
+          <p:cNvPr id="5" name="TextBox 4">
+            <a:extLst>
+              <a:ext uri="{FF2B5EF4-FFF2-40B4-BE49-F238E27FC236}">
+                <a16:creationId xmlns:a16="http://schemas.microsoft.com/office/drawing/2014/main" id="{65630885-2E5C-724A-AFDF-BD4D0BDEB71A}"/>
+              </a:ext>
+            </a:extLst>
+          </p:cNvPr>
+          <p:cNvSpPr txBox="1"/>
+          <p:nvPr/>
+        </p:nvSpPr>
+        <p:spPr>
+          <a:xfrm>
+            <a:off x="98188" y="1427013"/>
+            <a:ext cx="8203839" cy="323165"/>
+          </a:xfrm>
+          <a:prstGeom prst="rect">
+            <a:avLst/>
+          </a:prstGeom>
+          <a:noFill/>
+        </p:spPr>
+        <p:txBody>
+          <a:bodyPr wrap="square" rtlCol="0">
+            <a:spAutoFit/>
+          </a:bodyPr>
+          <a:lstStyle/>
+          <a:p>
+            <a:pPr lvl="1"/>
+            <a:r>
+              <a:rPr lang="en-US" sz="1500" dirty="0">
+                <a:solidFill>
+                  <a:schemeClr val="tx1"/>
+                </a:solidFill>
+              </a:rPr>
+              <a:t>Example : From input layer to the first hidden layer.</a:t>
+            </a:r>
+          </a:p>
+        </p:txBody>
+      </p:sp>
+      <p:sp>
+        <p:nvSpPr>
+          <p:cNvPr id="4" name="Google Shape;105;p20">
+            <a:extLst>
+              <a:ext uri="{FF2B5EF4-FFF2-40B4-BE49-F238E27FC236}">
+                <a16:creationId xmlns:a16="http://schemas.microsoft.com/office/drawing/2014/main" id="{4667A93C-49EA-8B45-9B29-30FAF54FB1C7}"/>
+              </a:ext>
+            </a:extLst>
+          </p:cNvPr>
+          <p:cNvSpPr txBox="1">
+            <a:spLocks noGrp="1"/>
+          </p:cNvSpPr>
+          <p:nvPr>
+            <p:ph type="title"/>
+          </p:nvPr>
+        </p:nvSpPr>
+        <p:spPr>
+          <a:xfrm>
+            <a:off x="387900" y="458025"/>
+            <a:ext cx="8368200" cy="686100"/>
+          </a:xfrm>
+          <a:prstGeom prst="rect">
+            <a:avLst/>
+          </a:prstGeom>
+        </p:spPr>
+        <p:txBody>
+          <a:bodyPr spcFirstLastPara="1" wrap="square" lIns="91425" tIns="91425" rIns="91425" bIns="91425" anchor="b" anchorCtr="0">
+            <a:noAutofit/>
+          </a:bodyPr>
+          <a:lstStyle/>
+          <a:p>
+            <a:pPr marL="0" lvl="0" indent="0" algn="l" rtl="0">
+              <a:spcBef>
+                <a:spcPts val="0"/>
+              </a:spcBef>
+              <a:spcAft>
+                <a:spcPts val="0"/>
+              </a:spcAft>
+              <a:buNone/>
+            </a:pPr>
+            <a:r>
+              <a:rPr lang="en" dirty="0"/>
+              <a:t>convolution (conv) layer</a:t>
+            </a:r>
+            <a:endParaRPr dirty="0"/>
+          </a:p>
+        </p:txBody>
+      </p:sp>
+      <p:pic>
+        <p:nvPicPr>
+          <p:cNvPr id="10" name="Picture 9">
+            <a:extLst>
+              <a:ext uri="{FF2B5EF4-FFF2-40B4-BE49-F238E27FC236}">
+                <a16:creationId xmlns:a16="http://schemas.microsoft.com/office/drawing/2014/main" id="{8730513F-C7CC-D745-A659-6085C7159C94}"/>
+              </a:ext>
+            </a:extLst>
+          </p:cNvPr>
+          <p:cNvPicPr>
+            <a:picLocks noChangeAspect="1"/>
+          </p:cNvPicPr>
+          <p:nvPr/>
+        </p:nvPicPr>
+        <p:blipFill>
+          <a:blip r:embed="rId3"/>
+          <a:stretch>
+            <a:fillRect/>
+          </a:stretch>
+        </p:blipFill>
+        <p:spPr>
+          <a:xfrm>
+            <a:off x="502090" y="2938263"/>
+            <a:ext cx="964571" cy="1266490"/>
+          </a:xfrm>
+          <a:prstGeom prst="rect">
+            <a:avLst/>
+          </a:prstGeom>
+        </p:spPr>
+      </p:pic>
+      <p:pic>
+        <p:nvPicPr>
+          <p:cNvPr id="15" name="Picture 14">
+            <a:extLst>
+              <a:ext uri="{FF2B5EF4-FFF2-40B4-BE49-F238E27FC236}">
+                <a16:creationId xmlns:a16="http://schemas.microsoft.com/office/drawing/2014/main" id="{DF4AFB32-AD81-CE4D-AEE0-C1D4EE30A56C}"/>
+              </a:ext>
+            </a:extLst>
+          </p:cNvPr>
+          <p:cNvPicPr>
+            <a:picLocks noChangeAspect="1"/>
+          </p:cNvPicPr>
+          <p:nvPr/>
+        </p:nvPicPr>
+        <p:blipFill>
+          <a:blip r:embed="rId4"/>
+          <a:stretch>
+            <a:fillRect/>
+          </a:stretch>
+        </p:blipFill>
+        <p:spPr>
+          <a:xfrm>
+            <a:off x="2685222" y="2055901"/>
+            <a:ext cx="679873" cy="328971"/>
+          </a:xfrm>
+          <a:prstGeom prst="rect">
+            <a:avLst/>
+          </a:prstGeom>
+        </p:spPr>
+      </p:pic>
+      <p:pic>
+        <p:nvPicPr>
+          <p:cNvPr id="18" name="Picture 17">
+            <a:extLst>
+              <a:ext uri="{FF2B5EF4-FFF2-40B4-BE49-F238E27FC236}">
+                <a16:creationId xmlns:a16="http://schemas.microsoft.com/office/drawing/2014/main" id="{C9D85D3E-9210-6E47-9F15-0DC222128163}"/>
+              </a:ext>
+            </a:extLst>
+          </p:cNvPr>
+          <p:cNvPicPr>
+            <a:picLocks noChangeAspect="1"/>
+          </p:cNvPicPr>
+          <p:nvPr/>
+        </p:nvPicPr>
+        <p:blipFill>
+          <a:blip r:embed="rId5"/>
+          <a:stretch>
+            <a:fillRect/>
+          </a:stretch>
+        </p:blipFill>
+        <p:spPr>
+          <a:xfrm>
+            <a:off x="2808585" y="2462656"/>
+            <a:ext cx="433145" cy="427662"/>
+          </a:xfrm>
+          <a:prstGeom prst="rect">
+            <a:avLst/>
+          </a:prstGeom>
+        </p:spPr>
+      </p:pic>
+      <p:pic>
+        <p:nvPicPr>
+          <p:cNvPr id="21" name="Picture 20">
+            <a:extLst>
+              <a:ext uri="{FF2B5EF4-FFF2-40B4-BE49-F238E27FC236}">
+                <a16:creationId xmlns:a16="http://schemas.microsoft.com/office/drawing/2014/main" id="{5531471C-0DB6-6840-A7A2-5F4BDE5AD985}"/>
+              </a:ext>
+            </a:extLst>
+          </p:cNvPr>
+          <p:cNvPicPr>
+            <a:picLocks noChangeAspect="1"/>
+          </p:cNvPicPr>
+          <p:nvPr/>
+        </p:nvPicPr>
+        <p:blipFill>
+          <a:blip r:embed="rId6"/>
+          <a:stretch>
+            <a:fillRect/>
+          </a:stretch>
+        </p:blipFill>
+        <p:spPr>
+          <a:xfrm>
+            <a:off x="2641358" y="2937406"/>
+            <a:ext cx="767598" cy="416696"/>
+          </a:xfrm>
+          <a:prstGeom prst="rect">
+            <a:avLst/>
+          </a:prstGeom>
+        </p:spPr>
+      </p:pic>
+      <p:pic>
+        <p:nvPicPr>
+          <p:cNvPr id="24" name="Picture 23" descr="A black rectangle with a white background&#10;&#10;Description automatically generated with low confidence">
+            <a:extLst>
+              <a:ext uri="{FF2B5EF4-FFF2-40B4-BE49-F238E27FC236}">
+                <a16:creationId xmlns:a16="http://schemas.microsoft.com/office/drawing/2014/main" id="{8EAF5199-1F1F-4D48-8734-388884ECFA97}"/>
+              </a:ext>
+            </a:extLst>
+          </p:cNvPr>
+          <p:cNvPicPr>
+            <a:picLocks noChangeAspect="1"/>
+          </p:cNvPicPr>
+          <p:nvPr/>
+        </p:nvPicPr>
+        <p:blipFill>
+          <a:blip r:embed="rId7"/>
+          <a:stretch>
+            <a:fillRect/>
+          </a:stretch>
+        </p:blipFill>
+        <p:spPr>
+          <a:xfrm>
+            <a:off x="2928845" y="3556676"/>
+            <a:ext cx="356385" cy="520870"/>
+          </a:xfrm>
+          <a:prstGeom prst="rect">
+            <a:avLst/>
+          </a:prstGeom>
+        </p:spPr>
+      </p:pic>
+      <p:pic>
+        <p:nvPicPr>
+          <p:cNvPr id="28" name="Picture 27" descr="A black letter on a white background&#10;&#10;Description automatically generated with low confidence">
+            <a:extLst>
+              <a:ext uri="{FF2B5EF4-FFF2-40B4-BE49-F238E27FC236}">
+                <a16:creationId xmlns:a16="http://schemas.microsoft.com/office/drawing/2014/main" id="{8C1E5566-0E98-C745-BDCF-4B9E2CCEEDC7}"/>
+              </a:ext>
+            </a:extLst>
+          </p:cNvPr>
+          <p:cNvPicPr>
+            <a:picLocks noChangeAspect="1"/>
+          </p:cNvPicPr>
+          <p:nvPr/>
+        </p:nvPicPr>
+        <p:blipFill>
+          <a:blip r:embed="rId8"/>
+          <a:stretch>
+            <a:fillRect/>
+          </a:stretch>
+        </p:blipFill>
+        <p:spPr>
+          <a:xfrm>
+            <a:off x="2916488" y="4086254"/>
+            <a:ext cx="356385" cy="455076"/>
+          </a:xfrm>
+          <a:prstGeom prst="rect">
+            <a:avLst/>
+          </a:prstGeom>
+        </p:spPr>
+      </p:pic>
+      <p:pic>
+        <p:nvPicPr>
+          <p:cNvPr id="30" name="Picture 29" descr="A picture containing worm&#10;&#10;Description automatically generated">
+            <a:extLst>
+              <a:ext uri="{FF2B5EF4-FFF2-40B4-BE49-F238E27FC236}">
+                <a16:creationId xmlns:a16="http://schemas.microsoft.com/office/drawing/2014/main" id="{591DA350-D940-F941-8917-4A6497C09F30}"/>
+              </a:ext>
+            </a:extLst>
+          </p:cNvPr>
+          <p:cNvPicPr>
+            <a:picLocks noChangeAspect="1"/>
+          </p:cNvPicPr>
+          <p:nvPr/>
+        </p:nvPicPr>
+        <p:blipFill>
+          <a:blip r:embed="rId9"/>
+          <a:stretch>
+            <a:fillRect/>
+          </a:stretch>
+        </p:blipFill>
+        <p:spPr>
+          <a:xfrm>
+            <a:off x="2641358" y="4685475"/>
+            <a:ext cx="646976" cy="361868"/>
+          </a:xfrm>
+          <a:prstGeom prst="rect">
+            <a:avLst/>
+          </a:prstGeom>
+        </p:spPr>
+      </p:pic>
+      <p:cxnSp>
+        <p:nvCxnSpPr>
+          <p:cNvPr id="31" name="Straight Arrow Connector 30">
+            <a:extLst>
+              <a:ext uri="{FF2B5EF4-FFF2-40B4-BE49-F238E27FC236}">
+                <a16:creationId xmlns:a16="http://schemas.microsoft.com/office/drawing/2014/main" id="{48F69E88-91A2-5346-B7E7-34AEAA19D193}"/>
+              </a:ext>
+            </a:extLst>
+          </p:cNvPr>
+          <p:cNvCxnSpPr>
+            <a:cxnSpLocks/>
+            <a:stCxn id="10" idx="3"/>
+            <a:endCxn id="15" idx="1"/>
+          </p:cNvCxnSpPr>
+          <p:nvPr/>
+        </p:nvCxnSpPr>
+        <p:spPr>
+          <a:xfrm flipV="1">
+            <a:off x="1466661" y="2220387"/>
+            <a:ext cx="1218561" cy="1351121"/>
+          </a:xfrm>
+          <a:prstGeom prst="straightConnector1">
+            <a:avLst/>
+          </a:prstGeom>
+          <a:ln>
+            <a:tailEnd type="triangle"/>
+          </a:ln>
+        </p:spPr>
+        <p:style>
+          <a:lnRef idx="1">
+            <a:schemeClr val="accent1"/>
+          </a:lnRef>
+          <a:fillRef idx="0">
+            <a:schemeClr val="accent1"/>
+          </a:fillRef>
+          <a:effectRef idx="0">
+            <a:schemeClr val="accent1"/>
+          </a:effectRef>
+          <a:fontRef idx="minor">
+            <a:schemeClr val="tx1"/>
+          </a:fontRef>
+        </p:style>
+      </p:cxnSp>
+      <p:cxnSp>
+        <p:nvCxnSpPr>
+          <p:cNvPr id="34" name="Straight Arrow Connector 33">
+            <a:extLst>
+              <a:ext uri="{FF2B5EF4-FFF2-40B4-BE49-F238E27FC236}">
+                <a16:creationId xmlns:a16="http://schemas.microsoft.com/office/drawing/2014/main" id="{D9A58E08-FB4C-E94A-9960-83DC645E71B7}"/>
+              </a:ext>
+            </a:extLst>
+          </p:cNvPr>
+          <p:cNvCxnSpPr>
+            <a:cxnSpLocks/>
+            <a:stCxn id="10" idx="3"/>
+            <a:endCxn id="18" idx="1"/>
+          </p:cNvCxnSpPr>
+          <p:nvPr/>
+        </p:nvCxnSpPr>
+        <p:spPr>
+          <a:xfrm flipV="1">
+            <a:off x="1466661" y="2676487"/>
+            <a:ext cx="1341924" cy="895021"/>
+          </a:xfrm>
+          <a:prstGeom prst="straightConnector1">
+            <a:avLst/>
+          </a:prstGeom>
+          <a:ln>
+            <a:tailEnd type="triangle"/>
+          </a:ln>
+        </p:spPr>
+        <p:style>
+          <a:lnRef idx="1">
+            <a:schemeClr val="accent1"/>
+          </a:lnRef>
+          <a:fillRef idx="0">
+            <a:schemeClr val="accent1"/>
+          </a:fillRef>
+          <a:effectRef idx="0">
+            <a:schemeClr val="accent1"/>
+          </a:effectRef>
+          <a:fontRef idx="minor">
+            <a:schemeClr val="tx1"/>
+          </a:fontRef>
+        </p:style>
+      </p:cxnSp>
+      <p:cxnSp>
+        <p:nvCxnSpPr>
+          <p:cNvPr id="37" name="Straight Arrow Connector 36">
+            <a:extLst>
+              <a:ext uri="{FF2B5EF4-FFF2-40B4-BE49-F238E27FC236}">
+                <a16:creationId xmlns:a16="http://schemas.microsoft.com/office/drawing/2014/main" id="{96F6E47A-216B-804F-A10D-E95AF51D071E}"/>
+              </a:ext>
+            </a:extLst>
+          </p:cNvPr>
+          <p:cNvCxnSpPr>
+            <a:cxnSpLocks/>
+            <a:stCxn id="10" idx="3"/>
+            <a:endCxn id="21" idx="1"/>
+          </p:cNvCxnSpPr>
+          <p:nvPr/>
+        </p:nvCxnSpPr>
+        <p:spPr>
+          <a:xfrm flipV="1">
+            <a:off x="1466661" y="3145754"/>
+            <a:ext cx="1174697" cy="425754"/>
+          </a:xfrm>
+          <a:prstGeom prst="straightConnector1">
+            <a:avLst/>
+          </a:prstGeom>
+          <a:ln>
+            <a:tailEnd type="triangle"/>
+          </a:ln>
+        </p:spPr>
+        <p:style>
+          <a:lnRef idx="1">
+            <a:schemeClr val="accent1"/>
+          </a:lnRef>
+          <a:fillRef idx="0">
+            <a:schemeClr val="accent1"/>
+          </a:fillRef>
+          <a:effectRef idx="0">
+            <a:schemeClr val="accent1"/>
+          </a:effectRef>
+          <a:fontRef idx="minor">
+            <a:schemeClr val="tx1"/>
+          </a:fontRef>
+        </p:style>
+      </p:cxnSp>
+      <p:cxnSp>
+        <p:nvCxnSpPr>
+          <p:cNvPr id="40" name="Straight Arrow Connector 39">
+            <a:extLst>
+              <a:ext uri="{FF2B5EF4-FFF2-40B4-BE49-F238E27FC236}">
+                <a16:creationId xmlns:a16="http://schemas.microsoft.com/office/drawing/2014/main" id="{4652A9C6-41AE-FA42-AD4C-4FF10586E4B4}"/>
+              </a:ext>
+            </a:extLst>
+          </p:cNvPr>
+          <p:cNvCxnSpPr>
+            <a:cxnSpLocks/>
+            <a:stCxn id="10" idx="3"/>
+            <a:endCxn id="24" idx="1"/>
+          </p:cNvCxnSpPr>
+          <p:nvPr/>
+        </p:nvCxnSpPr>
+        <p:spPr>
+          <a:xfrm>
+            <a:off x="1466661" y="3571508"/>
+            <a:ext cx="1462184" cy="245603"/>
+          </a:xfrm>
+          <a:prstGeom prst="straightConnector1">
+            <a:avLst/>
+          </a:prstGeom>
+          <a:ln>
+            <a:tailEnd type="triangle"/>
+          </a:ln>
+        </p:spPr>
+        <p:style>
+          <a:lnRef idx="1">
+            <a:schemeClr val="accent1"/>
+          </a:lnRef>
+          <a:fillRef idx="0">
+            <a:schemeClr val="accent1"/>
+          </a:fillRef>
+          <a:effectRef idx="0">
+            <a:schemeClr val="accent1"/>
+          </a:effectRef>
+          <a:fontRef idx="minor">
+            <a:schemeClr val="tx1"/>
+          </a:fontRef>
+        </p:style>
+      </p:cxnSp>
+      <p:cxnSp>
+        <p:nvCxnSpPr>
+          <p:cNvPr id="43" name="Straight Arrow Connector 42">
+            <a:extLst>
+              <a:ext uri="{FF2B5EF4-FFF2-40B4-BE49-F238E27FC236}">
+                <a16:creationId xmlns:a16="http://schemas.microsoft.com/office/drawing/2014/main" id="{1A21B457-6D7D-7240-9802-0A0624D22DE6}"/>
+              </a:ext>
+            </a:extLst>
+          </p:cNvPr>
+          <p:cNvCxnSpPr>
+            <a:cxnSpLocks/>
+            <a:stCxn id="10" idx="3"/>
+            <a:endCxn id="28" idx="1"/>
+          </p:cNvCxnSpPr>
+          <p:nvPr/>
+        </p:nvCxnSpPr>
+        <p:spPr>
+          <a:xfrm>
+            <a:off x="1466661" y="3571508"/>
+            <a:ext cx="1449827" cy="742284"/>
+          </a:xfrm>
+          <a:prstGeom prst="straightConnector1">
+            <a:avLst/>
+          </a:prstGeom>
+          <a:ln>
+            <a:tailEnd type="triangle"/>
+          </a:ln>
+        </p:spPr>
+        <p:style>
+          <a:lnRef idx="1">
+            <a:schemeClr val="accent1"/>
+          </a:lnRef>
+          <a:fillRef idx="0">
+            <a:schemeClr val="accent1"/>
+          </a:fillRef>
+          <a:effectRef idx="0">
+            <a:schemeClr val="accent1"/>
+          </a:effectRef>
+          <a:fontRef idx="minor">
+            <a:schemeClr val="tx1"/>
+          </a:fontRef>
+        </p:style>
+      </p:cxnSp>
+      <p:cxnSp>
+        <p:nvCxnSpPr>
+          <p:cNvPr id="46" name="Straight Arrow Connector 45">
+            <a:extLst>
+              <a:ext uri="{FF2B5EF4-FFF2-40B4-BE49-F238E27FC236}">
+                <a16:creationId xmlns:a16="http://schemas.microsoft.com/office/drawing/2014/main" id="{BDDB1374-F747-4648-ABAE-A8E2E265E44B}"/>
+              </a:ext>
+            </a:extLst>
+          </p:cNvPr>
+          <p:cNvCxnSpPr>
+            <a:cxnSpLocks/>
+            <a:stCxn id="10" idx="3"/>
+            <a:endCxn id="30" idx="1"/>
+          </p:cNvCxnSpPr>
+          <p:nvPr/>
+        </p:nvCxnSpPr>
+        <p:spPr>
+          <a:xfrm>
+            <a:off x="1466661" y="3571508"/>
+            <a:ext cx="1174697" cy="1294901"/>
+          </a:xfrm>
+          <a:prstGeom prst="straightConnector1">
+            <a:avLst/>
+          </a:prstGeom>
+          <a:ln>
+            <a:tailEnd type="triangle"/>
+          </a:ln>
+        </p:spPr>
+        <p:style>
+          <a:lnRef idx="1">
+            <a:schemeClr val="accent1"/>
+          </a:lnRef>
+          <a:fillRef idx="0">
+            <a:schemeClr val="accent1"/>
+          </a:fillRef>
+          <a:effectRef idx="0">
+            <a:schemeClr val="accent1"/>
+          </a:effectRef>
+          <a:fontRef idx="minor">
+            <a:schemeClr val="tx1"/>
+          </a:fontRef>
+        </p:style>
+      </p:cxnSp>
+      <p:pic>
+        <p:nvPicPr>
+          <p:cNvPr id="50" name="Picture 49">
+            <a:extLst>
+              <a:ext uri="{FF2B5EF4-FFF2-40B4-BE49-F238E27FC236}">
+                <a16:creationId xmlns:a16="http://schemas.microsoft.com/office/drawing/2014/main" id="{839DFFCE-97B7-1444-BC2D-9DB680ACDFE6}"/>
+              </a:ext>
+            </a:extLst>
+          </p:cNvPr>
+          <p:cNvPicPr>
+            <a:picLocks noChangeAspect="1"/>
+          </p:cNvPicPr>
+          <p:nvPr/>
+        </p:nvPicPr>
+        <p:blipFill>
+          <a:blip r:embed="rId10"/>
+          <a:stretch>
+            <a:fillRect/>
+          </a:stretch>
+        </p:blipFill>
+        <p:spPr>
+          <a:xfrm>
+            <a:off x="4767279" y="2017857"/>
+            <a:ext cx="1332115" cy="866932"/>
+          </a:xfrm>
+          <a:prstGeom prst="rect">
+            <a:avLst/>
+          </a:prstGeom>
+        </p:spPr>
+      </p:pic>
+      <p:pic>
+        <p:nvPicPr>
+          <p:cNvPr id="52" name="Picture 51">
+            <a:extLst>
+              <a:ext uri="{FF2B5EF4-FFF2-40B4-BE49-F238E27FC236}">
+                <a16:creationId xmlns:a16="http://schemas.microsoft.com/office/drawing/2014/main" id="{052D25EE-307F-5048-8AF4-27603C944C2B}"/>
+              </a:ext>
+            </a:extLst>
+          </p:cNvPr>
+          <p:cNvPicPr>
+            <a:picLocks noChangeAspect="1"/>
+          </p:cNvPicPr>
+          <p:nvPr/>
+        </p:nvPicPr>
+        <p:blipFill>
+          <a:blip r:embed="rId11"/>
+          <a:stretch>
+            <a:fillRect/>
+          </a:stretch>
+        </p:blipFill>
+        <p:spPr>
+          <a:xfrm>
+            <a:off x="5252135" y="3107828"/>
+            <a:ext cx="412313" cy="897695"/>
+          </a:xfrm>
+          <a:prstGeom prst="rect">
+            <a:avLst/>
+          </a:prstGeom>
+        </p:spPr>
+      </p:pic>
+      <p:pic>
+        <p:nvPicPr>
+          <p:cNvPr id="54" name="Picture 53" descr="A picture containing worm&#10;&#10;Description automatically generated">
+            <a:extLst>
+              <a:ext uri="{FF2B5EF4-FFF2-40B4-BE49-F238E27FC236}">
+                <a16:creationId xmlns:a16="http://schemas.microsoft.com/office/drawing/2014/main" id="{97E081B0-5646-A348-88E8-6AE0AAE278BA}"/>
+              </a:ext>
+            </a:extLst>
+          </p:cNvPr>
+          <p:cNvPicPr>
+            <a:picLocks noChangeAspect="1"/>
+          </p:cNvPicPr>
+          <p:nvPr/>
+        </p:nvPicPr>
+        <p:blipFill>
+          <a:blip r:embed="rId12"/>
+          <a:stretch>
+            <a:fillRect/>
+          </a:stretch>
+        </p:blipFill>
+        <p:spPr>
+          <a:xfrm>
+            <a:off x="5076240" y="4457936"/>
+            <a:ext cx="840143" cy="455077"/>
+          </a:xfrm>
+          <a:prstGeom prst="rect">
+            <a:avLst/>
+          </a:prstGeom>
+        </p:spPr>
+      </p:pic>
+      <p:cxnSp>
+        <p:nvCxnSpPr>
+          <p:cNvPr id="55" name="Straight Arrow Connector 54">
+            <a:extLst>
+              <a:ext uri="{FF2B5EF4-FFF2-40B4-BE49-F238E27FC236}">
+                <a16:creationId xmlns:a16="http://schemas.microsoft.com/office/drawing/2014/main" id="{0F158242-0100-3040-8525-0D5C76078F94}"/>
+              </a:ext>
+            </a:extLst>
+          </p:cNvPr>
+          <p:cNvCxnSpPr>
+            <a:cxnSpLocks/>
+            <a:stCxn id="15" idx="3"/>
+            <a:endCxn id="50" idx="1"/>
+          </p:cNvCxnSpPr>
+          <p:nvPr/>
+        </p:nvCxnSpPr>
+        <p:spPr>
+          <a:xfrm>
+            <a:off x="3365095" y="2220387"/>
+            <a:ext cx="1402184" cy="230936"/>
+          </a:xfrm>
+          <a:prstGeom prst="straightConnector1">
+            <a:avLst/>
+          </a:prstGeom>
+          <a:ln>
+            <a:tailEnd type="triangle"/>
+          </a:ln>
+        </p:spPr>
+        <p:style>
+          <a:lnRef idx="1">
+            <a:schemeClr val="accent1"/>
+          </a:lnRef>
+          <a:fillRef idx="0">
+            <a:schemeClr val="accent1"/>
+          </a:fillRef>
+          <a:effectRef idx="0">
+            <a:schemeClr val="accent1"/>
+          </a:effectRef>
+          <a:fontRef idx="minor">
+            <a:schemeClr val="tx1"/>
+          </a:fontRef>
+        </p:style>
+      </p:cxnSp>
+      <p:cxnSp>
+        <p:nvCxnSpPr>
+          <p:cNvPr id="58" name="Straight Arrow Connector 57">
+            <a:extLst>
+              <a:ext uri="{FF2B5EF4-FFF2-40B4-BE49-F238E27FC236}">
+                <a16:creationId xmlns:a16="http://schemas.microsoft.com/office/drawing/2014/main" id="{8164D375-5398-AE4D-B02D-CE35881E6B67}"/>
+              </a:ext>
+            </a:extLst>
+          </p:cNvPr>
+          <p:cNvCxnSpPr>
+            <a:cxnSpLocks/>
+            <a:stCxn id="18" idx="3"/>
+            <a:endCxn id="50" idx="1"/>
+          </p:cNvCxnSpPr>
+          <p:nvPr/>
+        </p:nvCxnSpPr>
+        <p:spPr>
+          <a:xfrm flipV="1">
+            <a:off x="3241730" y="2451323"/>
+            <a:ext cx="1525549" cy="225164"/>
+          </a:xfrm>
+          <a:prstGeom prst="straightConnector1">
+            <a:avLst/>
+          </a:prstGeom>
+          <a:ln>
+            <a:tailEnd type="triangle"/>
+          </a:ln>
+        </p:spPr>
+        <p:style>
+          <a:lnRef idx="1">
+            <a:schemeClr val="accent1"/>
+          </a:lnRef>
+          <a:fillRef idx="0">
+            <a:schemeClr val="accent1"/>
+          </a:fillRef>
+          <a:effectRef idx="0">
+            <a:schemeClr val="accent1"/>
+          </a:effectRef>
+          <a:fontRef idx="minor">
+            <a:schemeClr val="tx1"/>
+          </a:fontRef>
+        </p:style>
+      </p:cxnSp>
+      <p:cxnSp>
+        <p:nvCxnSpPr>
+          <p:cNvPr id="61" name="Straight Arrow Connector 60">
+            <a:extLst>
+              <a:ext uri="{FF2B5EF4-FFF2-40B4-BE49-F238E27FC236}">
+                <a16:creationId xmlns:a16="http://schemas.microsoft.com/office/drawing/2014/main" id="{9E9F3D11-C83F-114C-BBF2-8C481D05BE5F}"/>
+              </a:ext>
+            </a:extLst>
+          </p:cNvPr>
+          <p:cNvCxnSpPr>
+            <a:cxnSpLocks/>
+            <a:stCxn id="21" idx="3"/>
+            <a:endCxn id="50" idx="1"/>
+          </p:cNvCxnSpPr>
+          <p:nvPr/>
+        </p:nvCxnSpPr>
+        <p:spPr>
+          <a:xfrm flipV="1">
+            <a:off x="3408956" y="2451323"/>
+            <a:ext cx="1358323" cy="694431"/>
+          </a:xfrm>
+          <a:prstGeom prst="straightConnector1">
+            <a:avLst/>
+          </a:prstGeom>
+          <a:ln>
+            <a:tailEnd type="triangle"/>
+          </a:ln>
+        </p:spPr>
+        <p:style>
+          <a:lnRef idx="1">
+            <a:schemeClr val="accent1"/>
+          </a:lnRef>
+          <a:fillRef idx="0">
+            <a:schemeClr val="accent1"/>
+          </a:fillRef>
+          <a:effectRef idx="0">
+            <a:schemeClr val="accent1"/>
+          </a:effectRef>
+          <a:fontRef idx="minor">
+            <a:schemeClr val="tx1"/>
+          </a:fontRef>
+        </p:style>
+      </p:cxnSp>
+      <p:cxnSp>
+        <p:nvCxnSpPr>
+          <p:cNvPr id="64" name="Straight Arrow Connector 63">
+            <a:extLst>
+              <a:ext uri="{FF2B5EF4-FFF2-40B4-BE49-F238E27FC236}">
+                <a16:creationId xmlns:a16="http://schemas.microsoft.com/office/drawing/2014/main" id="{0C27E0BD-EB21-3343-95E7-B9BEFB3C7D7C}"/>
+              </a:ext>
+            </a:extLst>
+          </p:cNvPr>
+          <p:cNvCxnSpPr>
+            <a:cxnSpLocks/>
+            <a:stCxn id="24" idx="3"/>
+            <a:endCxn id="52" idx="1"/>
+          </p:cNvCxnSpPr>
+          <p:nvPr/>
+        </p:nvCxnSpPr>
+        <p:spPr>
+          <a:xfrm flipV="1">
+            <a:off x="3285230" y="3556676"/>
+            <a:ext cx="1966905" cy="260435"/>
+          </a:xfrm>
+          <a:prstGeom prst="straightConnector1">
+            <a:avLst/>
+          </a:prstGeom>
+          <a:ln>
+            <a:tailEnd type="triangle"/>
+          </a:ln>
+        </p:spPr>
+        <p:style>
+          <a:lnRef idx="1">
+            <a:schemeClr val="accent1"/>
+          </a:lnRef>
+          <a:fillRef idx="0">
+            <a:schemeClr val="accent1"/>
+          </a:fillRef>
+          <a:effectRef idx="0">
+            <a:schemeClr val="accent1"/>
+          </a:effectRef>
+          <a:fontRef idx="minor">
+            <a:schemeClr val="tx1"/>
+          </a:fontRef>
+        </p:style>
+      </p:cxnSp>
+      <p:cxnSp>
+        <p:nvCxnSpPr>
+          <p:cNvPr id="67" name="Straight Arrow Connector 66">
+            <a:extLst>
+              <a:ext uri="{FF2B5EF4-FFF2-40B4-BE49-F238E27FC236}">
+                <a16:creationId xmlns:a16="http://schemas.microsoft.com/office/drawing/2014/main" id="{4E337FE9-8B57-D249-9697-C55E9B156156}"/>
+              </a:ext>
+            </a:extLst>
+          </p:cNvPr>
+          <p:cNvCxnSpPr>
+            <a:cxnSpLocks/>
+            <a:stCxn id="28" idx="3"/>
+            <a:endCxn id="52" idx="1"/>
+          </p:cNvCxnSpPr>
+          <p:nvPr/>
+        </p:nvCxnSpPr>
+        <p:spPr>
+          <a:xfrm flipV="1">
+            <a:off x="3272873" y="3556676"/>
+            <a:ext cx="1979262" cy="757116"/>
+          </a:xfrm>
+          <a:prstGeom prst="straightConnector1">
+            <a:avLst/>
+          </a:prstGeom>
+          <a:ln>
+            <a:tailEnd type="triangle"/>
+          </a:ln>
+        </p:spPr>
+        <p:style>
+          <a:lnRef idx="1">
+            <a:schemeClr val="accent1"/>
+          </a:lnRef>
+          <a:fillRef idx="0">
+            <a:schemeClr val="accent1"/>
+          </a:fillRef>
+          <a:effectRef idx="0">
+            <a:schemeClr val="accent1"/>
+          </a:effectRef>
+          <a:fontRef idx="minor">
+            <a:schemeClr val="tx1"/>
+          </a:fontRef>
+        </p:style>
+      </p:cxnSp>
+      <p:cxnSp>
+        <p:nvCxnSpPr>
+          <p:cNvPr id="70" name="Straight Arrow Connector 69">
+            <a:extLst>
+              <a:ext uri="{FF2B5EF4-FFF2-40B4-BE49-F238E27FC236}">
+                <a16:creationId xmlns:a16="http://schemas.microsoft.com/office/drawing/2014/main" id="{48582A41-619F-5C4B-B26A-CAB1B4B3434A}"/>
+              </a:ext>
+            </a:extLst>
+          </p:cNvPr>
+          <p:cNvCxnSpPr>
+            <a:cxnSpLocks/>
+            <a:stCxn id="30" idx="3"/>
+            <a:endCxn id="54" idx="1"/>
+          </p:cNvCxnSpPr>
+          <p:nvPr/>
+        </p:nvCxnSpPr>
+        <p:spPr>
+          <a:xfrm flipV="1">
+            <a:off x="3288334" y="4685475"/>
+            <a:ext cx="1787906" cy="180934"/>
+          </a:xfrm>
+          <a:prstGeom prst="straightConnector1">
+            <a:avLst/>
+          </a:prstGeom>
+          <a:ln>
+            <a:tailEnd type="triangle"/>
+          </a:ln>
+        </p:spPr>
+        <p:style>
+          <a:lnRef idx="1">
+            <a:schemeClr val="accent1"/>
+          </a:lnRef>
+          <a:fillRef idx="0">
+            <a:schemeClr val="accent1"/>
+          </a:fillRef>
+          <a:effectRef idx="0">
+            <a:schemeClr val="accent1"/>
+          </a:effectRef>
+          <a:fontRef idx="minor">
+            <a:schemeClr val="tx1"/>
+          </a:fontRef>
+        </p:style>
+      </p:cxnSp>
+    </p:spTree>
+    <p:extLst>
+      <p:ext uri="{BB962C8B-B14F-4D97-AF65-F5344CB8AC3E}">
+        <p14:creationId xmlns:p14="http://schemas.microsoft.com/office/powerpoint/2010/main" val="3481871801"/>
+      </p:ext>
+    </p:extLst>
+  </p:cSld>
+  <p:clrMapOvr>
+    <a:masterClrMapping/>
+  </p:clrMapOvr>
+</p:sld>
+</file>
+
+<file path=ppt/slides/slide23.xml><?xml version="1.0" encoding="utf-8"?>
+<p:sld xmlns:a="http://schemas.openxmlformats.org/drawingml/2006/main" xmlns:r="http://schemas.openxmlformats.org/officeDocument/2006/relationships" xmlns:p="http://schemas.openxmlformats.org/presentationml/2006/main">
+  <p:cSld>
+    <p:spTree>
+      <p:nvGrpSpPr>
+        <p:cNvPr id="1" name="Shape 120"/>
+        <p:cNvGrpSpPr/>
+        <p:nvPr/>
+      </p:nvGrpSpPr>
+      <p:grpSpPr>
+        <a:xfrm>
+          <a:off x="0" y="0"/>
+          <a:ext cx="0" cy="0"/>
+          <a:chOff x="0" y="0"/>
+          <a:chExt cx="0" cy="0"/>
+        </a:xfrm>
+      </p:grpSpPr>
+      <p:sp>
+        <p:nvSpPr>
+          <p:cNvPr id="5" name="TextBox 4">
+            <a:extLst>
+              <a:ext uri="{FF2B5EF4-FFF2-40B4-BE49-F238E27FC236}">
+                <a16:creationId xmlns:a16="http://schemas.microsoft.com/office/drawing/2014/main" id="{65630885-2E5C-724A-AFDF-BD4D0BDEB71A}"/>
+              </a:ext>
+            </a:extLst>
+          </p:cNvPr>
+          <p:cNvSpPr txBox="1"/>
+          <p:nvPr/>
+        </p:nvSpPr>
+        <p:spPr>
+          <a:xfrm>
+            <a:off x="98188" y="1427013"/>
+            <a:ext cx="8203839" cy="323165"/>
+          </a:xfrm>
+          <a:prstGeom prst="rect">
+            <a:avLst/>
+          </a:prstGeom>
+          <a:noFill/>
+        </p:spPr>
+        <p:txBody>
+          <a:bodyPr wrap="square" rtlCol="0">
+            <a:spAutoFit/>
+          </a:bodyPr>
+          <a:lstStyle/>
+          <a:p>
+            <a:pPr lvl="1"/>
+            <a:r>
+              <a:rPr lang="en-US" sz="1500" dirty="0">
+                <a:solidFill>
+                  <a:schemeClr val="tx1"/>
+                </a:solidFill>
+              </a:rPr>
+              <a:t>Example : From input layer to the first hidden layer.</a:t>
+            </a:r>
+          </a:p>
+        </p:txBody>
+      </p:sp>
+      <p:sp>
+        <p:nvSpPr>
+          <p:cNvPr id="4" name="Google Shape;105;p20">
+            <a:extLst>
+              <a:ext uri="{FF2B5EF4-FFF2-40B4-BE49-F238E27FC236}">
+                <a16:creationId xmlns:a16="http://schemas.microsoft.com/office/drawing/2014/main" id="{4667A93C-49EA-8B45-9B29-30FAF54FB1C7}"/>
+              </a:ext>
+            </a:extLst>
+          </p:cNvPr>
+          <p:cNvSpPr txBox="1">
+            <a:spLocks noGrp="1"/>
+          </p:cNvSpPr>
+          <p:nvPr>
+            <p:ph type="title"/>
+          </p:nvPr>
+        </p:nvSpPr>
+        <p:spPr>
+          <a:xfrm>
+            <a:off x="387900" y="458025"/>
+            <a:ext cx="8368200" cy="686100"/>
+          </a:xfrm>
+          <a:prstGeom prst="rect">
+            <a:avLst/>
+          </a:prstGeom>
+        </p:spPr>
+        <p:txBody>
+          <a:bodyPr spcFirstLastPara="1" wrap="square" lIns="91425" tIns="91425" rIns="91425" bIns="91425" anchor="b" anchorCtr="0">
+            <a:noAutofit/>
+          </a:bodyPr>
+          <a:lstStyle/>
+          <a:p>
+            <a:pPr marL="0" lvl="0" indent="0" algn="l" rtl="0">
+              <a:spcBef>
+                <a:spcPts val="0"/>
+              </a:spcBef>
+              <a:spcAft>
+                <a:spcPts val="0"/>
+              </a:spcAft>
+              <a:buNone/>
+            </a:pPr>
+            <a:r>
+              <a:rPr lang="en" dirty="0"/>
+              <a:t>convolution (conv) layer</a:t>
+            </a:r>
+            <a:endParaRPr dirty="0"/>
+          </a:p>
+        </p:txBody>
+      </p:sp>
+      <p:pic>
+        <p:nvPicPr>
+          <p:cNvPr id="10" name="Picture 9">
+            <a:extLst>
+              <a:ext uri="{FF2B5EF4-FFF2-40B4-BE49-F238E27FC236}">
+                <a16:creationId xmlns:a16="http://schemas.microsoft.com/office/drawing/2014/main" id="{8730513F-C7CC-D745-A659-6085C7159C94}"/>
+              </a:ext>
+            </a:extLst>
+          </p:cNvPr>
+          <p:cNvPicPr>
+            <a:picLocks noChangeAspect="1"/>
+          </p:cNvPicPr>
+          <p:nvPr/>
+        </p:nvPicPr>
+        <p:blipFill>
+          <a:blip r:embed="rId3"/>
+          <a:stretch>
+            <a:fillRect/>
+          </a:stretch>
+        </p:blipFill>
+        <p:spPr>
+          <a:xfrm>
+            <a:off x="502090" y="2938263"/>
+            <a:ext cx="964571" cy="1266490"/>
+          </a:xfrm>
+          <a:prstGeom prst="rect">
+            <a:avLst/>
+          </a:prstGeom>
+        </p:spPr>
+      </p:pic>
+      <p:pic>
+        <p:nvPicPr>
+          <p:cNvPr id="15" name="Picture 14">
+            <a:extLst>
+              <a:ext uri="{FF2B5EF4-FFF2-40B4-BE49-F238E27FC236}">
+                <a16:creationId xmlns:a16="http://schemas.microsoft.com/office/drawing/2014/main" id="{DF4AFB32-AD81-CE4D-AEE0-C1D4EE30A56C}"/>
+              </a:ext>
+            </a:extLst>
+          </p:cNvPr>
+          <p:cNvPicPr>
+            <a:picLocks noChangeAspect="1"/>
+          </p:cNvPicPr>
+          <p:nvPr/>
+        </p:nvPicPr>
+        <p:blipFill>
+          <a:blip r:embed="rId4"/>
+          <a:stretch>
+            <a:fillRect/>
+          </a:stretch>
+        </p:blipFill>
+        <p:spPr>
+          <a:xfrm>
+            <a:off x="2685222" y="2055901"/>
+            <a:ext cx="679873" cy="328971"/>
+          </a:xfrm>
+          <a:prstGeom prst="rect">
+            <a:avLst/>
+          </a:prstGeom>
+        </p:spPr>
+      </p:pic>
+      <p:pic>
+        <p:nvPicPr>
+          <p:cNvPr id="18" name="Picture 17">
+            <a:extLst>
+              <a:ext uri="{FF2B5EF4-FFF2-40B4-BE49-F238E27FC236}">
+                <a16:creationId xmlns:a16="http://schemas.microsoft.com/office/drawing/2014/main" id="{C9D85D3E-9210-6E47-9F15-0DC222128163}"/>
+              </a:ext>
+            </a:extLst>
+          </p:cNvPr>
+          <p:cNvPicPr>
+            <a:picLocks noChangeAspect="1"/>
+          </p:cNvPicPr>
+          <p:nvPr/>
+        </p:nvPicPr>
+        <p:blipFill>
+          <a:blip r:embed="rId5"/>
+          <a:stretch>
+            <a:fillRect/>
+          </a:stretch>
+        </p:blipFill>
+        <p:spPr>
+          <a:xfrm>
+            <a:off x="2808585" y="2462656"/>
+            <a:ext cx="433145" cy="427662"/>
+          </a:xfrm>
+          <a:prstGeom prst="rect">
+            <a:avLst/>
+          </a:prstGeom>
+        </p:spPr>
+      </p:pic>
+      <p:pic>
+        <p:nvPicPr>
+          <p:cNvPr id="21" name="Picture 20">
+            <a:extLst>
+              <a:ext uri="{FF2B5EF4-FFF2-40B4-BE49-F238E27FC236}">
+                <a16:creationId xmlns:a16="http://schemas.microsoft.com/office/drawing/2014/main" id="{5531471C-0DB6-6840-A7A2-5F4BDE5AD985}"/>
+              </a:ext>
+            </a:extLst>
+          </p:cNvPr>
+          <p:cNvPicPr>
+            <a:picLocks noChangeAspect="1"/>
+          </p:cNvPicPr>
+          <p:nvPr/>
+        </p:nvPicPr>
+        <p:blipFill>
+          <a:blip r:embed="rId6"/>
+          <a:stretch>
+            <a:fillRect/>
+          </a:stretch>
+        </p:blipFill>
+        <p:spPr>
+          <a:xfrm>
+            <a:off x="2641358" y="2937406"/>
+            <a:ext cx="767598" cy="416696"/>
+          </a:xfrm>
+          <a:prstGeom prst="rect">
+            <a:avLst/>
+          </a:prstGeom>
+        </p:spPr>
+      </p:pic>
+      <p:pic>
+        <p:nvPicPr>
+          <p:cNvPr id="24" name="Picture 23" descr="A black rectangle with a white background&#10;&#10;Description automatically generated with low confidence">
+            <a:extLst>
+              <a:ext uri="{FF2B5EF4-FFF2-40B4-BE49-F238E27FC236}">
+                <a16:creationId xmlns:a16="http://schemas.microsoft.com/office/drawing/2014/main" id="{8EAF5199-1F1F-4D48-8734-388884ECFA97}"/>
+              </a:ext>
+            </a:extLst>
+          </p:cNvPr>
+          <p:cNvPicPr>
+            <a:picLocks noChangeAspect="1"/>
+          </p:cNvPicPr>
+          <p:nvPr/>
+        </p:nvPicPr>
+        <p:blipFill>
+          <a:blip r:embed="rId7"/>
+          <a:stretch>
+            <a:fillRect/>
+          </a:stretch>
+        </p:blipFill>
+        <p:spPr>
+          <a:xfrm>
+            <a:off x="2928845" y="3556676"/>
+            <a:ext cx="356385" cy="520870"/>
+          </a:xfrm>
+          <a:prstGeom prst="rect">
+            <a:avLst/>
+          </a:prstGeom>
+        </p:spPr>
+      </p:pic>
+      <p:pic>
+        <p:nvPicPr>
+          <p:cNvPr id="28" name="Picture 27" descr="A black letter on a white background&#10;&#10;Description automatically generated with low confidence">
+            <a:extLst>
+              <a:ext uri="{FF2B5EF4-FFF2-40B4-BE49-F238E27FC236}">
+                <a16:creationId xmlns:a16="http://schemas.microsoft.com/office/drawing/2014/main" id="{8C1E5566-0E98-C745-BDCF-4B9E2CCEEDC7}"/>
+              </a:ext>
+            </a:extLst>
+          </p:cNvPr>
+          <p:cNvPicPr>
+            <a:picLocks noChangeAspect="1"/>
+          </p:cNvPicPr>
+          <p:nvPr/>
+        </p:nvPicPr>
+        <p:blipFill>
+          <a:blip r:embed="rId8"/>
+          <a:stretch>
+            <a:fillRect/>
+          </a:stretch>
+        </p:blipFill>
+        <p:spPr>
+          <a:xfrm>
+            <a:off x="2916488" y="4086254"/>
+            <a:ext cx="356385" cy="455076"/>
+          </a:xfrm>
+          <a:prstGeom prst="rect">
+            <a:avLst/>
+          </a:prstGeom>
+        </p:spPr>
+      </p:pic>
+      <p:pic>
+        <p:nvPicPr>
+          <p:cNvPr id="30" name="Picture 29" descr="A picture containing worm&#10;&#10;Description automatically generated">
+            <a:extLst>
+              <a:ext uri="{FF2B5EF4-FFF2-40B4-BE49-F238E27FC236}">
+                <a16:creationId xmlns:a16="http://schemas.microsoft.com/office/drawing/2014/main" id="{591DA350-D940-F941-8917-4A6497C09F30}"/>
+              </a:ext>
+            </a:extLst>
+          </p:cNvPr>
+          <p:cNvPicPr>
+            <a:picLocks noChangeAspect="1"/>
+          </p:cNvPicPr>
+          <p:nvPr/>
+        </p:nvPicPr>
+        <p:blipFill>
+          <a:blip r:embed="rId9"/>
+          <a:stretch>
+            <a:fillRect/>
+          </a:stretch>
+        </p:blipFill>
+        <p:spPr>
+          <a:xfrm>
+            <a:off x="2641358" y="4685475"/>
+            <a:ext cx="646976" cy="361868"/>
+          </a:xfrm>
+          <a:prstGeom prst="rect">
+            <a:avLst/>
+          </a:prstGeom>
+        </p:spPr>
+      </p:pic>
+      <p:cxnSp>
+        <p:nvCxnSpPr>
+          <p:cNvPr id="31" name="Straight Arrow Connector 30">
+            <a:extLst>
+              <a:ext uri="{FF2B5EF4-FFF2-40B4-BE49-F238E27FC236}">
+                <a16:creationId xmlns:a16="http://schemas.microsoft.com/office/drawing/2014/main" id="{48F69E88-91A2-5346-B7E7-34AEAA19D193}"/>
+              </a:ext>
+            </a:extLst>
+          </p:cNvPr>
+          <p:cNvCxnSpPr>
+            <a:cxnSpLocks/>
+            <a:stCxn id="10" idx="3"/>
+            <a:endCxn id="15" idx="1"/>
+          </p:cNvCxnSpPr>
+          <p:nvPr/>
+        </p:nvCxnSpPr>
+        <p:spPr>
+          <a:xfrm flipV="1">
+            <a:off x="1466661" y="2220387"/>
+            <a:ext cx="1218561" cy="1351121"/>
+          </a:xfrm>
+          <a:prstGeom prst="straightConnector1">
+            <a:avLst/>
+          </a:prstGeom>
+          <a:ln>
+            <a:tailEnd type="triangle"/>
+          </a:ln>
+        </p:spPr>
+        <p:style>
+          <a:lnRef idx="1">
+            <a:schemeClr val="accent1"/>
+          </a:lnRef>
+          <a:fillRef idx="0">
+            <a:schemeClr val="accent1"/>
+          </a:fillRef>
+          <a:effectRef idx="0">
+            <a:schemeClr val="accent1"/>
+          </a:effectRef>
+          <a:fontRef idx="minor">
+            <a:schemeClr val="tx1"/>
+          </a:fontRef>
+        </p:style>
+      </p:cxnSp>
+      <p:cxnSp>
+        <p:nvCxnSpPr>
+          <p:cNvPr id="34" name="Straight Arrow Connector 33">
+            <a:extLst>
+              <a:ext uri="{FF2B5EF4-FFF2-40B4-BE49-F238E27FC236}">
+                <a16:creationId xmlns:a16="http://schemas.microsoft.com/office/drawing/2014/main" id="{D9A58E08-FB4C-E94A-9960-83DC645E71B7}"/>
+              </a:ext>
+            </a:extLst>
+          </p:cNvPr>
+          <p:cNvCxnSpPr>
+            <a:cxnSpLocks/>
+            <a:stCxn id="10" idx="3"/>
+            <a:endCxn id="18" idx="1"/>
+          </p:cNvCxnSpPr>
+          <p:nvPr/>
+        </p:nvCxnSpPr>
+        <p:spPr>
+          <a:xfrm flipV="1">
+            <a:off x="1466661" y="2676487"/>
+            <a:ext cx="1341924" cy="895021"/>
+          </a:xfrm>
+          <a:prstGeom prst="straightConnector1">
+            <a:avLst/>
+          </a:prstGeom>
+          <a:ln>
+            <a:tailEnd type="triangle"/>
+          </a:ln>
+        </p:spPr>
+        <p:style>
+          <a:lnRef idx="1">
+            <a:schemeClr val="accent1"/>
+          </a:lnRef>
+          <a:fillRef idx="0">
+            <a:schemeClr val="accent1"/>
+          </a:fillRef>
+          <a:effectRef idx="0">
+            <a:schemeClr val="accent1"/>
+          </a:effectRef>
+          <a:fontRef idx="minor">
+            <a:schemeClr val="tx1"/>
+          </a:fontRef>
+        </p:style>
+      </p:cxnSp>
+      <p:cxnSp>
+        <p:nvCxnSpPr>
+          <p:cNvPr id="37" name="Straight Arrow Connector 36">
+            <a:extLst>
+              <a:ext uri="{FF2B5EF4-FFF2-40B4-BE49-F238E27FC236}">
+                <a16:creationId xmlns:a16="http://schemas.microsoft.com/office/drawing/2014/main" id="{96F6E47A-216B-804F-A10D-E95AF51D071E}"/>
+              </a:ext>
+            </a:extLst>
+          </p:cNvPr>
+          <p:cNvCxnSpPr>
+            <a:cxnSpLocks/>
+            <a:stCxn id="10" idx="3"/>
+            <a:endCxn id="21" idx="1"/>
+          </p:cNvCxnSpPr>
+          <p:nvPr/>
+        </p:nvCxnSpPr>
+        <p:spPr>
+          <a:xfrm flipV="1">
+            <a:off x="1466661" y="3145754"/>
+            <a:ext cx="1174697" cy="425754"/>
+          </a:xfrm>
+          <a:prstGeom prst="straightConnector1">
+            <a:avLst/>
+          </a:prstGeom>
+          <a:ln>
+            <a:tailEnd type="triangle"/>
+          </a:ln>
+        </p:spPr>
+        <p:style>
+          <a:lnRef idx="1">
+            <a:schemeClr val="accent1"/>
+          </a:lnRef>
+          <a:fillRef idx="0">
+            <a:schemeClr val="accent1"/>
+          </a:fillRef>
+          <a:effectRef idx="0">
+            <a:schemeClr val="accent1"/>
+          </a:effectRef>
+          <a:fontRef idx="minor">
+            <a:schemeClr val="tx1"/>
+          </a:fontRef>
+        </p:style>
+      </p:cxnSp>
+      <p:cxnSp>
+        <p:nvCxnSpPr>
+          <p:cNvPr id="40" name="Straight Arrow Connector 39">
+            <a:extLst>
+              <a:ext uri="{FF2B5EF4-FFF2-40B4-BE49-F238E27FC236}">
+                <a16:creationId xmlns:a16="http://schemas.microsoft.com/office/drawing/2014/main" id="{4652A9C6-41AE-FA42-AD4C-4FF10586E4B4}"/>
+              </a:ext>
+            </a:extLst>
+          </p:cNvPr>
+          <p:cNvCxnSpPr>
+            <a:cxnSpLocks/>
+            <a:stCxn id="10" idx="3"/>
+            <a:endCxn id="24" idx="1"/>
+          </p:cNvCxnSpPr>
+          <p:nvPr/>
+        </p:nvCxnSpPr>
+        <p:spPr>
+          <a:xfrm>
+            <a:off x="1466661" y="3571508"/>
+            <a:ext cx="1462184" cy="245603"/>
+          </a:xfrm>
+          <a:prstGeom prst="straightConnector1">
+            <a:avLst/>
+          </a:prstGeom>
+          <a:ln>
+            <a:tailEnd type="triangle"/>
+          </a:ln>
+        </p:spPr>
+        <p:style>
+          <a:lnRef idx="1">
+            <a:schemeClr val="accent1"/>
+          </a:lnRef>
+          <a:fillRef idx="0">
+            <a:schemeClr val="accent1"/>
+          </a:fillRef>
+          <a:effectRef idx="0">
+            <a:schemeClr val="accent1"/>
+          </a:effectRef>
+          <a:fontRef idx="minor">
+            <a:schemeClr val="tx1"/>
+          </a:fontRef>
+        </p:style>
+      </p:cxnSp>
+      <p:cxnSp>
+        <p:nvCxnSpPr>
+          <p:cNvPr id="43" name="Straight Arrow Connector 42">
+            <a:extLst>
+              <a:ext uri="{FF2B5EF4-FFF2-40B4-BE49-F238E27FC236}">
+                <a16:creationId xmlns:a16="http://schemas.microsoft.com/office/drawing/2014/main" id="{1A21B457-6D7D-7240-9802-0A0624D22DE6}"/>
+              </a:ext>
+            </a:extLst>
+          </p:cNvPr>
+          <p:cNvCxnSpPr>
+            <a:cxnSpLocks/>
+            <a:stCxn id="10" idx="3"/>
+            <a:endCxn id="28" idx="1"/>
+          </p:cNvCxnSpPr>
+          <p:nvPr/>
+        </p:nvCxnSpPr>
+        <p:spPr>
+          <a:xfrm>
+            <a:off x="1466661" y="3571508"/>
+            <a:ext cx="1449827" cy="742284"/>
+          </a:xfrm>
+          <a:prstGeom prst="straightConnector1">
+            <a:avLst/>
+          </a:prstGeom>
+          <a:ln>
+            <a:tailEnd type="triangle"/>
+          </a:ln>
+        </p:spPr>
+        <p:style>
+          <a:lnRef idx="1">
+            <a:schemeClr val="accent1"/>
+          </a:lnRef>
+          <a:fillRef idx="0">
+            <a:schemeClr val="accent1"/>
+          </a:fillRef>
+          <a:effectRef idx="0">
+            <a:schemeClr val="accent1"/>
+          </a:effectRef>
+          <a:fontRef idx="minor">
+            <a:schemeClr val="tx1"/>
+          </a:fontRef>
+        </p:style>
+      </p:cxnSp>
+      <p:cxnSp>
+        <p:nvCxnSpPr>
+          <p:cNvPr id="46" name="Straight Arrow Connector 45">
+            <a:extLst>
+              <a:ext uri="{FF2B5EF4-FFF2-40B4-BE49-F238E27FC236}">
+                <a16:creationId xmlns:a16="http://schemas.microsoft.com/office/drawing/2014/main" id="{BDDB1374-F747-4648-ABAE-A8E2E265E44B}"/>
+              </a:ext>
+            </a:extLst>
+          </p:cNvPr>
+          <p:cNvCxnSpPr>
+            <a:cxnSpLocks/>
+            <a:stCxn id="10" idx="3"/>
+            <a:endCxn id="30" idx="1"/>
+          </p:cNvCxnSpPr>
+          <p:nvPr/>
+        </p:nvCxnSpPr>
+        <p:spPr>
+          <a:xfrm>
+            <a:off x="1466661" y="3571508"/>
+            <a:ext cx="1174697" cy="1294901"/>
+          </a:xfrm>
+          <a:prstGeom prst="straightConnector1">
+            <a:avLst/>
+          </a:prstGeom>
+          <a:ln>
+            <a:tailEnd type="triangle"/>
+          </a:ln>
+        </p:spPr>
+        <p:style>
+          <a:lnRef idx="1">
+            <a:schemeClr val="accent1"/>
+          </a:lnRef>
+          <a:fillRef idx="0">
+            <a:schemeClr val="accent1"/>
+          </a:fillRef>
+          <a:effectRef idx="0">
+            <a:schemeClr val="accent1"/>
+          </a:effectRef>
+          <a:fontRef idx="minor">
+            <a:schemeClr val="tx1"/>
+          </a:fontRef>
+        </p:style>
+      </p:cxnSp>
+      <p:pic>
+        <p:nvPicPr>
+          <p:cNvPr id="50" name="Picture 49">
+            <a:extLst>
+              <a:ext uri="{FF2B5EF4-FFF2-40B4-BE49-F238E27FC236}">
+                <a16:creationId xmlns:a16="http://schemas.microsoft.com/office/drawing/2014/main" id="{839DFFCE-97B7-1444-BC2D-9DB680ACDFE6}"/>
+              </a:ext>
+            </a:extLst>
+          </p:cNvPr>
+          <p:cNvPicPr>
+            <a:picLocks noChangeAspect="1"/>
+          </p:cNvPicPr>
+          <p:nvPr/>
+        </p:nvPicPr>
+        <p:blipFill>
+          <a:blip r:embed="rId10"/>
+          <a:stretch>
+            <a:fillRect/>
+          </a:stretch>
+        </p:blipFill>
+        <p:spPr>
+          <a:xfrm>
+            <a:off x="4767279" y="2017857"/>
+            <a:ext cx="1332115" cy="866932"/>
+          </a:xfrm>
+          <a:prstGeom prst="rect">
+            <a:avLst/>
+          </a:prstGeom>
+        </p:spPr>
+      </p:pic>
+      <p:pic>
+        <p:nvPicPr>
+          <p:cNvPr id="52" name="Picture 51">
+            <a:extLst>
+              <a:ext uri="{FF2B5EF4-FFF2-40B4-BE49-F238E27FC236}">
+                <a16:creationId xmlns:a16="http://schemas.microsoft.com/office/drawing/2014/main" id="{052D25EE-307F-5048-8AF4-27603C944C2B}"/>
+              </a:ext>
+            </a:extLst>
+          </p:cNvPr>
+          <p:cNvPicPr>
+            <a:picLocks noChangeAspect="1"/>
+          </p:cNvPicPr>
+          <p:nvPr/>
+        </p:nvPicPr>
+        <p:blipFill>
+          <a:blip r:embed="rId11"/>
+          <a:stretch>
+            <a:fillRect/>
+          </a:stretch>
+        </p:blipFill>
+        <p:spPr>
+          <a:xfrm>
+            <a:off x="5252135" y="3107828"/>
+            <a:ext cx="412313" cy="897695"/>
+          </a:xfrm>
+          <a:prstGeom prst="rect">
+            <a:avLst/>
+          </a:prstGeom>
+        </p:spPr>
+      </p:pic>
+      <p:pic>
+        <p:nvPicPr>
+          <p:cNvPr id="54" name="Picture 53" descr="A picture containing worm&#10;&#10;Description automatically generated">
+            <a:extLst>
+              <a:ext uri="{FF2B5EF4-FFF2-40B4-BE49-F238E27FC236}">
+                <a16:creationId xmlns:a16="http://schemas.microsoft.com/office/drawing/2014/main" id="{97E081B0-5646-A348-88E8-6AE0AAE278BA}"/>
+              </a:ext>
+            </a:extLst>
+          </p:cNvPr>
+          <p:cNvPicPr>
+            <a:picLocks noChangeAspect="1"/>
+          </p:cNvPicPr>
+          <p:nvPr/>
+        </p:nvPicPr>
+        <p:blipFill>
+          <a:blip r:embed="rId12"/>
+          <a:stretch>
+            <a:fillRect/>
+          </a:stretch>
+        </p:blipFill>
+        <p:spPr>
+          <a:xfrm>
+            <a:off x="5076240" y="4457936"/>
+            <a:ext cx="840143" cy="455077"/>
+          </a:xfrm>
+          <a:prstGeom prst="rect">
+            <a:avLst/>
+          </a:prstGeom>
+        </p:spPr>
+      </p:pic>
+      <p:cxnSp>
+        <p:nvCxnSpPr>
+          <p:cNvPr id="55" name="Straight Arrow Connector 54">
+            <a:extLst>
+              <a:ext uri="{FF2B5EF4-FFF2-40B4-BE49-F238E27FC236}">
+                <a16:creationId xmlns:a16="http://schemas.microsoft.com/office/drawing/2014/main" id="{0F158242-0100-3040-8525-0D5C76078F94}"/>
+              </a:ext>
+            </a:extLst>
+          </p:cNvPr>
+          <p:cNvCxnSpPr>
+            <a:cxnSpLocks/>
+            <a:stCxn id="15" idx="3"/>
+            <a:endCxn id="50" idx="1"/>
+          </p:cNvCxnSpPr>
+          <p:nvPr/>
+        </p:nvCxnSpPr>
+        <p:spPr>
+          <a:xfrm>
+            <a:off x="3365095" y="2220387"/>
+            <a:ext cx="1402184" cy="230936"/>
+          </a:xfrm>
+          <a:prstGeom prst="straightConnector1">
+            <a:avLst/>
+          </a:prstGeom>
+          <a:ln>
+            <a:tailEnd type="triangle"/>
+          </a:ln>
+        </p:spPr>
+        <p:style>
+          <a:lnRef idx="1">
+            <a:schemeClr val="accent1"/>
+          </a:lnRef>
+          <a:fillRef idx="0">
+            <a:schemeClr val="accent1"/>
+          </a:fillRef>
+          <a:effectRef idx="0">
+            <a:schemeClr val="accent1"/>
+          </a:effectRef>
+          <a:fontRef idx="minor">
+            <a:schemeClr val="tx1"/>
+          </a:fontRef>
+        </p:style>
+      </p:cxnSp>
+      <p:cxnSp>
+        <p:nvCxnSpPr>
+          <p:cNvPr id="58" name="Straight Arrow Connector 57">
+            <a:extLst>
+              <a:ext uri="{FF2B5EF4-FFF2-40B4-BE49-F238E27FC236}">
+                <a16:creationId xmlns:a16="http://schemas.microsoft.com/office/drawing/2014/main" id="{8164D375-5398-AE4D-B02D-CE35881E6B67}"/>
+              </a:ext>
+            </a:extLst>
+          </p:cNvPr>
+          <p:cNvCxnSpPr>
+            <a:cxnSpLocks/>
+            <a:stCxn id="18" idx="3"/>
+            <a:endCxn id="50" idx="1"/>
+          </p:cNvCxnSpPr>
+          <p:nvPr/>
+        </p:nvCxnSpPr>
+        <p:spPr>
+          <a:xfrm flipV="1">
+            <a:off x="3241730" y="2451323"/>
+            <a:ext cx="1525549" cy="225164"/>
+          </a:xfrm>
+          <a:prstGeom prst="straightConnector1">
+            <a:avLst/>
+          </a:prstGeom>
+          <a:ln>
+            <a:tailEnd type="triangle"/>
+          </a:ln>
+        </p:spPr>
+        <p:style>
+          <a:lnRef idx="1">
+            <a:schemeClr val="accent1"/>
+          </a:lnRef>
+          <a:fillRef idx="0">
+            <a:schemeClr val="accent1"/>
+          </a:fillRef>
+          <a:effectRef idx="0">
+            <a:schemeClr val="accent1"/>
+          </a:effectRef>
+          <a:fontRef idx="minor">
+            <a:schemeClr val="tx1"/>
+          </a:fontRef>
+        </p:style>
+      </p:cxnSp>
+      <p:cxnSp>
+        <p:nvCxnSpPr>
+          <p:cNvPr id="61" name="Straight Arrow Connector 60">
+            <a:extLst>
+              <a:ext uri="{FF2B5EF4-FFF2-40B4-BE49-F238E27FC236}">
+                <a16:creationId xmlns:a16="http://schemas.microsoft.com/office/drawing/2014/main" id="{9E9F3D11-C83F-114C-BBF2-8C481D05BE5F}"/>
+              </a:ext>
+            </a:extLst>
+          </p:cNvPr>
+          <p:cNvCxnSpPr>
+            <a:cxnSpLocks/>
+            <a:stCxn id="21" idx="3"/>
+            <a:endCxn id="50" idx="1"/>
+          </p:cNvCxnSpPr>
+          <p:nvPr/>
+        </p:nvCxnSpPr>
+        <p:spPr>
+          <a:xfrm flipV="1">
+            <a:off x="3408956" y="2451323"/>
+            <a:ext cx="1358323" cy="694431"/>
+          </a:xfrm>
+          <a:prstGeom prst="straightConnector1">
+            <a:avLst/>
+          </a:prstGeom>
+          <a:ln>
+            <a:tailEnd type="triangle"/>
+          </a:ln>
+        </p:spPr>
+        <p:style>
+          <a:lnRef idx="1">
+            <a:schemeClr val="accent1"/>
+          </a:lnRef>
+          <a:fillRef idx="0">
+            <a:schemeClr val="accent1"/>
+          </a:fillRef>
+          <a:effectRef idx="0">
+            <a:schemeClr val="accent1"/>
+          </a:effectRef>
+          <a:fontRef idx="minor">
+            <a:schemeClr val="tx1"/>
+          </a:fontRef>
+        </p:style>
+      </p:cxnSp>
+      <p:cxnSp>
+        <p:nvCxnSpPr>
+          <p:cNvPr id="64" name="Straight Arrow Connector 63">
+            <a:extLst>
+              <a:ext uri="{FF2B5EF4-FFF2-40B4-BE49-F238E27FC236}">
+                <a16:creationId xmlns:a16="http://schemas.microsoft.com/office/drawing/2014/main" id="{0C27E0BD-EB21-3343-95E7-B9BEFB3C7D7C}"/>
+              </a:ext>
+            </a:extLst>
+          </p:cNvPr>
+          <p:cNvCxnSpPr>
+            <a:cxnSpLocks/>
+            <a:stCxn id="24" idx="3"/>
+            <a:endCxn id="52" idx="1"/>
+          </p:cNvCxnSpPr>
+          <p:nvPr/>
+        </p:nvCxnSpPr>
+        <p:spPr>
+          <a:xfrm flipV="1">
+            <a:off x="3285230" y="3556676"/>
+            <a:ext cx="1966905" cy="260435"/>
+          </a:xfrm>
+          <a:prstGeom prst="straightConnector1">
+            <a:avLst/>
+          </a:prstGeom>
+          <a:ln>
+            <a:tailEnd type="triangle"/>
+          </a:ln>
+        </p:spPr>
+        <p:style>
+          <a:lnRef idx="1">
+            <a:schemeClr val="accent1"/>
+          </a:lnRef>
+          <a:fillRef idx="0">
+            <a:schemeClr val="accent1"/>
+          </a:fillRef>
+          <a:effectRef idx="0">
+            <a:schemeClr val="accent1"/>
+          </a:effectRef>
+          <a:fontRef idx="minor">
+            <a:schemeClr val="tx1"/>
+          </a:fontRef>
+        </p:style>
+      </p:cxnSp>
+      <p:cxnSp>
+        <p:nvCxnSpPr>
+          <p:cNvPr id="67" name="Straight Arrow Connector 66">
+            <a:extLst>
+              <a:ext uri="{FF2B5EF4-FFF2-40B4-BE49-F238E27FC236}">
+                <a16:creationId xmlns:a16="http://schemas.microsoft.com/office/drawing/2014/main" id="{4E337FE9-8B57-D249-9697-C55E9B156156}"/>
+              </a:ext>
+            </a:extLst>
+          </p:cNvPr>
+          <p:cNvCxnSpPr>
+            <a:cxnSpLocks/>
+            <a:stCxn id="28" idx="3"/>
+            <a:endCxn id="52" idx="1"/>
+          </p:cNvCxnSpPr>
+          <p:nvPr/>
+        </p:nvCxnSpPr>
+        <p:spPr>
+          <a:xfrm flipV="1">
+            <a:off x="3272873" y="3556676"/>
+            <a:ext cx="1979262" cy="757116"/>
+          </a:xfrm>
+          <a:prstGeom prst="straightConnector1">
+            <a:avLst/>
+          </a:prstGeom>
+          <a:ln>
+            <a:tailEnd type="triangle"/>
+          </a:ln>
+        </p:spPr>
+        <p:style>
+          <a:lnRef idx="1">
+            <a:schemeClr val="accent1"/>
+          </a:lnRef>
+          <a:fillRef idx="0">
+            <a:schemeClr val="accent1"/>
+          </a:fillRef>
+          <a:effectRef idx="0">
+            <a:schemeClr val="accent1"/>
+          </a:effectRef>
+          <a:fontRef idx="minor">
+            <a:schemeClr val="tx1"/>
+          </a:fontRef>
+        </p:style>
+      </p:cxnSp>
+      <p:cxnSp>
+        <p:nvCxnSpPr>
+          <p:cNvPr id="70" name="Straight Arrow Connector 69">
+            <a:extLst>
+              <a:ext uri="{FF2B5EF4-FFF2-40B4-BE49-F238E27FC236}">
+                <a16:creationId xmlns:a16="http://schemas.microsoft.com/office/drawing/2014/main" id="{48582A41-619F-5C4B-B26A-CAB1B4B3434A}"/>
+              </a:ext>
+            </a:extLst>
+          </p:cNvPr>
+          <p:cNvCxnSpPr>
+            <a:cxnSpLocks/>
+            <a:stCxn id="30" idx="3"/>
+            <a:endCxn id="54" idx="1"/>
+          </p:cNvCxnSpPr>
+          <p:nvPr/>
+        </p:nvCxnSpPr>
+        <p:spPr>
+          <a:xfrm flipV="1">
+            <a:off x="3288334" y="4685475"/>
+            <a:ext cx="1787906" cy="180934"/>
+          </a:xfrm>
+          <a:prstGeom prst="straightConnector1">
+            <a:avLst/>
+          </a:prstGeom>
+          <a:ln>
+            <a:tailEnd type="triangle"/>
+          </a:ln>
+        </p:spPr>
+        <p:style>
+          <a:lnRef idx="1">
+            <a:schemeClr val="accent1"/>
+          </a:lnRef>
+          <a:fillRef idx="0">
+            <a:schemeClr val="accent1"/>
+          </a:fillRef>
+          <a:effectRef idx="0">
+            <a:schemeClr val="accent1"/>
+          </a:effectRef>
+          <a:fontRef idx="minor">
+            <a:schemeClr val="tx1"/>
+          </a:fontRef>
+        </p:style>
+      </p:cxnSp>
+      <p:sp>
+        <p:nvSpPr>
+          <p:cNvPr id="73" name="TextBox 72">
+            <a:extLst>
+              <a:ext uri="{FF2B5EF4-FFF2-40B4-BE49-F238E27FC236}">
+                <a16:creationId xmlns:a16="http://schemas.microsoft.com/office/drawing/2014/main" id="{709DF139-6326-6A4A-9407-DCE43288D5BD}"/>
+              </a:ext>
+            </a:extLst>
+          </p:cNvPr>
+          <p:cNvSpPr txBox="1"/>
+          <p:nvPr/>
+        </p:nvSpPr>
+        <p:spPr>
+          <a:xfrm>
+            <a:off x="6821349" y="2596852"/>
+            <a:ext cx="1480678" cy="1323439"/>
+          </a:xfrm>
+          <a:prstGeom prst="rect">
+            <a:avLst/>
+          </a:prstGeom>
+          <a:noFill/>
+        </p:spPr>
+        <p:txBody>
+          <a:bodyPr wrap="square" rtlCol="0">
+            <a:spAutoFit/>
+          </a:bodyPr>
+          <a:lstStyle/>
+          <a:p>
+            <a:pPr lvl="1"/>
+            <a:r>
+              <a:rPr lang="en-US" sz="8000" dirty="0">
+                <a:solidFill>
+                  <a:srgbClr val="00B050"/>
+                </a:solidFill>
+              </a:rPr>
+              <a:t>9</a:t>
+            </a:r>
+          </a:p>
+        </p:txBody>
+      </p:sp>
+      <p:cxnSp>
+        <p:nvCxnSpPr>
+          <p:cNvPr id="74" name="Straight Arrow Connector 73">
+            <a:extLst>
+              <a:ext uri="{FF2B5EF4-FFF2-40B4-BE49-F238E27FC236}">
+                <a16:creationId xmlns:a16="http://schemas.microsoft.com/office/drawing/2014/main" id="{523BBBDF-09B0-624A-AD31-CE4F5A2B4328}"/>
+              </a:ext>
+            </a:extLst>
+          </p:cNvPr>
+          <p:cNvCxnSpPr>
+            <a:cxnSpLocks/>
+            <a:stCxn id="50" idx="3"/>
+          </p:cNvCxnSpPr>
+          <p:nvPr/>
+        </p:nvCxnSpPr>
+        <p:spPr>
+          <a:xfrm>
+            <a:off x="6099394" y="2451323"/>
+            <a:ext cx="1224859" cy="694431"/>
+          </a:xfrm>
+          <a:prstGeom prst="straightConnector1">
+            <a:avLst/>
+          </a:prstGeom>
+          <a:ln>
+            <a:tailEnd type="triangle"/>
+          </a:ln>
+        </p:spPr>
+        <p:style>
+          <a:lnRef idx="1">
+            <a:schemeClr val="accent1"/>
+          </a:lnRef>
+          <a:fillRef idx="0">
+            <a:schemeClr val="accent1"/>
+          </a:fillRef>
+          <a:effectRef idx="0">
+            <a:schemeClr val="accent1"/>
+          </a:effectRef>
+          <a:fontRef idx="minor">
+            <a:schemeClr val="tx1"/>
+          </a:fontRef>
+        </p:style>
+      </p:cxnSp>
+      <p:cxnSp>
+        <p:nvCxnSpPr>
+          <p:cNvPr id="77" name="Straight Arrow Connector 76">
+            <a:extLst>
+              <a:ext uri="{FF2B5EF4-FFF2-40B4-BE49-F238E27FC236}">
+                <a16:creationId xmlns:a16="http://schemas.microsoft.com/office/drawing/2014/main" id="{D4477BE4-3FF2-674C-AE32-B36A334F89FB}"/>
+              </a:ext>
+            </a:extLst>
+          </p:cNvPr>
+          <p:cNvCxnSpPr>
+            <a:cxnSpLocks/>
+            <a:stCxn id="52" idx="3"/>
+          </p:cNvCxnSpPr>
+          <p:nvPr/>
+        </p:nvCxnSpPr>
+        <p:spPr>
+          <a:xfrm flipV="1">
+            <a:off x="5664448" y="3232087"/>
+            <a:ext cx="1659805" cy="324589"/>
+          </a:xfrm>
+          <a:prstGeom prst="straightConnector1">
+            <a:avLst/>
+          </a:prstGeom>
+          <a:ln>
+            <a:tailEnd type="triangle"/>
+          </a:ln>
+        </p:spPr>
+        <p:style>
+          <a:lnRef idx="1">
+            <a:schemeClr val="accent1"/>
+          </a:lnRef>
+          <a:fillRef idx="0">
+            <a:schemeClr val="accent1"/>
+          </a:fillRef>
+          <a:effectRef idx="0">
+            <a:schemeClr val="accent1"/>
+          </a:effectRef>
+          <a:fontRef idx="minor">
+            <a:schemeClr val="tx1"/>
+          </a:fontRef>
+        </p:style>
+      </p:cxnSp>
+      <p:cxnSp>
+        <p:nvCxnSpPr>
+          <p:cNvPr id="80" name="Straight Arrow Connector 79">
+            <a:extLst>
+              <a:ext uri="{FF2B5EF4-FFF2-40B4-BE49-F238E27FC236}">
+                <a16:creationId xmlns:a16="http://schemas.microsoft.com/office/drawing/2014/main" id="{0022B526-9FAD-2C40-B73C-C251DE7E869D}"/>
+              </a:ext>
+            </a:extLst>
+          </p:cNvPr>
+          <p:cNvCxnSpPr>
+            <a:cxnSpLocks/>
+            <a:stCxn id="54" idx="3"/>
+          </p:cNvCxnSpPr>
+          <p:nvPr/>
+        </p:nvCxnSpPr>
+        <p:spPr>
+          <a:xfrm flipV="1">
+            <a:off x="5916383" y="3362036"/>
+            <a:ext cx="1407870" cy="1323439"/>
+          </a:xfrm>
+          <a:prstGeom prst="straightConnector1">
+            <a:avLst/>
+          </a:prstGeom>
+          <a:ln>
+            <a:tailEnd type="triangle"/>
+          </a:ln>
+        </p:spPr>
+        <p:style>
+          <a:lnRef idx="1">
+            <a:schemeClr val="accent1"/>
+          </a:lnRef>
+          <a:fillRef idx="0">
+            <a:schemeClr val="accent1"/>
+          </a:fillRef>
+          <a:effectRef idx="0">
+            <a:schemeClr val="accent1"/>
+          </a:effectRef>
+          <a:fontRef idx="minor">
+            <a:schemeClr val="tx1"/>
+          </a:fontRef>
+        </p:style>
+      </p:cxnSp>
+    </p:spTree>
+    <p:extLst>
+      <p:ext uri="{BB962C8B-B14F-4D97-AF65-F5344CB8AC3E}">
+        <p14:creationId xmlns:p14="http://schemas.microsoft.com/office/powerpoint/2010/main" val="1314216700"/>
+      </p:ext>
+    </p:extLst>
+  </p:cSld>
+  <p:clrMapOvr>
+    <a:masterClrMapping/>
+  </p:clrMapOvr>
+</p:sld>
+</file>
+
+<file path=ppt/slides/slide24.xml><?xml version="1.0" encoding="utf-8"?>
+<p:sld xmlns:a="http://schemas.openxmlformats.org/drawingml/2006/main" xmlns:r="http://schemas.openxmlformats.org/officeDocument/2006/relationships" xmlns:p="http://schemas.openxmlformats.org/presentationml/2006/main">
+  <p:cSld>
+    <p:spTree>
+      <p:nvGrpSpPr>
+        <p:cNvPr id="1" name="Shape 120"/>
+        <p:cNvGrpSpPr/>
+        <p:nvPr/>
+      </p:nvGrpSpPr>
+      <p:grpSpPr>
+        <a:xfrm>
+          <a:off x="0" y="0"/>
+          <a:ext cx="0" cy="0"/>
+          <a:chOff x="0" y="0"/>
+          <a:chExt cx="0" cy="0"/>
+        </a:xfrm>
+      </p:grpSpPr>
+      <p:pic>
+        <p:nvPicPr>
+          <p:cNvPr id="6" name="Picture 5">
+            <a:extLst>
+              <a:ext uri="{FF2B5EF4-FFF2-40B4-BE49-F238E27FC236}">
+                <a16:creationId xmlns:a16="http://schemas.microsoft.com/office/drawing/2014/main" id="{56F7E168-6BEF-D743-8BE5-F3707B54BA49}"/>
+              </a:ext>
+            </a:extLst>
+          </p:cNvPr>
+          <p:cNvPicPr>
+            <a:picLocks noChangeAspect="1"/>
+          </p:cNvPicPr>
+          <p:nvPr/>
+        </p:nvPicPr>
+        <p:blipFill>
+          <a:blip r:embed="rId3">
+            <a:extLst>
+              <a:ext uri="{837473B0-CC2E-450A-ABE3-18F120FF3D39}">
+                <a1611:picAttrSrcUrl xmlns:a1611="http://schemas.microsoft.com/office/drawing/2016/11/main" r:id="rId4"/>
+              </a:ext>
+            </a:extLst>
+          </a:blip>
+          <a:stretch>
+            <a:fillRect/>
+          </a:stretch>
+        </p:blipFill>
+        <p:spPr>
+          <a:xfrm>
+            <a:off x="1276633" y="1472509"/>
+            <a:ext cx="6590734" cy="2980158"/>
+          </a:xfrm>
+          <a:prstGeom prst="rect">
+            <a:avLst/>
+          </a:prstGeom>
+        </p:spPr>
+      </p:pic>
+      <p:sp>
+        <p:nvSpPr>
+          <p:cNvPr id="7" name="TextBox 6">
+            <a:extLst>
+              <a:ext uri="{FF2B5EF4-FFF2-40B4-BE49-F238E27FC236}">
+                <a16:creationId xmlns:a16="http://schemas.microsoft.com/office/drawing/2014/main" id="{0DF0C35C-1F26-8049-BFCB-E59D917A11C4}"/>
+              </a:ext>
+            </a:extLst>
+          </p:cNvPr>
+          <p:cNvSpPr txBox="1"/>
+          <p:nvPr/>
+        </p:nvSpPr>
+        <p:spPr>
+          <a:xfrm>
+            <a:off x="2381250" y="4880792"/>
+            <a:ext cx="4381500" cy="230832"/>
+          </a:xfrm>
+          <a:prstGeom prst="rect">
+            <a:avLst/>
+          </a:prstGeom>
+          <a:noFill/>
+        </p:spPr>
+        <p:txBody>
+          <a:bodyPr wrap="square" rtlCol="0">
+            <a:spAutoFit/>
+          </a:bodyPr>
+          <a:lstStyle/>
+          <a:p>
+            <a:r>
+              <a:rPr lang="en-US" sz="900" dirty="0">
+                <a:hlinkClick r:id="rId4" tooltip="http://www.davidsbatista.net/blog/2018/03/31/SentenceClassificationConvNets/"/>
+              </a:rPr>
+              <a:t>This Photo</a:t>
+            </a:r>
+            <a:r>
+              <a:rPr lang="en-US" sz="900" dirty="0"/>
+              <a:t> by Unknown Author is licensed under </a:t>
+            </a:r>
+            <a:r>
+              <a:rPr lang="en-US" sz="900" dirty="0">
+                <a:hlinkClick r:id="rId5" tooltip="https://creativecommons.org/licenses/by-nc-sa/3.0/"/>
+              </a:rPr>
+              <a:t>CC BY-SA-NC</a:t>
+            </a:r>
+            <a:endParaRPr lang="en-US" sz="900" dirty="0"/>
+          </a:p>
+        </p:txBody>
+      </p:sp>
+      <p:sp>
+        <p:nvSpPr>
+          <p:cNvPr id="9" name="Google Shape;105;p20">
+            <a:extLst>
+              <a:ext uri="{FF2B5EF4-FFF2-40B4-BE49-F238E27FC236}">
+                <a16:creationId xmlns:a16="http://schemas.microsoft.com/office/drawing/2014/main" id="{48DC9006-9169-8341-8207-239ADFFC1D10}"/>
+              </a:ext>
+            </a:extLst>
+          </p:cNvPr>
+          <p:cNvSpPr txBox="1">
+            <a:spLocks noGrp="1"/>
+          </p:cNvSpPr>
+          <p:nvPr>
+            <p:ph type="title"/>
+          </p:nvPr>
+        </p:nvSpPr>
+        <p:spPr>
+          <a:xfrm>
+            <a:off x="387900" y="458025"/>
+            <a:ext cx="8368200" cy="686100"/>
+          </a:xfrm>
+          <a:prstGeom prst="rect">
+            <a:avLst/>
+          </a:prstGeom>
+        </p:spPr>
+        <p:txBody>
+          <a:bodyPr spcFirstLastPara="1" wrap="square" lIns="91425" tIns="91425" rIns="91425" bIns="91425" anchor="b" anchorCtr="0">
+            <a:noAutofit/>
+          </a:bodyPr>
+          <a:lstStyle/>
+          <a:p>
+            <a:pPr marL="0" lvl="0" indent="0" algn="l" rtl="0">
+              <a:spcBef>
+                <a:spcPts val="0"/>
+              </a:spcBef>
+              <a:spcAft>
+                <a:spcPts val="0"/>
+              </a:spcAft>
+              <a:buNone/>
+            </a:pPr>
+            <a:r>
+              <a:rPr lang="en" dirty="0"/>
+              <a:t>convolution (conv) layer</a:t>
+            </a:r>
+            <a:endParaRPr dirty="0"/>
+          </a:p>
+        </p:txBody>
+      </p:sp>
+    </p:spTree>
+    <p:extLst>
+      <p:ext uri="{BB962C8B-B14F-4D97-AF65-F5344CB8AC3E}">
+        <p14:creationId xmlns:p14="http://schemas.microsoft.com/office/powerpoint/2010/main" val="4184428355"/>
+      </p:ext>
+    </p:extLst>
+  </p:cSld>
+  <p:clrMapOvr>
+    <a:masterClrMapping/>
+  </p:clrMapOvr>
+</p:sld>
+</file>
+
+<file path=ppt/slides/slide25.xml><?xml version="1.0" encoding="utf-8"?>
+<p:sld xmlns:a="http://schemas.openxmlformats.org/drawingml/2006/main" xmlns:r="http://schemas.openxmlformats.org/officeDocument/2006/relationships" xmlns:p="http://schemas.openxmlformats.org/presentationml/2006/main">
+  <p:cSld>
+    <p:spTree>
+      <p:nvGrpSpPr>
+        <p:cNvPr id="1" name="Shape 120"/>
+        <p:cNvGrpSpPr/>
+        <p:nvPr/>
+      </p:nvGrpSpPr>
+      <p:grpSpPr>
+        <a:xfrm>
+          <a:off x="0" y="0"/>
+          <a:ext cx="0" cy="0"/>
+          <a:chOff x="0" y="0"/>
+          <a:chExt cx="0" cy="0"/>
+        </a:xfrm>
+      </p:grpSpPr>
+      <p:sp>
+        <p:nvSpPr>
+          <p:cNvPr id="9" name="Google Shape;105;p20">
+            <a:extLst>
+              <a:ext uri="{FF2B5EF4-FFF2-40B4-BE49-F238E27FC236}">
+                <a16:creationId xmlns:a16="http://schemas.microsoft.com/office/drawing/2014/main" id="{48DC9006-9169-8341-8207-239ADFFC1D10}"/>
+              </a:ext>
+            </a:extLst>
+          </p:cNvPr>
+          <p:cNvSpPr txBox="1">
+            <a:spLocks noGrp="1"/>
+          </p:cNvSpPr>
+          <p:nvPr>
+            <p:ph type="title"/>
+          </p:nvPr>
+        </p:nvSpPr>
+        <p:spPr>
+          <a:xfrm>
+            <a:off x="387900" y="458025"/>
+            <a:ext cx="8368200" cy="686100"/>
+          </a:xfrm>
+          <a:prstGeom prst="rect">
+            <a:avLst/>
+          </a:prstGeom>
+        </p:spPr>
+        <p:txBody>
+          <a:bodyPr spcFirstLastPara="1" wrap="square" lIns="91425" tIns="91425" rIns="91425" bIns="91425" anchor="b" anchorCtr="0">
+            <a:noAutofit/>
+          </a:bodyPr>
+          <a:lstStyle/>
+          <a:p>
+            <a:pPr marL="0" lvl="0" indent="0" algn="l" rtl="0">
+              <a:spcBef>
+                <a:spcPts val="0"/>
+              </a:spcBef>
+              <a:spcAft>
+                <a:spcPts val="0"/>
+              </a:spcAft>
+              <a:buNone/>
+            </a:pPr>
+            <a:r>
+              <a:rPr lang="en" dirty="0"/>
+              <a:t>convolution (conv) layer</a:t>
+            </a:r>
+            <a:endParaRPr dirty="0"/>
+          </a:p>
+        </p:txBody>
+      </p:sp>
+      <p:pic>
+        <p:nvPicPr>
+          <p:cNvPr id="5" name="Picture 4" descr="Diagram, schematic&#10;&#10;Description automatically generated">
+            <a:extLst>
+              <a:ext uri="{FF2B5EF4-FFF2-40B4-BE49-F238E27FC236}">
+                <a16:creationId xmlns:a16="http://schemas.microsoft.com/office/drawing/2014/main" id="{F9B7F68F-D728-9B48-81B9-A0524E571691}"/>
+              </a:ext>
+            </a:extLst>
+          </p:cNvPr>
+          <p:cNvPicPr>
+            <a:picLocks noChangeAspect="1"/>
+          </p:cNvPicPr>
+          <p:nvPr/>
+        </p:nvPicPr>
+        <p:blipFill>
+          <a:blip r:embed="rId3">
+            <a:extLst>
+              <a:ext uri="{837473B0-CC2E-450A-ABE3-18F120FF3D39}">
+                <a1611:picAttrSrcUrl xmlns:a1611="http://schemas.microsoft.com/office/drawing/2016/11/main" r:id="rId4"/>
+              </a:ext>
+            </a:extLst>
+          </a:blip>
+          <a:stretch>
+            <a:fillRect/>
+          </a:stretch>
+        </p:blipFill>
+        <p:spPr>
+          <a:xfrm>
+            <a:off x="1192793" y="1307087"/>
+            <a:ext cx="5943600" cy="3086100"/>
+          </a:xfrm>
+          <a:prstGeom prst="rect">
+            <a:avLst/>
+          </a:prstGeom>
+        </p:spPr>
+      </p:pic>
+      <p:sp>
+        <p:nvSpPr>
+          <p:cNvPr id="8" name="TextBox 7">
+            <a:extLst>
+              <a:ext uri="{FF2B5EF4-FFF2-40B4-BE49-F238E27FC236}">
+                <a16:creationId xmlns:a16="http://schemas.microsoft.com/office/drawing/2014/main" id="{7792CF9D-389C-BF47-9E07-EA5473F3773D}"/>
+              </a:ext>
+            </a:extLst>
+          </p:cNvPr>
+          <p:cNvSpPr txBox="1"/>
+          <p:nvPr/>
+        </p:nvSpPr>
+        <p:spPr>
+          <a:xfrm>
+            <a:off x="2556359" y="4912668"/>
+            <a:ext cx="3451860" cy="230832"/>
+          </a:xfrm>
+          <a:prstGeom prst="rect">
+            <a:avLst/>
+          </a:prstGeom>
+          <a:noFill/>
+        </p:spPr>
+        <p:txBody>
+          <a:bodyPr wrap="square" rtlCol="0">
+            <a:spAutoFit/>
+          </a:bodyPr>
+          <a:lstStyle/>
+          <a:p>
+            <a:r>
+              <a:rPr lang="en-US" sz="900" dirty="0">
+                <a:hlinkClick r:id="rId4" tooltip="https://www.frontiersin.org/articles/10.3389/fnins.2018.00777/full"/>
+              </a:rPr>
+              <a:t>This Photo</a:t>
+            </a:r>
+            <a:r>
+              <a:rPr lang="en-US" sz="900" dirty="0"/>
+              <a:t> by Unknown Author is licensed under </a:t>
+            </a:r>
+            <a:r>
+              <a:rPr lang="en-US" sz="900" dirty="0">
+                <a:hlinkClick r:id="rId5" tooltip="https://creativecommons.org/licenses/by/3.0/"/>
+              </a:rPr>
+              <a:t>CC BY</a:t>
+            </a:r>
+            <a:endParaRPr lang="en-US" sz="900" dirty="0"/>
+          </a:p>
+        </p:txBody>
+      </p:sp>
+    </p:spTree>
+    <p:extLst>
+      <p:ext uri="{BB962C8B-B14F-4D97-AF65-F5344CB8AC3E}">
+        <p14:creationId xmlns:p14="http://schemas.microsoft.com/office/powerpoint/2010/main" val="2534517434"/>
+      </p:ext>
+    </p:extLst>
+  </p:cSld>
+  <p:clrMapOvr>
+    <a:masterClrMapping/>
+  </p:clrMapOvr>
+</p:sld>
+</file>
+
+<file path=ppt/slides/slide26.xml><?xml version="1.0" encoding="utf-8"?>
+<p:sld xmlns:a="http://schemas.openxmlformats.org/drawingml/2006/main" xmlns:r="http://schemas.openxmlformats.org/officeDocument/2006/relationships" xmlns:p="http://schemas.openxmlformats.org/presentationml/2006/main">
+  <p:cSld>
+    <p:spTree>
+      <p:nvGrpSpPr>
+        <p:cNvPr id="1" name="Shape 120"/>
+        <p:cNvGrpSpPr/>
+        <p:nvPr/>
+      </p:nvGrpSpPr>
+      <p:grpSpPr>
+        <a:xfrm>
+          <a:off x="0" y="0"/>
+          <a:ext cx="0" cy="0"/>
+          <a:chOff x="0" y="0"/>
+          <a:chExt cx="0" cy="0"/>
+        </a:xfrm>
+      </p:grpSpPr>
+      <p:sp>
+        <p:nvSpPr>
+          <p:cNvPr id="9" name="Google Shape;105;p20">
+            <a:extLst>
+              <a:ext uri="{FF2B5EF4-FFF2-40B4-BE49-F238E27FC236}">
+                <a16:creationId xmlns:a16="http://schemas.microsoft.com/office/drawing/2014/main" id="{48DC9006-9169-8341-8207-239ADFFC1D10}"/>
+              </a:ext>
+            </a:extLst>
+          </p:cNvPr>
+          <p:cNvSpPr txBox="1">
+            <a:spLocks noGrp="1"/>
+          </p:cNvSpPr>
+          <p:nvPr>
+            <p:ph type="title"/>
+          </p:nvPr>
+        </p:nvSpPr>
+        <p:spPr>
+          <a:xfrm>
+            <a:off x="387900" y="458025"/>
+            <a:ext cx="8368200" cy="686100"/>
+          </a:xfrm>
+          <a:prstGeom prst="rect">
+            <a:avLst/>
+          </a:prstGeom>
+        </p:spPr>
+        <p:txBody>
+          <a:bodyPr spcFirstLastPara="1" wrap="square" lIns="91425" tIns="91425" rIns="91425" bIns="91425" anchor="b" anchorCtr="0">
+            <a:noAutofit/>
+          </a:bodyPr>
+          <a:lstStyle/>
+          <a:p>
+            <a:pPr marL="0" lvl="0" indent="0" algn="l" rtl="0">
+              <a:spcBef>
+                <a:spcPts val="0"/>
+              </a:spcBef>
+              <a:spcAft>
+                <a:spcPts val="0"/>
+              </a:spcAft>
+              <a:buNone/>
+            </a:pPr>
+            <a:r>
+              <a:rPr lang="en" dirty="0"/>
+              <a:t>Subsampling</a:t>
+            </a:r>
+            <a:endParaRPr dirty="0"/>
+          </a:p>
+        </p:txBody>
+      </p:sp>
+    </p:spTree>
+    <p:extLst>
+      <p:ext uri="{BB962C8B-B14F-4D97-AF65-F5344CB8AC3E}">
+        <p14:creationId xmlns:p14="http://schemas.microsoft.com/office/powerpoint/2010/main" val="1657788768"/>
+      </p:ext>
+    </p:extLst>
   </p:cSld>
   <p:clrMapOvr>
     <a:masterClrMapping/>

--- a/PPT/SIV.pptx
+++ b/PPT/SIV.pptx
@@ -5,7 +5,7 @@
     <p:sldMasterId id="2147483688" r:id="rId1"/>
   </p:sldMasterIdLst>
   <p:notesMasterIdLst>
-    <p:notesMasterId r:id="rId28"/>
+    <p:notesMasterId r:id="rId33"/>
   </p:notesMasterIdLst>
   <p:sldIdLst>
     <p:sldId id="268" r:id="rId2"/>
@@ -33,33 +33,38 @@
     <p:sldId id="281" r:id="rId24"/>
     <p:sldId id="272" r:id="rId25"/>
     <p:sldId id="282" r:id="rId26"/>
-    <p:sldId id="283" r:id="rId27"/>
+    <p:sldId id="284" r:id="rId27"/>
+    <p:sldId id="283" r:id="rId28"/>
+    <p:sldId id="285" r:id="rId29"/>
+    <p:sldId id="286" r:id="rId30"/>
+    <p:sldId id="287" r:id="rId31"/>
+    <p:sldId id="288" r:id="rId32"/>
   </p:sldIdLst>
   <p:sldSz cx="9144000" cy="5143500" type="screen16x9"/>
   <p:notesSz cx="6858000" cy="9144000"/>
   <p:embeddedFontLst>
     <p:embeddedFont>
       <p:font typeface="Calibri" panose="020F0502020204030204" pitchFamily="34" charset="0"/>
-      <p:regular r:id="rId29"/>
-      <p:bold r:id="rId30"/>
-      <p:italic r:id="rId31"/>
-      <p:boldItalic r:id="rId32"/>
+      <p:regular r:id="rId34"/>
+      <p:bold r:id="rId35"/>
+      <p:italic r:id="rId36"/>
+      <p:boldItalic r:id="rId37"/>
     </p:embeddedFont>
     <p:embeddedFont>
       <p:font typeface="Rockwell" panose="02060603020205020403" pitchFamily="18" charset="77"/>
-      <p:regular r:id="rId33"/>
-      <p:bold r:id="rId34"/>
-      <p:italic r:id="rId35"/>
-      <p:boldItalic r:id="rId36"/>
+      <p:regular r:id="rId38"/>
+      <p:bold r:id="rId39"/>
+      <p:italic r:id="rId40"/>
+      <p:boldItalic r:id="rId41"/>
     </p:embeddedFont>
     <p:embeddedFont>
       <p:font typeface="Rockwell Condensed" panose="02060603050405020104" pitchFamily="18" charset="77"/>
-      <p:regular r:id="rId37"/>
-      <p:bold r:id="rId38"/>
+      <p:regular r:id="rId42"/>
+      <p:bold r:id="rId43"/>
     </p:embeddedFont>
     <p:embeddedFont>
       <p:font typeface="Rockwell Extra Bold" panose="02060603020205020403" pitchFamily="18" charset="77"/>
-      <p:bold r:id="rId39"/>
+      <p:bold r:id="rId44"/>
     </p:embeddedFont>
   </p:embeddedFontLst>
   <p:defaultTextStyle>
@@ -174,6 +179,87 @@
     </p:ext>
   </p:extLst>
 </p:presentation>
+</file>
+
+<file path=ppt/ink/ink1.xml><?xml version="1.0" encoding="utf-8"?>
+<inkml:ink xmlns:inkml="http://www.w3.org/2003/InkML">
+  <inkml:definitions>
+    <inkml:context xml:id="ctx0">
+      <inkml:inkSource xml:id="inkSrc0">
+        <inkml:traceFormat>
+          <inkml:channel name="X" type="integer" min="-2.14748E9" max="2.14748E9" units="cm"/>
+          <inkml:channel name="Y" type="integer" min="-2.14748E9" max="2.14748E9" units="cm"/>
+          <inkml:channel name="F" type="integer" max="32767" units="dev"/>
+        </inkml:traceFormat>
+        <inkml:channelProperties>
+          <inkml:channelProperty channel="X" name="resolution" value="1000" units="1/cm"/>
+          <inkml:channelProperty channel="Y" name="resolution" value="1000" units="1/cm"/>
+          <inkml:channelProperty channel="F" name="resolution" value="0" units="1/dev"/>
+        </inkml:channelProperties>
+      </inkml:inkSource>
+      <inkml:timestamp xml:id="ts0" timeString="2022-03-12T07:37:42.028"/>
+    </inkml:context>
+    <inkml:brush xml:id="br0">
+      <inkml:brushProperty name="width" value="0.08571" units="cm"/>
+      <inkml:brushProperty name="height" value="0.08571" units="cm"/>
+    </inkml:brush>
+  </inkml:definitions>
+  <inkml:trace contextRef="#ctx0" brushRef="#br0">439 1068 6273,'6'5'180,"-1"-4"-180,-5 4 360,0-5-360,-5 0 90,3 0-180,-2 0 180,4 0-90,-5 0 90,4 0-90,-8 0 90,7 0 90,-12 0-180,12-5 180,-17 4-180,11-4 0,-7 0 0,4 4 0,1-8 90,-15 3-90,10 0 90,-24-8-90,20 11-3392,-21-16 3392,16 12 180,-16-13-180,7-1 0,0-6 89,6 9-178,17-1 89,-4 3 0,11 3 3392,-11-17-3392,13 17 0,-4-16 89,5 16-178,0-31 89,0 27 89,0-31-89,0 29 90,0-12-90,0 10 0,0-15 0,0 16 0,0-19-90,0 25 90,5-15 0,-4 16 0,13-26 0,-11 23 0,16-23 0,-17 26 0,22-16 0,-20 15 0,24-10 0,-20 12 0,17-4 0,-13 6 0,22-6 0,-18 4 0,23-3 0,-21 4-89,12 1 89,-7-1 0,12 0 0,-16 6 0,21-5 0,-26 9 0,20-4 0,-16 5 0,17 0 0,-15-5 0,19 4 89,-20-3-89,7 4 0,13 0 0,-18 0 0,24 0 0,-13 0 0,11 0 0,-9 0 0,26 4 0,-19-3 0,8 4 0,5-5 0,-28 0 0,39 0 0,-38 0 90,37 0-90,-43 0 0,23 0 0,-31 0 0,12 0 0,-13 0 0,8 0 0,6 0 0,-7 0 0,29 0 0,-26 0 0,33 0 0,-21 0 0,23 0 0,-22 0 0,10 0 0,-27 0 0,17 0 0,-26 0 0,25 0-90,-26 0 1,17 0 178,-14 0-178,5 0 178,-1 0-89,-3 0 0,27 5 0,-17-4 0,13 4-89,-5-5 89,-16 0 0,11 0 0,-5 0 0,-2 0 0,17 0 89,-16 0-178,16 0 178,-22 0-89,17 0 0,-17 0 0,7 0-89,-5 0-1,-3 0 90,3 0 0,-4 0 0,-5 0 0,8 0 0,-6 0 0,12 0 0,-8 0-90,3 0 180,5 0 0,-2 5-1,-2-4-178,-2 4 89,-12-5 0,7 0 0,-8 0 0,9 0 0,-9 0 0,4 0 0,0 0 0,-4 0 89,4 0 91,-5 0-180,-5 0 0,4 0 90,-4 0-90,5 0 0,-5 0 0,4 0 0,-4 0 0,5 0 0,0-5 0,0 4 90,0-4-90,-5 5 0,4 0 0,-4 0 0,5 0 0,-4 0 0,2-5 0,-2 4-90,-1-9 90,4 9 0,-9-3 0,9 4 0,-8-5-90,3-1 90,-5 0 0,-4-9 0,3 13 0,-4-17 0,1 7 0,3 0 0,2-2-90,0 13 90,4-9-90,0 9 90,-3-4 0,7 1-89,-2 3 89,4-4 0,0 5 0,0 5 0,0-4 89,0 3-89,4-4-89,-2 0 89,2 5 0,-4-4 0,5 9 0,1-4 0,0-1 0,4 5 0,-9-9 0,13 9 0,-12-9 89,8 3-89,-1 1 0,-1 2 0,7 3 0,5 1 0,-12-5 0,16 4 0,-22-9 0,12 8 0,-12-8 0,7 4 0,-3 0 0,0-4 0,-1 4 0,0-5 0,-4 0 0,4 0 180,-5 0-180,-5 0 0,4 0 0,-4 0 0,5 0 0,-5 0 0,4 0 0,-4 5 0,5-4 0,-5 4 90,4-1-90,-13 2 0,11 0 0,-15 3 0,15-7 90,-16 12-90,17-12 0,-12 12 0,8-12 0,-5 7 0,0-8-90,1 9 180,4-4-90,-4 0 0,9-2 0,-4 1 0,1-4-90,3 4 90,-4-5 0,5 0 0,5 0 0,-4 0 0,3 0 90,-4 0 90,-4 0-180,3 0 0,-4 0 180,5 0-180,-5 0 0,4 0 0,-4 0 0,5 0-90,-5 0 180,4 0-90,-4 0 0,5 0 0,-4 0 0,2 0 90,-2 0-270,4 0 180,-5 0 0,4 0 0,-4 0-405,5 0 0,-5 0 1,-1 0-1</inkml:trace>
+</inkml:ink>
+</file>
+
+<file path=ppt/ink/ink2.xml><?xml version="1.0" encoding="utf-8"?>
+<inkml:ink xmlns:inkml="http://www.w3.org/2003/InkML">
+  <inkml:definitions>
+    <inkml:context xml:id="ctx0">
+      <inkml:inkSource xml:id="inkSrc0">
+        <inkml:traceFormat>
+          <inkml:channel name="X" type="integer" min="-2.14748E9" max="2.14748E9" units="cm"/>
+          <inkml:channel name="Y" type="integer" min="-2.14748E9" max="2.14748E9" units="cm"/>
+          <inkml:channel name="F" type="integer" max="32767" units="dev"/>
+        </inkml:traceFormat>
+        <inkml:channelProperties>
+          <inkml:channelProperty channel="X" name="resolution" value="1000" units="1/cm"/>
+          <inkml:channelProperty channel="Y" name="resolution" value="1000" units="1/cm"/>
+          <inkml:channelProperty channel="F" name="resolution" value="0" units="1/dev"/>
+        </inkml:channelProperties>
+      </inkml:inkSource>
+      <inkml:timestamp xml:id="ts0" timeString="2022-03-12T07:37:42.028"/>
+    </inkml:context>
+    <inkml:brush xml:id="br0">
+      <inkml:brushProperty name="width" value="0.08571" units="cm"/>
+      <inkml:brushProperty name="height" value="0.08571" units="cm"/>
+    </inkml:brush>
+  </inkml:definitions>
+  <inkml:trace contextRef="#ctx0" brushRef="#br0">439 1068 6273,'6'5'180,"-1"-4"-180,-5 4 360,0-5-360,-5 0 90,3 0-180,-2 0 180,4 0-90,-5 0 90,4 0-90,-8 0 90,7 0 90,-12 0-180,12-5 180,-17 4-180,11-4 0,-7 0 0,4 4 0,1-8 90,-15 3-90,10 0 90,-24-8-90,20 11-3392,-21-16 3392,16 12 180,-16-13-180,7-1 0,0-6 89,6 9-178,17-1 89,-4 3 0,11 3 3392,-11-17-3392,13 17 0,-4-16 89,5 16-178,0-31 89,0 27 89,0-31-89,0 29 90,0-12-90,0 10 0,0-15 0,0 16 0,0-19-90,0 25 90,5-15 0,-4 16 0,13-26 0,-11 23 0,16-23 0,-17 26 0,22-16 0,-20 15 0,24-10 0,-20 12 0,17-4 0,-13 6 0,22-6 0,-18 4 0,23-3 0,-21 4-89,12 1 89,-7-1 0,12 0 0,-16 6 0,21-5 0,-26 9 0,20-4 0,-16 5 0,17 0 0,-15-5 0,19 4 89,-20-3-89,7 4 0,13 0 0,-18 0 0,24 0 0,-13 0 0,11 0 0,-9 0 0,26 4 0,-19-3 0,8 4 0,5-5 0,-28 0 0,39 0 0,-38 0 90,37 0-90,-43 0 0,23 0 0,-31 0 0,12 0 0,-13 0 0,8 0 0,6 0 0,-7 0 0,29 0 0,-26 0 0,33 0 0,-21 0 0,23 0 0,-22 0 0,10 0 0,-27 0 0,17 0 0,-26 0 0,25 0-90,-26 0 1,17 0 178,-14 0-178,5 0 178,-1 0-89,-3 0 0,27 5 0,-17-4 0,13 4-89,-5-5 89,-16 0 0,11 0 0,-5 0 0,-2 0 0,17 0 89,-16 0-178,16 0 178,-22 0-89,17 0 0,-17 0 0,7 0-89,-5 0-1,-3 0 90,3 0 0,-4 0 0,-5 0 0,8 0 0,-6 0 0,12 0 0,-8 0-90,3 0 180,5 0 0,-2 5-1,-2-4-178,-2 4 89,-12-5 0,7 0 0,-8 0 0,9 0 0,-9 0 0,4 0 0,0 0 0,-4 0 89,4 0 91,-5 0-180,-5 0 0,4 0 90,-4 0-90,5 0 0,-5 0 0,4 0 0,-4 0 0,5 0 0,0-5 0,0 4 90,0-4-90,-5 5 0,4 0 0,-4 0 0,5 0 0,-4 0 0,2-5 0,-2 4-90,-1-9 90,4 9 0,-9-3 0,9 4 0,-8-5-90,3-1 90,-5 0 0,-4-9 0,3 13 0,-4-17 0,1 7 0,3 0 0,2-2-90,0 13 90,4-9-90,0 9 90,-3-4 0,7 1-89,-2 3 89,4-4 0,0 5 0,0 5 0,0-4 89,0 3-89,4-4-89,-2 0 89,2 5 0,-4-4 0,5 9 0,1-4 0,0-1 0,4 5 0,-9-9 0,13 9 0,-12-9 89,8 3-89,-1 1 0,-1 2 0,7 3 0,5 1 0,-12-5 0,16 4 0,-22-9 0,12 8 0,-12-8 0,7 4 0,-3 0 0,0-4 0,-1 4 0,0-5 0,-4 0 0,4 0 180,-5 0-180,-5 0 0,4 0 0,-4 0 0,5 0 0,-5 0 0,4 0 0,-4 5 0,5-4 0,-5 4 90,4-1-90,-13 2 0,11 0 0,-15 3 0,15-7 90,-16 12-90,17-12 0,-12 12 0,8-12 0,-5 7 0,0-8-90,1 9 180,4-4-90,-4 0 0,9-2 0,-4 1 0,1-4-90,3 4 90,-4-5 0,5 0 0,5 0 0,-4 0 0,3 0 90,-4 0 90,-4 0-180,3 0 0,-4 0 180,5 0-180,-5 0 0,4 0 0,-4 0 0,5 0-90,-5 0 180,4 0-90,-4 0 0,5 0 0,-4 0 0,2 0 90,-2 0-270,4 0 180,-5 0 0,4 0 0,-4 0-405,5 0 0,-5 0 1,-1 0-1</inkml:trace>
+</inkml:ink>
+</file>
+
+<file path=ppt/ink/ink3.xml><?xml version="1.0" encoding="utf-8"?>
+<inkml:ink xmlns:inkml="http://www.w3.org/2003/InkML">
+  <inkml:definitions>
+    <inkml:context xml:id="ctx0">
+      <inkml:inkSource xml:id="inkSrc0">
+        <inkml:traceFormat>
+          <inkml:channel name="X" type="integer" min="-2.14748E9" max="2.14748E9" units="cm"/>
+          <inkml:channel name="Y" type="integer" min="-2.14748E9" max="2.14748E9" units="cm"/>
+          <inkml:channel name="F" type="integer" max="32767" units="dev"/>
+        </inkml:traceFormat>
+        <inkml:channelProperties>
+          <inkml:channelProperty channel="X" name="resolution" value="1000" units="1/cm"/>
+          <inkml:channelProperty channel="Y" name="resolution" value="1000" units="1/cm"/>
+          <inkml:channelProperty channel="F" name="resolution" value="0" units="1/dev"/>
+        </inkml:channelProperties>
+      </inkml:inkSource>
+      <inkml:timestamp xml:id="ts0" timeString="2022-03-12T09:28:27.414"/>
+    </inkml:context>
+    <inkml:brush xml:id="br0">
+      <inkml:brushProperty name="width" value="0.05" units="cm"/>
+      <inkml:brushProperty name="height" value="0.05" units="cm"/>
+    </inkml:brush>
+  </inkml:definitions>
+  <inkml:trace contextRef="#ctx0" brushRef="#br0">0 1334 24575,'5'0'0,"3"0"0,9-2 0,-6 0 0,13-6 0,-6-1 0,4-4 0,-1 2 0,-6 2 0,-5 2 0,-2-1 0,1-1 0,2-3 0,3-3 0,1-2 0,-2 1 0,0 1 0,-1-1 0,0 0 0,1-6 0,-2-3 0,0-5 0,0-5 0,-1 1 0,0-3 0,-3 1 0,-3 3 0,-1 0 0,-1 3 0,-1 2 0,1-2 0,-2 1 0,0 3 0,0 3 0,0 7 0,0 6 0,0 4 0,3-7 0,2-8 0,2-7 0,3-7 0,1 2 0,-1 5 0,2 1 0,2 4 0,4 1 0,6-2 0,3 1 0,3 1 0,2 3 0,4 1 0,4 2 0,-1 1 0,-1 2 0,-3 1 0,-1 0 0,3-1 0,1-2 0,2-1 0,-2 2 0,-5 3 0,-3 4 0,-3 4 0,0 1 0,2 1 0,0 1 0,1-1 0,0-1 0,-2 1 0,-2 0 0,-4 1 0,-2 0 0,-3 0 0,-1 0 0,-3 0 0,-1 0 0,1 0 0,1 0 0,2 0 0,-1 0 0,-5 0 0,-4-1 0,-4 0 0,-4-1 0,-3 0 0,-3-1 0,2 0 0,-5-2 0,1-1 0,-5-3 0,-2-2 0,-3-4 0,-2 0 0,-6-5 0,-2-1 0,-1 0 0,6 3 0,9 6 0,5 5 0,8 5 0,4 3 0,3 5 0,3 0 0,0 1 0,1 1 0,0-1 0,1 1 0,0 0 0,3 0 0,1 2 0,3 2 0,3 0 0,-2 0 0,-2-2 0,-3-2 0,-2-3 0,-5-1 0,1-2 0,-1 0 0,2 1 0,3 2 0,1 0 0,1 1 0,-1 0 0,0-3 0,-3 1 0,1-1 0,-2-1 0,-1 0 0,-3-1 0,0-1 0,-1 0 0,0 0 0,0 0 0,2 0 0,1 1 0,3 1 0,1 0 0,-3 1 0,2-1 0,-7-1 0,0 1 0,-5 0 0,1-1 0,-3 2 0,1 0 0,-3-1 0,-1 1 0,-3-1 0,-1-1 0,1-1 0,1 0 0,0 0 0,2 0 0,-1 1 0,-2 3 0,4-2 0,-2 3 0,4-2 0,-2 3 0,-1 2 0,0 1 0,1-1 0,1-2 0,3-1 0,0-2 0,1 1 0,1-1 0,0 1 0,0 0 0,0 0 0,-2 0 0,-2 2 0,0 1 0,1-2 0,1 0 0,1-2 0,1 0 0,1-1 0,1 0 0,-1 0 0,-1 2 0,-4 2 0,-5 6 0,-3 4 0,0 1 0,2-2 0,2-5 0,6-6 0,2-2 0,8-8 0,2-1 0,9-5 0,0 0 0,2-1 0,-1 0 0,-2 2 0,-3 2 0,-1 2 0,-2 0 0,-1-1 0,-1-1 0,1 0 0,0 1 0,0 0 0,-2 1 0,0 0 0,-2 1 0,-1 0 0,-1 0 0,-2 2 0,2-2 0,-2 4 0,2-2 0,-2 2 0,0-1 0,0 2 0,0 0 0,0 1 0,1 0 0,1 0 0,-1-1 0,1 0 0,1-1 0,0-1 0,1 0 0,1 0 0,0 1 0,-2-2 0,-1 4 0,-1-2 0,0 2 0,1 0 0,0 0 0,1 0 0,2-1 0,1 0 0,1-1 0,0 1 0,-4 1 0,-1 0 0</inkml:trace>
+</inkml:ink>
 </file>
 
 <file path=ppt/notesMasters/notesMaster1.xml><?xml version="1.0" encoding="utf-8"?>
@@ -2450,7 +2536,552 @@
     </p:spTree>
     <p:extLst>
       <p:ext uri="{BB962C8B-B14F-4D97-AF65-F5344CB8AC3E}">
+        <p14:creationId xmlns:p14="http://schemas.microsoft.com/office/powerpoint/2010/main" val="434682982"/>
+      </p:ext>
+    </p:extLst>
+  </p:cSld>
+  <p:clrMapOvr>
+    <a:masterClrMapping/>
+  </p:clrMapOvr>
+</p:notes>
+</file>
+
+<file path=ppt/notesSlides/notesSlide25.xml><?xml version="1.0" encoding="utf-8"?>
+<p:notes xmlns:a="http://schemas.openxmlformats.org/drawingml/2006/main" xmlns:r="http://schemas.openxmlformats.org/officeDocument/2006/relationships" xmlns:p="http://schemas.openxmlformats.org/presentationml/2006/main" showMasterSp="0" showMasterPhAnim="0">
+  <p:cSld>
+    <p:spTree>
+      <p:nvGrpSpPr>
+        <p:cNvPr id="1" name="Shape 117"/>
+        <p:cNvGrpSpPr/>
+        <p:nvPr/>
+      </p:nvGrpSpPr>
+      <p:grpSpPr>
+        <a:xfrm>
+          <a:off x="0" y="0"/>
+          <a:ext cx="0" cy="0"/>
+          <a:chOff x="0" y="0"/>
+          <a:chExt cx="0" cy="0"/>
+        </a:xfrm>
+      </p:grpSpPr>
+      <p:sp>
+        <p:nvSpPr>
+          <p:cNvPr id="118" name="Google Shape;118;g1196833d42f_0_20:notes"/>
+          <p:cNvSpPr>
+            <a:spLocks noGrp="1" noRot="1" noChangeAspect="1"/>
+          </p:cNvSpPr>
+          <p:nvPr>
+            <p:ph type="sldImg" idx="2"/>
+          </p:nvPr>
+        </p:nvSpPr>
+        <p:spPr>
+          <a:xfrm>
+            <a:off x="381000" y="685800"/>
+            <a:ext cx="6096000" cy="3429000"/>
+          </a:xfrm>
+          <a:custGeom>
+            <a:avLst/>
+            <a:gdLst/>
+            <a:ahLst/>
+            <a:cxnLst/>
+            <a:rect l="l" t="t" r="r" b="b"/>
+            <a:pathLst>
+              <a:path w="120000" h="120000" extrusionOk="0">
+                <a:moveTo>
+                  <a:pt x="0" y="0"/>
+                </a:moveTo>
+                <a:lnTo>
+                  <a:pt x="120000" y="0"/>
+                </a:lnTo>
+                <a:lnTo>
+                  <a:pt x="120000" y="120000"/>
+                </a:lnTo>
+                <a:lnTo>
+                  <a:pt x="0" y="120000"/>
+                </a:lnTo>
+                <a:close/>
+              </a:path>
+            </a:pathLst>
+          </a:custGeom>
+        </p:spPr>
+      </p:sp>
+      <p:sp>
+        <p:nvSpPr>
+          <p:cNvPr id="119" name="Google Shape;119;g1196833d42f_0_20:notes"/>
+          <p:cNvSpPr txBox="1">
+            <a:spLocks noGrp="1"/>
+          </p:cNvSpPr>
+          <p:nvPr>
+            <p:ph type="body" idx="1"/>
+          </p:nvPr>
+        </p:nvSpPr>
+        <p:spPr>
+          <a:xfrm>
+            <a:off x="685800" y="4343400"/>
+            <a:ext cx="5486400" cy="4114800"/>
+          </a:xfrm>
+          <a:prstGeom prst="rect">
+            <a:avLst/>
+          </a:prstGeom>
+        </p:spPr>
+        <p:txBody>
+          <a:bodyPr spcFirstLastPara="1" wrap="square" lIns="91425" tIns="91425" rIns="91425" bIns="91425" anchor="t" anchorCtr="0">
+            <a:noAutofit/>
+          </a:bodyPr>
+          <a:lstStyle/>
+          <a:p>
+            <a:pPr marL="0" lvl="0" indent="0" algn="l" rtl="0">
+              <a:spcBef>
+                <a:spcPts val="0"/>
+              </a:spcBef>
+              <a:spcAft>
+                <a:spcPts val="0"/>
+              </a:spcAft>
+              <a:buNone/>
+            </a:pPr>
+            <a:endParaRPr/>
+          </a:p>
+        </p:txBody>
+      </p:sp>
+    </p:spTree>
+    <p:extLst>
+      <p:ext uri="{BB962C8B-B14F-4D97-AF65-F5344CB8AC3E}">
         <p14:creationId xmlns:p14="http://schemas.microsoft.com/office/powerpoint/2010/main" val="1417848215"/>
+      </p:ext>
+    </p:extLst>
+  </p:cSld>
+  <p:clrMapOvr>
+    <a:masterClrMapping/>
+  </p:clrMapOvr>
+</p:notes>
+</file>
+
+<file path=ppt/notesSlides/notesSlide26.xml><?xml version="1.0" encoding="utf-8"?>
+<p:notes xmlns:a="http://schemas.openxmlformats.org/drawingml/2006/main" xmlns:r="http://schemas.openxmlformats.org/officeDocument/2006/relationships" xmlns:p="http://schemas.openxmlformats.org/presentationml/2006/main" showMasterSp="0" showMasterPhAnim="0">
+  <p:cSld>
+    <p:spTree>
+      <p:nvGrpSpPr>
+        <p:cNvPr id="1" name="Shape 117"/>
+        <p:cNvGrpSpPr/>
+        <p:nvPr/>
+      </p:nvGrpSpPr>
+      <p:grpSpPr>
+        <a:xfrm>
+          <a:off x="0" y="0"/>
+          <a:ext cx="0" cy="0"/>
+          <a:chOff x="0" y="0"/>
+          <a:chExt cx="0" cy="0"/>
+        </a:xfrm>
+      </p:grpSpPr>
+      <p:sp>
+        <p:nvSpPr>
+          <p:cNvPr id="118" name="Google Shape;118;g1196833d42f_0_20:notes"/>
+          <p:cNvSpPr>
+            <a:spLocks noGrp="1" noRot="1" noChangeAspect="1"/>
+          </p:cNvSpPr>
+          <p:nvPr>
+            <p:ph type="sldImg" idx="2"/>
+          </p:nvPr>
+        </p:nvSpPr>
+        <p:spPr>
+          <a:xfrm>
+            <a:off x="381000" y="685800"/>
+            <a:ext cx="6096000" cy="3429000"/>
+          </a:xfrm>
+          <a:custGeom>
+            <a:avLst/>
+            <a:gdLst/>
+            <a:ahLst/>
+            <a:cxnLst/>
+            <a:rect l="l" t="t" r="r" b="b"/>
+            <a:pathLst>
+              <a:path w="120000" h="120000" extrusionOk="0">
+                <a:moveTo>
+                  <a:pt x="0" y="0"/>
+                </a:moveTo>
+                <a:lnTo>
+                  <a:pt x="120000" y="0"/>
+                </a:lnTo>
+                <a:lnTo>
+                  <a:pt x="120000" y="120000"/>
+                </a:lnTo>
+                <a:lnTo>
+                  <a:pt x="0" y="120000"/>
+                </a:lnTo>
+                <a:close/>
+              </a:path>
+            </a:pathLst>
+          </a:custGeom>
+        </p:spPr>
+      </p:sp>
+      <p:sp>
+        <p:nvSpPr>
+          <p:cNvPr id="119" name="Google Shape;119;g1196833d42f_0_20:notes"/>
+          <p:cNvSpPr txBox="1">
+            <a:spLocks noGrp="1"/>
+          </p:cNvSpPr>
+          <p:nvPr>
+            <p:ph type="body" idx="1"/>
+          </p:nvPr>
+        </p:nvSpPr>
+        <p:spPr>
+          <a:xfrm>
+            <a:off x="685800" y="4343400"/>
+            <a:ext cx="5486400" cy="4114800"/>
+          </a:xfrm>
+          <a:prstGeom prst="rect">
+            <a:avLst/>
+          </a:prstGeom>
+        </p:spPr>
+        <p:txBody>
+          <a:bodyPr spcFirstLastPara="1" wrap="square" lIns="91425" tIns="91425" rIns="91425" bIns="91425" anchor="t" anchorCtr="0">
+            <a:noAutofit/>
+          </a:bodyPr>
+          <a:lstStyle/>
+          <a:p>
+            <a:pPr marL="0" lvl="0" indent="0" algn="l" rtl="0">
+              <a:spcBef>
+                <a:spcPts val="0"/>
+              </a:spcBef>
+              <a:spcAft>
+                <a:spcPts val="0"/>
+              </a:spcAft>
+              <a:buNone/>
+            </a:pPr>
+            <a:endParaRPr/>
+          </a:p>
+        </p:txBody>
+      </p:sp>
+    </p:spTree>
+    <p:extLst>
+      <p:ext uri="{BB962C8B-B14F-4D97-AF65-F5344CB8AC3E}">
+        <p14:creationId xmlns:p14="http://schemas.microsoft.com/office/powerpoint/2010/main" val="6174847"/>
+      </p:ext>
+    </p:extLst>
+  </p:cSld>
+  <p:clrMapOvr>
+    <a:masterClrMapping/>
+  </p:clrMapOvr>
+</p:notes>
+</file>
+
+<file path=ppt/notesSlides/notesSlide27.xml><?xml version="1.0" encoding="utf-8"?>
+<p:notes xmlns:a="http://schemas.openxmlformats.org/drawingml/2006/main" xmlns:r="http://schemas.openxmlformats.org/officeDocument/2006/relationships" xmlns:p="http://schemas.openxmlformats.org/presentationml/2006/main" showMasterSp="0" showMasterPhAnim="0">
+  <p:cSld>
+    <p:spTree>
+      <p:nvGrpSpPr>
+        <p:cNvPr id="1" name="Shape 117"/>
+        <p:cNvGrpSpPr/>
+        <p:nvPr/>
+      </p:nvGrpSpPr>
+      <p:grpSpPr>
+        <a:xfrm>
+          <a:off x="0" y="0"/>
+          <a:ext cx="0" cy="0"/>
+          <a:chOff x="0" y="0"/>
+          <a:chExt cx="0" cy="0"/>
+        </a:xfrm>
+      </p:grpSpPr>
+      <p:sp>
+        <p:nvSpPr>
+          <p:cNvPr id="118" name="Google Shape;118;g1196833d42f_0_20:notes"/>
+          <p:cNvSpPr>
+            <a:spLocks noGrp="1" noRot="1" noChangeAspect="1"/>
+          </p:cNvSpPr>
+          <p:nvPr>
+            <p:ph type="sldImg" idx="2"/>
+          </p:nvPr>
+        </p:nvSpPr>
+        <p:spPr>
+          <a:xfrm>
+            <a:off x="381000" y="685800"/>
+            <a:ext cx="6096000" cy="3429000"/>
+          </a:xfrm>
+          <a:custGeom>
+            <a:avLst/>
+            <a:gdLst/>
+            <a:ahLst/>
+            <a:cxnLst/>
+            <a:rect l="l" t="t" r="r" b="b"/>
+            <a:pathLst>
+              <a:path w="120000" h="120000" extrusionOk="0">
+                <a:moveTo>
+                  <a:pt x="0" y="0"/>
+                </a:moveTo>
+                <a:lnTo>
+                  <a:pt x="120000" y="0"/>
+                </a:lnTo>
+                <a:lnTo>
+                  <a:pt x="120000" y="120000"/>
+                </a:lnTo>
+                <a:lnTo>
+                  <a:pt x="0" y="120000"/>
+                </a:lnTo>
+                <a:close/>
+              </a:path>
+            </a:pathLst>
+          </a:custGeom>
+        </p:spPr>
+      </p:sp>
+      <p:sp>
+        <p:nvSpPr>
+          <p:cNvPr id="119" name="Google Shape;119;g1196833d42f_0_20:notes"/>
+          <p:cNvSpPr txBox="1">
+            <a:spLocks noGrp="1"/>
+          </p:cNvSpPr>
+          <p:nvPr>
+            <p:ph type="body" idx="1"/>
+          </p:nvPr>
+        </p:nvSpPr>
+        <p:spPr>
+          <a:xfrm>
+            <a:off x="685800" y="4343400"/>
+            <a:ext cx="5486400" cy="4114800"/>
+          </a:xfrm>
+          <a:prstGeom prst="rect">
+            <a:avLst/>
+          </a:prstGeom>
+        </p:spPr>
+        <p:txBody>
+          <a:bodyPr spcFirstLastPara="1" wrap="square" lIns="91425" tIns="91425" rIns="91425" bIns="91425" anchor="t" anchorCtr="0">
+            <a:noAutofit/>
+          </a:bodyPr>
+          <a:lstStyle/>
+          <a:p>
+            <a:pPr marL="0" lvl="0" indent="0" algn="l" rtl="0">
+              <a:spcBef>
+                <a:spcPts val="0"/>
+              </a:spcBef>
+              <a:spcAft>
+                <a:spcPts val="0"/>
+              </a:spcAft>
+              <a:buNone/>
+            </a:pPr>
+            <a:endParaRPr/>
+          </a:p>
+        </p:txBody>
+      </p:sp>
+    </p:spTree>
+    <p:extLst>
+      <p:ext uri="{BB962C8B-B14F-4D97-AF65-F5344CB8AC3E}">
+        <p14:creationId xmlns:p14="http://schemas.microsoft.com/office/powerpoint/2010/main" val="601966680"/>
+      </p:ext>
+    </p:extLst>
+  </p:cSld>
+  <p:clrMapOvr>
+    <a:masterClrMapping/>
+  </p:clrMapOvr>
+</p:notes>
+</file>
+
+<file path=ppt/notesSlides/notesSlide28.xml><?xml version="1.0" encoding="utf-8"?>
+<p:notes xmlns:a="http://schemas.openxmlformats.org/drawingml/2006/main" xmlns:r="http://schemas.openxmlformats.org/officeDocument/2006/relationships" xmlns:p="http://schemas.openxmlformats.org/presentationml/2006/main" showMasterSp="0" showMasterPhAnim="0">
+  <p:cSld>
+    <p:spTree>
+      <p:nvGrpSpPr>
+        <p:cNvPr id="1" name="Shape 117"/>
+        <p:cNvGrpSpPr/>
+        <p:nvPr/>
+      </p:nvGrpSpPr>
+      <p:grpSpPr>
+        <a:xfrm>
+          <a:off x="0" y="0"/>
+          <a:ext cx="0" cy="0"/>
+          <a:chOff x="0" y="0"/>
+          <a:chExt cx="0" cy="0"/>
+        </a:xfrm>
+      </p:grpSpPr>
+      <p:sp>
+        <p:nvSpPr>
+          <p:cNvPr id="118" name="Google Shape;118;g1196833d42f_0_20:notes"/>
+          <p:cNvSpPr>
+            <a:spLocks noGrp="1" noRot="1" noChangeAspect="1"/>
+          </p:cNvSpPr>
+          <p:nvPr>
+            <p:ph type="sldImg" idx="2"/>
+          </p:nvPr>
+        </p:nvSpPr>
+        <p:spPr>
+          <a:xfrm>
+            <a:off x="381000" y="685800"/>
+            <a:ext cx="6096000" cy="3429000"/>
+          </a:xfrm>
+          <a:custGeom>
+            <a:avLst/>
+            <a:gdLst/>
+            <a:ahLst/>
+            <a:cxnLst/>
+            <a:rect l="l" t="t" r="r" b="b"/>
+            <a:pathLst>
+              <a:path w="120000" h="120000" extrusionOk="0">
+                <a:moveTo>
+                  <a:pt x="0" y="0"/>
+                </a:moveTo>
+                <a:lnTo>
+                  <a:pt x="120000" y="0"/>
+                </a:lnTo>
+                <a:lnTo>
+                  <a:pt x="120000" y="120000"/>
+                </a:lnTo>
+                <a:lnTo>
+                  <a:pt x="0" y="120000"/>
+                </a:lnTo>
+                <a:close/>
+              </a:path>
+            </a:pathLst>
+          </a:custGeom>
+        </p:spPr>
+      </p:sp>
+      <p:sp>
+        <p:nvSpPr>
+          <p:cNvPr id="119" name="Google Shape;119;g1196833d42f_0_20:notes"/>
+          <p:cNvSpPr txBox="1">
+            <a:spLocks noGrp="1"/>
+          </p:cNvSpPr>
+          <p:nvPr>
+            <p:ph type="body" idx="1"/>
+          </p:nvPr>
+        </p:nvSpPr>
+        <p:spPr>
+          <a:xfrm>
+            <a:off x="685800" y="4343400"/>
+            <a:ext cx="5486400" cy="4114800"/>
+          </a:xfrm>
+          <a:prstGeom prst="rect">
+            <a:avLst/>
+          </a:prstGeom>
+        </p:spPr>
+        <p:txBody>
+          <a:bodyPr spcFirstLastPara="1" wrap="square" lIns="91425" tIns="91425" rIns="91425" bIns="91425" anchor="t" anchorCtr="0">
+            <a:noAutofit/>
+          </a:bodyPr>
+          <a:lstStyle/>
+          <a:p>
+            <a:pPr marL="0" lvl="0" indent="0" algn="l" rtl="0">
+              <a:spcBef>
+                <a:spcPts val="0"/>
+              </a:spcBef>
+              <a:spcAft>
+                <a:spcPts val="0"/>
+              </a:spcAft>
+              <a:buNone/>
+            </a:pPr>
+            <a:endParaRPr/>
+          </a:p>
+        </p:txBody>
+      </p:sp>
+    </p:spTree>
+    <p:extLst>
+      <p:ext uri="{BB962C8B-B14F-4D97-AF65-F5344CB8AC3E}">
+        <p14:creationId xmlns:p14="http://schemas.microsoft.com/office/powerpoint/2010/main" val="1812960692"/>
+      </p:ext>
+    </p:extLst>
+  </p:cSld>
+  <p:clrMapOvr>
+    <a:masterClrMapping/>
+  </p:clrMapOvr>
+</p:notes>
+</file>
+
+<file path=ppt/notesSlides/notesSlide29.xml><?xml version="1.0" encoding="utf-8"?>
+<p:notes xmlns:a="http://schemas.openxmlformats.org/drawingml/2006/main" xmlns:r="http://schemas.openxmlformats.org/officeDocument/2006/relationships" xmlns:p="http://schemas.openxmlformats.org/presentationml/2006/main" showMasterSp="0" showMasterPhAnim="0">
+  <p:cSld>
+    <p:spTree>
+      <p:nvGrpSpPr>
+        <p:cNvPr id="1" name="Shape 117"/>
+        <p:cNvGrpSpPr/>
+        <p:nvPr/>
+      </p:nvGrpSpPr>
+      <p:grpSpPr>
+        <a:xfrm>
+          <a:off x="0" y="0"/>
+          <a:ext cx="0" cy="0"/>
+          <a:chOff x="0" y="0"/>
+          <a:chExt cx="0" cy="0"/>
+        </a:xfrm>
+      </p:grpSpPr>
+      <p:sp>
+        <p:nvSpPr>
+          <p:cNvPr id="118" name="Google Shape;118;g1196833d42f_0_20:notes"/>
+          <p:cNvSpPr>
+            <a:spLocks noGrp="1" noRot="1" noChangeAspect="1"/>
+          </p:cNvSpPr>
+          <p:nvPr>
+            <p:ph type="sldImg" idx="2"/>
+          </p:nvPr>
+        </p:nvSpPr>
+        <p:spPr>
+          <a:xfrm>
+            <a:off x="381000" y="685800"/>
+            <a:ext cx="6096000" cy="3429000"/>
+          </a:xfrm>
+          <a:custGeom>
+            <a:avLst/>
+            <a:gdLst/>
+            <a:ahLst/>
+            <a:cxnLst/>
+            <a:rect l="l" t="t" r="r" b="b"/>
+            <a:pathLst>
+              <a:path w="120000" h="120000" extrusionOk="0">
+                <a:moveTo>
+                  <a:pt x="0" y="0"/>
+                </a:moveTo>
+                <a:lnTo>
+                  <a:pt x="120000" y="0"/>
+                </a:lnTo>
+                <a:lnTo>
+                  <a:pt x="120000" y="120000"/>
+                </a:lnTo>
+                <a:lnTo>
+                  <a:pt x="0" y="120000"/>
+                </a:lnTo>
+                <a:close/>
+              </a:path>
+            </a:pathLst>
+          </a:custGeom>
+        </p:spPr>
+      </p:sp>
+      <p:sp>
+        <p:nvSpPr>
+          <p:cNvPr id="119" name="Google Shape;119;g1196833d42f_0_20:notes"/>
+          <p:cNvSpPr txBox="1">
+            <a:spLocks noGrp="1"/>
+          </p:cNvSpPr>
+          <p:nvPr>
+            <p:ph type="body" idx="1"/>
+          </p:nvPr>
+        </p:nvSpPr>
+        <p:spPr>
+          <a:xfrm>
+            <a:off x="685800" y="4343400"/>
+            <a:ext cx="5486400" cy="4114800"/>
+          </a:xfrm>
+          <a:prstGeom prst="rect">
+            <a:avLst/>
+          </a:prstGeom>
+        </p:spPr>
+        <p:txBody>
+          <a:bodyPr spcFirstLastPara="1" wrap="square" lIns="91425" tIns="91425" rIns="91425" bIns="91425" anchor="t" anchorCtr="0">
+            <a:noAutofit/>
+          </a:bodyPr>
+          <a:lstStyle/>
+          <a:p>
+            <a:pPr marL="0" lvl="0" indent="0" algn="l" rtl="0">
+              <a:spcBef>
+                <a:spcPts val="0"/>
+              </a:spcBef>
+              <a:spcAft>
+                <a:spcPts val="0"/>
+              </a:spcAft>
+              <a:buNone/>
+            </a:pPr>
+            <a:endParaRPr/>
+          </a:p>
+        </p:txBody>
+      </p:sp>
+    </p:spTree>
+    <p:extLst>
+      <p:ext uri="{BB962C8B-B14F-4D97-AF65-F5344CB8AC3E}">
+        <p14:creationId xmlns:p14="http://schemas.microsoft.com/office/powerpoint/2010/main" val="1075654191"/>
       </p:ext>
     </p:extLst>
   </p:cSld>
@@ -3689,7 +4320,7 @@
           <a:p>
             <a:fld id="{1160EA64-D806-43AC-9DF2-F8C432F32B4C}" type="datetimeFigureOut">
               <a:rPr lang="en-US" smtClean="0"/>
-              <a:t>3/11/22</a:t>
+              <a:t>3/12/22</a:t>
             </a:fld>
             <a:endParaRPr lang="en-US" dirty="0"/>
           </a:p>
@@ -3878,7 +4509,7 @@
           <a:p>
             <a:fld id="{E9F9C37B-1D36-470B-8223-D6C91242EC14}" type="datetimeFigureOut">
               <a:rPr lang="en-US" smtClean="0"/>
-              <a:t>3/11/22</a:t>
+              <a:t>3/12/22</a:t>
             </a:fld>
             <a:endParaRPr lang="en-US" dirty="0"/>
           </a:p>
@@ -4068,7 +4699,7 @@
           <a:p>
             <a:fld id="{67C6F52A-A82B-47A2-A83A-8C4C91F2D59F}" type="datetimeFigureOut">
               <a:rPr lang="en-US" smtClean="0"/>
-              <a:t>3/11/22</a:t>
+              <a:t>3/12/22</a:t>
             </a:fld>
             <a:endParaRPr lang="en-US" dirty="0"/>
           </a:p>
@@ -5201,7 +5832,7 @@
           <a:p>
             <a:fld id="{F070A7B3-6521-4DCA-87E5-044747A908C1}" type="datetimeFigureOut">
               <a:rPr lang="en-US" smtClean="0"/>
-              <a:t>3/11/22</a:t>
+              <a:t>3/12/22</a:t>
             </a:fld>
             <a:endParaRPr lang="en-US" dirty="0"/>
           </a:p>
@@ -5532,7 +6163,7 @@
           <a:p>
             <a:fld id="{1160EA64-D806-43AC-9DF2-F8C432F32B4C}" type="datetimeFigureOut">
               <a:rPr lang="en-US" smtClean="0"/>
-              <a:t>3/11/22</a:t>
+              <a:t>3/12/22</a:t>
             </a:fld>
             <a:endParaRPr lang="en-US" dirty="0"/>
           </a:p>
@@ -6002,7 +6633,7 @@
           <a:p>
             <a:fld id="{AB134690-1557-4C89-A502-4959FE7FAD70}" type="datetimeFigureOut">
               <a:rPr lang="en-US" smtClean="0"/>
-              <a:t>3/11/22</a:t>
+              <a:t>3/12/22</a:t>
             </a:fld>
             <a:endParaRPr lang="en-US" dirty="0"/>
           </a:p>
@@ -6423,7 +7054,7 @@
           <a:p>
             <a:fld id="{1160EA64-D806-43AC-9DF2-F8C432F32B4C}" type="datetimeFigureOut">
               <a:rPr lang="en-US" smtClean="0"/>
-              <a:t>3/11/22</a:t>
+              <a:t>3/12/22</a:t>
             </a:fld>
             <a:endParaRPr lang="en-US" dirty="0"/>
           </a:p>
@@ -6551,7 +7182,7 @@
           <a:p>
             <a:fld id="{E1037C31-9E7A-4F99-8774-A0E530DE1A42}" type="datetimeFigureOut">
               <a:rPr lang="en-US" smtClean="0"/>
-              <a:t>3/11/22</a:t>
+              <a:t>3/12/22</a:t>
             </a:fld>
             <a:endParaRPr lang="en-US" dirty="0"/>
           </a:p>
@@ -6679,7 +7310,7 @@
           <a:p>
             <a:fld id="{C278504F-A551-4DE0-9316-4DCD1D8CC752}" type="datetimeFigureOut">
               <a:rPr lang="en-US" smtClean="0"/>
-              <a:t>3/11/22</a:t>
+              <a:t>3/12/22</a:t>
             </a:fld>
             <a:endParaRPr lang="en-US" dirty="0"/>
           </a:p>
@@ -7047,7 +7678,7 @@
           <a:p>
             <a:fld id="{D1BE4249-C0D0-4B06-8692-E8BB871AF643}" type="datetimeFigureOut">
               <a:rPr lang="en-US" smtClean="0"/>
-              <a:t>3/11/22</a:t>
+              <a:t>3/12/22</a:t>
             </a:fld>
             <a:endParaRPr lang="en-US" dirty="0"/>
           </a:p>
@@ -7564,7 +8195,7 @@
           <a:p>
             <a:fld id="{042B0DB6-F5C7-45FB-8CF3-31B45F9C2DAC}" type="datetimeFigureOut">
               <a:rPr lang="en-US" smtClean="0"/>
-              <a:t>3/11/22</a:t>
+              <a:t>3/12/22</a:t>
             </a:fld>
             <a:endParaRPr lang="en-US" dirty="0"/>
           </a:p>
@@ -7929,7 +8560,7 @@
           <a:p>
             <a:fld id="{1160EA64-D806-43AC-9DF2-F8C432F32B4C}" type="datetimeFigureOut">
               <a:rPr lang="en-US" smtClean="0"/>
-              <a:t>3/11/22</a:t>
+              <a:t>3/12/22</a:t>
             </a:fld>
             <a:endParaRPr lang="en-US" dirty="0"/>
           </a:p>
@@ -16045,7 +16676,7 @@
         </p:blipFill>
         <p:spPr>
           <a:xfrm>
-            <a:off x="1192793" y="1307087"/>
+            <a:off x="1199419" y="1307087"/>
             <a:ext cx="5943600" cy="3086100"/>
           </a:xfrm>
           <a:prstGeom prst="rect">
@@ -16098,6 +16729,137 @@
               <a:t>CC BY</a:t>
             </a:r>
             <a:endParaRPr lang="en-US" sz="900" dirty="0"/>
+          </a:p>
+        </p:txBody>
+      </p:sp>
+      <p:sp>
+        <p:nvSpPr>
+          <p:cNvPr id="2" name="Rounded Rectangle 1">
+            <a:extLst>
+              <a:ext uri="{FF2B5EF4-FFF2-40B4-BE49-F238E27FC236}">
+                <a16:creationId xmlns:a16="http://schemas.microsoft.com/office/drawing/2014/main" id="{685F0589-C645-FF4E-9C0C-92551417BF62}"/>
+              </a:ext>
+            </a:extLst>
+          </p:cNvPr>
+          <p:cNvSpPr/>
+          <p:nvPr/>
+        </p:nvSpPr>
+        <p:spPr>
+          <a:xfrm>
+            <a:off x="2254624" y="1402977"/>
+            <a:ext cx="170330" cy="116541"/>
+          </a:xfrm>
+          <a:prstGeom prst="roundRect">
+            <a:avLst/>
+          </a:prstGeom>
+          <a:noFill/>
+        </p:spPr>
+        <p:style>
+          <a:lnRef idx="2">
+            <a:schemeClr val="accent6"/>
+          </a:lnRef>
+          <a:fillRef idx="1">
+            <a:schemeClr val="lt1"/>
+          </a:fillRef>
+          <a:effectRef idx="0">
+            <a:schemeClr val="accent6"/>
+          </a:effectRef>
+          <a:fontRef idx="minor">
+            <a:schemeClr val="dk1"/>
+          </a:fontRef>
+        </p:style>
+        <p:txBody>
+          <a:bodyPr rtlCol="0" anchor="ctr"/>
+          <a:lstStyle/>
+          <a:p>
+            <a:pPr algn="ctr"/>
+            <a:endParaRPr lang="en-US"/>
+          </a:p>
+        </p:txBody>
+      </p:sp>
+      <mc:AlternateContent xmlns:mc="http://schemas.openxmlformats.org/markup-compatibility/2006">
+        <mc:Choice xmlns:p14="http://schemas.microsoft.com/office/powerpoint/2010/main" Requires="p14">
+          <p:contentPart p14:bwMode="auto" r:id="rId6">
+            <p14:nvContentPartPr>
+              <p14:cNvPr id="27" name="Ink 26">
+                <a:extLst>
+                  <a:ext uri="{FF2B5EF4-FFF2-40B4-BE49-F238E27FC236}">
+                    <a16:creationId xmlns:a16="http://schemas.microsoft.com/office/drawing/2014/main" id="{3B88F1A6-D6AB-F747-815A-EDB4312FAB68}"/>
+                  </a:ext>
+                </a:extLst>
+              </p14:cNvPr>
+              <p14:cNvContentPartPr/>
+              <p14:nvPr/>
+            </p14:nvContentPartPr>
+            <p14:xfrm>
+              <a:off x="2089600" y="1079262"/>
+              <a:ext cx="888120" cy="388440"/>
+            </p14:xfrm>
+          </p:contentPart>
+        </mc:Choice>
+        <mc:Fallback>
+          <p:pic>
+            <p:nvPicPr>
+              <p:cNvPr id="27" name="Ink 26">
+                <a:extLst>
+                  <a:ext uri="{FF2B5EF4-FFF2-40B4-BE49-F238E27FC236}">
+                    <a16:creationId xmlns:a16="http://schemas.microsoft.com/office/drawing/2014/main" id="{3B88F1A6-D6AB-F747-815A-EDB4312FAB68}"/>
+                  </a:ext>
+                </a:extLst>
+              </p:cNvPr>
+              <p:cNvPicPr/>
+              <p:nvPr/>
+            </p:nvPicPr>
+            <p:blipFill>
+              <a:blip r:embed="rId7"/>
+              <a:stretch>
+                <a:fillRect/>
+              </a:stretch>
+            </p:blipFill>
+            <p:spPr>
+              <a:xfrm>
+                <a:off x="2074480" y="1064142"/>
+                <a:ext cx="918720" cy="419040"/>
+              </a:xfrm>
+              <a:prstGeom prst="rect">
+                <a:avLst/>
+              </a:prstGeom>
+            </p:spPr>
+          </p:pic>
+        </mc:Fallback>
+      </mc:AlternateContent>
+      <p:sp>
+        <p:nvSpPr>
+          <p:cNvPr id="28" name="TextBox 27">
+            <a:extLst>
+              <a:ext uri="{FF2B5EF4-FFF2-40B4-BE49-F238E27FC236}">
+                <a16:creationId xmlns:a16="http://schemas.microsoft.com/office/drawing/2014/main" id="{610BE07B-6D09-F644-9BF7-8FCBFA26573A}"/>
+              </a:ext>
+            </a:extLst>
+          </p:cNvPr>
+          <p:cNvSpPr txBox="1"/>
+          <p:nvPr/>
+        </p:nvSpPr>
+        <p:spPr>
+          <a:xfrm>
+            <a:off x="2941196" y="1056329"/>
+            <a:ext cx="559769" cy="200055"/>
+          </a:xfrm>
+          <a:prstGeom prst="rect">
+            <a:avLst/>
+          </a:prstGeom>
+          <a:noFill/>
+        </p:spPr>
+        <p:txBody>
+          <a:bodyPr wrap="none" rtlCol="0">
+            <a:spAutoFit/>
+          </a:bodyPr>
+          <a:lstStyle/>
+          <a:p>
+            <a:r>
+              <a:rPr lang="en-US" sz="700" dirty="0"/>
+              <a:t>Why 32 ?</a:t>
+            </a:r>
           </a:p>
         </p:txBody>
       </p:sp>
@@ -16173,9 +16935,548 @@
             </a:pPr>
             <a:r>
               <a:rPr lang="en" dirty="0"/>
+              <a:t>convolution (conv) layer</a:t>
+            </a:r>
+            <a:endParaRPr dirty="0"/>
+          </a:p>
+        </p:txBody>
+      </p:sp>
+      <p:pic>
+        <p:nvPicPr>
+          <p:cNvPr id="5" name="Picture 4" descr="Diagram, schematic&#10;&#10;Description automatically generated">
+            <a:extLst>
+              <a:ext uri="{FF2B5EF4-FFF2-40B4-BE49-F238E27FC236}">
+                <a16:creationId xmlns:a16="http://schemas.microsoft.com/office/drawing/2014/main" id="{F9B7F68F-D728-9B48-81B9-A0524E571691}"/>
+              </a:ext>
+            </a:extLst>
+          </p:cNvPr>
+          <p:cNvPicPr>
+            <a:picLocks noChangeAspect="1"/>
+          </p:cNvPicPr>
+          <p:nvPr/>
+        </p:nvPicPr>
+        <p:blipFill>
+          <a:blip r:embed="rId3">
+            <a:extLst>
+              <a:ext uri="{837473B0-CC2E-450A-ABE3-18F120FF3D39}">
+                <a1611:picAttrSrcUrl xmlns:a1611="http://schemas.microsoft.com/office/drawing/2016/11/main" r:id="rId4"/>
+              </a:ext>
+            </a:extLst>
+          </a:blip>
+          <a:stretch>
+            <a:fillRect/>
+          </a:stretch>
+        </p:blipFill>
+        <p:spPr>
+          <a:xfrm>
+            <a:off x="1199419" y="1307087"/>
+            <a:ext cx="5943600" cy="3086100"/>
+          </a:xfrm>
+          <a:prstGeom prst="rect">
+            <a:avLst/>
+          </a:prstGeom>
+        </p:spPr>
+      </p:pic>
+      <p:sp>
+        <p:nvSpPr>
+          <p:cNvPr id="8" name="TextBox 7">
+            <a:extLst>
+              <a:ext uri="{FF2B5EF4-FFF2-40B4-BE49-F238E27FC236}">
+                <a16:creationId xmlns:a16="http://schemas.microsoft.com/office/drawing/2014/main" id="{7792CF9D-389C-BF47-9E07-EA5473F3773D}"/>
+              </a:ext>
+            </a:extLst>
+          </p:cNvPr>
+          <p:cNvSpPr txBox="1"/>
+          <p:nvPr/>
+        </p:nvSpPr>
+        <p:spPr>
+          <a:xfrm>
+            <a:off x="2556359" y="4912668"/>
+            <a:ext cx="3451860" cy="230832"/>
+          </a:xfrm>
+          <a:prstGeom prst="rect">
+            <a:avLst/>
+          </a:prstGeom>
+          <a:noFill/>
+        </p:spPr>
+        <p:txBody>
+          <a:bodyPr wrap="square" rtlCol="0">
+            <a:spAutoFit/>
+          </a:bodyPr>
+          <a:lstStyle/>
+          <a:p>
+            <a:r>
+              <a:rPr lang="en-US" sz="900" dirty="0">
+                <a:hlinkClick r:id="rId4" tooltip="https://www.frontiersin.org/articles/10.3389/fnins.2018.00777/full"/>
+              </a:rPr>
+              <a:t>This Photo</a:t>
+            </a:r>
+            <a:r>
+              <a:rPr lang="en-US" sz="900" dirty="0"/>
+              <a:t> by Unknown Author is licensed under </a:t>
+            </a:r>
+            <a:r>
+              <a:rPr lang="en-US" sz="900" dirty="0">
+                <a:hlinkClick r:id="rId5" tooltip="https://creativecommons.org/licenses/by/3.0/"/>
+              </a:rPr>
+              <a:t>CC BY</a:t>
+            </a:r>
+            <a:endParaRPr lang="en-US" sz="900" dirty="0"/>
+          </a:p>
+        </p:txBody>
+      </p:sp>
+      <p:sp>
+        <p:nvSpPr>
+          <p:cNvPr id="2" name="Rounded Rectangle 1">
+            <a:extLst>
+              <a:ext uri="{FF2B5EF4-FFF2-40B4-BE49-F238E27FC236}">
+                <a16:creationId xmlns:a16="http://schemas.microsoft.com/office/drawing/2014/main" id="{685F0589-C645-FF4E-9C0C-92551417BF62}"/>
+              </a:ext>
+            </a:extLst>
+          </p:cNvPr>
+          <p:cNvSpPr/>
+          <p:nvPr/>
+        </p:nvSpPr>
+        <p:spPr>
+          <a:xfrm>
+            <a:off x="2254624" y="1402977"/>
+            <a:ext cx="170330" cy="116541"/>
+          </a:xfrm>
+          <a:prstGeom prst="roundRect">
+            <a:avLst/>
+          </a:prstGeom>
+          <a:noFill/>
+        </p:spPr>
+        <p:style>
+          <a:lnRef idx="2">
+            <a:schemeClr val="accent6"/>
+          </a:lnRef>
+          <a:fillRef idx="1">
+            <a:schemeClr val="lt1"/>
+          </a:fillRef>
+          <a:effectRef idx="0">
+            <a:schemeClr val="accent6"/>
+          </a:effectRef>
+          <a:fontRef idx="minor">
+            <a:schemeClr val="dk1"/>
+          </a:fontRef>
+        </p:style>
+        <p:txBody>
+          <a:bodyPr rtlCol="0" anchor="ctr"/>
+          <a:lstStyle/>
+          <a:p>
+            <a:pPr algn="ctr"/>
+            <a:endParaRPr lang="en-US"/>
+          </a:p>
+        </p:txBody>
+      </p:sp>
+      <mc:AlternateContent xmlns:mc="http://schemas.openxmlformats.org/markup-compatibility/2006">
+        <mc:Choice xmlns:p14="http://schemas.microsoft.com/office/powerpoint/2010/main" Requires="p14">
+          <p:contentPart p14:bwMode="auto" r:id="rId6">
+            <p14:nvContentPartPr>
+              <p14:cNvPr id="27" name="Ink 26">
+                <a:extLst>
+                  <a:ext uri="{FF2B5EF4-FFF2-40B4-BE49-F238E27FC236}">
+                    <a16:creationId xmlns:a16="http://schemas.microsoft.com/office/drawing/2014/main" id="{3B88F1A6-D6AB-F747-815A-EDB4312FAB68}"/>
+                  </a:ext>
+                </a:extLst>
+              </p14:cNvPr>
+              <p14:cNvContentPartPr/>
+              <p14:nvPr/>
+            </p14:nvContentPartPr>
+            <p14:xfrm>
+              <a:off x="2089600" y="1079262"/>
+              <a:ext cx="888120" cy="388440"/>
+            </p14:xfrm>
+          </p:contentPart>
+        </mc:Choice>
+        <mc:Fallback>
+          <p:pic>
+            <p:nvPicPr>
+              <p:cNvPr id="27" name="Ink 26">
+                <a:extLst>
+                  <a:ext uri="{FF2B5EF4-FFF2-40B4-BE49-F238E27FC236}">
+                    <a16:creationId xmlns:a16="http://schemas.microsoft.com/office/drawing/2014/main" id="{3B88F1A6-D6AB-F747-815A-EDB4312FAB68}"/>
+                  </a:ext>
+                </a:extLst>
+              </p:cNvPr>
+              <p:cNvPicPr/>
+              <p:nvPr/>
+            </p:nvPicPr>
+            <p:blipFill>
+              <a:blip r:embed="rId7"/>
+              <a:stretch>
+                <a:fillRect/>
+              </a:stretch>
+            </p:blipFill>
+            <p:spPr>
+              <a:xfrm>
+                <a:off x="2074480" y="1064142"/>
+                <a:ext cx="918720" cy="419040"/>
+              </a:xfrm>
+              <a:prstGeom prst="rect">
+                <a:avLst/>
+              </a:prstGeom>
+            </p:spPr>
+          </p:pic>
+        </mc:Fallback>
+      </mc:AlternateContent>
+      <p:sp>
+        <p:nvSpPr>
+          <p:cNvPr id="28" name="TextBox 27">
+            <a:extLst>
+              <a:ext uri="{FF2B5EF4-FFF2-40B4-BE49-F238E27FC236}">
+                <a16:creationId xmlns:a16="http://schemas.microsoft.com/office/drawing/2014/main" id="{610BE07B-6D09-F644-9BF7-8FCBFA26573A}"/>
+              </a:ext>
+            </a:extLst>
+          </p:cNvPr>
+          <p:cNvSpPr txBox="1"/>
+          <p:nvPr/>
+        </p:nvSpPr>
+        <p:spPr>
+          <a:xfrm>
+            <a:off x="2941196" y="1056329"/>
+            <a:ext cx="559769" cy="200055"/>
+          </a:xfrm>
+          <a:prstGeom prst="rect">
+            <a:avLst/>
+          </a:prstGeom>
+          <a:noFill/>
+        </p:spPr>
+        <p:txBody>
+          <a:bodyPr wrap="none" rtlCol="0">
+            <a:spAutoFit/>
+          </a:bodyPr>
+          <a:lstStyle/>
+          <a:p>
+            <a:r>
+              <a:rPr lang="en-US" sz="700" dirty="0"/>
+              <a:t>Why 32 ?</a:t>
+            </a:r>
+          </a:p>
+        </p:txBody>
+      </p:sp>
+      <p:sp>
+        <p:nvSpPr>
+          <p:cNvPr id="10" name="TextBox 9">
+            <a:extLst>
+              <a:ext uri="{FF2B5EF4-FFF2-40B4-BE49-F238E27FC236}">
+                <a16:creationId xmlns:a16="http://schemas.microsoft.com/office/drawing/2014/main" id="{A7C8B73A-7937-0B47-AE3F-A9F66E79DBF9}"/>
+              </a:ext>
+            </a:extLst>
+          </p:cNvPr>
+          <p:cNvSpPr txBox="1"/>
+          <p:nvPr/>
+        </p:nvSpPr>
+        <p:spPr>
+          <a:xfrm>
+            <a:off x="3500965" y="1056329"/>
+            <a:ext cx="2417650" cy="200055"/>
+          </a:xfrm>
+          <a:prstGeom prst="rect">
+            <a:avLst/>
+          </a:prstGeom>
+          <a:noFill/>
+        </p:spPr>
+        <p:txBody>
+          <a:bodyPr wrap="none" rtlCol="0">
+            <a:spAutoFit/>
+          </a:bodyPr>
+          <a:lstStyle/>
+          <a:p>
+            <a:r>
+              <a:rPr lang="en-US" sz="700" dirty="0">
+                <a:solidFill>
+                  <a:schemeClr val="accent2"/>
+                </a:solidFill>
+              </a:rPr>
+              <a:t>Because they are using 32 kernels during convolution.</a:t>
+            </a:r>
+          </a:p>
+        </p:txBody>
+      </p:sp>
+    </p:spTree>
+    <p:extLst>
+      <p:ext uri="{BB962C8B-B14F-4D97-AF65-F5344CB8AC3E}">
+        <p14:creationId xmlns:p14="http://schemas.microsoft.com/office/powerpoint/2010/main" val="967154843"/>
+      </p:ext>
+    </p:extLst>
+  </p:cSld>
+  <p:clrMapOvr>
+    <a:masterClrMapping/>
+  </p:clrMapOvr>
+</p:sld>
+</file>
+
+<file path=ppt/slides/slide27.xml><?xml version="1.0" encoding="utf-8"?>
+<p:sld xmlns:a="http://schemas.openxmlformats.org/drawingml/2006/main" xmlns:r="http://schemas.openxmlformats.org/officeDocument/2006/relationships" xmlns:p="http://schemas.openxmlformats.org/presentationml/2006/main">
+  <p:cSld>
+    <p:spTree>
+      <p:nvGrpSpPr>
+        <p:cNvPr id="1" name="Shape 120"/>
+        <p:cNvGrpSpPr/>
+        <p:nvPr/>
+      </p:nvGrpSpPr>
+      <p:grpSpPr>
+        <a:xfrm>
+          <a:off x="0" y="0"/>
+          <a:ext cx="0" cy="0"/>
+          <a:chOff x="0" y="0"/>
+          <a:chExt cx="0" cy="0"/>
+        </a:xfrm>
+      </p:grpSpPr>
+      <p:sp>
+        <p:nvSpPr>
+          <p:cNvPr id="9" name="Google Shape;105;p20">
+            <a:extLst>
+              <a:ext uri="{FF2B5EF4-FFF2-40B4-BE49-F238E27FC236}">
+                <a16:creationId xmlns:a16="http://schemas.microsoft.com/office/drawing/2014/main" id="{48DC9006-9169-8341-8207-239ADFFC1D10}"/>
+              </a:ext>
+            </a:extLst>
+          </p:cNvPr>
+          <p:cNvSpPr txBox="1">
+            <a:spLocks noGrp="1"/>
+          </p:cNvSpPr>
+          <p:nvPr>
+            <p:ph type="title"/>
+          </p:nvPr>
+        </p:nvSpPr>
+        <p:spPr>
+          <a:xfrm>
+            <a:off x="387900" y="458025"/>
+            <a:ext cx="8368200" cy="686100"/>
+          </a:xfrm>
+          <a:prstGeom prst="rect">
+            <a:avLst/>
+          </a:prstGeom>
+        </p:spPr>
+        <p:txBody>
+          <a:bodyPr spcFirstLastPara="1" wrap="square" lIns="91425" tIns="91425" rIns="91425" bIns="91425" anchor="b" anchorCtr="0">
+            <a:noAutofit/>
+          </a:bodyPr>
+          <a:lstStyle/>
+          <a:p>
+            <a:pPr marL="0" lvl="0" indent="0" algn="l" rtl="0">
+              <a:spcBef>
+                <a:spcPts val="0"/>
+              </a:spcBef>
+              <a:spcAft>
+                <a:spcPts val="0"/>
+              </a:spcAft>
+              <a:buNone/>
+            </a:pPr>
+            <a:r>
+              <a:rPr lang="en" dirty="0"/>
               <a:t>Subsampling</a:t>
             </a:r>
             <a:endParaRPr dirty="0"/>
+          </a:p>
+        </p:txBody>
+      </p:sp>
+      <p:sp>
+        <p:nvSpPr>
+          <p:cNvPr id="3" name="Google Shape;106;p20">
+            <a:extLst>
+              <a:ext uri="{FF2B5EF4-FFF2-40B4-BE49-F238E27FC236}">
+                <a16:creationId xmlns:a16="http://schemas.microsoft.com/office/drawing/2014/main" id="{C0E889CF-D7A2-1F46-AE88-21C6526CF1A9}"/>
+              </a:ext>
+            </a:extLst>
+          </p:cNvPr>
+          <p:cNvSpPr txBox="1">
+            <a:spLocks noGrp="1"/>
+          </p:cNvSpPr>
+          <p:nvPr>
+            <p:ph type="body" idx="1"/>
+          </p:nvPr>
+        </p:nvSpPr>
+        <p:spPr>
+          <a:xfrm>
+            <a:off x="387900" y="1406697"/>
+            <a:ext cx="8368200" cy="3147015"/>
+          </a:xfrm>
+          <a:prstGeom prst="rect">
+            <a:avLst/>
+          </a:prstGeom>
+        </p:spPr>
+        <p:txBody>
+          <a:bodyPr spcFirstLastPara="1" wrap="square" lIns="91425" tIns="91425" rIns="91425" bIns="91425" anchor="t" anchorCtr="0">
+            <a:noAutofit/>
+          </a:bodyPr>
+          <a:lstStyle/>
+          <a:p>
+            <a:pPr marL="285750" indent="-285750">
+              <a:buFont typeface="Wingdings" pitchFamily="2" charset="2"/>
+              <a:buChar char="§"/>
+            </a:pPr>
+            <a:r>
+              <a:rPr lang="en-US" dirty="0"/>
+              <a:t>Subsampling is a method that reduces the data size by selecting a subset of the original data.</a:t>
+            </a:r>
+          </a:p>
+          <a:p>
+            <a:pPr marL="285750" indent="-285750">
+              <a:buFont typeface="Wingdings" pitchFamily="2" charset="2"/>
+              <a:buChar char="§"/>
+            </a:pPr>
+            <a:endParaRPr lang="en-US" dirty="0"/>
+          </a:p>
+          <a:p>
+            <a:pPr marL="285750" indent="-285750">
+              <a:buFont typeface="Wingdings" pitchFamily="2" charset="2"/>
+              <a:buChar char="§"/>
+            </a:pPr>
+            <a:r>
+              <a:rPr lang="en-US" dirty="0"/>
+              <a:t>It helps in removing unwanted features from the feature set.</a:t>
+            </a:r>
+          </a:p>
+          <a:p>
+            <a:pPr marL="285750" indent="-285750">
+              <a:buFont typeface="Wingdings" pitchFamily="2" charset="2"/>
+              <a:buChar char="§"/>
+            </a:pPr>
+            <a:endParaRPr lang="en-US" dirty="0"/>
+          </a:p>
+          <a:p>
+            <a:pPr marL="285750" indent="-285750">
+              <a:buFont typeface="Wingdings" pitchFamily="2" charset="2"/>
+              <a:buChar char="§"/>
+            </a:pPr>
+            <a:r>
+              <a:rPr lang="en-US" dirty="0"/>
+              <a:t>It reduces the cost of computation.</a:t>
+            </a:r>
+          </a:p>
+          <a:p>
+            <a:pPr marL="285750" indent="-285750">
+              <a:buFont typeface="Wingdings" pitchFamily="2" charset="2"/>
+              <a:buChar char="§"/>
+            </a:pPr>
+            <a:endParaRPr lang="en-US" dirty="0"/>
+          </a:p>
+          <a:p>
+            <a:pPr marL="285750" indent="-285750">
+              <a:buFont typeface="Wingdings" pitchFamily="2" charset="2"/>
+              <a:buChar char="§"/>
+            </a:pPr>
+            <a:r>
+              <a:rPr lang="en-US" dirty="0"/>
+              <a:t>Different types of subsampling includes:</a:t>
+            </a:r>
+          </a:p>
+          <a:p>
+            <a:pPr marL="742950" lvl="1" indent="-285750">
+              <a:buFont typeface="Wingdings" pitchFamily="2" charset="2"/>
+              <a:buChar char="§"/>
+            </a:pPr>
+            <a:r>
+              <a:rPr lang="en-US" dirty="0"/>
+              <a:t>Max Pooling</a:t>
+            </a:r>
+          </a:p>
+          <a:p>
+            <a:pPr marL="742950" lvl="1" indent="-285750">
+              <a:buFont typeface="Wingdings" pitchFamily="2" charset="2"/>
+              <a:buChar char="§"/>
+            </a:pPr>
+            <a:r>
+              <a:rPr lang="en-US" dirty="0"/>
+              <a:t>Min Pooling</a:t>
+            </a:r>
+          </a:p>
+          <a:p>
+            <a:pPr marL="742950" lvl="1" indent="-285750">
+              <a:buFont typeface="Wingdings" pitchFamily="2" charset="2"/>
+              <a:buChar char="§"/>
+            </a:pPr>
+            <a:r>
+              <a:rPr lang="en-US" dirty="0"/>
+              <a:t>Average Pooling and many more …</a:t>
+            </a:r>
+          </a:p>
+          <a:p>
+            <a:pPr marL="0" lvl="0" indent="0" algn="l" rtl="0">
+              <a:spcBef>
+                <a:spcPts val="0"/>
+              </a:spcBef>
+              <a:spcAft>
+                <a:spcPts val="0"/>
+              </a:spcAft>
+              <a:buNone/>
+            </a:pPr>
+            <a:endParaRPr lang="en-US" dirty="0"/>
+          </a:p>
+          <a:p>
+            <a:pPr marL="0" lvl="0" indent="0" algn="l" rtl="0">
+              <a:spcBef>
+                <a:spcPts val="0"/>
+              </a:spcBef>
+              <a:spcAft>
+                <a:spcPts val="0"/>
+              </a:spcAft>
+              <a:buNone/>
+            </a:pPr>
+            <a:endParaRPr lang="en-US" dirty="0"/>
+          </a:p>
+          <a:p>
+            <a:pPr marL="0" lvl="0" indent="0" algn="l" rtl="0">
+              <a:spcBef>
+                <a:spcPts val="0"/>
+              </a:spcBef>
+              <a:spcAft>
+                <a:spcPts val="0"/>
+              </a:spcAft>
+              <a:buNone/>
+            </a:pPr>
+            <a:endParaRPr lang="en-US" dirty="0"/>
+          </a:p>
+          <a:p>
+            <a:pPr marL="0" lvl="0" indent="0" algn="l" rtl="0">
+              <a:spcBef>
+                <a:spcPts val="0"/>
+              </a:spcBef>
+              <a:spcAft>
+                <a:spcPts val="0"/>
+              </a:spcAft>
+              <a:buNone/>
+            </a:pPr>
+            <a:endParaRPr lang="en-US" dirty="0"/>
+          </a:p>
+          <a:p>
+            <a:pPr marL="0" lvl="0" indent="0" algn="l" rtl="0">
+              <a:spcBef>
+                <a:spcPts val="0"/>
+              </a:spcBef>
+              <a:spcAft>
+                <a:spcPts val="0"/>
+              </a:spcAft>
+              <a:buNone/>
+            </a:pPr>
+            <a:endParaRPr lang="en-US" dirty="0"/>
+          </a:p>
+          <a:p>
+            <a:pPr marL="0" lvl="0" indent="0" algn="l" rtl="0">
+              <a:spcBef>
+                <a:spcPts val="0"/>
+              </a:spcBef>
+              <a:spcAft>
+                <a:spcPts val="0"/>
+              </a:spcAft>
+              <a:buNone/>
+            </a:pPr>
+            <a:endParaRPr lang="en-US" dirty="0"/>
+          </a:p>
+          <a:p>
+            <a:pPr marL="0" lvl="0" indent="0" algn="l" rtl="0">
+              <a:spcBef>
+                <a:spcPts val="0"/>
+              </a:spcBef>
+              <a:spcAft>
+                <a:spcPts val="0"/>
+              </a:spcAft>
+              <a:buNone/>
+            </a:pPr>
+            <a:endParaRPr lang="en-US" dirty="0"/>
           </a:p>
         </p:txBody>
       </p:sp>
@@ -16183,6 +17484,1204 @@
     <p:extLst>
       <p:ext uri="{BB962C8B-B14F-4D97-AF65-F5344CB8AC3E}">
         <p14:creationId xmlns:p14="http://schemas.microsoft.com/office/powerpoint/2010/main" val="1657788768"/>
+      </p:ext>
+    </p:extLst>
+  </p:cSld>
+  <p:clrMapOvr>
+    <a:masterClrMapping/>
+  </p:clrMapOvr>
+</p:sld>
+</file>
+
+<file path=ppt/slides/slide28.xml><?xml version="1.0" encoding="utf-8"?>
+<p:sld xmlns:a="http://schemas.openxmlformats.org/drawingml/2006/main" xmlns:r="http://schemas.openxmlformats.org/officeDocument/2006/relationships" xmlns:p="http://schemas.openxmlformats.org/presentationml/2006/main">
+  <p:cSld>
+    <p:spTree>
+      <p:nvGrpSpPr>
+        <p:cNvPr id="1" name="Shape 120"/>
+        <p:cNvGrpSpPr/>
+        <p:nvPr/>
+      </p:nvGrpSpPr>
+      <p:grpSpPr>
+        <a:xfrm>
+          <a:off x="0" y="0"/>
+          <a:ext cx="0" cy="0"/>
+          <a:chOff x="0" y="0"/>
+          <a:chExt cx="0" cy="0"/>
+        </a:xfrm>
+      </p:grpSpPr>
+      <p:sp>
+        <p:nvSpPr>
+          <p:cNvPr id="9" name="Google Shape;105;p20">
+            <a:extLst>
+              <a:ext uri="{FF2B5EF4-FFF2-40B4-BE49-F238E27FC236}">
+                <a16:creationId xmlns:a16="http://schemas.microsoft.com/office/drawing/2014/main" id="{48DC9006-9169-8341-8207-239ADFFC1D10}"/>
+              </a:ext>
+            </a:extLst>
+          </p:cNvPr>
+          <p:cNvSpPr txBox="1">
+            <a:spLocks noGrp="1"/>
+          </p:cNvSpPr>
+          <p:nvPr>
+            <p:ph type="title"/>
+          </p:nvPr>
+        </p:nvSpPr>
+        <p:spPr>
+          <a:xfrm>
+            <a:off x="387900" y="458025"/>
+            <a:ext cx="8368200" cy="686100"/>
+          </a:xfrm>
+          <a:prstGeom prst="rect">
+            <a:avLst/>
+          </a:prstGeom>
+        </p:spPr>
+        <p:txBody>
+          <a:bodyPr spcFirstLastPara="1" wrap="square" lIns="91425" tIns="91425" rIns="91425" bIns="91425" anchor="b" anchorCtr="0">
+            <a:noAutofit/>
+          </a:bodyPr>
+          <a:lstStyle/>
+          <a:p>
+            <a:pPr marL="0" lvl="0" indent="0" algn="l" rtl="0">
+              <a:spcBef>
+                <a:spcPts val="0"/>
+              </a:spcBef>
+              <a:spcAft>
+                <a:spcPts val="0"/>
+              </a:spcAft>
+              <a:buNone/>
+            </a:pPr>
+            <a:r>
+              <a:rPr lang="en" dirty="0"/>
+              <a:t>Subsampling</a:t>
+            </a:r>
+            <a:endParaRPr dirty="0"/>
+          </a:p>
+        </p:txBody>
+      </p:sp>
+      <p:sp>
+        <p:nvSpPr>
+          <p:cNvPr id="3" name="Google Shape;106;p20">
+            <a:extLst>
+              <a:ext uri="{FF2B5EF4-FFF2-40B4-BE49-F238E27FC236}">
+                <a16:creationId xmlns:a16="http://schemas.microsoft.com/office/drawing/2014/main" id="{C0E889CF-D7A2-1F46-AE88-21C6526CF1A9}"/>
+              </a:ext>
+            </a:extLst>
+          </p:cNvPr>
+          <p:cNvSpPr txBox="1">
+            <a:spLocks noGrp="1"/>
+          </p:cNvSpPr>
+          <p:nvPr>
+            <p:ph type="body" idx="1"/>
+          </p:nvPr>
+        </p:nvSpPr>
+        <p:spPr>
+          <a:xfrm>
+            <a:off x="899962" y="1200376"/>
+            <a:ext cx="1868163" cy="385527"/>
+          </a:xfrm>
+          <a:prstGeom prst="rect">
+            <a:avLst/>
+          </a:prstGeom>
+        </p:spPr>
+        <p:txBody>
+          <a:bodyPr spcFirstLastPara="1" wrap="square" lIns="91425" tIns="91425" rIns="91425" bIns="91425" anchor="t" anchorCtr="0">
+            <a:noAutofit/>
+          </a:bodyPr>
+          <a:lstStyle/>
+          <a:p>
+            <a:pPr marL="0" indent="0">
+              <a:buNone/>
+            </a:pPr>
+            <a:r>
+              <a:rPr lang="en-US" dirty="0"/>
+              <a:t>Average Pooling</a:t>
+            </a:r>
+          </a:p>
+          <a:p>
+            <a:pPr marL="285750" indent="-285750">
+              <a:buFont typeface="Wingdings" pitchFamily="2" charset="2"/>
+              <a:buChar char="§"/>
+            </a:pPr>
+            <a:endParaRPr lang="en-US" dirty="0"/>
+          </a:p>
+          <a:p>
+            <a:pPr marL="0" lvl="0" indent="0" algn="l" rtl="0">
+              <a:spcBef>
+                <a:spcPts val="0"/>
+              </a:spcBef>
+              <a:spcAft>
+                <a:spcPts val="0"/>
+              </a:spcAft>
+              <a:buNone/>
+            </a:pPr>
+            <a:endParaRPr lang="en-US" dirty="0"/>
+          </a:p>
+          <a:p>
+            <a:pPr marL="0" lvl="0" indent="0" algn="l" rtl="0">
+              <a:spcBef>
+                <a:spcPts val="0"/>
+              </a:spcBef>
+              <a:spcAft>
+                <a:spcPts val="0"/>
+              </a:spcAft>
+              <a:buNone/>
+            </a:pPr>
+            <a:endParaRPr lang="en-US" dirty="0"/>
+          </a:p>
+          <a:p>
+            <a:pPr marL="0" lvl="0" indent="0" algn="l" rtl="0">
+              <a:spcBef>
+                <a:spcPts val="0"/>
+              </a:spcBef>
+              <a:spcAft>
+                <a:spcPts val="0"/>
+              </a:spcAft>
+              <a:buNone/>
+            </a:pPr>
+            <a:endParaRPr lang="en-US" dirty="0"/>
+          </a:p>
+          <a:p>
+            <a:pPr marL="0" lvl="0" indent="0" algn="l" rtl="0">
+              <a:spcBef>
+                <a:spcPts val="0"/>
+              </a:spcBef>
+              <a:spcAft>
+                <a:spcPts val="0"/>
+              </a:spcAft>
+              <a:buNone/>
+            </a:pPr>
+            <a:endParaRPr lang="en-US" dirty="0"/>
+          </a:p>
+          <a:p>
+            <a:pPr marL="0" lvl="0" indent="0" algn="l" rtl="0">
+              <a:spcBef>
+                <a:spcPts val="0"/>
+              </a:spcBef>
+              <a:spcAft>
+                <a:spcPts val="0"/>
+              </a:spcAft>
+              <a:buNone/>
+            </a:pPr>
+            <a:endParaRPr lang="en-US" dirty="0"/>
+          </a:p>
+          <a:p>
+            <a:pPr marL="0" lvl="0" indent="0" algn="l" rtl="0">
+              <a:spcBef>
+                <a:spcPts val="0"/>
+              </a:spcBef>
+              <a:spcAft>
+                <a:spcPts val="0"/>
+              </a:spcAft>
+              <a:buNone/>
+            </a:pPr>
+            <a:endParaRPr lang="en-US" dirty="0"/>
+          </a:p>
+          <a:p>
+            <a:pPr marL="0" lvl="0" indent="0" algn="l" rtl="0">
+              <a:spcBef>
+                <a:spcPts val="0"/>
+              </a:spcBef>
+              <a:spcAft>
+                <a:spcPts val="0"/>
+              </a:spcAft>
+              <a:buNone/>
+            </a:pPr>
+            <a:endParaRPr lang="en-US" dirty="0"/>
+          </a:p>
+        </p:txBody>
+      </p:sp>
+      <p:pic>
+        <p:nvPicPr>
+          <p:cNvPr id="4" name="Picture 3" descr="Table, calendar&#10;&#10;Description automatically generated">
+            <a:extLst>
+              <a:ext uri="{FF2B5EF4-FFF2-40B4-BE49-F238E27FC236}">
+                <a16:creationId xmlns:a16="http://schemas.microsoft.com/office/drawing/2014/main" id="{17C1B9EC-63E6-CB4F-B6E2-198736CE0187}"/>
+              </a:ext>
+            </a:extLst>
+          </p:cNvPr>
+          <p:cNvPicPr>
+            <a:picLocks noChangeAspect="1"/>
+          </p:cNvPicPr>
+          <p:nvPr/>
+        </p:nvPicPr>
+        <p:blipFill>
+          <a:blip r:embed="rId3"/>
+          <a:stretch>
+            <a:fillRect/>
+          </a:stretch>
+        </p:blipFill>
+        <p:spPr>
+          <a:xfrm>
+            <a:off x="808524" y="1585903"/>
+            <a:ext cx="1868163" cy="1581912"/>
+          </a:xfrm>
+          <a:prstGeom prst="rect">
+            <a:avLst/>
+          </a:prstGeom>
+        </p:spPr>
+      </p:pic>
+      <p:pic>
+        <p:nvPicPr>
+          <p:cNvPr id="6" name="Picture 5" descr="Table&#10;&#10;Description automatically generated">
+            <a:extLst>
+              <a:ext uri="{FF2B5EF4-FFF2-40B4-BE49-F238E27FC236}">
+                <a16:creationId xmlns:a16="http://schemas.microsoft.com/office/drawing/2014/main" id="{63C5E3E7-ABED-A347-BFB6-B2D85BE0E173}"/>
+              </a:ext>
+            </a:extLst>
+          </p:cNvPr>
+          <p:cNvPicPr>
+            <a:picLocks noChangeAspect="1"/>
+          </p:cNvPicPr>
+          <p:nvPr/>
+        </p:nvPicPr>
+        <p:blipFill>
+          <a:blip r:embed="rId4"/>
+          <a:stretch>
+            <a:fillRect/>
+          </a:stretch>
+        </p:blipFill>
+        <p:spPr>
+          <a:xfrm>
+            <a:off x="1268031" y="4053433"/>
+            <a:ext cx="949147" cy="808533"/>
+          </a:xfrm>
+          <a:prstGeom prst="rect">
+            <a:avLst/>
+          </a:prstGeom>
+        </p:spPr>
+      </p:pic>
+      <p:cxnSp>
+        <p:nvCxnSpPr>
+          <p:cNvPr id="8" name="Straight Arrow Connector 7">
+            <a:extLst>
+              <a:ext uri="{FF2B5EF4-FFF2-40B4-BE49-F238E27FC236}">
+                <a16:creationId xmlns:a16="http://schemas.microsoft.com/office/drawing/2014/main" id="{EAD4E9F6-6686-E044-AA83-61A7ED30E3B2}"/>
+              </a:ext>
+            </a:extLst>
+          </p:cNvPr>
+          <p:cNvCxnSpPr>
+            <a:cxnSpLocks/>
+            <a:stCxn id="4" idx="2"/>
+            <a:endCxn id="6" idx="0"/>
+          </p:cNvCxnSpPr>
+          <p:nvPr/>
+        </p:nvCxnSpPr>
+        <p:spPr>
+          <a:xfrm flipH="1">
+            <a:off x="1742605" y="3167815"/>
+            <a:ext cx="1" cy="885618"/>
+          </a:xfrm>
+          <a:prstGeom prst="straightConnector1">
+            <a:avLst/>
+          </a:prstGeom>
+          <a:ln>
+            <a:tailEnd type="triangle"/>
+          </a:ln>
+        </p:spPr>
+        <p:style>
+          <a:lnRef idx="1">
+            <a:schemeClr val="accent1"/>
+          </a:lnRef>
+          <a:fillRef idx="0">
+            <a:schemeClr val="accent1"/>
+          </a:fillRef>
+          <a:effectRef idx="0">
+            <a:schemeClr val="accent1"/>
+          </a:effectRef>
+          <a:fontRef idx="minor">
+            <a:schemeClr val="tx1"/>
+          </a:fontRef>
+        </p:style>
+      </p:cxnSp>
+      <p:sp>
+        <p:nvSpPr>
+          <p:cNvPr id="10" name="TextBox 9">
+            <a:extLst>
+              <a:ext uri="{FF2B5EF4-FFF2-40B4-BE49-F238E27FC236}">
+                <a16:creationId xmlns:a16="http://schemas.microsoft.com/office/drawing/2014/main" id="{240C7196-863D-3C46-BC93-9305A3561E67}"/>
+              </a:ext>
+            </a:extLst>
+          </p:cNvPr>
+          <p:cNvSpPr txBox="1"/>
+          <p:nvPr/>
+        </p:nvSpPr>
+        <p:spPr>
+          <a:xfrm>
+            <a:off x="836386" y="3336196"/>
+            <a:ext cx="915507" cy="523220"/>
+          </a:xfrm>
+          <a:prstGeom prst="rect">
+            <a:avLst/>
+          </a:prstGeom>
+          <a:noFill/>
+        </p:spPr>
+        <p:txBody>
+          <a:bodyPr wrap="none" rtlCol="0">
+            <a:spAutoFit/>
+          </a:bodyPr>
+          <a:lstStyle/>
+          <a:p>
+            <a:pPr algn="ctr"/>
+            <a:r>
+              <a:rPr lang="en-US" sz="1400" dirty="0"/>
+              <a:t>2*2 </a:t>
+            </a:r>
+          </a:p>
+          <a:p>
+            <a:pPr algn="ctr"/>
+            <a:r>
+              <a:rPr lang="en-US" sz="1400" dirty="0"/>
+              <a:t>pool size</a:t>
+            </a:r>
+          </a:p>
+        </p:txBody>
+      </p:sp>
+    </p:spTree>
+    <p:extLst>
+      <p:ext uri="{BB962C8B-B14F-4D97-AF65-F5344CB8AC3E}">
+        <p14:creationId xmlns:p14="http://schemas.microsoft.com/office/powerpoint/2010/main" val="3771597305"/>
+      </p:ext>
+    </p:extLst>
+  </p:cSld>
+  <p:clrMapOvr>
+    <a:masterClrMapping/>
+  </p:clrMapOvr>
+</p:sld>
+</file>
+
+<file path=ppt/slides/slide29.xml><?xml version="1.0" encoding="utf-8"?>
+<p:sld xmlns:a="http://schemas.openxmlformats.org/drawingml/2006/main" xmlns:r="http://schemas.openxmlformats.org/officeDocument/2006/relationships" xmlns:p="http://schemas.openxmlformats.org/presentationml/2006/main">
+  <p:cSld>
+    <p:spTree>
+      <p:nvGrpSpPr>
+        <p:cNvPr id="1" name="Shape 120"/>
+        <p:cNvGrpSpPr/>
+        <p:nvPr/>
+      </p:nvGrpSpPr>
+      <p:grpSpPr>
+        <a:xfrm>
+          <a:off x="0" y="0"/>
+          <a:ext cx="0" cy="0"/>
+          <a:chOff x="0" y="0"/>
+          <a:chExt cx="0" cy="0"/>
+        </a:xfrm>
+      </p:grpSpPr>
+      <p:sp>
+        <p:nvSpPr>
+          <p:cNvPr id="9" name="Google Shape;105;p20">
+            <a:extLst>
+              <a:ext uri="{FF2B5EF4-FFF2-40B4-BE49-F238E27FC236}">
+                <a16:creationId xmlns:a16="http://schemas.microsoft.com/office/drawing/2014/main" id="{48DC9006-9169-8341-8207-239ADFFC1D10}"/>
+              </a:ext>
+            </a:extLst>
+          </p:cNvPr>
+          <p:cNvSpPr txBox="1">
+            <a:spLocks noGrp="1"/>
+          </p:cNvSpPr>
+          <p:nvPr>
+            <p:ph type="title"/>
+          </p:nvPr>
+        </p:nvSpPr>
+        <p:spPr>
+          <a:xfrm>
+            <a:off x="387900" y="458025"/>
+            <a:ext cx="8368200" cy="686100"/>
+          </a:xfrm>
+          <a:prstGeom prst="rect">
+            <a:avLst/>
+          </a:prstGeom>
+        </p:spPr>
+        <p:txBody>
+          <a:bodyPr spcFirstLastPara="1" wrap="square" lIns="91425" tIns="91425" rIns="91425" bIns="91425" anchor="b" anchorCtr="0">
+            <a:noAutofit/>
+          </a:bodyPr>
+          <a:lstStyle/>
+          <a:p>
+            <a:pPr marL="0" lvl="0" indent="0" algn="l" rtl="0">
+              <a:spcBef>
+                <a:spcPts val="0"/>
+              </a:spcBef>
+              <a:spcAft>
+                <a:spcPts val="0"/>
+              </a:spcAft>
+              <a:buNone/>
+            </a:pPr>
+            <a:r>
+              <a:rPr lang="en" dirty="0"/>
+              <a:t>Subsampling</a:t>
+            </a:r>
+            <a:endParaRPr dirty="0"/>
+          </a:p>
+        </p:txBody>
+      </p:sp>
+      <p:sp>
+        <p:nvSpPr>
+          <p:cNvPr id="3" name="Google Shape;106;p20">
+            <a:extLst>
+              <a:ext uri="{FF2B5EF4-FFF2-40B4-BE49-F238E27FC236}">
+                <a16:creationId xmlns:a16="http://schemas.microsoft.com/office/drawing/2014/main" id="{C0E889CF-D7A2-1F46-AE88-21C6526CF1A9}"/>
+              </a:ext>
+            </a:extLst>
+          </p:cNvPr>
+          <p:cNvSpPr txBox="1">
+            <a:spLocks noGrp="1"/>
+          </p:cNvSpPr>
+          <p:nvPr>
+            <p:ph type="body" idx="1"/>
+          </p:nvPr>
+        </p:nvSpPr>
+        <p:spPr>
+          <a:xfrm>
+            <a:off x="899962" y="1200376"/>
+            <a:ext cx="1868163" cy="385527"/>
+          </a:xfrm>
+          <a:prstGeom prst="rect">
+            <a:avLst/>
+          </a:prstGeom>
+        </p:spPr>
+        <p:txBody>
+          <a:bodyPr spcFirstLastPara="1" wrap="square" lIns="91425" tIns="91425" rIns="91425" bIns="91425" anchor="t" anchorCtr="0">
+            <a:noAutofit/>
+          </a:bodyPr>
+          <a:lstStyle/>
+          <a:p>
+            <a:pPr marL="0" indent="0">
+              <a:buNone/>
+            </a:pPr>
+            <a:r>
+              <a:rPr lang="en-US" dirty="0"/>
+              <a:t>Average Pooling</a:t>
+            </a:r>
+          </a:p>
+          <a:p>
+            <a:pPr marL="285750" indent="-285750">
+              <a:buFont typeface="Wingdings" pitchFamily="2" charset="2"/>
+              <a:buChar char="§"/>
+            </a:pPr>
+            <a:endParaRPr lang="en-US" dirty="0"/>
+          </a:p>
+          <a:p>
+            <a:pPr marL="0" lvl="0" indent="0" algn="l" rtl="0">
+              <a:spcBef>
+                <a:spcPts val="0"/>
+              </a:spcBef>
+              <a:spcAft>
+                <a:spcPts val="0"/>
+              </a:spcAft>
+              <a:buNone/>
+            </a:pPr>
+            <a:endParaRPr lang="en-US" dirty="0"/>
+          </a:p>
+          <a:p>
+            <a:pPr marL="0" lvl="0" indent="0" algn="l" rtl="0">
+              <a:spcBef>
+                <a:spcPts val="0"/>
+              </a:spcBef>
+              <a:spcAft>
+                <a:spcPts val="0"/>
+              </a:spcAft>
+              <a:buNone/>
+            </a:pPr>
+            <a:endParaRPr lang="en-US" dirty="0"/>
+          </a:p>
+          <a:p>
+            <a:pPr marL="0" lvl="0" indent="0" algn="l" rtl="0">
+              <a:spcBef>
+                <a:spcPts val="0"/>
+              </a:spcBef>
+              <a:spcAft>
+                <a:spcPts val="0"/>
+              </a:spcAft>
+              <a:buNone/>
+            </a:pPr>
+            <a:endParaRPr lang="en-US" dirty="0"/>
+          </a:p>
+          <a:p>
+            <a:pPr marL="0" lvl="0" indent="0" algn="l" rtl="0">
+              <a:spcBef>
+                <a:spcPts val="0"/>
+              </a:spcBef>
+              <a:spcAft>
+                <a:spcPts val="0"/>
+              </a:spcAft>
+              <a:buNone/>
+            </a:pPr>
+            <a:endParaRPr lang="en-US" dirty="0"/>
+          </a:p>
+          <a:p>
+            <a:pPr marL="0" lvl="0" indent="0" algn="l" rtl="0">
+              <a:spcBef>
+                <a:spcPts val="0"/>
+              </a:spcBef>
+              <a:spcAft>
+                <a:spcPts val="0"/>
+              </a:spcAft>
+              <a:buNone/>
+            </a:pPr>
+            <a:endParaRPr lang="en-US" dirty="0"/>
+          </a:p>
+          <a:p>
+            <a:pPr marL="0" lvl="0" indent="0" algn="l" rtl="0">
+              <a:spcBef>
+                <a:spcPts val="0"/>
+              </a:spcBef>
+              <a:spcAft>
+                <a:spcPts val="0"/>
+              </a:spcAft>
+              <a:buNone/>
+            </a:pPr>
+            <a:endParaRPr lang="en-US" dirty="0"/>
+          </a:p>
+          <a:p>
+            <a:pPr marL="0" lvl="0" indent="0" algn="l" rtl="0">
+              <a:spcBef>
+                <a:spcPts val="0"/>
+              </a:spcBef>
+              <a:spcAft>
+                <a:spcPts val="0"/>
+              </a:spcAft>
+              <a:buNone/>
+            </a:pPr>
+            <a:endParaRPr lang="en-US" dirty="0"/>
+          </a:p>
+        </p:txBody>
+      </p:sp>
+      <p:pic>
+        <p:nvPicPr>
+          <p:cNvPr id="4" name="Picture 3" descr="Table, calendar&#10;&#10;Description automatically generated">
+            <a:extLst>
+              <a:ext uri="{FF2B5EF4-FFF2-40B4-BE49-F238E27FC236}">
+                <a16:creationId xmlns:a16="http://schemas.microsoft.com/office/drawing/2014/main" id="{17C1B9EC-63E6-CB4F-B6E2-198736CE0187}"/>
+              </a:ext>
+            </a:extLst>
+          </p:cNvPr>
+          <p:cNvPicPr>
+            <a:picLocks noChangeAspect="1"/>
+          </p:cNvPicPr>
+          <p:nvPr/>
+        </p:nvPicPr>
+        <p:blipFill>
+          <a:blip r:embed="rId3"/>
+          <a:stretch>
+            <a:fillRect/>
+          </a:stretch>
+        </p:blipFill>
+        <p:spPr>
+          <a:xfrm>
+            <a:off x="808524" y="1585903"/>
+            <a:ext cx="1868163" cy="1581912"/>
+          </a:xfrm>
+          <a:prstGeom prst="rect">
+            <a:avLst/>
+          </a:prstGeom>
+        </p:spPr>
+      </p:pic>
+      <p:pic>
+        <p:nvPicPr>
+          <p:cNvPr id="6" name="Picture 5" descr="Table&#10;&#10;Description automatically generated">
+            <a:extLst>
+              <a:ext uri="{FF2B5EF4-FFF2-40B4-BE49-F238E27FC236}">
+                <a16:creationId xmlns:a16="http://schemas.microsoft.com/office/drawing/2014/main" id="{63C5E3E7-ABED-A347-BFB6-B2D85BE0E173}"/>
+              </a:ext>
+            </a:extLst>
+          </p:cNvPr>
+          <p:cNvPicPr>
+            <a:picLocks noChangeAspect="1"/>
+          </p:cNvPicPr>
+          <p:nvPr/>
+        </p:nvPicPr>
+        <p:blipFill>
+          <a:blip r:embed="rId4"/>
+          <a:stretch>
+            <a:fillRect/>
+          </a:stretch>
+        </p:blipFill>
+        <p:spPr>
+          <a:xfrm>
+            <a:off x="1268031" y="4053433"/>
+            <a:ext cx="949147" cy="808533"/>
+          </a:xfrm>
+          <a:prstGeom prst="rect">
+            <a:avLst/>
+          </a:prstGeom>
+        </p:spPr>
+      </p:pic>
+      <p:cxnSp>
+        <p:nvCxnSpPr>
+          <p:cNvPr id="8" name="Straight Arrow Connector 7">
+            <a:extLst>
+              <a:ext uri="{FF2B5EF4-FFF2-40B4-BE49-F238E27FC236}">
+                <a16:creationId xmlns:a16="http://schemas.microsoft.com/office/drawing/2014/main" id="{EAD4E9F6-6686-E044-AA83-61A7ED30E3B2}"/>
+              </a:ext>
+            </a:extLst>
+          </p:cNvPr>
+          <p:cNvCxnSpPr>
+            <a:cxnSpLocks/>
+            <a:stCxn id="4" idx="2"/>
+            <a:endCxn id="6" idx="0"/>
+          </p:cNvCxnSpPr>
+          <p:nvPr/>
+        </p:nvCxnSpPr>
+        <p:spPr>
+          <a:xfrm flipH="1">
+            <a:off x="1742605" y="3167815"/>
+            <a:ext cx="1" cy="885618"/>
+          </a:xfrm>
+          <a:prstGeom prst="straightConnector1">
+            <a:avLst/>
+          </a:prstGeom>
+          <a:ln>
+            <a:tailEnd type="triangle"/>
+          </a:ln>
+        </p:spPr>
+        <p:style>
+          <a:lnRef idx="1">
+            <a:schemeClr val="accent1"/>
+          </a:lnRef>
+          <a:fillRef idx="0">
+            <a:schemeClr val="accent1"/>
+          </a:fillRef>
+          <a:effectRef idx="0">
+            <a:schemeClr val="accent1"/>
+          </a:effectRef>
+          <a:fontRef idx="minor">
+            <a:schemeClr val="tx1"/>
+          </a:fontRef>
+        </p:style>
+      </p:cxnSp>
+      <p:sp>
+        <p:nvSpPr>
+          <p:cNvPr id="10" name="TextBox 9">
+            <a:extLst>
+              <a:ext uri="{FF2B5EF4-FFF2-40B4-BE49-F238E27FC236}">
+                <a16:creationId xmlns:a16="http://schemas.microsoft.com/office/drawing/2014/main" id="{240C7196-863D-3C46-BC93-9305A3561E67}"/>
+              </a:ext>
+            </a:extLst>
+          </p:cNvPr>
+          <p:cNvSpPr txBox="1"/>
+          <p:nvPr/>
+        </p:nvSpPr>
+        <p:spPr>
+          <a:xfrm>
+            <a:off x="836386" y="3336196"/>
+            <a:ext cx="915507" cy="523220"/>
+          </a:xfrm>
+          <a:prstGeom prst="rect">
+            <a:avLst/>
+          </a:prstGeom>
+          <a:noFill/>
+        </p:spPr>
+        <p:txBody>
+          <a:bodyPr wrap="none" rtlCol="0">
+            <a:spAutoFit/>
+          </a:bodyPr>
+          <a:lstStyle/>
+          <a:p>
+            <a:pPr algn="ctr"/>
+            <a:r>
+              <a:rPr lang="en-US" sz="1400" dirty="0"/>
+              <a:t>2*2 </a:t>
+            </a:r>
+          </a:p>
+          <a:p>
+            <a:pPr algn="ctr"/>
+            <a:r>
+              <a:rPr lang="en-US" sz="1400" dirty="0"/>
+              <a:t>pool size</a:t>
+            </a:r>
+          </a:p>
+        </p:txBody>
+      </p:sp>
+      <p:pic>
+        <p:nvPicPr>
+          <p:cNvPr id="5" name="Picture 4" descr="A picture containing text, sign&#10;&#10;Description automatically generated">
+            <a:extLst>
+              <a:ext uri="{FF2B5EF4-FFF2-40B4-BE49-F238E27FC236}">
+                <a16:creationId xmlns:a16="http://schemas.microsoft.com/office/drawing/2014/main" id="{CDBC2552-2530-8A4A-AB9B-CE99528F8BE6}"/>
+              </a:ext>
+            </a:extLst>
+          </p:cNvPr>
+          <p:cNvPicPr>
+            <a:picLocks noChangeAspect="1"/>
+          </p:cNvPicPr>
+          <p:nvPr/>
+        </p:nvPicPr>
+        <p:blipFill>
+          <a:blip r:embed="rId5"/>
+          <a:stretch>
+            <a:fillRect/>
+          </a:stretch>
+        </p:blipFill>
+        <p:spPr>
+          <a:xfrm>
+            <a:off x="4747049" y="4037928"/>
+            <a:ext cx="967349" cy="824038"/>
+          </a:xfrm>
+          <a:prstGeom prst="rect">
+            <a:avLst/>
+          </a:prstGeom>
+        </p:spPr>
+      </p:pic>
+      <p:pic>
+        <p:nvPicPr>
+          <p:cNvPr id="11" name="Picture 10" descr="Table&#10;&#10;Description automatically generated">
+            <a:extLst>
+              <a:ext uri="{FF2B5EF4-FFF2-40B4-BE49-F238E27FC236}">
+                <a16:creationId xmlns:a16="http://schemas.microsoft.com/office/drawing/2014/main" id="{DEB79728-1898-B64C-B581-3A486D3A5591}"/>
+              </a:ext>
+            </a:extLst>
+          </p:cNvPr>
+          <p:cNvPicPr>
+            <a:picLocks noChangeAspect="1"/>
+          </p:cNvPicPr>
+          <p:nvPr/>
+        </p:nvPicPr>
+        <p:blipFill>
+          <a:blip r:embed="rId6"/>
+          <a:stretch>
+            <a:fillRect/>
+          </a:stretch>
+        </p:blipFill>
+        <p:spPr>
+          <a:xfrm>
+            <a:off x="4296644" y="1590306"/>
+            <a:ext cx="1868160" cy="1591775"/>
+          </a:xfrm>
+          <a:prstGeom prst="rect">
+            <a:avLst/>
+          </a:prstGeom>
+        </p:spPr>
+      </p:pic>
+      <p:cxnSp>
+        <p:nvCxnSpPr>
+          <p:cNvPr id="12" name="Straight Arrow Connector 11">
+            <a:extLst>
+              <a:ext uri="{FF2B5EF4-FFF2-40B4-BE49-F238E27FC236}">
+                <a16:creationId xmlns:a16="http://schemas.microsoft.com/office/drawing/2014/main" id="{E4B3F341-EF9A-2F4F-8B85-20458DE6A80B}"/>
+              </a:ext>
+            </a:extLst>
+          </p:cNvPr>
+          <p:cNvCxnSpPr>
+            <a:cxnSpLocks/>
+            <a:stCxn id="11" idx="2"/>
+            <a:endCxn id="5" idx="0"/>
+          </p:cNvCxnSpPr>
+          <p:nvPr/>
+        </p:nvCxnSpPr>
+        <p:spPr>
+          <a:xfrm>
+            <a:off x="5230724" y="3182081"/>
+            <a:ext cx="0" cy="855847"/>
+          </a:xfrm>
+          <a:prstGeom prst="straightConnector1">
+            <a:avLst/>
+          </a:prstGeom>
+          <a:ln>
+            <a:tailEnd type="triangle"/>
+          </a:ln>
+        </p:spPr>
+        <p:style>
+          <a:lnRef idx="1">
+            <a:schemeClr val="accent1"/>
+          </a:lnRef>
+          <a:fillRef idx="0">
+            <a:schemeClr val="accent1"/>
+          </a:fillRef>
+          <a:effectRef idx="0">
+            <a:schemeClr val="accent1"/>
+          </a:effectRef>
+          <a:fontRef idx="minor">
+            <a:schemeClr val="tx1"/>
+          </a:fontRef>
+        </p:style>
+      </p:cxnSp>
+      <p:sp>
+        <p:nvSpPr>
+          <p:cNvPr id="15" name="TextBox 14">
+            <a:extLst>
+              <a:ext uri="{FF2B5EF4-FFF2-40B4-BE49-F238E27FC236}">
+                <a16:creationId xmlns:a16="http://schemas.microsoft.com/office/drawing/2014/main" id="{CB9A87CD-DC64-664C-9D7E-A354CDFB394C}"/>
+              </a:ext>
+            </a:extLst>
+          </p:cNvPr>
+          <p:cNvSpPr txBox="1"/>
+          <p:nvPr/>
+        </p:nvSpPr>
+        <p:spPr>
+          <a:xfrm>
+            <a:off x="4315613" y="3348394"/>
+            <a:ext cx="915507" cy="523220"/>
+          </a:xfrm>
+          <a:prstGeom prst="rect">
+            <a:avLst/>
+          </a:prstGeom>
+          <a:noFill/>
+        </p:spPr>
+        <p:txBody>
+          <a:bodyPr wrap="none" rtlCol="0">
+            <a:spAutoFit/>
+          </a:bodyPr>
+          <a:lstStyle/>
+          <a:p>
+            <a:pPr algn="ctr"/>
+            <a:r>
+              <a:rPr lang="en-US" sz="1400" dirty="0"/>
+              <a:t>2*2 </a:t>
+            </a:r>
+          </a:p>
+          <a:p>
+            <a:pPr algn="ctr"/>
+            <a:r>
+              <a:rPr lang="en-US" sz="1400" dirty="0"/>
+              <a:t>pool size</a:t>
+            </a:r>
+          </a:p>
+        </p:txBody>
+      </p:sp>
+      <p:sp>
+        <p:nvSpPr>
+          <p:cNvPr id="16" name="Google Shape;106;p20">
+            <a:extLst>
+              <a:ext uri="{FF2B5EF4-FFF2-40B4-BE49-F238E27FC236}">
+                <a16:creationId xmlns:a16="http://schemas.microsoft.com/office/drawing/2014/main" id="{3EBCC634-6FC4-7840-B6EA-B01DE556F634}"/>
+              </a:ext>
+            </a:extLst>
+          </p:cNvPr>
+          <p:cNvSpPr txBox="1">
+            <a:spLocks/>
+          </p:cNvSpPr>
+          <p:nvPr/>
+        </p:nvSpPr>
+        <p:spPr>
+          <a:xfrm>
+            <a:off x="4288904" y="1203494"/>
+            <a:ext cx="1868163" cy="385527"/>
+          </a:xfrm>
+          <a:prstGeom prst="rect">
+            <a:avLst/>
+          </a:prstGeom>
+        </p:spPr>
+        <p:txBody>
+          <a:bodyPr spcFirstLastPara="1" vert="horz" wrap="square" lIns="91425" tIns="91425" rIns="91425" bIns="91425" rtlCol="0" anchor="t" anchorCtr="0">
+            <a:noAutofit/>
+          </a:bodyPr>
+          <a:lstStyle>
+            <a:lvl1pPr marL="457200" lvl="0" indent="-342900" algn="l" defTabSz="685800" rtl="0" eaLnBrk="1" latinLnBrk="0" hangingPunct="1">
+              <a:lnSpc>
+                <a:spcPct val="90000"/>
+              </a:lnSpc>
+              <a:spcBef>
+                <a:spcPts val="0"/>
+              </a:spcBef>
+              <a:spcAft>
+                <a:spcPts val="0"/>
+              </a:spcAft>
+              <a:buClr>
+                <a:schemeClr val="accent1">
+                  <a:lumMod val="75000"/>
+                </a:schemeClr>
+              </a:buClr>
+              <a:buSzPts val="1800"/>
+              <a:buFont typeface="Wingdings" pitchFamily="2" charset="2"/>
+              <a:buChar char="●"/>
+              <a:defRPr sz="1500" kern="1200">
+                <a:solidFill>
+                  <a:schemeClr val="tx1"/>
+                </a:solidFill>
+                <a:latin typeface="+mn-lt"/>
+                <a:ea typeface="+mn-ea"/>
+                <a:cs typeface="+mn-cs"/>
+              </a:defRPr>
+            </a:lvl1pPr>
+            <a:lvl2pPr marL="914400" lvl="1" indent="-317500" algn="l" defTabSz="685800" rtl="0" eaLnBrk="1" latinLnBrk="0" hangingPunct="1">
+              <a:lnSpc>
+                <a:spcPct val="90000"/>
+              </a:lnSpc>
+              <a:spcBef>
+                <a:spcPts val="1600"/>
+              </a:spcBef>
+              <a:spcAft>
+                <a:spcPts val="0"/>
+              </a:spcAft>
+              <a:buClr>
+                <a:schemeClr val="accent1">
+                  <a:lumMod val="75000"/>
+                </a:schemeClr>
+              </a:buClr>
+              <a:buSzPts val="1400"/>
+              <a:buFont typeface="Wingdings" pitchFamily="2" charset="2"/>
+              <a:buChar char="○"/>
+              <a:defRPr sz="1350" kern="1200">
+                <a:solidFill>
+                  <a:schemeClr val="tx1"/>
+                </a:solidFill>
+                <a:latin typeface="+mn-lt"/>
+                <a:ea typeface="+mn-ea"/>
+                <a:cs typeface="+mn-cs"/>
+              </a:defRPr>
+            </a:lvl2pPr>
+            <a:lvl3pPr marL="1371600" lvl="2" indent="-317500" algn="l" defTabSz="685800" rtl="0" eaLnBrk="1" latinLnBrk="0" hangingPunct="1">
+              <a:lnSpc>
+                <a:spcPct val="90000"/>
+              </a:lnSpc>
+              <a:spcBef>
+                <a:spcPts val="1600"/>
+              </a:spcBef>
+              <a:spcAft>
+                <a:spcPts val="0"/>
+              </a:spcAft>
+              <a:buClr>
+                <a:schemeClr val="accent1">
+                  <a:lumMod val="75000"/>
+                </a:schemeClr>
+              </a:buClr>
+              <a:buSzPts val="1400"/>
+              <a:buFont typeface="Wingdings" pitchFamily="2" charset="2"/>
+              <a:buChar char="■"/>
+              <a:defRPr sz="1200" kern="1200">
+                <a:solidFill>
+                  <a:schemeClr val="tx1"/>
+                </a:solidFill>
+                <a:latin typeface="+mn-lt"/>
+                <a:ea typeface="+mn-ea"/>
+                <a:cs typeface="+mn-cs"/>
+              </a:defRPr>
+            </a:lvl3pPr>
+            <a:lvl4pPr marL="1828800" lvl="3" indent="-317500" algn="l" defTabSz="685800" rtl="0" eaLnBrk="1" latinLnBrk="0" hangingPunct="1">
+              <a:lnSpc>
+                <a:spcPct val="90000"/>
+              </a:lnSpc>
+              <a:spcBef>
+                <a:spcPts val="1600"/>
+              </a:spcBef>
+              <a:spcAft>
+                <a:spcPts val="0"/>
+              </a:spcAft>
+              <a:buClr>
+                <a:schemeClr val="accent1">
+                  <a:lumMod val="75000"/>
+                </a:schemeClr>
+              </a:buClr>
+              <a:buSzPts val="1400"/>
+              <a:buFont typeface="Wingdings" pitchFamily="2" charset="2"/>
+              <a:buChar char="●"/>
+              <a:defRPr sz="1200" kern="1200">
+                <a:solidFill>
+                  <a:schemeClr val="tx1"/>
+                </a:solidFill>
+                <a:latin typeface="+mn-lt"/>
+                <a:ea typeface="+mn-ea"/>
+                <a:cs typeface="+mn-cs"/>
+              </a:defRPr>
+            </a:lvl4pPr>
+            <a:lvl5pPr marL="2286000" lvl="4" indent="-317500" algn="l" defTabSz="685800" rtl="0" eaLnBrk="1" latinLnBrk="0" hangingPunct="1">
+              <a:lnSpc>
+                <a:spcPct val="90000"/>
+              </a:lnSpc>
+              <a:spcBef>
+                <a:spcPts val="1600"/>
+              </a:spcBef>
+              <a:spcAft>
+                <a:spcPts val="0"/>
+              </a:spcAft>
+              <a:buClr>
+                <a:schemeClr val="accent1">
+                  <a:lumMod val="75000"/>
+                </a:schemeClr>
+              </a:buClr>
+              <a:buSzPts val="1400"/>
+              <a:buFont typeface="Wingdings" pitchFamily="2" charset="2"/>
+              <a:buChar char="○"/>
+              <a:defRPr sz="1200" kern="1200">
+                <a:solidFill>
+                  <a:schemeClr val="tx1"/>
+                </a:solidFill>
+                <a:latin typeface="+mn-lt"/>
+                <a:ea typeface="+mn-ea"/>
+                <a:cs typeface="+mn-cs"/>
+              </a:defRPr>
+            </a:lvl5pPr>
+            <a:lvl6pPr marL="2743200" lvl="5" indent="-317500" algn="l" defTabSz="685800" rtl="0" eaLnBrk="1" latinLnBrk="0" hangingPunct="1">
+              <a:lnSpc>
+                <a:spcPct val="90000"/>
+              </a:lnSpc>
+              <a:spcBef>
+                <a:spcPts val="1600"/>
+              </a:spcBef>
+              <a:spcAft>
+                <a:spcPts val="0"/>
+              </a:spcAft>
+              <a:buClr>
+                <a:schemeClr val="accent1">
+                  <a:lumMod val="75000"/>
+                </a:schemeClr>
+              </a:buClr>
+              <a:buSzPts val="1400"/>
+              <a:buFont typeface="Wingdings" pitchFamily="2" charset="2"/>
+              <a:buChar char="■"/>
+              <a:defRPr sz="1200" kern="1200">
+                <a:solidFill>
+                  <a:schemeClr val="tx1"/>
+                </a:solidFill>
+                <a:latin typeface="+mn-lt"/>
+                <a:ea typeface="+mn-ea"/>
+                <a:cs typeface="+mn-cs"/>
+              </a:defRPr>
+            </a:lvl6pPr>
+            <a:lvl7pPr marL="3200400" lvl="6" indent="-317500" algn="l" defTabSz="685800" rtl="0" eaLnBrk="1" latinLnBrk="0" hangingPunct="1">
+              <a:lnSpc>
+                <a:spcPct val="90000"/>
+              </a:lnSpc>
+              <a:spcBef>
+                <a:spcPts val="1600"/>
+              </a:spcBef>
+              <a:spcAft>
+                <a:spcPts val="0"/>
+              </a:spcAft>
+              <a:buClr>
+                <a:schemeClr val="accent1">
+                  <a:lumMod val="75000"/>
+                </a:schemeClr>
+              </a:buClr>
+              <a:buSzPts val="1400"/>
+              <a:buFont typeface="Wingdings" pitchFamily="2" charset="2"/>
+              <a:buChar char="●"/>
+              <a:defRPr sz="1200" kern="1200">
+                <a:solidFill>
+                  <a:schemeClr val="tx1"/>
+                </a:solidFill>
+                <a:latin typeface="+mn-lt"/>
+                <a:ea typeface="+mn-ea"/>
+                <a:cs typeface="+mn-cs"/>
+              </a:defRPr>
+            </a:lvl7pPr>
+            <a:lvl8pPr marL="3657600" lvl="7" indent="-317500" algn="l" defTabSz="685800" rtl="0" eaLnBrk="1" latinLnBrk="0" hangingPunct="1">
+              <a:lnSpc>
+                <a:spcPct val="90000"/>
+              </a:lnSpc>
+              <a:spcBef>
+                <a:spcPts val="1600"/>
+              </a:spcBef>
+              <a:spcAft>
+                <a:spcPts val="0"/>
+              </a:spcAft>
+              <a:buClr>
+                <a:schemeClr val="accent1">
+                  <a:lumMod val="75000"/>
+                </a:schemeClr>
+              </a:buClr>
+              <a:buSzPts val="1400"/>
+              <a:buFont typeface="Wingdings" pitchFamily="2" charset="2"/>
+              <a:buChar char="○"/>
+              <a:defRPr sz="1200" kern="1200">
+                <a:solidFill>
+                  <a:schemeClr val="tx1"/>
+                </a:solidFill>
+                <a:latin typeface="+mn-lt"/>
+                <a:ea typeface="+mn-ea"/>
+                <a:cs typeface="+mn-cs"/>
+              </a:defRPr>
+            </a:lvl8pPr>
+            <a:lvl9pPr marL="4114800" lvl="8" indent="-317500" algn="l" defTabSz="685800" rtl="0" eaLnBrk="1" latinLnBrk="0" hangingPunct="1">
+              <a:lnSpc>
+                <a:spcPct val="90000"/>
+              </a:lnSpc>
+              <a:spcBef>
+                <a:spcPts val="1600"/>
+              </a:spcBef>
+              <a:spcAft>
+                <a:spcPts val="1600"/>
+              </a:spcAft>
+              <a:buClr>
+                <a:schemeClr val="accent1">
+                  <a:lumMod val="75000"/>
+                </a:schemeClr>
+              </a:buClr>
+              <a:buSzPts val="1400"/>
+              <a:buFont typeface="Wingdings" pitchFamily="2" charset="2"/>
+              <a:buChar char="■"/>
+              <a:defRPr sz="1200" kern="1200">
+                <a:solidFill>
+                  <a:schemeClr val="tx1"/>
+                </a:solidFill>
+                <a:latin typeface="+mn-lt"/>
+                <a:ea typeface="+mn-ea"/>
+                <a:cs typeface="+mn-cs"/>
+              </a:defRPr>
+            </a:lvl9pPr>
+          </a:lstStyle>
+          <a:p>
+            <a:pPr marL="0" indent="0" algn="ctr">
+              <a:buFont typeface="Wingdings" pitchFamily="2" charset="2"/>
+              <a:buNone/>
+            </a:pPr>
+            <a:r>
+              <a:rPr lang="en-US" dirty="0"/>
+              <a:t>Max Pooling</a:t>
+            </a:r>
+          </a:p>
+          <a:p>
+            <a:pPr marL="285750" indent="-285750">
+              <a:buFont typeface="Wingdings" pitchFamily="2" charset="2"/>
+              <a:buChar char="§"/>
+            </a:pPr>
+            <a:endParaRPr lang="en-US" dirty="0"/>
+          </a:p>
+          <a:p>
+            <a:pPr marL="0" indent="0">
+              <a:buFont typeface="Wingdings" pitchFamily="2" charset="2"/>
+              <a:buNone/>
+            </a:pPr>
+            <a:endParaRPr lang="en-US" dirty="0"/>
+          </a:p>
+          <a:p>
+            <a:pPr marL="0" indent="0">
+              <a:buFont typeface="Wingdings" pitchFamily="2" charset="2"/>
+              <a:buNone/>
+            </a:pPr>
+            <a:endParaRPr lang="en-US" dirty="0"/>
+          </a:p>
+          <a:p>
+            <a:pPr marL="0" indent="0">
+              <a:buFont typeface="Wingdings" pitchFamily="2" charset="2"/>
+              <a:buNone/>
+            </a:pPr>
+            <a:endParaRPr lang="en-US" dirty="0"/>
+          </a:p>
+          <a:p>
+            <a:pPr marL="0" indent="0">
+              <a:buFont typeface="Wingdings" pitchFamily="2" charset="2"/>
+              <a:buNone/>
+            </a:pPr>
+            <a:endParaRPr lang="en-US" dirty="0"/>
+          </a:p>
+          <a:p>
+            <a:pPr marL="0" indent="0">
+              <a:buFont typeface="Wingdings" pitchFamily="2" charset="2"/>
+              <a:buNone/>
+            </a:pPr>
+            <a:endParaRPr lang="en-US" dirty="0"/>
+          </a:p>
+          <a:p>
+            <a:pPr marL="0" indent="0">
+              <a:buFont typeface="Wingdings" pitchFamily="2" charset="2"/>
+              <a:buNone/>
+            </a:pPr>
+            <a:endParaRPr lang="en-US" dirty="0"/>
+          </a:p>
+          <a:p>
+            <a:pPr marL="0" indent="0">
+              <a:buFont typeface="Wingdings" pitchFamily="2" charset="2"/>
+              <a:buNone/>
+            </a:pPr>
+            <a:endParaRPr lang="en-US" dirty="0"/>
+          </a:p>
+        </p:txBody>
+      </p:sp>
+    </p:spTree>
+    <p:extLst>
+      <p:ext uri="{BB962C8B-B14F-4D97-AF65-F5344CB8AC3E}">
+        <p14:creationId xmlns:p14="http://schemas.microsoft.com/office/powerpoint/2010/main" val="3138815998"/>
       </p:ext>
     </p:extLst>
   </p:cSld>
@@ -16391,6 +18890,377 @@
     <p:extLst>
       <p:ext uri="{BB962C8B-B14F-4D97-AF65-F5344CB8AC3E}">
         <p14:creationId xmlns:p14="http://schemas.microsoft.com/office/powerpoint/2010/main" val="4224553320"/>
+      </p:ext>
+    </p:extLst>
+  </p:cSld>
+  <p:clrMapOvr>
+    <a:masterClrMapping/>
+  </p:clrMapOvr>
+</p:sld>
+</file>
+
+<file path=ppt/slides/slide30.xml><?xml version="1.0" encoding="utf-8"?>
+<p:sld xmlns:a="http://schemas.openxmlformats.org/drawingml/2006/main" xmlns:r="http://schemas.openxmlformats.org/officeDocument/2006/relationships" xmlns:p="http://schemas.openxmlformats.org/presentationml/2006/main">
+  <p:cSld>
+    <p:spTree>
+      <p:nvGrpSpPr>
+        <p:cNvPr id="1" name="Shape 120"/>
+        <p:cNvGrpSpPr/>
+        <p:nvPr/>
+      </p:nvGrpSpPr>
+      <p:grpSpPr>
+        <a:xfrm>
+          <a:off x="0" y="0"/>
+          <a:ext cx="0" cy="0"/>
+          <a:chOff x="0" y="0"/>
+          <a:chExt cx="0" cy="0"/>
+        </a:xfrm>
+      </p:grpSpPr>
+      <p:sp>
+        <p:nvSpPr>
+          <p:cNvPr id="9" name="Google Shape;105;p20">
+            <a:extLst>
+              <a:ext uri="{FF2B5EF4-FFF2-40B4-BE49-F238E27FC236}">
+                <a16:creationId xmlns:a16="http://schemas.microsoft.com/office/drawing/2014/main" id="{48DC9006-9169-8341-8207-239ADFFC1D10}"/>
+              </a:ext>
+            </a:extLst>
+          </p:cNvPr>
+          <p:cNvSpPr txBox="1">
+            <a:spLocks noGrp="1"/>
+          </p:cNvSpPr>
+          <p:nvPr>
+            <p:ph type="title"/>
+          </p:nvPr>
+        </p:nvSpPr>
+        <p:spPr>
+          <a:xfrm>
+            <a:off x="387900" y="458025"/>
+            <a:ext cx="8368200" cy="686100"/>
+          </a:xfrm>
+          <a:prstGeom prst="rect">
+            <a:avLst/>
+          </a:prstGeom>
+        </p:spPr>
+        <p:txBody>
+          <a:bodyPr spcFirstLastPara="1" wrap="square" lIns="91425" tIns="91425" rIns="91425" bIns="91425" anchor="b" anchorCtr="0">
+            <a:noAutofit/>
+          </a:bodyPr>
+          <a:lstStyle/>
+          <a:p>
+            <a:pPr marL="0" lvl="0" indent="0" algn="l" rtl="0">
+              <a:spcBef>
+                <a:spcPts val="0"/>
+              </a:spcBef>
+              <a:spcAft>
+                <a:spcPts val="0"/>
+              </a:spcAft>
+              <a:buNone/>
+            </a:pPr>
+            <a:r>
+              <a:rPr lang="en" dirty="0"/>
+              <a:t>Subsampling</a:t>
+            </a:r>
+            <a:endParaRPr dirty="0"/>
+          </a:p>
+        </p:txBody>
+      </p:sp>
+      <p:pic>
+        <p:nvPicPr>
+          <p:cNvPr id="17" name="Picture 16" descr="Diagram, schematic&#10;&#10;Description automatically generated">
+            <a:extLst>
+              <a:ext uri="{FF2B5EF4-FFF2-40B4-BE49-F238E27FC236}">
+                <a16:creationId xmlns:a16="http://schemas.microsoft.com/office/drawing/2014/main" id="{AC208128-8D2B-854E-8923-DE9AE8BE172C}"/>
+              </a:ext>
+            </a:extLst>
+          </p:cNvPr>
+          <p:cNvPicPr>
+            <a:picLocks noChangeAspect="1"/>
+          </p:cNvPicPr>
+          <p:nvPr/>
+        </p:nvPicPr>
+        <p:blipFill>
+          <a:blip r:embed="rId3">
+            <a:extLst>
+              <a:ext uri="{837473B0-CC2E-450A-ABE3-18F120FF3D39}">
+                <a1611:picAttrSrcUrl xmlns:a1611="http://schemas.microsoft.com/office/drawing/2016/11/main" r:id="rId4"/>
+              </a:ext>
+            </a:extLst>
+          </a:blip>
+          <a:stretch>
+            <a:fillRect/>
+          </a:stretch>
+        </p:blipFill>
+        <p:spPr>
+          <a:xfrm>
+            <a:off x="1426464" y="1339596"/>
+            <a:ext cx="5943600" cy="3086100"/>
+          </a:xfrm>
+          <a:prstGeom prst="rect">
+            <a:avLst/>
+          </a:prstGeom>
+        </p:spPr>
+      </p:pic>
+      <p:sp>
+        <p:nvSpPr>
+          <p:cNvPr id="18" name="TextBox 17">
+            <a:extLst>
+              <a:ext uri="{FF2B5EF4-FFF2-40B4-BE49-F238E27FC236}">
+                <a16:creationId xmlns:a16="http://schemas.microsoft.com/office/drawing/2014/main" id="{AC003373-C9F4-E94F-9155-F9649C7897EB}"/>
+              </a:ext>
+            </a:extLst>
+          </p:cNvPr>
+          <p:cNvSpPr txBox="1"/>
+          <p:nvPr/>
+        </p:nvSpPr>
+        <p:spPr>
+          <a:xfrm>
+            <a:off x="2672334" y="4912668"/>
+            <a:ext cx="3451860" cy="230832"/>
+          </a:xfrm>
+          <a:prstGeom prst="rect">
+            <a:avLst/>
+          </a:prstGeom>
+          <a:noFill/>
+        </p:spPr>
+        <p:txBody>
+          <a:bodyPr wrap="square" rtlCol="0">
+            <a:spAutoFit/>
+          </a:bodyPr>
+          <a:lstStyle/>
+          <a:p>
+            <a:r>
+              <a:rPr lang="en-US" sz="900" dirty="0">
+                <a:hlinkClick r:id="rId4" tooltip="https://www.frontiersin.org/articles/10.3389/fnins.2018.00777/full"/>
+              </a:rPr>
+              <a:t>This Photo</a:t>
+            </a:r>
+            <a:r>
+              <a:rPr lang="en-US" sz="900" dirty="0"/>
+              <a:t> by Unknown Author is licensed under </a:t>
+            </a:r>
+            <a:r>
+              <a:rPr lang="en-US" sz="900" dirty="0">
+                <a:hlinkClick r:id="rId5" tooltip="https://creativecommons.org/licenses/by/3.0/"/>
+              </a:rPr>
+              <a:t>CC BY</a:t>
+            </a:r>
+            <a:endParaRPr lang="en-US" sz="900" dirty="0"/>
+          </a:p>
+        </p:txBody>
+      </p:sp>
+      <p:sp>
+        <p:nvSpPr>
+          <p:cNvPr id="13" name="Rectangle 12">
+            <a:extLst>
+              <a:ext uri="{FF2B5EF4-FFF2-40B4-BE49-F238E27FC236}">
+                <a16:creationId xmlns:a16="http://schemas.microsoft.com/office/drawing/2014/main" id="{6CAA6C2C-611A-8540-A08C-61FFE82AD972}"/>
+              </a:ext>
+            </a:extLst>
+          </p:cNvPr>
+          <p:cNvSpPr/>
+          <p:nvPr/>
+        </p:nvSpPr>
+        <p:spPr>
+          <a:xfrm>
+            <a:off x="3338763" y="1678405"/>
+            <a:ext cx="252663" cy="102269"/>
+          </a:xfrm>
+          <a:prstGeom prst="rect">
+            <a:avLst/>
+          </a:prstGeom>
+          <a:noFill/>
+        </p:spPr>
+        <p:style>
+          <a:lnRef idx="2">
+            <a:schemeClr val="accent6"/>
+          </a:lnRef>
+          <a:fillRef idx="1">
+            <a:schemeClr val="lt1"/>
+          </a:fillRef>
+          <a:effectRef idx="0">
+            <a:schemeClr val="accent6"/>
+          </a:effectRef>
+          <a:fontRef idx="minor">
+            <a:schemeClr val="dk1"/>
+          </a:fontRef>
+        </p:style>
+        <p:txBody>
+          <a:bodyPr rtlCol="0" anchor="ctr"/>
+          <a:lstStyle/>
+          <a:p>
+            <a:pPr algn="ctr"/>
+            <a:endParaRPr lang="en-US"/>
+          </a:p>
+        </p:txBody>
+      </p:sp>
+      <mc:AlternateContent xmlns:mc="http://schemas.openxmlformats.org/markup-compatibility/2006">
+        <mc:Choice xmlns:p14="http://schemas.microsoft.com/office/powerpoint/2010/main" Requires="p14">
+          <p:contentPart p14:bwMode="auto" r:id="rId6">
+            <p14:nvContentPartPr>
+              <p14:cNvPr id="14" name="Ink 13">
+                <a:extLst>
+                  <a:ext uri="{FF2B5EF4-FFF2-40B4-BE49-F238E27FC236}">
+                    <a16:creationId xmlns:a16="http://schemas.microsoft.com/office/drawing/2014/main" id="{1876E663-3916-5648-A02F-44D496B27141}"/>
+                  </a:ext>
+                </a:extLst>
+              </p14:cNvPr>
+              <p14:cNvContentPartPr/>
+              <p14:nvPr/>
+            </p14:nvContentPartPr>
+            <p14:xfrm>
+              <a:off x="3609976" y="1262501"/>
+              <a:ext cx="524160" cy="480240"/>
+            </p14:xfrm>
+          </p:contentPart>
+        </mc:Choice>
+        <mc:Fallback>
+          <p:pic>
+            <p:nvPicPr>
+              <p:cNvPr id="14" name="Ink 13">
+                <a:extLst>
+                  <a:ext uri="{FF2B5EF4-FFF2-40B4-BE49-F238E27FC236}">
+                    <a16:creationId xmlns:a16="http://schemas.microsoft.com/office/drawing/2014/main" id="{1876E663-3916-5648-A02F-44D496B27141}"/>
+                  </a:ext>
+                </a:extLst>
+              </p:cNvPr>
+              <p:cNvPicPr/>
+              <p:nvPr/>
+            </p:nvPicPr>
+            <p:blipFill>
+              <a:blip r:embed="rId7"/>
+              <a:stretch>
+                <a:fillRect/>
+              </a:stretch>
+            </p:blipFill>
+            <p:spPr>
+              <a:xfrm>
+                <a:off x="3600976" y="1253861"/>
+                <a:ext cx="541800" cy="497880"/>
+              </a:xfrm>
+              <a:prstGeom prst="rect">
+                <a:avLst/>
+              </a:prstGeom>
+            </p:spPr>
+          </p:pic>
+        </mc:Fallback>
+      </mc:AlternateContent>
+      <p:sp>
+        <p:nvSpPr>
+          <p:cNvPr id="19" name="TextBox 18">
+            <a:extLst>
+              <a:ext uri="{FF2B5EF4-FFF2-40B4-BE49-F238E27FC236}">
+                <a16:creationId xmlns:a16="http://schemas.microsoft.com/office/drawing/2014/main" id="{0DB77243-E069-EE41-BBB2-10E7D2276B00}"/>
+              </a:ext>
+            </a:extLst>
+          </p:cNvPr>
+          <p:cNvSpPr txBox="1"/>
+          <p:nvPr/>
+        </p:nvSpPr>
+        <p:spPr>
+          <a:xfrm>
+            <a:off x="4247147" y="1221205"/>
+            <a:ext cx="2767104" cy="246221"/>
+          </a:xfrm>
+          <a:prstGeom prst="rect">
+            <a:avLst/>
+          </a:prstGeom>
+          <a:noFill/>
+        </p:spPr>
+        <p:txBody>
+          <a:bodyPr wrap="none" rtlCol="0">
+            <a:spAutoFit/>
+          </a:bodyPr>
+          <a:lstStyle/>
+          <a:p>
+            <a:r>
+              <a:rPr lang="en-US" sz="1000" dirty="0"/>
+              <a:t>From 32*32 the dimension reduces to 16*16</a:t>
+            </a:r>
+          </a:p>
+        </p:txBody>
+      </p:sp>
+    </p:spTree>
+    <p:extLst>
+      <p:ext uri="{BB962C8B-B14F-4D97-AF65-F5344CB8AC3E}">
+        <p14:creationId xmlns:p14="http://schemas.microsoft.com/office/powerpoint/2010/main" val="578057514"/>
+      </p:ext>
+    </p:extLst>
+  </p:cSld>
+  <p:clrMapOvr>
+    <a:masterClrMapping/>
+  </p:clrMapOvr>
+</p:sld>
+</file>
+
+<file path=ppt/slides/slide31.xml><?xml version="1.0" encoding="utf-8"?>
+<p:sld xmlns:a="http://schemas.openxmlformats.org/drawingml/2006/main" xmlns:r="http://schemas.openxmlformats.org/officeDocument/2006/relationships" xmlns:p="http://schemas.openxmlformats.org/presentationml/2006/main">
+  <p:cSld>
+    <p:spTree>
+      <p:nvGrpSpPr>
+        <p:cNvPr id="1" name="Shape 120"/>
+        <p:cNvGrpSpPr/>
+        <p:nvPr/>
+      </p:nvGrpSpPr>
+      <p:grpSpPr>
+        <a:xfrm>
+          <a:off x="0" y="0"/>
+          <a:ext cx="0" cy="0"/>
+          <a:chOff x="0" y="0"/>
+          <a:chExt cx="0" cy="0"/>
+        </a:xfrm>
+      </p:grpSpPr>
+      <p:sp>
+        <p:nvSpPr>
+          <p:cNvPr id="9" name="Google Shape;105;p20">
+            <a:extLst>
+              <a:ext uri="{FF2B5EF4-FFF2-40B4-BE49-F238E27FC236}">
+                <a16:creationId xmlns:a16="http://schemas.microsoft.com/office/drawing/2014/main" id="{48DC9006-9169-8341-8207-239ADFFC1D10}"/>
+              </a:ext>
+            </a:extLst>
+          </p:cNvPr>
+          <p:cNvSpPr txBox="1">
+            <a:spLocks noGrp="1"/>
+          </p:cNvSpPr>
+          <p:nvPr>
+            <p:ph type="title"/>
+          </p:nvPr>
+        </p:nvSpPr>
+        <p:spPr>
+          <a:xfrm>
+            <a:off x="387900" y="458025"/>
+            <a:ext cx="8368200" cy="686100"/>
+          </a:xfrm>
+          <a:prstGeom prst="rect">
+            <a:avLst/>
+          </a:prstGeom>
+        </p:spPr>
+        <p:txBody>
+          <a:bodyPr spcFirstLastPara="1" wrap="square" lIns="91425" tIns="91425" rIns="91425" bIns="91425" anchor="b" anchorCtr="0">
+            <a:noAutofit/>
+          </a:bodyPr>
+          <a:lstStyle/>
+          <a:p>
+            <a:pPr marL="0" lvl="0" indent="0" algn="l" rtl="0">
+              <a:spcBef>
+                <a:spcPts val="0"/>
+              </a:spcBef>
+              <a:spcAft>
+                <a:spcPts val="0"/>
+              </a:spcAft>
+              <a:buNone/>
+            </a:pPr>
+            <a:r>
+              <a:rPr lang="en" dirty="0"/>
+              <a:t>Fully Connected Layer</a:t>
+            </a:r>
+            <a:endParaRPr dirty="0"/>
+          </a:p>
+        </p:txBody>
+      </p:sp>
+    </p:spTree>
+    <p:extLst>
+      <p:ext uri="{BB962C8B-B14F-4D97-AF65-F5344CB8AC3E}">
+        <p14:creationId xmlns:p14="http://schemas.microsoft.com/office/powerpoint/2010/main" val="589359632"/>
       </p:ext>
     </p:extLst>
   </p:cSld>
